--- a/examples/md2ppt_demo.pptx
+++ b/examples/md2ppt_demo.pptx
@@ -724,24 +724,21 @@
         </p:nvSpPr>
         <p:spPr>
           <a:xfrm>
-            <a:off x="1000000" y="1600000"/>
-            <a:ext cx="7000000" cy="600000"/>
-          </a:xfrm>
-          <a:prstGeom prst="rect">
-            <a:avLst/>
-          </a:prstGeom>
-          <a:solidFill>
-            <a:srgbClr val="2E7D32"/>
-          </a:solidFill>
-        </p:spPr>
-        <p:txBody>
-          <a:bodyPr wrap="square" rtlCol="0" anchor="ctr"/>
-          <a:lstStyle/>
-          <a:p>
-            <a:pPr algn="ctr"/>
-            <a:r>
-              <a:rPr lang="en-US" sz="1800" dirty="0"/>
-              <a:t>📅 Gantt Chart</a:t>
+            <a:off x="500000" y="1600000"/>
+            <a:ext cx="7000000" cy="400000"/>
+          </a:xfrm>
+          <a:prstGeom prst="rect">
+            <a:avLst/>
+          </a:prstGeom>
+        </p:spPr>
+        <p:txBody>
+          <a:bodyPr wrap="square" rtlCol="0" anchor="ctr"/>
+          <a:lstStyle/>
+          <a:p>
+            <a:pPr algn="ctr"/>
+            <a:r>
+              <a:rPr lang="en-US" sz="1800" dirty="0"/>
+              <a:t>Product Development Schedule</a:t>
             </a:r>
           </a:p>
         </p:txBody>
@@ -754,27 +751,524 @@
         </p:nvSpPr>
         <p:spPr>
           <a:xfrm>
-            <a:off x="1000000" y="2200000"/>
-            <a:ext cx="7000000" cy="3600000"/>
-          </a:xfrm>
-          <a:prstGeom prst="rect">
-            <a:avLst/>
-          </a:prstGeom>
-          <a:solidFill>
-            <a:srgbClr val="E8F5E9"/>
-          </a:solidFill>
-        </p:spPr>
-        <p:txBody>
-          <a:bodyPr wrap="square" rtlCol="0" anchor="ctr"/>
-          <a:lstStyle/>
-          <a:p>
-            <a:pPr algn="ctr"/>
-            <a:r>
-              <a:rPr lang="en-US" sz="1800" dirty="0"/>
-              <a:t>Sections: Planning, Development, Testing, Launch
-Tasks: 8</a:t>
-            </a:r>
-          </a:p>
+            <a:off x="500000" y="2100000"/>
+            <a:ext cx="7000000" cy="300000"/>
+          </a:xfrm>
+          <a:prstGeom prst="rect">
+            <a:avLst/>
+          </a:prstGeom>
+          <a:solidFill>
+            <a:srgbClr val="E0E0E0"/>
+          </a:solidFill>
+        </p:spPr>
+        <p:txBody>
+          <a:bodyPr wrap="square" rtlCol="0" anchor="ctr"/>
+          <a:lstStyle/>
+          <a:p>
+            <a:pPr algn="ctr"/>
+            <a:r>
+              <a:rPr lang="en-US" sz="1800" dirty="0"/>
+              <a:t>Planning</a:t>
+            </a:r>
+          </a:p>
+        </p:txBody>
+      </p:sp>
+      <p:sp>
+        <p:nvSpPr>
+          <p:cNvPr id="12" name="Shape 12"/>
+          <p:cNvSpPr/>
+          <p:nvPr/>
+        </p:nvSpPr>
+        <p:spPr>
+          <a:xfrm>
+            <a:off x="500000" y="2450000"/>
+            <a:ext cx="2000000" cy="250000"/>
+          </a:xfrm>
+          <a:prstGeom prst="rect">
+            <a:avLst/>
+          </a:prstGeom>
+        </p:spPr>
+        <p:txBody>
+          <a:bodyPr wrap="square" rtlCol="0" anchor="ctr"/>
+          <a:lstStyle/>
+          <a:p>
+            <a:pPr algn="ctr"/>
+            <a:r>
+              <a:rPr lang="en-US" sz="1800" dirty="0"/>
+              <a:t>Requirements</a:t>
+            </a:r>
+          </a:p>
+        </p:txBody>
+      </p:sp>
+      <p:sp>
+        <p:nvSpPr>
+          <p:cNvPr id="13" name="Shape 13"/>
+          <p:cNvSpPr/>
+          <p:nvPr/>
+        </p:nvSpPr>
+        <p:spPr>
+          <a:xfrm>
+            <a:off x="2600000" y="2450000"/>
+            <a:ext cx="1800000" cy="250000"/>
+          </a:xfrm>
+          <a:prstGeom prst="roundRect">
+            <a:avLst/>
+          </a:prstGeom>
+          <a:solidFill>
+            <a:srgbClr val="4472C4"/>
+          </a:solidFill>
+        </p:spPr>
+        <p:txBody>
+          <a:bodyPr/>
+          <a:lstStyle/>
+          <a:p/>
+        </p:txBody>
+      </p:sp>
+      <p:sp>
+        <p:nvSpPr>
+          <p:cNvPr id="14" name="Shape 14"/>
+          <p:cNvSpPr/>
+          <p:nvPr/>
+        </p:nvSpPr>
+        <p:spPr>
+          <a:xfrm>
+            <a:off x="500000" y="2730000"/>
+            <a:ext cx="2000000" cy="250000"/>
+          </a:xfrm>
+          <a:prstGeom prst="rect">
+            <a:avLst/>
+          </a:prstGeom>
+        </p:spPr>
+        <p:txBody>
+          <a:bodyPr wrap="square" rtlCol="0" anchor="ctr"/>
+          <a:lstStyle/>
+          <a:p>
+            <a:pPr algn="ctr"/>
+            <a:r>
+              <a:rPr lang="en-US" sz="1800" dirty="0"/>
+              <a:t>Design</a:t>
+            </a:r>
+          </a:p>
+        </p:txBody>
+      </p:sp>
+      <p:sp>
+        <p:nvSpPr>
+          <p:cNvPr id="15" name="Shape 15"/>
+          <p:cNvSpPr/>
+          <p:nvPr/>
+        </p:nvSpPr>
+        <p:spPr>
+          <a:xfrm>
+            <a:off x="2800000" y="2730000"/>
+            <a:ext cx="1800000" cy="250000"/>
+          </a:xfrm>
+          <a:prstGeom prst="roundRect">
+            <a:avLst/>
+          </a:prstGeom>
+          <a:solidFill>
+            <a:srgbClr val="ED7D31"/>
+          </a:solidFill>
+        </p:spPr>
+        <p:txBody>
+          <a:bodyPr/>
+          <a:lstStyle/>
+          <a:p/>
+        </p:txBody>
+      </p:sp>
+      <p:sp>
+        <p:nvSpPr>
+          <p:cNvPr id="16" name="Shape 16"/>
+          <p:cNvSpPr/>
+          <p:nvPr/>
+        </p:nvSpPr>
+        <p:spPr>
+          <a:xfrm>
+            <a:off x="500000" y="3010000"/>
+            <a:ext cx="7000000" cy="300000"/>
+          </a:xfrm>
+          <a:prstGeom prst="rect">
+            <a:avLst/>
+          </a:prstGeom>
+          <a:solidFill>
+            <a:srgbClr val="E0E0E0"/>
+          </a:solidFill>
+        </p:spPr>
+        <p:txBody>
+          <a:bodyPr wrap="square" rtlCol="0" anchor="ctr"/>
+          <a:lstStyle/>
+          <a:p>
+            <a:pPr algn="ctr"/>
+            <a:r>
+              <a:rPr lang="en-US" sz="1800" dirty="0"/>
+              <a:t>Development</a:t>
+            </a:r>
+          </a:p>
+        </p:txBody>
+      </p:sp>
+      <p:sp>
+        <p:nvSpPr>
+          <p:cNvPr id="17" name="Shape 17"/>
+          <p:cNvSpPr/>
+          <p:nvPr/>
+        </p:nvSpPr>
+        <p:spPr>
+          <a:xfrm>
+            <a:off x="500000" y="3360000"/>
+            <a:ext cx="2000000" cy="250000"/>
+          </a:xfrm>
+          <a:prstGeom prst="rect">
+            <a:avLst/>
+          </a:prstGeom>
+        </p:spPr>
+        <p:txBody>
+          <a:bodyPr wrap="square" rtlCol="0" anchor="ctr"/>
+          <a:lstStyle/>
+          <a:p>
+            <a:pPr algn="ctr"/>
+            <a:r>
+              <a:rPr lang="en-US" sz="1800" dirty="0"/>
+              <a:t>Backend API</a:t>
+            </a:r>
+          </a:p>
+        </p:txBody>
+      </p:sp>
+      <p:sp>
+        <p:nvSpPr>
+          <p:cNvPr id="18" name="Shape 18"/>
+          <p:cNvSpPr/>
+          <p:nvPr/>
+        </p:nvSpPr>
+        <p:spPr>
+          <a:xfrm>
+            <a:off x="2600000" y="3360000"/>
+            <a:ext cx="1800000" cy="250000"/>
+          </a:xfrm>
+          <a:prstGeom prst="roundRect">
+            <a:avLst/>
+          </a:prstGeom>
+          <a:solidFill>
+            <a:srgbClr val="ED7D31"/>
+          </a:solidFill>
+        </p:spPr>
+        <p:txBody>
+          <a:bodyPr/>
+          <a:lstStyle/>
+          <a:p/>
+        </p:txBody>
+      </p:sp>
+      <p:sp>
+        <p:nvSpPr>
+          <p:cNvPr id="19" name="Shape 19"/>
+          <p:cNvSpPr/>
+          <p:nvPr/>
+        </p:nvSpPr>
+        <p:spPr>
+          <a:xfrm>
+            <a:off x="500000" y="3640000"/>
+            <a:ext cx="2000000" cy="250000"/>
+          </a:xfrm>
+          <a:prstGeom prst="rect">
+            <a:avLst/>
+          </a:prstGeom>
+        </p:spPr>
+        <p:txBody>
+          <a:bodyPr wrap="square" rtlCol="0" anchor="ctr"/>
+          <a:lstStyle/>
+          <a:p>
+            <a:pPr algn="ctr"/>
+            <a:r>
+              <a:rPr lang="en-US" sz="1800" dirty="0"/>
+              <a:t>Frontend UI</a:t>
+            </a:r>
+          </a:p>
+        </p:txBody>
+      </p:sp>
+      <p:sp>
+        <p:nvSpPr>
+          <p:cNvPr id="20" name="Shape 20"/>
+          <p:cNvSpPr/>
+          <p:nvPr/>
+        </p:nvSpPr>
+        <p:spPr>
+          <a:xfrm>
+            <a:off x="2800000" y="3640000"/>
+            <a:ext cx="1800000" cy="250000"/>
+          </a:xfrm>
+          <a:prstGeom prst="roundRect">
+            <a:avLst/>
+          </a:prstGeom>
+          <a:solidFill>
+            <a:srgbClr val="70AD47"/>
+          </a:solidFill>
+        </p:spPr>
+        <p:txBody>
+          <a:bodyPr/>
+          <a:lstStyle/>
+          <a:p/>
+        </p:txBody>
+      </p:sp>
+      <p:sp>
+        <p:nvSpPr>
+          <p:cNvPr id="21" name="Shape 21"/>
+          <p:cNvSpPr/>
+          <p:nvPr/>
+        </p:nvSpPr>
+        <p:spPr>
+          <a:xfrm>
+            <a:off x="500000" y="3920000"/>
+            <a:ext cx="2000000" cy="250000"/>
+          </a:xfrm>
+          <a:prstGeom prst="rect">
+            <a:avLst/>
+          </a:prstGeom>
+        </p:spPr>
+        <p:txBody>
+          <a:bodyPr wrap="square" rtlCol="0" anchor="ctr"/>
+          <a:lstStyle/>
+          <a:p>
+            <a:pPr algn="ctr"/>
+            <a:r>
+              <a:rPr lang="en-US" sz="1800" dirty="0"/>
+              <a:t>Integration</a:t>
+            </a:r>
+          </a:p>
+        </p:txBody>
+      </p:sp>
+      <p:sp>
+        <p:nvSpPr>
+          <p:cNvPr id="22" name="Shape 22"/>
+          <p:cNvSpPr/>
+          <p:nvPr/>
+        </p:nvSpPr>
+        <p:spPr>
+          <a:xfrm>
+            <a:off x="3000000" y="3920000"/>
+            <a:ext cx="1800000" cy="250000"/>
+          </a:xfrm>
+          <a:prstGeom prst="roundRect">
+            <a:avLst/>
+          </a:prstGeom>
+          <a:solidFill>
+            <a:srgbClr val="FFC000"/>
+          </a:solidFill>
+        </p:spPr>
+        <p:txBody>
+          <a:bodyPr/>
+          <a:lstStyle/>
+          <a:p/>
+        </p:txBody>
+      </p:sp>
+      <p:sp>
+        <p:nvSpPr>
+          <p:cNvPr id="23" name="Shape 23"/>
+          <p:cNvSpPr/>
+          <p:nvPr/>
+        </p:nvSpPr>
+        <p:spPr>
+          <a:xfrm>
+            <a:off x="500000" y="4200000"/>
+            <a:ext cx="7000000" cy="300000"/>
+          </a:xfrm>
+          <a:prstGeom prst="rect">
+            <a:avLst/>
+          </a:prstGeom>
+          <a:solidFill>
+            <a:srgbClr val="E0E0E0"/>
+          </a:solidFill>
+        </p:spPr>
+        <p:txBody>
+          <a:bodyPr wrap="square" rtlCol="0" anchor="ctr"/>
+          <a:lstStyle/>
+          <a:p>
+            <a:pPr algn="ctr"/>
+            <a:r>
+              <a:rPr lang="en-US" sz="1800" dirty="0"/>
+              <a:t>Testing</a:t>
+            </a:r>
+          </a:p>
+        </p:txBody>
+      </p:sp>
+      <p:sp>
+        <p:nvSpPr>
+          <p:cNvPr id="24" name="Shape 24"/>
+          <p:cNvSpPr/>
+          <p:nvPr/>
+        </p:nvSpPr>
+        <p:spPr>
+          <a:xfrm>
+            <a:off x="500000" y="4550000"/>
+            <a:ext cx="2000000" cy="250000"/>
+          </a:xfrm>
+          <a:prstGeom prst="rect">
+            <a:avLst/>
+          </a:prstGeom>
+        </p:spPr>
+        <p:txBody>
+          <a:bodyPr wrap="square" rtlCol="0" anchor="ctr"/>
+          <a:lstStyle/>
+          <a:p>
+            <a:pPr algn="ctr"/>
+            <a:r>
+              <a:rPr lang="en-US" sz="1800" dirty="0"/>
+              <a:t>QA Testing</a:t>
+            </a:r>
+          </a:p>
+        </p:txBody>
+      </p:sp>
+      <p:sp>
+        <p:nvSpPr>
+          <p:cNvPr id="25" name="Shape 25"/>
+          <p:cNvSpPr/>
+          <p:nvPr/>
+        </p:nvSpPr>
+        <p:spPr>
+          <a:xfrm>
+            <a:off x="2600000" y="4550000"/>
+            <a:ext cx="1800000" cy="250000"/>
+          </a:xfrm>
+          <a:prstGeom prst="roundRect">
+            <a:avLst/>
+          </a:prstGeom>
+          <a:solidFill>
+            <a:srgbClr val="70AD47"/>
+          </a:solidFill>
+        </p:spPr>
+        <p:txBody>
+          <a:bodyPr/>
+          <a:lstStyle/>
+          <a:p/>
+        </p:txBody>
+      </p:sp>
+      <p:sp>
+        <p:nvSpPr>
+          <p:cNvPr id="26" name="Shape 26"/>
+          <p:cNvSpPr/>
+          <p:nvPr/>
+        </p:nvSpPr>
+        <p:spPr>
+          <a:xfrm>
+            <a:off x="500000" y="4830000"/>
+            <a:ext cx="2000000" cy="250000"/>
+          </a:xfrm>
+          <a:prstGeom prst="rect">
+            <a:avLst/>
+          </a:prstGeom>
+        </p:spPr>
+        <p:txBody>
+          <a:bodyPr wrap="square" rtlCol="0" anchor="ctr"/>
+          <a:lstStyle/>
+          <a:p>
+            <a:pPr algn="ctr"/>
+            <a:r>
+              <a:rPr lang="en-US" sz="1800" dirty="0"/>
+              <a:t>UAT</a:t>
+            </a:r>
+          </a:p>
+        </p:txBody>
+      </p:sp>
+      <p:sp>
+        <p:nvSpPr>
+          <p:cNvPr id="27" name="Shape 27"/>
+          <p:cNvSpPr/>
+          <p:nvPr/>
+        </p:nvSpPr>
+        <p:spPr>
+          <a:xfrm>
+            <a:off x="2800000" y="4830000"/>
+            <a:ext cx="1800000" cy="250000"/>
+          </a:xfrm>
+          <a:prstGeom prst="roundRect">
+            <a:avLst/>
+          </a:prstGeom>
+          <a:solidFill>
+            <a:srgbClr val="FFC000"/>
+          </a:solidFill>
+        </p:spPr>
+        <p:txBody>
+          <a:bodyPr/>
+          <a:lstStyle/>
+          <a:p/>
+        </p:txBody>
+      </p:sp>
+      <p:sp>
+        <p:nvSpPr>
+          <p:cNvPr id="28" name="Shape 28"/>
+          <p:cNvSpPr/>
+          <p:nvPr/>
+        </p:nvSpPr>
+        <p:spPr>
+          <a:xfrm>
+            <a:off x="500000" y="5110000"/>
+            <a:ext cx="7000000" cy="300000"/>
+          </a:xfrm>
+          <a:prstGeom prst="rect">
+            <a:avLst/>
+          </a:prstGeom>
+          <a:solidFill>
+            <a:srgbClr val="E0E0E0"/>
+          </a:solidFill>
+        </p:spPr>
+        <p:txBody>
+          <a:bodyPr wrap="square" rtlCol="0" anchor="ctr"/>
+          <a:lstStyle/>
+          <a:p>
+            <a:pPr algn="ctr"/>
+            <a:r>
+              <a:rPr lang="en-US" sz="1800" dirty="0"/>
+              <a:t>Launch</a:t>
+            </a:r>
+          </a:p>
+        </p:txBody>
+      </p:sp>
+      <p:sp>
+        <p:nvSpPr>
+          <p:cNvPr id="29" name="Shape 29"/>
+          <p:cNvSpPr/>
+          <p:nvPr/>
+        </p:nvSpPr>
+        <p:spPr>
+          <a:xfrm>
+            <a:off x="500000" y="5460000"/>
+            <a:ext cx="2000000" cy="250000"/>
+          </a:xfrm>
+          <a:prstGeom prst="rect">
+            <a:avLst/>
+          </a:prstGeom>
+        </p:spPr>
+        <p:txBody>
+          <a:bodyPr wrap="square" rtlCol="0" anchor="ctr"/>
+          <a:lstStyle/>
+          <a:p>
+            <a:pPr algn="ctr"/>
+            <a:r>
+              <a:rPr lang="en-US" sz="1800" dirty="0"/>
+              <a:t>Deployment</a:t>
+            </a:r>
+          </a:p>
+        </p:txBody>
+      </p:sp>
+      <p:sp>
+        <p:nvSpPr>
+          <p:cNvPr id="30" name="Shape 30"/>
+          <p:cNvSpPr/>
+          <p:nvPr/>
+        </p:nvSpPr>
+        <p:spPr>
+          <a:xfrm>
+            <a:off x="2600000" y="5460000"/>
+            <a:ext cx="1800000" cy="250000"/>
+          </a:xfrm>
+          <a:prstGeom prst="roundRect">
+            <a:avLst/>
+          </a:prstGeom>
+          <a:solidFill>
+            <a:srgbClr val="FFC000"/>
+          </a:solidFill>
+        </p:spPr>
+        <p:txBody>
+          <a:bodyPr/>
+          <a:lstStyle/>
+          <a:p/>
         </p:txBody>
       </p:sp>
     </p:spTree>
@@ -843,8 +1337,8 @@
         </p:nvSpPr>
         <p:spPr>
           <a:xfrm>
-            <a:off x="1000000" y="1600000"/>
-            <a:ext cx="7000000" cy="600000"/>
+            <a:off x="500000" y="1600000"/>
+            <a:ext cx="2200000" cy="400000"/>
           </a:xfrm>
           <a:prstGeom prst="rect">
             <a:avLst/>
@@ -852,15 +1346,20 @@
           <a:solidFill>
             <a:srgbClr val="C2185B"/>
           </a:solidFill>
-        </p:spPr>
-        <p:txBody>
-          <a:bodyPr wrap="square" rtlCol="0" anchor="ctr"/>
-          <a:lstStyle/>
-          <a:p>
-            <a:pPr algn="ctr"/>
-            <a:r>
-              <a:rPr lang="en-US" sz="1800" dirty="0"/>
-              <a:t>🗃️ ER Diagram</a:t>
+          <a:ln w="2">
+            <a:solidFill>
+              <a:srgbClr val="880E4F"/>
+            </a:solidFill>
+          </a:ln>
+        </p:spPr>
+        <p:txBody>
+          <a:bodyPr wrap="square" rtlCol="0" anchor="ctr"/>
+          <a:lstStyle/>
+          <a:p>
+            <a:pPr algn="ctr"/>
+            <a:r>
+              <a:rPr lang="en-US" sz="1800" dirty="0"/>
+              <a:t>ORDER</a:t>
             </a:r>
           </a:p>
         </p:txBody>
@@ -873,8 +1372,8 @@
         </p:nvSpPr>
         <p:spPr>
           <a:xfrm>
-            <a:off x="1000000" y="2200000"/>
-            <a:ext cx="7000000" cy="3600000"/>
+            <a:off x="500000" y="2000000"/>
+            <a:ext cx="2200000" cy="1120000"/>
           </a:xfrm>
           <a:prstGeom prst="rect">
             <a:avLst/>
@@ -882,20 +1381,434 @@
           <a:solidFill>
             <a:srgbClr val="FCE4EC"/>
           </a:solidFill>
-        </p:spPr>
-        <p:txBody>
-          <a:bodyPr wrap="square" rtlCol="0" anchor="ctr"/>
-          <a:lstStyle/>
-          <a:p>
-            <a:pPr algn="ctr"/>
-            <a:r>
-              <a:rPr lang="en-US" sz="1800" dirty="0"/>
-              <a:t>Entities: USER, ORDER : places, ORDER, LINE_ITEM : c, PRODUCT, LINE_ITEM : "
-Relationships: 3</a:t>
-            </a:r>
-          </a:p>
-        </p:txBody>
-      </p:sp>
+          <a:ln w="1">
+            <a:solidFill>
+              <a:srgbClr val="880E4F"/>
+            </a:solidFill>
+          </a:ln>
+        </p:spPr>
+        <p:txBody>
+          <a:bodyPr wrap="square" rtlCol="0" anchor="ctr"/>
+          <a:lstStyle/>
+          <a:p>
+            <a:pPr algn="ctr"/>
+            <a:r>
+              <a:rPr lang="en-US" sz="1800" dirty="0"/>
+              <a:t>int id PK
+int user_id FK
+date order_date
+decimal total</a:t>
+            </a:r>
+          </a:p>
+        </p:txBody>
+      </p:sp>
+      <p:sp>
+        <p:nvSpPr>
+          <p:cNvPr id="12" name="Shape 12"/>
+          <p:cNvSpPr/>
+          <p:nvPr/>
+        </p:nvSpPr>
+        <p:spPr>
+          <a:xfrm>
+            <a:off x="3300000" y="1600000"/>
+            <a:ext cx="2200000" cy="400000"/>
+          </a:xfrm>
+          <a:prstGeom prst="rect">
+            <a:avLst/>
+          </a:prstGeom>
+          <a:solidFill>
+            <a:srgbClr val="C2185B"/>
+          </a:solidFill>
+          <a:ln w="2">
+            <a:solidFill>
+              <a:srgbClr val="880E4F"/>
+            </a:solidFill>
+          </a:ln>
+        </p:spPr>
+        <p:txBody>
+          <a:bodyPr wrap="square" rtlCol="0" anchor="ctr"/>
+          <a:lstStyle/>
+          <a:p>
+            <a:pPr algn="ctr"/>
+            <a:r>
+              <a:rPr lang="en-US" sz="1800" dirty="0"/>
+              <a:t>LINE_ITEM</a:t>
+            </a:r>
+          </a:p>
+        </p:txBody>
+      </p:sp>
+      <p:sp>
+        <p:nvSpPr>
+          <p:cNvPr id="13" name="Shape 13"/>
+          <p:cNvSpPr/>
+          <p:nvPr/>
+        </p:nvSpPr>
+        <p:spPr>
+          <a:xfrm>
+            <a:off x="3300000" y="2000000"/>
+            <a:ext cx="2200000" cy="1120000"/>
+          </a:xfrm>
+          <a:prstGeom prst="rect">
+            <a:avLst/>
+          </a:prstGeom>
+          <a:solidFill>
+            <a:srgbClr val="FCE4EC"/>
+          </a:solidFill>
+          <a:ln w="1">
+            <a:solidFill>
+              <a:srgbClr val="880E4F"/>
+            </a:solidFill>
+          </a:ln>
+        </p:spPr>
+        <p:txBody>
+          <a:bodyPr wrap="square" rtlCol="0" anchor="ctr"/>
+          <a:lstStyle/>
+          <a:p>
+            <a:pPr algn="ctr"/>
+            <a:r>
+              <a:rPr lang="en-US" sz="1800" dirty="0"/>
+              <a:t>int id PK
+int order_id FK
+int product_id FK
+int quantity</a:t>
+            </a:r>
+          </a:p>
+        </p:txBody>
+      </p:sp>
+      <p:sp>
+        <p:nvSpPr>
+          <p:cNvPr id="14" name="Shape 14"/>
+          <p:cNvSpPr/>
+          <p:nvPr/>
+        </p:nvSpPr>
+        <p:spPr>
+          <a:xfrm>
+            <a:off x="6100000" y="1600000"/>
+            <a:ext cx="2200000" cy="400000"/>
+          </a:xfrm>
+          <a:prstGeom prst="rect">
+            <a:avLst/>
+          </a:prstGeom>
+          <a:solidFill>
+            <a:srgbClr val="C2185B"/>
+          </a:solidFill>
+          <a:ln w="2">
+            <a:solidFill>
+              <a:srgbClr val="880E4F"/>
+            </a:solidFill>
+          </a:ln>
+        </p:spPr>
+        <p:txBody>
+          <a:bodyPr wrap="square" rtlCol="0" anchor="ctr"/>
+          <a:lstStyle/>
+          <a:p>
+            <a:pPr algn="ctr"/>
+            <a:r>
+              <a:rPr lang="en-US" sz="1800" dirty="0"/>
+              <a:t>USER</a:t>
+            </a:r>
+          </a:p>
+        </p:txBody>
+      </p:sp>
+      <p:sp>
+        <p:nvSpPr>
+          <p:cNvPr id="15" name="Shape 15"/>
+          <p:cNvSpPr/>
+          <p:nvPr/>
+        </p:nvSpPr>
+        <p:spPr>
+          <a:xfrm>
+            <a:off x="6100000" y="2000000"/>
+            <a:ext cx="2200000" cy="1120000"/>
+          </a:xfrm>
+          <a:prstGeom prst="rect">
+            <a:avLst/>
+          </a:prstGeom>
+          <a:solidFill>
+            <a:srgbClr val="FCE4EC"/>
+          </a:solidFill>
+          <a:ln w="1">
+            <a:solidFill>
+              <a:srgbClr val="880E4F"/>
+            </a:solidFill>
+          </a:ln>
+        </p:spPr>
+        <p:txBody>
+          <a:bodyPr wrap="square" rtlCol="0" anchor="ctr"/>
+          <a:lstStyle/>
+          <a:p>
+            <a:pPr algn="ctr"/>
+            <a:r>
+              <a:rPr lang="en-US" sz="1800" dirty="0"/>
+              <a:t>int id PK
+string name
+string email
+date created_at</a:t>
+            </a:r>
+          </a:p>
+        </p:txBody>
+      </p:sp>
+      <p:sp>
+        <p:nvSpPr>
+          <p:cNvPr id="16" name="Shape 16"/>
+          <p:cNvSpPr/>
+          <p:nvPr/>
+        </p:nvSpPr>
+        <p:spPr>
+          <a:xfrm>
+            <a:off x="500000" y="4100000"/>
+            <a:ext cx="2200000" cy="400000"/>
+          </a:xfrm>
+          <a:prstGeom prst="rect">
+            <a:avLst/>
+          </a:prstGeom>
+          <a:solidFill>
+            <a:srgbClr val="C2185B"/>
+          </a:solidFill>
+          <a:ln w="2">
+            <a:solidFill>
+              <a:srgbClr val="880E4F"/>
+            </a:solidFill>
+          </a:ln>
+        </p:spPr>
+        <p:txBody>
+          <a:bodyPr wrap="square" rtlCol="0" anchor="ctr"/>
+          <a:lstStyle/>
+          <a:p>
+            <a:pPr algn="ctr"/>
+            <a:r>
+              <a:rPr lang="en-US" sz="1800" dirty="0"/>
+              <a:t>ntains</a:t>
+            </a:r>
+          </a:p>
+        </p:txBody>
+      </p:sp>
+      <p:sp>
+        <p:nvSpPr>
+          <p:cNvPr id="17" name="Shape 17"/>
+          <p:cNvSpPr/>
+          <p:nvPr/>
+        </p:nvSpPr>
+        <p:spPr>
+          <a:xfrm>
+            <a:off x="500000" y="4500000"/>
+            <a:ext cx="2200000" cy="280000"/>
+          </a:xfrm>
+          <a:prstGeom prst="rect">
+            <a:avLst/>
+          </a:prstGeom>
+          <a:solidFill>
+            <a:srgbClr val="FCE4EC"/>
+          </a:solidFill>
+          <a:ln w="1">
+            <a:solidFill>
+              <a:srgbClr val="880E4F"/>
+            </a:solidFill>
+          </a:ln>
+        </p:spPr>
+        <p:txBody>
+          <a:bodyPr wrap="square" rtlCol="0" anchor="ctr"/>
+          <a:lstStyle/>
+          <a:p>
+            <a:pPr algn="ctr"/>
+            <a:r>
+              <a:rPr lang="en-US" sz="1800" dirty="0"/>
+              <a:t/>
+            </a:r>
+          </a:p>
+        </p:txBody>
+      </p:sp>
+      <p:sp>
+        <p:nvSpPr>
+          <p:cNvPr id="18" name="Shape 18"/>
+          <p:cNvSpPr/>
+          <p:nvPr/>
+        </p:nvSpPr>
+        <p:spPr>
+          <a:xfrm>
+            <a:off x="3300000" y="4100000"/>
+            <a:ext cx="2200000" cy="400000"/>
+          </a:xfrm>
+          <a:prstGeom prst="rect">
+            <a:avLst/>
+          </a:prstGeom>
+          <a:solidFill>
+            <a:srgbClr val="C2185B"/>
+          </a:solidFill>
+          <a:ln w="2">
+            <a:solidFill>
+              <a:srgbClr val="880E4F"/>
+            </a:solidFill>
+          </a:ln>
+        </p:spPr>
+        <p:txBody>
+          <a:bodyPr wrap="square" rtlCol="0" anchor="ctr"/>
+          <a:lstStyle/>
+          <a:p>
+            <a:pPr algn="ctr"/>
+            <a:r>
+              <a:rPr lang="en-US" sz="1800" dirty="0"/>
+              <a:t>PRODUCT</a:t>
+            </a:r>
+          </a:p>
+        </p:txBody>
+      </p:sp>
+      <p:sp>
+        <p:nvSpPr>
+          <p:cNvPr id="19" name="Shape 19"/>
+          <p:cNvSpPr/>
+          <p:nvPr/>
+        </p:nvSpPr>
+        <p:spPr>
+          <a:xfrm>
+            <a:off x="3300000" y="4500000"/>
+            <a:ext cx="2200000" cy="1120000"/>
+          </a:xfrm>
+          <a:prstGeom prst="rect">
+            <a:avLst/>
+          </a:prstGeom>
+          <a:solidFill>
+            <a:srgbClr val="FCE4EC"/>
+          </a:solidFill>
+          <a:ln w="1">
+            <a:solidFill>
+              <a:srgbClr val="880E4F"/>
+            </a:solidFill>
+          </a:ln>
+        </p:spPr>
+        <p:txBody>
+          <a:bodyPr wrap="square" rtlCol="0" anchor="ctr"/>
+          <a:lstStyle/>
+          <a:p>
+            <a:pPr algn="ctr"/>
+            <a:r>
+              <a:rPr lang="en-US" sz="1800" dirty="0"/>
+              <a:t>int id PK
+string name
+decimal price
+int stock</a:t>
+            </a:r>
+          </a:p>
+        </p:txBody>
+      </p:sp>
+      <p:sp>
+        <p:nvSpPr>
+          <p:cNvPr id="20" name="Shape 20"/>
+          <p:cNvSpPr/>
+          <p:nvPr/>
+        </p:nvSpPr>
+        <p:spPr>
+          <a:xfrm>
+            <a:off x="6100000" y="4100000"/>
+            <a:ext cx="2200000" cy="400000"/>
+          </a:xfrm>
+          <a:prstGeom prst="rect">
+            <a:avLst/>
+          </a:prstGeom>
+          <a:solidFill>
+            <a:srgbClr val="C2185B"/>
+          </a:solidFill>
+          <a:ln w="2">
+            <a:solidFill>
+              <a:srgbClr val="880E4F"/>
+            </a:solidFill>
+          </a:ln>
+        </p:spPr>
+        <p:txBody>
+          <a:bodyPr wrap="square" rtlCol="0" anchor="ctr"/>
+          <a:lstStyle/>
+          <a:p>
+            <a:pPr algn="ctr"/>
+            <a:r>
+              <a:rPr lang="en-US" sz="1800" dirty="0"/>
+              <a:t>rdered in"</a:t>
+            </a:r>
+          </a:p>
+        </p:txBody>
+      </p:sp>
+      <p:sp>
+        <p:nvSpPr>
+          <p:cNvPr id="21" name="Shape 21"/>
+          <p:cNvSpPr/>
+          <p:nvPr/>
+        </p:nvSpPr>
+        <p:spPr>
+          <a:xfrm>
+            <a:off x="6100000" y="4500000"/>
+            <a:ext cx="2200000" cy="280000"/>
+          </a:xfrm>
+          <a:prstGeom prst="rect">
+            <a:avLst/>
+          </a:prstGeom>
+          <a:solidFill>
+            <a:srgbClr val="FCE4EC"/>
+          </a:solidFill>
+          <a:ln w="1">
+            <a:solidFill>
+              <a:srgbClr val="880E4F"/>
+            </a:solidFill>
+          </a:ln>
+        </p:spPr>
+        <p:txBody>
+          <a:bodyPr wrap="square" rtlCol="0" anchor="ctr"/>
+          <a:lstStyle/>
+          <a:p>
+            <a:pPr algn="ctr"/>
+            <a:r>
+              <a:rPr lang="en-US" sz="1800" dirty="0"/>
+              <a:t/>
+            </a:r>
+          </a:p>
+        </p:txBody>
+      </p:sp>
+      <p:cxnSp>
+        <p:nvCxnSpPr>
+          <p:cNvPr id="62" name="Connector 62"/>
+          <p:cNvCxnSpPr>
+</p:cNvCxnSpPr>
+          <p:nvPr/>
+        </p:nvCxnSpPr>
+        <p:spPr>
+          <a:xfrm flipH="1">
+            <a:off x="500000" y="1800000"/>
+            <a:ext cx="2200000" cy="2500000"/>
+          </a:xfrm>
+          <a:prstGeom prst="bentConnector3">
+            <a:avLst/>
+          </a:prstGeom>
+          <a:ln w="19050">
+            <a:solidFill>
+              <a:srgbClr val="880E4F"/>
+            </a:solidFill>
+            <a:prstDash val="solid"/>
+            <a:tailEnd type="diamond" w="med" len="med"/>
+          </a:ln>
+        </p:spPr>
+      </p:cxnSp>
+      <p:cxnSp>
+        <p:nvCxnSpPr>
+          <p:cNvPr id="63" name="Connector 63"/>
+          <p:cNvCxnSpPr>
+</p:cNvCxnSpPr>
+          <p:nvPr/>
+        </p:nvCxnSpPr>
+        <p:spPr>
+          <a:xfrm>
+            <a:off x="5500000" y="4300000"/>
+            <a:ext cx="600000" cy="0"/>
+          </a:xfrm>
+          <a:prstGeom prst="bentConnector3">
+            <a:avLst/>
+          </a:prstGeom>
+          <a:ln w="19050">
+            <a:solidFill>
+              <a:srgbClr val="880E4F"/>
+            </a:solidFill>
+            <a:prstDash val="solid"/>
+            <a:tailEnd type="diamond" w="med" len="med"/>
+          </a:ln>
+        </p:spPr>
+      </p:cxnSp>
     </p:spTree>
   </p:cSld>
   <p:clrMapOvr>
@@ -962,24 +1875,29 @@
         </p:nvSpPr>
         <p:spPr>
           <a:xfrm>
-            <a:off x="1000000" y="1600000"/>
-            <a:ext cx="7000000" cy="600000"/>
-          </a:xfrm>
-          <a:prstGeom prst="rect">
-            <a:avLst/>
-          </a:prstGeom>
-          <a:solidFill>
-            <a:srgbClr val="00838F"/>
-          </a:solidFill>
-        </p:spPr>
-        <p:txBody>
-          <a:bodyPr wrap="square" rtlCol="0" anchor="ctr"/>
-          <a:lstStyle/>
-          <a:p>
-            <a:pPr algn="ctr"/>
-            <a:r>
-              <a:rPr lang="en-US" sz="1800" dirty="0"/>
-              <a:t>🔄 State Diagram</a:t>
+            <a:off x="1000000" y="1800000"/>
+            <a:ext cx="1500000" cy="500000"/>
+          </a:xfrm>
+          <a:prstGeom prst="ellipse">
+            <a:avLst/>
+          </a:prstGeom>
+          <a:solidFill>
+            <a:srgbClr val="000000"/>
+          </a:solidFill>
+          <a:ln w="2">
+            <a:solidFill>
+              <a:srgbClr val="00838F"/>
+            </a:solidFill>
+          </a:ln>
+        </p:spPr>
+        <p:txBody>
+          <a:bodyPr wrap="square" rtlCol="0" anchor="ctr"/>
+          <a:lstStyle/>
+          <a:p>
+            <a:pPr algn="ctr"/>
+            <a:r>
+              <a:rPr lang="en-US" sz="1800" dirty="0"/>
+              <a:t>Start</a:t>
             </a:r>
           </a:p>
         </p:txBody>
@@ -992,34 +1910,425 @@
         </p:nvSpPr>
         <p:spPr>
           <a:xfrm>
-            <a:off x="1000000" y="2200000"/>
-            <a:ext cx="7000000" cy="3600000"/>
-          </a:xfrm>
-          <a:prstGeom prst="rect">
+            <a:off x="3200000" y="1800000"/>
+            <a:ext cx="1500000" cy="500000"/>
+          </a:xfrm>
+          <a:prstGeom prst="roundRect">
             <a:avLst/>
           </a:prstGeom>
           <a:solidFill>
             <a:srgbClr val="E0F7FA"/>
           </a:solidFill>
-        </p:spPr>
-        <p:txBody>
-          <a:bodyPr wrap="square" rtlCol="0" anchor="ctr"/>
-          <a:lstStyle/>
-          <a:p>
-            <a:pPr algn="ctr"/>
-            <a:r>
-              <a:rPr lang="en-US" sz="1800" dirty="0"/>
-              <a:t>stateDiagram-v2
-    [*] --&gt; Idle
-    Idle --&gt; Loading: fetch data
-    Loading --&gt; Success: data received
-    Loading --&gt; Error: request failed
-...
-(4 more lines)</a:t>
-            </a:r>
-          </a:p>
-        </p:txBody>
-      </p:sp>
+          <a:ln w="2">
+            <a:solidFill>
+              <a:srgbClr val="00838F"/>
+            </a:solidFill>
+          </a:ln>
+        </p:spPr>
+        <p:txBody>
+          <a:bodyPr wrap="square" rtlCol="0" anchor="ctr"/>
+          <a:lstStyle/>
+          <a:p>
+            <a:pPr algn="ctr"/>
+            <a:r>
+              <a:rPr lang="en-US" sz="1800" dirty="0"/>
+              <a:t>Idle</a:t>
+            </a:r>
+          </a:p>
+        </p:txBody>
+      </p:sp>
+      <p:sp>
+        <p:nvSpPr>
+          <p:cNvPr id="12" name="Shape 12"/>
+          <p:cNvSpPr/>
+          <p:nvPr/>
+        </p:nvSpPr>
+        <p:spPr>
+          <a:xfrm>
+            <a:off x="5400000" y="1800000"/>
+            <a:ext cx="1500000" cy="500000"/>
+          </a:xfrm>
+          <a:prstGeom prst="roundRect">
+            <a:avLst/>
+          </a:prstGeom>
+          <a:solidFill>
+            <a:srgbClr val="E0F7FA"/>
+          </a:solidFill>
+          <a:ln w="2">
+            <a:solidFill>
+              <a:srgbClr val="00838F"/>
+            </a:solidFill>
+          </a:ln>
+        </p:spPr>
+        <p:txBody>
+          <a:bodyPr wrap="square" rtlCol="0" anchor="ctr"/>
+          <a:lstStyle/>
+          <a:p>
+            <a:pPr algn="ctr"/>
+            <a:r>
+              <a:rPr lang="en-US" sz="1800" dirty="0"/>
+              <a:t>Loading</a:t>
+            </a:r>
+          </a:p>
+        </p:txBody>
+      </p:sp>
+      <p:sp>
+        <p:nvSpPr>
+          <p:cNvPr id="13" name="Shape 13"/>
+          <p:cNvSpPr/>
+          <p:nvPr/>
+        </p:nvSpPr>
+        <p:spPr>
+          <a:xfrm>
+            <a:off x="1000000" y="3000000"/>
+            <a:ext cx="1500000" cy="500000"/>
+          </a:xfrm>
+          <a:prstGeom prst="roundRect">
+            <a:avLst/>
+          </a:prstGeom>
+          <a:solidFill>
+            <a:srgbClr val="E0F7FA"/>
+          </a:solidFill>
+          <a:ln w="2">
+            <a:solidFill>
+              <a:srgbClr val="00838F"/>
+            </a:solidFill>
+          </a:ln>
+        </p:spPr>
+        <p:txBody>
+          <a:bodyPr wrap="square" rtlCol="0" anchor="ctr"/>
+          <a:lstStyle/>
+          <a:p>
+            <a:pPr algn="ctr"/>
+            <a:r>
+              <a:rPr lang="en-US" sz="1800" dirty="0"/>
+              <a:t>Success</a:t>
+            </a:r>
+          </a:p>
+        </p:txBody>
+      </p:sp>
+      <p:sp>
+        <p:nvSpPr>
+          <p:cNvPr id="14" name="Shape 14"/>
+          <p:cNvSpPr/>
+          <p:nvPr/>
+        </p:nvSpPr>
+        <p:spPr>
+          <a:xfrm>
+            <a:off x="3200000" y="3000000"/>
+            <a:ext cx="1500000" cy="500000"/>
+          </a:xfrm>
+          <a:prstGeom prst="roundRect">
+            <a:avLst/>
+          </a:prstGeom>
+          <a:solidFill>
+            <a:srgbClr val="E0F7FA"/>
+          </a:solidFill>
+          <a:ln w="2">
+            <a:solidFill>
+              <a:srgbClr val="00838F"/>
+            </a:solidFill>
+          </a:ln>
+        </p:spPr>
+        <p:txBody>
+          <a:bodyPr wrap="square" rtlCol="0" anchor="ctr"/>
+          <a:lstStyle/>
+          <a:p>
+            <a:pPr algn="ctr"/>
+            <a:r>
+              <a:rPr lang="en-US" sz="1800" dirty="0"/>
+              <a:t>Error</a:t>
+            </a:r>
+          </a:p>
+        </p:txBody>
+      </p:sp>
+      <p:sp>
+        <p:nvSpPr>
+          <p:cNvPr id="15" name="Shape 15"/>
+          <p:cNvSpPr/>
+          <p:nvPr/>
+        </p:nvSpPr>
+        <p:spPr>
+          <a:xfrm>
+            <a:off x="5400000" y="3000000"/>
+            <a:ext cx="1500000" cy="500000"/>
+          </a:xfrm>
+          <a:prstGeom prst="ellipse">
+            <a:avLst/>
+          </a:prstGeom>
+          <a:solidFill>
+            <a:srgbClr val="000000"/>
+          </a:solidFill>
+          <a:ln w="2">
+            <a:solidFill>
+              <a:srgbClr val="00838F"/>
+            </a:solidFill>
+          </a:ln>
+        </p:spPr>
+        <p:txBody>
+          <a:bodyPr wrap="square" rtlCol="0" anchor="ctr"/>
+          <a:lstStyle/>
+          <a:p>
+            <a:pPr algn="ctr"/>
+            <a:r>
+              <a:rPr lang="en-US" sz="1800" dirty="0"/>
+              <a:t>End</a:t>
+            </a:r>
+          </a:p>
+        </p:txBody>
+      </p:sp>
+      <p:cxnSp>
+        <p:nvCxnSpPr>
+          <p:cNvPr id="56" name="Connector 56"/>
+          <p:cNvCxnSpPr>
+</p:cNvCxnSpPr>
+          <p:nvPr/>
+        </p:nvCxnSpPr>
+        <p:spPr>
+          <a:xfrm>
+            <a:off x="2500000" y="2050000"/>
+            <a:ext cx="700000" cy="0"/>
+          </a:xfrm>
+          <a:prstGeom prst="bentConnector3">
+            <a:avLst/>
+          </a:prstGeom>
+          <a:ln w="19050">
+            <a:solidFill>
+              <a:srgbClr val="00838F"/>
+            </a:solidFill>
+            <a:prstDash val="solid"/>
+            <a:tailEnd type="triangle" w="med" len="med"/>
+          </a:ln>
+        </p:spPr>
+      </p:cxnSp>
+      <p:cxnSp>
+        <p:nvCxnSpPr>
+          <p:cNvPr id="57" name="Connector 57"/>
+          <p:cNvCxnSpPr>
+</p:cNvCxnSpPr>
+          <p:nvPr/>
+        </p:nvCxnSpPr>
+        <p:spPr>
+          <a:xfrm>
+            <a:off x="4700000" y="2050000"/>
+            <a:ext cx="700000" cy="0"/>
+          </a:xfrm>
+          <a:prstGeom prst="bentConnector3">
+            <a:avLst/>
+          </a:prstGeom>
+          <a:ln w="19050">
+            <a:solidFill>
+              <a:srgbClr val="00838F"/>
+            </a:solidFill>
+            <a:prstDash val="solid"/>
+            <a:tailEnd type="triangle" w="med" len="med"/>
+          </a:ln>
+        </p:spPr>
+        <p:txBody>
+          <a:bodyPr/>
+          <a:lstStyle/>
+          <a:p>
+            <a:r>
+              <a:rPr lang="en-US" sz="1000"/>
+              <a:t>fetch data</a:t>
+            </a:r>
+          </a:p>
+        </p:txBody>
+      </p:cxnSp>
+      <p:cxnSp>
+        <p:nvCxnSpPr>
+          <p:cNvPr id="58" name="Connector 58"/>
+          <p:cNvCxnSpPr>
+</p:cNvCxnSpPr>
+          <p:nvPr/>
+        </p:nvCxnSpPr>
+        <p:spPr>
+          <a:xfrm flipH="1">
+            <a:off x="1000000" y="2050000"/>
+            <a:ext cx="5900000" cy="1200000"/>
+          </a:xfrm>
+          <a:prstGeom prst="bentConnector3">
+            <a:avLst/>
+          </a:prstGeom>
+          <a:ln w="19050">
+            <a:solidFill>
+              <a:srgbClr val="00838F"/>
+            </a:solidFill>
+            <a:prstDash val="solid"/>
+            <a:tailEnd type="triangle" w="med" len="med"/>
+          </a:ln>
+        </p:spPr>
+        <p:txBody>
+          <a:bodyPr/>
+          <a:lstStyle/>
+          <a:p>
+            <a:r>
+              <a:rPr lang="en-US" sz="1000"/>
+              <a:t>data received</a:t>
+            </a:r>
+          </a:p>
+        </p:txBody>
+      </p:cxnSp>
+      <p:cxnSp>
+        <p:nvCxnSpPr>
+          <p:cNvPr id="59" name="Connector 59"/>
+          <p:cNvCxnSpPr>
+</p:cNvCxnSpPr>
+          <p:nvPr/>
+        </p:nvCxnSpPr>
+        <p:spPr>
+          <a:xfrm flipH="1">
+            <a:off x="3200000" y="2050000"/>
+            <a:ext cx="3700000" cy="1200000"/>
+          </a:xfrm>
+          <a:prstGeom prst="bentConnector3">
+            <a:avLst/>
+          </a:prstGeom>
+          <a:ln w="19050">
+            <a:solidFill>
+              <a:srgbClr val="00838F"/>
+            </a:solidFill>
+            <a:prstDash val="solid"/>
+            <a:tailEnd type="triangle" w="med" len="med"/>
+          </a:ln>
+        </p:spPr>
+        <p:txBody>
+          <a:bodyPr/>
+          <a:lstStyle/>
+          <a:p>
+            <a:r>
+              <a:rPr lang="en-US" sz="1000"/>
+              <a:t>request failed</a:t>
+            </a:r>
+          </a:p>
+        </p:txBody>
+      </p:cxnSp>
+      <p:cxnSp>
+        <p:nvCxnSpPr>
+          <p:cNvPr id="60" name="Connector 60"/>
+          <p:cNvCxnSpPr>
+</p:cNvCxnSpPr>
+          <p:nvPr/>
+        </p:nvCxnSpPr>
+        <p:spPr>
+          <a:xfrm flipV="1">
+            <a:off x="2500000" y="2050000"/>
+            <a:ext cx="700000" cy="1200000"/>
+          </a:xfrm>
+          <a:prstGeom prst="bentConnector3">
+            <a:avLst/>
+          </a:prstGeom>
+          <a:ln w="19050">
+            <a:solidFill>
+              <a:srgbClr val="00838F"/>
+            </a:solidFill>
+            <a:prstDash val="solid"/>
+            <a:tailEnd type="triangle" w="med" len="med"/>
+          </a:ln>
+        </p:spPr>
+        <p:txBody>
+          <a:bodyPr/>
+          <a:lstStyle/>
+          <a:p>
+            <a:r>
+              <a:rPr lang="en-US" sz="1000"/>
+              <a:t>reset</a:t>
+            </a:r>
+          </a:p>
+        </p:txBody>
+      </p:cxnSp>
+      <p:cxnSp>
+        <p:nvCxnSpPr>
+          <p:cNvPr id="61" name="Connector 61"/>
+          <p:cNvCxnSpPr>
+</p:cNvCxnSpPr>
+          <p:nvPr/>
+        </p:nvCxnSpPr>
+        <p:spPr>
+          <a:xfrm flipV="1">
+            <a:off x="4700000" y="2050000"/>
+            <a:ext cx="700000" cy="1200000"/>
+          </a:xfrm>
+          <a:prstGeom prst="bentConnector3">
+            <a:avLst/>
+          </a:prstGeom>
+          <a:ln w="19050">
+            <a:solidFill>
+              <a:srgbClr val="00838F"/>
+            </a:solidFill>
+            <a:prstDash val="solid"/>
+            <a:tailEnd type="triangle" w="med" len="med"/>
+          </a:ln>
+        </p:spPr>
+        <p:txBody>
+          <a:bodyPr/>
+          <a:lstStyle/>
+          <a:p>
+            <a:r>
+              <a:rPr lang="en-US" sz="1000"/>
+              <a:t>retry</a:t>
+            </a:r>
+          </a:p>
+        </p:txBody>
+      </p:cxnSp>
+      <p:cxnSp>
+        <p:nvCxnSpPr>
+          <p:cNvPr id="62" name="Connector 62"/>
+          <p:cNvCxnSpPr>
+</p:cNvCxnSpPr>
+          <p:nvPr/>
+        </p:nvCxnSpPr>
+        <p:spPr>
+          <a:xfrm flipH="1" flipV="1">
+            <a:off x="3200000" y="2050000"/>
+            <a:ext cx="1500000" cy="1200000"/>
+          </a:xfrm>
+          <a:prstGeom prst="bentConnector3">
+            <a:avLst/>
+          </a:prstGeom>
+          <a:ln w="19050">
+            <a:solidFill>
+              <a:srgbClr val="00838F"/>
+            </a:solidFill>
+            <a:prstDash val="solid"/>
+            <a:tailEnd type="triangle" w="med" len="med"/>
+          </a:ln>
+        </p:spPr>
+        <p:txBody>
+          <a:bodyPr/>
+          <a:lstStyle/>
+          <a:p>
+            <a:r>
+              <a:rPr lang="en-US" sz="1000"/>
+              <a:t>cancel</a:t>
+            </a:r>
+          </a:p>
+        </p:txBody>
+      </p:cxnSp>
+      <p:cxnSp>
+        <p:nvCxnSpPr>
+          <p:cNvPr id="63" name="Connector 63"/>
+          <p:cNvCxnSpPr>
+</p:cNvCxnSpPr>
+          <p:nvPr/>
+        </p:nvCxnSpPr>
+        <p:spPr>
+          <a:xfrm>
+            <a:off x="2500000" y="3250000"/>
+            <a:ext cx="2900000" cy="0"/>
+          </a:xfrm>
+          <a:prstGeom prst="bentConnector3">
+            <a:avLst/>
+          </a:prstGeom>
+          <a:ln w="19050">
+            <a:solidFill>
+              <a:srgbClr val="00838F"/>
+            </a:solidFill>
+            <a:prstDash val="solid"/>
+            <a:tailEnd type="triangle" w="med" len="med"/>
+          </a:ln>
+        </p:spPr>
+      </p:cxnSp>
     </p:spTree>
   </p:cSld>
   <p:clrMapOvr>
@@ -1086,24 +2395,29 @@
         </p:nvSpPr>
         <p:spPr>
           <a:xfrm>
-            <a:off x="1000000" y="1600000"/>
-            <a:ext cx="7000000" cy="600000"/>
-          </a:xfrm>
-          <a:prstGeom prst="rect">
-            <a:avLst/>
-          </a:prstGeom>
-          <a:solidFill>
-            <a:srgbClr val="E65100"/>
-          </a:solidFill>
-        </p:spPr>
-        <p:txBody>
-          <a:bodyPr wrap="square" rtlCol="0" anchor="ctr"/>
-          <a:lstStyle/>
-          <a:p>
-            <a:pPr algn="ctr"/>
-            <a:r>
-              <a:rPr lang="en-US" sz="1800" dirty="0"/>
-              <a:t>📦 Class Diagram</a:t>
+            <a:off x="500000" y="1600000"/>
+            <a:ext cx="2000000" cy="350000"/>
+          </a:xfrm>
+          <a:prstGeom prst="rect">
+            <a:avLst/>
+          </a:prstGeom>
+          <a:solidFill>
+            <a:srgbClr val="4472C4"/>
+          </a:solidFill>
+          <a:ln w="2">
+            <a:solidFill>
+              <a:srgbClr val="2F5496"/>
+            </a:solidFill>
+          </a:ln>
+        </p:spPr>
+        <p:txBody>
+          <a:bodyPr wrap="square" rtlCol="0" anchor="ctr"/>
+          <a:lstStyle/>
+          <a:p>
+            <a:pPr algn="ctr"/>
+            <a:r>
+              <a:rPr lang="en-US" sz="1800" dirty="0"/>
+              <a:t>Presentation</a:t>
             </a:r>
           </a:p>
         </p:txBody>
@@ -1116,34 +2430,539 @@
         </p:nvSpPr>
         <p:spPr>
           <a:xfrm>
-            <a:off x="1000000" y="2200000"/>
-            <a:ext cx="7000000" cy="3600000"/>
-          </a:xfrm>
-          <a:prstGeom prst="rect">
-            <a:avLst/>
-          </a:prstGeom>
-          <a:solidFill>
-            <a:srgbClr val="FFF3E0"/>
-          </a:solidFill>
-        </p:spPr>
-        <p:txBody>
-          <a:bodyPr wrap="square" rtlCol="0" anchor="ctr"/>
-          <a:lstStyle/>
-          <a:p>
-            <a:pPr algn="ctr"/>
-            <a:r>
-              <a:rPr lang="en-US" sz="1800" dirty="0"/>
-              <a:t>classDiagram
-    class Presentation {
-        +String title
-        +List~Slide~ slides
-        +addSlide()
-...
-(28 more lines)</a:t>
-            </a:r>
-          </a:p>
-        </p:txBody>
-      </p:sp>
+            <a:off x="500000" y="1950000"/>
+            <a:ext cx="2000000" cy="500000"/>
+          </a:xfrm>
+          <a:prstGeom prst="rect">
+            <a:avLst/>
+          </a:prstGeom>
+          <a:solidFill>
+            <a:srgbClr val="D6DCE5"/>
+          </a:solidFill>
+          <a:ln w="1">
+            <a:solidFill>
+              <a:srgbClr val="2F5496"/>
+            </a:solidFill>
+          </a:ln>
+        </p:spPr>
+        <p:txBody>
+          <a:bodyPr wrap="square" rtlCol="0" anchor="ctr"/>
+          <a:lstStyle/>
+          <a:p>
+            <a:pPr algn="ctr"/>
+            <a:r>
+              <a:rPr lang="en-US" sz="1800" dirty="0"/>
+              <a:t>+String title
++List~Slide~ slides</a:t>
+            </a:r>
+          </a:p>
+        </p:txBody>
+      </p:sp>
+      <p:sp>
+        <p:nvSpPr>
+          <p:cNvPr id="12" name="Shape 12"/>
+          <p:cNvSpPr/>
+          <p:nvPr/>
+        </p:nvSpPr>
+        <p:spPr>
+          <a:xfrm>
+            <a:off x="500000" y="2450000"/>
+            <a:ext cx="2000000" cy="500000"/>
+          </a:xfrm>
+          <a:prstGeom prst="rect">
+            <a:avLst/>
+          </a:prstGeom>
+          <a:solidFill>
+            <a:srgbClr val="FFFFFF"/>
+          </a:solidFill>
+          <a:ln w="1">
+            <a:solidFill>
+              <a:srgbClr val="2F5496"/>
+            </a:solidFill>
+          </a:ln>
+        </p:spPr>
+        <p:txBody>
+          <a:bodyPr wrap="square" rtlCol="0" anchor="ctr"/>
+          <a:lstStyle/>
+          <a:p>
+            <a:pPr algn="ctr"/>
+            <a:r>
+              <a:rPr lang="en-US" sz="1800" dirty="0"/>
+              <a:t>+addSlide()
++save()</a:t>
+            </a:r>
+          </a:p>
+        </p:txBody>
+      </p:sp>
+      <p:sp>
+        <p:nvSpPr>
+          <p:cNvPr id="13" name="Shape 13"/>
+          <p:cNvSpPr/>
+          <p:nvPr/>
+        </p:nvSpPr>
+        <p:spPr>
+          <a:xfrm>
+            <a:off x="3000000" y="1600000"/>
+            <a:ext cx="2000000" cy="350000"/>
+          </a:xfrm>
+          <a:prstGeom prst="rect">
+            <a:avLst/>
+          </a:prstGeom>
+          <a:solidFill>
+            <a:srgbClr val="4472C4"/>
+          </a:solidFill>
+          <a:ln w="2">
+            <a:solidFill>
+              <a:srgbClr val="2F5496"/>
+            </a:solidFill>
+          </a:ln>
+        </p:spPr>
+        <p:txBody>
+          <a:bodyPr wrap="square" rtlCol="0" anchor="ctr"/>
+          <a:lstStyle/>
+          <a:p>
+            <a:pPr algn="ctr"/>
+            <a:r>
+              <a:rPr lang="en-US" sz="1800" dirty="0"/>
+              <a:t>Slide</a:t>
+            </a:r>
+          </a:p>
+        </p:txBody>
+      </p:sp>
+      <p:sp>
+        <p:nvSpPr>
+          <p:cNvPr id="14" name="Shape 14"/>
+          <p:cNvSpPr/>
+          <p:nvPr/>
+        </p:nvSpPr>
+        <p:spPr>
+          <a:xfrm>
+            <a:off x="3000000" y="1950000"/>
+            <a:ext cx="2000000" cy="500000"/>
+          </a:xfrm>
+          <a:prstGeom prst="rect">
+            <a:avLst/>
+          </a:prstGeom>
+          <a:solidFill>
+            <a:srgbClr val="D6DCE5"/>
+          </a:solidFill>
+          <a:ln w="1">
+            <a:solidFill>
+              <a:srgbClr val="2F5496"/>
+            </a:solidFill>
+          </a:ln>
+        </p:spPr>
+        <p:txBody>
+          <a:bodyPr wrap="square" rtlCol="0" anchor="ctr"/>
+          <a:lstStyle/>
+          <a:p>
+            <a:pPr algn="ctr"/>
+            <a:r>
+              <a:rPr lang="en-US" sz="1800" dirty="0"/>
+              <a:t>+String title
++List~Element~ elements</a:t>
+            </a:r>
+          </a:p>
+        </p:txBody>
+      </p:sp>
+      <p:sp>
+        <p:nvSpPr>
+          <p:cNvPr id="15" name="Shape 15"/>
+          <p:cNvSpPr/>
+          <p:nvPr/>
+        </p:nvSpPr>
+        <p:spPr>
+          <a:xfrm>
+            <a:off x="3000000" y="2450000"/>
+            <a:ext cx="2000000" cy="250000"/>
+          </a:xfrm>
+          <a:prstGeom prst="rect">
+            <a:avLst/>
+          </a:prstGeom>
+          <a:solidFill>
+            <a:srgbClr val="FFFFFF"/>
+          </a:solidFill>
+          <a:ln w="1">
+            <a:solidFill>
+              <a:srgbClr val="2F5496"/>
+            </a:solidFill>
+          </a:ln>
+        </p:spPr>
+        <p:txBody>
+          <a:bodyPr wrap="square" rtlCol="0" anchor="ctr"/>
+          <a:lstStyle/>
+          <a:p>
+            <a:pPr algn="ctr"/>
+            <a:r>
+              <a:rPr lang="en-US" sz="1800" dirty="0"/>
+              <a:t>+addElement()</a:t>
+            </a:r>
+          </a:p>
+        </p:txBody>
+      </p:sp>
+      <p:sp>
+        <p:nvSpPr>
+          <p:cNvPr id="16" name="Shape 16"/>
+          <p:cNvSpPr/>
+          <p:nvPr/>
+        </p:nvSpPr>
+        <p:spPr>
+          <a:xfrm>
+            <a:off x="5500000" y="1600000"/>
+            <a:ext cx="2000000" cy="350000"/>
+          </a:xfrm>
+          <a:prstGeom prst="rect">
+            <a:avLst/>
+          </a:prstGeom>
+          <a:solidFill>
+            <a:srgbClr val="4472C4"/>
+          </a:solidFill>
+          <a:ln w="2">
+            <a:solidFill>
+              <a:srgbClr val="2F5496"/>
+            </a:solidFill>
+          </a:ln>
+        </p:spPr>
+        <p:txBody>
+          <a:bodyPr wrap="square" rtlCol="0" anchor="ctr"/>
+          <a:lstStyle/>
+          <a:p>
+            <a:pPr algn="ctr"/>
+            <a:r>
+              <a:rPr lang="en-US" sz="1800" dirty="0"/>
+              <a:t>Element</a:t>
+            </a:r>
+          </a:p>
+        </p:txBody>
+      </p:sp>
+      <p:sp>
+        <p:nvSpPr>
+          <p:cNvPr id="17" name="Shape 17"/>
+          <p:cNvSpPr/>
+          <p:nvPr/>
+        </p:nvSpPr>
+        <p:spPr>
+          <a:xfrm>
+            <a:off x="5500000" y="1950000"/>
+            <a:ext cx="2000000" cy="250000"/>
+          </a:xfrm>
+          <a:prstGeom prst="rect">
+            <a:avLst/>
+          </a:prstGeom>
+          <a:solidFill>
+            <a:srgbClr val="D6DCE5"/>
+          </a:solidFill>
+          <a:ln w="1">
+            <a:solidFill>
+              <a:srgbClr val="2F5496"/>
+            </a:solidFill>
+          </a:ln>
+        </p:spPr>
+        <p:txBody>
+          <a:bodyPr wrap="square" rtlCol="0" anchor="ctr"/>
+          <a:lstStyle/>
+          <a:p>
+            <a:pPr algn="ctr"/>
+            <a:r>
+              <a:rPr lang="en-US" sz="1800" dirty="0"/>
+              <a:t>&lt;&lt;interface&gt;&gt;</a:t>
+            </a:r>
+          </a:p>
+        </p:txBody>
+      </p:sp>
+      <p:sp>
+        <p:nvSpPr>
+          <p:cNvPr id="18" name="Shape 18"/>
+          <p:cNvSpPr/>
+          <p:nvPr/>
+        </p:nvSpPr>
+        <p:spPr>
+          <a:xfrm>
+            <a:off x="5500000" y="2200000"/>
+            <a:ext cx="2000000" cy="250000"/>
+          </a:xfrm>
+          <a:prstGeom prst="rect">
+            <a:avLst/>
+          </a:prstGeom>
+          <a:solidFill>
+            <a:srgbClr val="FFFFFF"/>
+          </a:solidFill>
+          <a:ln w="1">
+            <a:solidFill>
+              <a:srgbClr val="2F5496"/>
+            </a:solidFill>
+          </a:ln>
+        </p:spPr>
+        <p:txBody>
+          <a:bodyPr wrap="square" rtlCol="0" anchor="ctr"/>
+          <a:lstStyle/>
+          <a:p>
+            <a:pPr algn="ctr"/>
+            <a:r>
+              <a:rPr lang="en-US" sz="1800" dirty="0"/>
+              <a:t>+render()</a:t>
+            </a:r>
+          </a:p>
+        </p:txBody>
+      </p:sp>
+      <p:sp>
+        <p:nvSpPr>
+          <p:cNvPr id="19" name="Shape 19"/>
+          <p:cNvSpPr/>
+          <p:nvPr/>
+        </p:nvSpPr>
+        <p:spPr>
+          <a:xfrm>
+            <a:off x="500000" y="3600000"/>
+            <a:ext cx="2000000" cy="350000"/>
+          </a:xfrm>
+          <a:prstGeom prst="rect">
+            <a:avLst/>
+          </a:prstGeom>
+          <a:solidFill>
+            <a:srgbClr val="4472C4"/>
+          </a:solidFill>
+          <a:ln w="2">
+            <a:solidFill>
+              <a:srgbClr val="2F5496"/>
+            </a:solidFill>
+          </a:ln>
+        </p:spPr>
+        <p:txBody>
+          <a:bodyPr wrap="square" rtlCol="0" anchor="ctr"/>
+          <a:lstStyle/>
+          <a:p>
+            <a:pPr algn="ctr"/>
+            <a:r>
+              <a:rPr lang="en-US" sz="1800" dirty="0"/>
+              <a:t>TextBox</a:t>
+            </a:r>
+          </a:p>
+        </p:txBody>
+      </p:sp>
+      <p:sp>
+        <p:nvSpPr>
+          <p:cNvPr id="20" name="Shape 20"/>
+          <p:cNvSpPr/>
+          <p:nvPr/>
+        </p:nvSpPr>
+        <p:spPr>
+          <a:xfrm>
+            <a:off x="500000" y="3950000"/>
+            <a:ext cx="2000000" cy="250000"/>
+          </a:xfrm>
+          <a:prstGeom prst="rect">
+            <a:avLst/>
+          </a:prstGeom>
+          <a:solidFill>
+            <a:srgbClr val="D6DCE5"/>
+          </a:solidFill>
+          <a:ln w="1">
+            <a:solidFill>
+              <a:srgbClr val="2F5496"/>
+            </a:solidFill>
+          </a:ln>
+        </p:spPr>
+        <p:txBody>
+          <a:bodyPr wrap="square" rtlCol="0" anchor="ctr"/>
+          <a:lstStyle/>
+          <a:p>
+            <a:pPr algn="ctr"/>
+            <a:r>
+              <a:rPr lang="en-US" sz="1800" dirty="0"/>
+              <a:t>+String text</a:t>
+            </a:r>
+          </a:p>
+        </p:txBody>
+      </p:sp>
+      <p:sp>
+        <p:nvSpPr>
+          <p:cNvPr id="21" name="Shape 21"/>
+          <p:cNvSpPr/>
+          <p:nvPr/>
+        </p:nvSpPr>
+        <p:spPr>
+          <a:xfrm>
+            <a:off x="500000" y="4200000"/>
+            <a:ext cx="2000000" cy="250000"/>
+          </a:xfrm>
+          <a:prstGeom prst="rect">
+            <a:avLst/>
+          </a:prstGeom>
+          <a:solidFill>
+            <a:srgbClr val="FFFFFF"/>
+          </a:solidFill>
+          <a:ln w="1">
+            <a:solidFill>
+              <a:srgbClr val="2F5496"/>
+            </a:solidFill>
+          </a:ln>
+        </p:spPr>
+        <p:txBody>
+          <a:bodyPr wrap="square" rtlCol="0" anchor="ctr"/>
+          <a:lstStyle/>
+          <a:p>
+            <a:pPr algn="ctr"/>
+            <a:r>
+              <a:rPr lang="en-US" sz="1800" dirty="0"/>
+              <a:t>+render()</a:t>
+            </a:r>
+          </a:p>
+        </p:txBody>
+      </p:sp>
+      <p:sp>
+        <p:nvSpPr>
+          <p:cNvPr id="22" name="Shape 22"/>
+          <p:cNvSpPr/>
+          <p:nvPr/>
+        </p:nvSpPr>
+        <p:spPr>
+          <a:xfrm>
+            <a:off x="3000000" y="3600000"/>
+            <a:ext cx="2000000" cy="350000"/>
+          </a:xfrm>
+          <a:prstGeom prst="rect">
+            <a:avLst/>
+          </a:prstGeom>
+          <a:solidFill>
+            <a:srgbClr val="4472C4"/>
+          </a:solidFill>
+          <a:ln w="2">
+            <a:solidFill>
+              <a:srgbClr val="2F5496"/>
+            </a:solidFill>
+          </a:ln>
+        </p:spPr>
+        <p:txBody>
+          <a:bodyPr wrap="square" rtlCol="0" anchor="ctr"/>
+          <a:lstStyle/>
+          <a:p>
+            <a:pPr algn="ctr"/>
+            <a:r>
+              <a:rPr lang="en-US" sz="1800" dirty="0"/>
+              <a:t>Table</a:t>
+            </a:r>
+          </a:p>
+        </p:txBody>
+      </p:sp>
+      <p:sp>
+        <p:nvSpPr>
+          <p:cNvPr id="23" name="Shape 23"/>
+          <p:cNvSpPr/>
+          <p:nvPr/>
+        </p:nvSpPr>
+        <p:spPr>
+          <a:xfrm>
+            <a:off x="3000000" y="3950000"/>
+            <a:ext cx="2000000" cy="250000"/>
+          </a:xfrm>
+          <a:prstGeom prst="rect">
+            <a:avLst/>
+          </a:prstGeom>
+          <a:solidFill>
+            <a:srgbClr val="D6DCE5"/>
+          </a:solidFill>
+          <a:ln w="1">
+            <a:solidFill>
+              <a:srgbClr val="2F5496"/>
+            </a:solidFill>
+          </a:ln>
+        </p:spPr>
+        <p:txBody>
+          <a:bodyPr wrap="square" rtlCol="0" anchor="ctr"/>
+          <a:lstStyle/>
+          <a:p>
+            <a:pPr algn="ctr"/>
+            <a:r>
+              <a:rPr lang="en-US" sz="1800" dirty="0"/>
+              <a:t>+List~Row~ rows</a:t>
+            </a:r>
+          </a:p>
+        </p:txBody>
+      </p:sp>
+      <p:sp>
+        <p:nvSpPr>
+          <p:cNvPr id="24" name="Shape 24"/>
+          <p:cNvSpPr/>
+          <p:nvPr/>
+        </p:nvSpPr>
+        <p:spPr>
+          <a:xfrm>
+            <a:off x="3000000" y="4200000"/>
+            <a:ext cx="2000000" cy="250000"/>
+          </a:xfrm>
+          <a:prstGeom prst="rect">
+            <a:avLst/>
+          </a:prstGeom>
+          <a:solidFill>
+            <a:srgbClr val="FFFFFF"/>
+          </a:solidFill>
+          <a:ln w="1">
+            <a:solidFill>
+              <a:srgbClr val="2F5496"/>
+            </a:solidFill>
+          </a:ln>
+        </p:spPr>
+        <p:txBody>
+          <a:bodyPr wrap="square" rtlCol="0" anchor="ctr"/>
+          <a:lstStyle/>
+          <a:p>
+            <a:pPr algn="ctr"/>
+            <a:r>
+              <a:rPr lang="en-US" sz="1800" dirty="0"/>
+              <a:t>+render()</a:t>
+            </a:r>
+          </a:p>
+        </p:txBody>
+      </p:sp>
+      <p:cxnSp>
+        <p:nvCxnSpPr>
+          <p:cNvPr id="65" name="Connector 65"/>
+          <p:cNvCxnSpPr>
+</p:cNvCxnSpPr>
+          <p:nvPr/>
+        </p:nvCxnSpPr>
+        <p:spPr>
+          <a:xfrm flipH="1">
+            <a:off x="1500000" y="1600000"/>
+            <a:ext cx="5000000" cy="2500000"/>
+          </a:xfrm>
+          <a:prstGeom prst="bentConnector3">
+            <a:avLst/>
+          </a:prstGeom>
+          <a:ln w="19050">
+            <a:solidFill>
+              <a:srgbClr val="2F5496"/>
+            </a:solidFill>
+            <a:prstDash val="solid"/>
+            <a:tailEnd type="triangle" w="med" len="med"/>
+          </a:ln>
+        </p:spPr>
+      </p:cxnSp>
+      <p:cxnSp>
+        <p:nvCxnSpPr>
+          <p:cNvPr id="66" name="Connector 66"/>
+          <p:cNvCxnSpPr>
+</p:cNvCxnSpPr>
+          <p:nvPr/>
+        </p:nvCxnSpPr>
+        <p:spPr>
+          <a:xfrm flipH="1">
+            <a:off x="4000000" y="1600000"/>
+            <a:ext cx="2500000" cy="2500000"/>
+          </a:xfrm>
+          <a:prstGeom prst="bentConnector3">
+            <a:avLst/>
+          </a:prstGeom>
+          <a:ln w="19050">
+            <a:solidFill>
+              <a:srgbClr val="2F5496"/>
+            </a:solidFill>
+            <a:prstDash val="solid"/>
+            <a:tailEnd type="triangle" w="med" len="med"/>
+          </a:ln>
+        </p:spPr>
+      </p:cxnSp>
     </p:spTree>
   </p:cSld>
   <p:clrMapOvr>
@@ -1210,60 +3029,29 @@
         </p:nvSpPr>
         <p:spPr>
           <a:xfrm>
-            <a:off x="1000000" y="1600000"/>
-            <a:ext cx="7000000" cy="600000"/>
-          </a:xfrm>
-          <a:prstGeom prst="rect">
-            <a:avLst/>
-          </a:prstGeom>
-          <a:solidFill>
-            <a:srgbClr val="558B2F"/>
-          </a:solidFill>
-        </p:spPr>
-        <p:txBody>
-          <a:bodyPr wrap="square" rtlCol="0" anchor="ctr"/>
-          <a:lstStyle/>
-          <a:p>
-            <a:pPr algn="ctr"/>
-            <a:r>
-              <a:rPr lang="en-US" sz="1800" dirty="0"/>
-              <a:t>🚶 User Journey</a:t>
-            </a:r>
-          </a:p>
-        </p:txBody>
-      </p:sp>
-      <p:sp>
-        <p:nvSpPr>
-          <p:cNvPr id="11" name="Shape 11"/>
-          <p:cNvSpPr/>
-          <p:nvPr/>
-        </p:nvSpPr>
-        <p:spPr>
-          <a:xfrm>
-            <a:off x="1000000" y="2200000"/>
-            <a:ext cx="7000000" cy="3600000"/>
-          </a:xfrm>
-          <a:prstGeom prst="rect">
-            <a:avLst/>
-          </a:prstGeom>
-          <a:solidFill>
-            <a:srgbClr val="F1F8E9"/>
-          </a:solidFill>
-        </p:spPr>
-        <p:txBody>
-          <a:bodyPr wrap="square" rtlCol="0" anchor="ctr"/>
-          <a:lstStyle/>
-          <a:p>
-            <a:pPr algn="ctr"/>
-            <a:r>
-              <a:rPr lang="en-US" sz="1800" dirty="0"/>
-              <a:t>journey
-    title User Onboarding Experience
-    section Discovery
-      Visit website: 5: User
-      Read features: 4: User
-...
-(9 more lines)</a:t>
+            <a:off x="1000000" y="2000000"/>
+            <a:ext cx="7000000" cy="3000000"/>
+          </a:xfrm>
+          <a:prstGeom prst="rect">
+            <a:avLst/>
+          </a:prstGeom>
+          <a:solidFill>
+            <a:srgbClr val="F5F5F5"/>
+          </a:solidFill>
+          <a:ln w="1">
+            <a:solidFill>
+              <a:srgbClr val="757575"/>
+            </a:solidFill>
+          </a:ln>
+        </p:spPr>
+        <p:txBody>
+          <a:bodyPr wrap="square" rtlCol="0" anchor="ctr"/>
+          <a:lstStyle/>
+          <a:p>
+            <a:pPr algn="ctr"/>
+            <a:r>
+              <a:rPr lang="en-US" sz="1800" dirty="0"/>
+              <a:t>Diagram: journey</a:t>
             </a:r>
           </a:p>
         </p:txBody>
@@ -1334,26 +3122,25 @@
         </p:nvSpPr>
         <p:spPr>
           <a:xfrm>
-            <a:off x="1000000" y="1600000"/>
-            <a:ext cx="7000000" cy="600000"/>
-          </a:xfrm>
-          <a:prstGeom prst="rect">
-            <a:avLst/>
-          </a:prstGeom>
-          <a:solidFill>
-            <a:srgbClr val="FF8F00"/>
-          </a:solidFill>
-        </p:spPr>
-        <p:txBody>
-          <a:bodyPr wrap="square" rtlCol="0" anchor="ctr"/>
-          <a:lstStyle/>
-          <a:p>
-            <a:pPr algn="ctr"/>
-            <a:r>
-              <a:rPr lang="en-US" sz="1800" dirty="0"/>
-              <a:t>🥧 Pie Chart</a:t>
-            </a:r>
-          </a:p>
+            <a:off x="1000000" y="1500000"/>
+            <a:ext cx="3000000" cy="3000000"/>
+          </a:xfrm>
+          <a:prstGeom prst="ellipse">
+            <a:avLst/>
+          </a:prstGeom>
+          <a:solidFill>
+            <a:srgbClr val="4472C4"/>
+          </a:solidFill>
+          <a:ln w="2">
+            <a:solidFill>
+              <a:srgbClr val="FFFFFF"/>
+            </a:solidFill>
+          </a:ln>
+        </p:spPr>
+        <p:txBody>
+          <a:bodyPr/>
+          <a:lstStyle/>
+          <a:p/>
         </p:txBody>
       </p:sp>
       <p:sp>
@@ -1364,29 +3151,249 @@
         </p:nvSpPr>
         <p:spPr>
           <a:xfrm>
-            <a:off x="1000000" y="2200000"/>
-            <a:ext cx="7000000" cy="3600000"/>
-          </a:xfrm>
-          <a:prstGeom prst="rect">
-            <a:avLst/>
-          </a:prstGeom>
-          <a:solidFill>
-            <a:srgbClr val="FFF8E1"/>
-          </a:solidFill>
-        </p:spPr>
-        <p:txBody>
-          <a:bodyPr wrap="square" rtlCol="0" anchor="ctr"/>
-          <a:lstStyle/>
-          <a:p>
-            <a:pPr algn="ctr"/>
-            <a:r>
-              <a:rPr lang="en-US" sz="1800" dirty="0"/>
-              <a:t>Slices:
-• Our Product
-• Competitor A
-• Competitor B
-• Competitor C
-• Others</a:t>
+            <a:off x="5000000" y="2000000"/>
+            <a:ext cx="200000" cy="200000"/>
+          </a:xfrm>
+          <a:prstGeom prst="rect">
+            <a:avLst/>
+          </a:prstGeom>
+          <a:solidFill>
+            <a:srgbClr val="4472C4"/>
+          </a:solidFill>
+        </p:spPr>
+        <p:txBody>
+          <a:bodyPr/>
+          <a:lstStyle/>
+          <a:p/>
+        </p:txBody>
+      </p:sp>
+      <p:sp>
+        <p:nvSpPr>
+          <p:cNvPr id="12" name="Shape 12"/>
+          <p:cNvSpPr/>
+          <p:nvPr/>
+        </p:nvSpPr>
+        <p:spPr>
+          <a:xfrm>
+            <a:off x="5300000" y="2000000"/>
+            <a:ext cx="2500000" cy="200000"/>
+          </a:xfrm>
+          <a:prstGeom prst="rect">
+            <a:avLst/>
+          </a:prstGeom>
+        </p:spPr>
+        <p:txBody>
+          <a:bodyPr wrap="square" rtlCol="0" anchor="ctr"/>
+          <a:lstStyle/>
+          <a:p>
+            <a:pPr algn="ctr"/>
+            <a:r>
+              <a:rPr lang="en-US" sz="1800" dirty="0"/>
+              <a:t>Our Product (35.0%)</a:t>
+            </a:r>
+          </a:p>
+        </p:txBody>
+      </p:sp>
+      <p:sp>
+        <p:nvSpPr>
+          <p:cNvPr id="13" name="Shape 13"/>
+          <p:cNvSpPr/>
+          <p:nvPr/>
+        </p:nvSpPr>
+        <p:spPr>
+          <a:xfrm>
+            <a:off x="5000000" y="2350000"/>
+            <a:ext cx="200000" cy="200000"/>
+          </a:xfrm>
+          <a:prstGeom prst="rect">
+            <a:avLst/>
+          </a:prstGeom>
+          <a:solidFill>
+            <a:srgbClr val="ED7D31"/>
+          </a:solidFill>
+        </p:spPr>
+        <p:txBody>
+          <a:bodyPr/>
+          <a:lstStyle/>
+          <a:p/>
+        </p:txBody>
+      </p:sp>
+      <p:sp>
+        <p:nvSpPr>
+          <p:cNvPr id="14" name="Shape 14"/>
+          <p:cNvSpPr/>
+          <p:nvPr/>
+        </p:nvSpPr>
+        <p:spPr>
+          <a:xfrm>
+            <a:off x="5300000" y="2350000"/>
+            <a:ext cx="2500000" cy="200000"/>
+          </a:xfrm>
+          <a:prstGeom prst="rect">
+            <a:avLst/>
+          </a:prstGeom>
+        </p:spPr>
+        <p:txBody>
+          <a:bodyPr wrap="square" rtlCol="0" anchor="ctr"/>
+          <a:lstStyle/>
+          <a:p>
+            <a:pPr algn="ctr"/>
+            <a:r>
+              <a:rPr lang="en-US" sz="1800" dirty="0"/>
+              <a:t>Competitor A (25.0%)</a:t>
+            </a:r>
+          </a:p>
+        </p:txBody>
+      </p:sp>
+      <p:sp>
+        <p:nvSpPr>
+          <p:cNvPr id="15" name="Shape 15"/>
+          <p:cNvSpPr/>
+          <p:nvPr/>
+        </p:nvSpPr>
+        <p:spPr>
+          <a:xfrm>
+            <a:off x="5000000" y="2700000"/>
+            <a:ext cx="200000" cy="200000"/>
+          </a:xfrm>
+          <a:prstGeom prst="rect">
+            <a:avLst/>
+          </a:prstGeom>
+          <a:solidFill>
+            <a:srgbClr val="A5A5A5"/>
+          </a:solidFill>
+        </p:spPr>
+        <p:txBody>
+          <a:bodyPr/>
+          <a:lstStyle/>
+          <a:p/>
+        </p:txBody>
+      </p:sp>
+      <p:sp>
+        <p:nvSpPr>
+          <p:cNvPr id="16" name="Shape 16"/>
+          <p:cNvSpPr/>
+          <p:nvPr/>
+        </p:nvSpPr>
+        <p:spPr>
+          <a:xfrm>
+            <a:off x="5300000" y="2700000"/>
+            <a:ext cx="2500000" cy="200000"/>
+          </a:xfrm>
+          <a:prstGeom prst="rect">
+            <a:avLst/>
+          </a:prstGeom>
+        </p:spPr>
+        <p:txBody>
+          <a:bodyPr wrap="square" rtlCol="0" anchor="ctr"/>
+          <a:lstStyle/>
+          <a:p>
+            <a:pPr algn="ctr"/>
+            <a:r>
+              <a:rPr lang="en-US" sz="1800" dirty="0"/>
+              <a:t>Competitor B (20.0%)</a:t>
+            </a:r>
+          </a:p>
+        </p:txBody>
+      </p:sp>
+      <p:sp>
+        <p:nvSpPr>
+          <p:cNvPr id="17" name="Shape 17"/>
+          <p:cNvSpPr/>
+          <p:nvPr/>
+        </p:nvSpPr>
+        <p:spPr>
+          <a:xfrm>
+            <a:off x="5000000" y="3050000"/>
+            <a:ext cx="200000" cy="200000"/>
+          </a:xfrm>
+          <a:prstGeom prst="rect">
+            <a:avLst/>
+          </a:prstGeom>
+          <a:solidFill>
+            <a:srgbClr val="FFC000"/>
+          </a:solidFill>
+        </p:spPr>
+        <p:txBody>
+          <a:bodyPr/>
+          <a:lstStyle/>
+          <a:p/>
+        </p:txBody>
+      </p:sp>
+      <p:sp>
+        <p:nvSpPr>
+          <p:cNvPr id="18" name="Shape 18"/>
+          <p:cNvSpPr/>
+          <p:nvPr/>
+        </p:nvSpPr>
+        <p:spPr>
+          <a:xfrm>
+            <a:off x="5300000" y="3050000"/>
+            <a:ext cx="2500000" cy="200000"/>
+          </a:xfrm>
+          <a:prstGeom prst="rect">
+            <a:avLst/>
+          </a:prstGeom>
+        </p:spPr>
+        <p:txBody>
+          <a:bodyPr wrap="square" rtlCol="0" anchor="ctr"/>
+          <a:lstStyle/>
+          <a:p>
+            <a:pPr algn="ctr"/>
+            <a:r>
+              <a:rPr lang="en-US" sz="1800" dirty="0"/>
+              <a:t>Competitor C (12.0%)</a:t>
+            </a:r>
+          </a:p>
+        </p:txBody>
+      </p:sp>
+      <p:sp>
+        <p:nvSpPr>
+          <p:cNvPr id="19" name="Shape 19"/>
+          <p:cNvSpPr/>
+          <p:nvPr/>
+        </p:nvSpPr>
+        <p:spPr>
+          <a:xfrm>
+            <a:off x="5000000" y="3400000"/>
+            <a:ext cx="200000" cy="200000"/>
+          </a:xfrm>
+          <a:prstGeom prst="rect">
+            <a:avLst/>
+          </a:prstGeom>
+          <a:solidFill>
+            <a:srgbClr val="5B9BD5"/>
+          </a:solidFill>
+        </p:spPr>
+        <p:txBody>
+          <a:bodyPr/>
+          <a:lstStyle/>
+          <a:p/>
+        </p:txBody>
+      </p:sp>
+      <p:sp>
+        <p:nvSpPr>
+          <p:cNvPr id="20" name="Shape 20"/>
+          <p:cNvSpPr/>
+          <p:nvPr/>
+        </p:nvSpPr>
+        <p:spPr>
+          <a:xfrm>
+            <a:off x="5300000" y="3400000"/>
+            <a:ext cx="2500000" cy="200000"/>
+          </a:xfrm>
+          <a:prstGeom prst="rect">
+            <a:avLst/>
+          </a:prstGeom>
+        </p:spPr>
+        <p:txBody>
+          <a:bodyPr wrap="square" rtlCol="0" anchor="ctr"/>
+          <a:lstStyle/>
+          <a:p>
+            <a:pPr algn="ctr"/>
+            <a:r>
+              <a:rPr lang="en-US" sz="1800" dirty="0"/>
+              <a:t>Others (8.0%)</a:t>
             </a:r>
           </a:p>
         </p:txBody>
@@ -1457,60 +3464,29 @@
         </p:nvSpPr>
         <p:spPr>
           <a:xfrm>
-            <a:off x="1000000" y="1600000"/>
-            <a:ext cx="7000000" cy="600000"/>
-          </a:xfrm>
-          <a:prstGeom prst="rect">
-            <a:avLst/>
-          </a:prstGeom>
-          <a:solidFill>
-            <a:srgbClr val="0277BD"/>
-          </a:solidFill>
-        </p:spPr>
-        <p:txBody>
-          <a:bodyPr wrap="square" rtlCol="0" anchor="ctr"/>
-          <a:lstStyle/>
-          <a:p>
-            <a:pPr algn="ctr"/>
-            <a:r>
-              <a:rPr lang="en-US" sz="1800" dirty="0"/>
-              <a:t>📊 Quadrant Chart</a:t>
-            </a:r>
-          </a:p>
-        </p:txBody>
-      </p:sp>
-      <p:sp>
-        <p:nvSpPr>
-          <p:cNvPr id="11" name="Shape 11"/>
-          <p:cNvSpPr/>
-          <p:nvPr/>
-        </p:nvSpPr>
-        <p:spPr>
-          <a:xfrm>
-            <a:off x="1000000" y="2200000"/>
-            <a:ext cx="7000000" cy="3600000"/>
-          </a:xfrm>
-          <a:prstGeom prst="rect">
-            <a:avLst/>
-          </a:prstGeom>
-          <a:solidFill>
-            <a:srgbClr val="E1F5FE"/>
-          </a:solidFill>
-        </p:spPr>
-        <p:txBody>
-          <a:bodyPr wrap="square" rtlCol="0" anchor="ctr"/>
-          <a:lstStyle/>
-          <a:p>
-            <a:pPr algn="ctr"/>
-            <a:r>
-              <a:rPr lang="en-US" sz="1800" dirty="0"/>
-              <a:t>quadrantChart
-    title Feature Priority Matrix
-    x-axis Low Effort --&gt; High Effort
-    y-axis Low Impact --&gt; High Impact
-    quadrant-1 Plan carefully
-...
-(9 more lines)</a:t>
+            <a:off x="1000000" y="2000000"/>
+            <a:ext cx="7000000" cy="3000000"/>
+          </a:xfrm>
+          <a:prstGeom prst="rect">
+            <a:avLst/>
+          </a:prstGeom>
+          <a:solidFill>
+            <a:srgbClr val="F5F5F5"/>
+          </a:solidFill>
+          <a:ln w="1">
+            <a:solidFill>
+              <a:srgbClr val="757575"/>
+            </a:solidFill>
+          </a:ln>
+        </p:spPr>
+        <p:txBody>
+          <a:bodyPr wrap="square" rtlCol="0" anchor="ctr"/>
+          <a:lstStyle/>
+          <a:p>
+            <a:pPr algn="ctr"/>
+            <a:r>
+              <a:rPr lang="en-US" sz="1800" dirty="0"/>
+              <a:t>Diagram: quadrantChart</a:t>
             </a:r>
           </a:p>
         </p:txBody>
@@ -1581,60 +3557,29 @@
         </p:nvSpPr>
         <p:spPr>
           <a:xfrm>
-            <a:off x="1000000" y="1600000"/>
-            <a:ext cx="7000000" cy="600000"/>
-          </a:xfrm>
-          <a:prstGeom prst="rect">
-            <a:avLst/>
-          </a:prstGeom>
-          <a:solidFill>
-            <a:srgbClr val="455A64"/>
-          </a:solidFill>
-        </p:spPr>
-        <p:txBody>
-          <a:bodyPr wrap="square" rtlCol="0" anchor="ctr"/>
-          <a:lstStyle/>
-          <a:p>
-            <a:pPr algn="ctr"/>
-            <a:r>
-              <a:rPr lang="en-US" sz="1800" dirty="0"/>
-              <a:t>🌿 Git Graph</a:t>
-            </a:r>
-          </a:p>
-        </p:txBody>
-      </p:sp>
-      <p:sp>
-        <p:nvSpPr>
-          <p:cNvPr id="11" name="Shape 11"/>
-          <p:cNvSpPr/>
-          <p:nvPr/>
-        </p:nvSpPr>
-        <p:spPr>
-          <a:xfrm>
-            <a:off x="1000000" y="2200000"/>
-            <a:ext cx="7000000" cy="3600000"/>
-          </a:xfrm>
-          <a:prstGeom prst="rect">
-            <a:avLst/>
-          </a:prstGeom>
-          <a:solidFill>
-            <a:srgbClr val="ECEFF1"/>
-          </a:solidFill>
-        </p:spPr>
-        <p:txBody>
-          <a:bodyPr wrap="square" rtlCol="0" anchor="ctr"/>
-          <a:lstStyle/>
-          <a:p>
-            <a:pPr algn="ctr"/>
-            <a:r>
-              <a:rPr lang="en-US" sz="1800" dirty="0"/>
-              <a:t>gitGraph
-    commit id: "Initial"
-    commit id: "Core API"
-    branch feature/tables
-    commit id: "Add tables"
-...
-(8 more lines)</a:t>
+            <a:off x="1000000" y="2000000"/>
+            <a:ext cx="7000000" cy="3000000"/>
+          </a:xfrm>
+          <a:prstGeom prst="rect">
+            <a:avLst/>
+          </a:prstGeom>
+          <a:solidFill>
+            <a:srgbClr val="F5F5F5"/>
+          </a:solidFill>
+          <a:ln w="1">
+            <a:solidFill>
+              <a:srgbClr val="757575"/>
+            </a:solidFill>
+          </a:ln>
+        </p:spPr>
+        <p:txBody>
+          <a:bodyPr wrap="square" rtlCol="0" anchor="ctr"/>
+          <a:lstStyle/>
+          <a:p>
+            <a:pPr algn="ctr"/>
+            <a:r>
+              <a:rPr lang="en-US" sz="1800" dirty="0"/>
+              <a:t>Diagram: gitGraph</a:t>
             </a:r>
           </a:p>
         </p:txBody>
@@ -1705,24 +3650,29 @@
         </p:nvSpPr>
         <p:spPr>
           <a:xfrm>
-            <a:off x="1000000" y="1600000"/>
-            <a:ext cx="7000000" cy="600000"/>
-          </a:xfrm>
-          <a:prstGeom prst="rect">
+            <a:off x="3000000" y="2700000"/>
+            <a:ext cx="2000000" cy="600000"/>
+          </a:xfrm>
+          <a:prstGeom prst="ellipse">
             <a:avLst/>
           </a:prstGeom>
           <a:solidFill>
             <a:srgbClr val="3949AB"/>
           </a:solidFill>
-        </p:spPr>
-        <p:txBody>
-          <a:bodyPr wrap="square" rtlCol="0" anchor="ctr"/>
-          <a:lstStyle/>
-          <a:p>
-            <a:pPr algn="ctr"/>
-            <a:r>
-              <a:rPr lang="en-US" sz="1800" dirty="0"/>
-              <a:t>🧠 Mind Map</a:t>
+          <a:ln w="2">
+            <a:solidFill>
+              <a:srgbClr val="1A237E"/>
+            </a:solidFill>
+          </a:ln>
+        </p:spPr>
+        <p:txBody>
+          <a:bodyPr wrap="square" rtlCol="0" anchor="ctr"/>
+          <a:lstStyle/>
+          <a:p>
+            <a:pPr algn="ctr"/>
+            <a:r>
+              <a:rPr lang="en-US" sz="1800" dirty="0"/>
+              <a:t>root((MD2PPT</a:t>
             </a:r>
           </a:p>
         </p:txBody>
@@ -1735,30 +3685,569 @@
         </p:nvSpPr>
         <p:spPr>
           <a:xfrm>
-            <a:off x="1000000" y="2200000"/>
-            <a:ext cx="7000000" cy="3600000"/>
-          </a:xfrm>
-          <a:prstGeom prst="rect">
+            <a:off x="3250000" y="2800000"/>
+            <a:ext cx="1500000" cy="400000"/>
+          </a:xfrm>
+          <a:prstGeom prst="roundRect">
+            <a:avLst/>
+          </a:prstGeom>
+          <a:solidFill>
+            <a:srgbClr val="4472C4"/>
+          </a:solidFill>
+        </p:spPr>
+        <p:txBody>
+          <a:bodyPr wrap="square" rtlCol="0" anchor="ctr"/>
+          <a:lstStyle/>
+          <a:p>
+            <a:pPr algn="ctr"/>
+            <a:r>
+              <a:rPr lang="en-US" sz="1800" dirty="0"/>
+              <a:t>Input</a:t>
+            </a:r>
+          </a:p>
+        </p:txBody>
+      </p:sp>
+      <p:sp>
+        <p:nvSpPr>
+          <p:cNvPr id="12" name="Shape 12"/>
+          <p:cNvSpPr/>
+          <p:nvPr/>
+        </p:nvSpPr>
+        <p:spPr>
+          <a:xfrm>
+            <a:off x="5250000" y="2800000"/>
+            <a:ext cx="1500000" cy="400000"/>
+          </a:xfrm>
+          <a:prstGeom prst="roundRect">
+            <a:avLst/>
+          </a:prstGeom>
+          <a:solidFill>
+            <a:srgbClr val="ED7D31"/>
+          </a:solidFill>
+        </p:spPr>
+        <p:txBody>
+          <a:bodyPr wrap="square" rtlCol="0" anchor="ctr"/>
+          <a:lstStyle/>
+          <a:p>
+            <a:pPr algn="ctr"/>
+            <a:r>
+              <a:rPr lang="en-US" sz="1800" dirty="0"/>
+              <a:t>Processing</a:t>
+            </a:r>
+          </a:p>
+        </p:txBody>
+      </p:sp>
+      <p:sp>
+        <p:nvSpPr>
+          <p:cNvPr id="13" name="Shape 13"/>
+          <p:cNvSpPr/>
+          <p:nvPr/>
+        </p:nvSpPr>
+        <p:spPr>
+          <a:xfrm>
+            <a:off x="3250000" y="4800000"/>
+            <a:ext cx="1500000" cy="400000"/>
+          </a:xfrm>
+          <a:prstGeom prst="roundRect">
+            <a:avLst/>
+          </a:prstGeom>
+          <a:solidFill>
+            <a:srgbClr val="70AD47"/>
+          </a:solidFill>
+        </p:spPr>
+        <p:txBody>
+          <a:bodyPr wrap="square" rtlCol="0" anchor="ctr"/>
+          <a:lstStyle/>
+          <a:p>
+            <a:pPr algn="ctr"/>
+            <a:r>
+              <a:rPr lang="en-US" sz="1800" dirty="0"/>
+              <a:t>Output</a:t>
+            </a:r>
+          </a:p>
+        </p:txBody>
+      </p:sp>
+      <p:sp>
+        <p:nvSpPr>
+          <p:cNvPr id="14" name="Shape 14"/>
+          <p:cNvSpPr/>
+          <p:nvPr/>
+        </p:nvSpPr>
+        <p:spPr>
+          <a:xfrm>
+            <a:off x="3250000" y="2800000"/>
+            <a:ext cx="1500000" cy="400000"/>
+          </a:xfrm>
+          <a:prstGeom prst="roundRect">
+            <a:avLst/>
+          </a:prstGeom>
+          <a:solidFill>
+            <a:srgbClr val="FFC000"/>
+          </a:solidFill>
+        </p:spPr>
+        <p:txBody>
+          <a:bodyPr wrap="square" rtlCol="0" anchor="ctr"/>
+          <a:lstStyle/>
+          <a:p>
+            <a:pPr algn="ctr"/>
+            <a:r>
+              <a:rPr lang="en-US" sz="1800" dirty="0"/>
+              <a:t>Features</a:t>
+            </a:r>
+          </a:p>
+        </p:txBody>
+      </p:sp>
+      <p:sp>
+        <p:nvSpPr>
+          <p:cNvPr id="15" name="Shape 15"/>
+          <p:cNvSpPr/>
+          <p:nvPr/>
+        </p:nvSpPr>
+        <p:spPr>
+          <a:xfrm>
+            <a:off x="3250000" y="2800000"/>
+            <a:ext cx="1500000" cy="400000"/>
+          </a:xfrm>
+          <a:prstGeom prst="roundRect">
             <a:avLst/>
           </a:prstGeom>
           <a:solidFill>
             <a:srgbClr val="E8EAF6"/>
           </a:solidFill>
-        </p:spPr>
-        <p:txBody>
-          <a:bodyPr wrap="square" rtlCol="0" anchor="ctr"/>
-          <a:lstStyle/>
-          <a:p>
-            <a:pPr algn="ctr"/>
-            <a:r>
-              <a:rPr lang="en-US" sz="1800" dirty="0"/>
-              <a:t>mindmap
-    root((MD2PPT))
-        Input
-            Markdown files
-            GFM tables
-...
-(14 more lines)</a:t>
+          <a:ln w="1">
+            <a:solidFill>
+              <a:srgbClr val="3949AB"/>
+            </a:solidFill>
+          </a:ln>
+        </p:spPr>
+        <p:txBody>
+          <a:bodyPr wrap="square" rtlCol="0" anchor="ctr"/>
+          <a:lstStyle/>
+          <a:p>
+            <a:pPr algn="ctr"/>
+            <a:r>
+              <a:rPr lang="en-US" sz="1800" dirty="0"/>
+              <a:t>Markdown files</a:t>
+            </a:r>
+          </a:p>
+        </p:txBody>
+      </p:sp>
+      <p:sp>
+        <p:nvSpPr>
+          <p:cNvPr id="16" name="Shape 16"/>
+          <p:cNvSpPr/>
+          <p:nvPr/>
+        </p:nvSpPr>
+        <p:spPr>
+          <a:xfrm>
+            <a:off x="3250000" y="2800000"/>
+            <a:ext cx="1500000" cy="400000"/>
+          </a:xfrm>
+          <a:prstGeom prst="roundRect">
+            <a:avLst/>
+          </a:prstGeom>
+          <a:solidFill>
+            <a:srgbClr val="E8EAF6"/>
+          </a:solidFill>
+          <a:ln w="1">
+            <a:solidFill>
+              <a:srgbClr val="3949AB"/>
+            </a:solidFill>
+          </a:ln>
+        </p:spPr>
+        <p:txBody>
+          <a:bodyPr wrap="square" rtlCol="0" anchor="ctr"/>
+          <a:lstStyle/>
+          <a:p>
+            <a:pPr algn="ctr"/>
+            <a:r>
+              <a:rPr lang="en-US" sz="1800" dirty="0"/>
+              <a:t>GFM tables</a:t>
+            </a:r>
+          </a:p>
+        </p:txBody>
+      </p:sp>
+      <p:sp>
+        <p:nvSpPr>
+          <p:cNvPr id="17" name="Shape 17"/>
+          <p:cNvSpPr/>
+          <p:nvPr/>
+        </p:nvSpPr>
+        <p:spPr>
+          <a:xfrm>
+            <a:off x="3250000" y="2800000"/>
+            <a:ext cx="1500000" cy="400000"/>
+          </a:xfrm>
+          <a:prstGeom prst="roundRect">
+            <a:avLst/>
+          </a:prstGeom>
+          <a:solidFill>
+            <a:srgbClr val="E8EAF6"/>
+          </a:solidFill>
+          <a:ln w="1">
+            <a:solidFill>
+              <a:srgbClr val="3949AB"/>
+            </a:solidFill>
+          </a:ln>
+        </p:spPr>
+        <p:txBody>
+          <a:bodyPr wrap="square" rtlCol="0" anchor="ctr"/>
+          <a:lstStyle/>
+          <a:p>
+            <a:pPr algn="ctr"/>
+            <a:r>
+              <a:rPr lang="en-US" sz="1800" dirty="0"/>
+              <a:t>Mermaid diagrams</a:t>
+            </a:r>
+          </a:p>
+        </p:txBody>
+      </p:sp>
+      <p:sp>
+        <p:nvSpPr>
+          <p:cNvPr id="18" name="Shape 18"/>
+          <p:cNvSpPr/>
+          <p:nvPr/>
+        </p:nvSpPr>
+        <p:spPr>
+          <a:xfrm>
+            <a:off x="6450000" y="2800000"/>
+            <a:ext cx="1500000" cy="400000"/>
+          </a:xfrm>
+          <a:prstGeom prst="roundRect">
+            <a:avLst/>
+          </a:prstGeom>
+          <a:solidFill>
+            <a:srgbClr val="E8EAF6"/>
+          </a:solidFill>
+          <a:ln w="1">
+            <a:solidFill>
+              <a:srgbClr val="3949AB"/>
+            </a:solidFill>
+          </a:ln>
+        </p:spPr>
+        <p:txBody>
+          <a:bodyPr wrap="square" rtlCol="0" anchor="ctr"/>
+          <a:lstStyle/>
+          <a:p>
+            <a:pPr algn="ctr"/>
+            <a:r>
+              <a:rPr lang="en-US" sz="1800" dirty="0"/>
+              <a:t>Parse markdown</a:t>
+            </a:r>
+          </a:p>
+        </p:txBody>
+      </p:sp>
+      <p:sp>
+        <p:nvSpPr>
+          <p:cNvPr id="19" name="Shape 19"/>
+          <p:cNvSpPr/>
+          <p:nvPr/>
+        </p:nvSpPr>
+        <p:spPr>
+          <a:xfrm>
+            <a:off x="6450000" y="2800000"/>
+            <a:ext cx="1500000" cy="400000"/>
+          </a:xfrm>
+          <a:prstGeom prst="roundRect">
+            <a:avLst/>
+          </a:prstGeom>
+          <a:solidFill>
+            <a:srgbClr val="E8EAF6"/>
+          </a:solidFill>
+          <a:ln w="1">
+            <a:solidFill>
+              <a:srgbClr val="3949AB"/>
+            </a:solidFill>
+          </a:ln>
+        </p:spPr>
+        <p:txBody>
+          <a:bodyPr wrap="square" rtlCol="0" anchor="ctr"/>
+          <a:lstStyle/>
+          <a:p>
+            <a:pPr algn="ctr"/>
+            <a:r>
+              <a:rPr lang="en-US" sz="1800" dirty="0"/>
+              <a:t>Convert elements</a:t>
+            </a:r>
+          </a:p>
+        </p:txBody>
+      </p:sp>
+      <p:sp>
+        <p:nvSpPr>
+          <p:cNvPr id="20" name="Shape 20"/>
+          <p:cNvSpPr/>
+          <p:nvPr/>
+        </p:nvSpPr>
+        <p:spPr>
+          <a:xfrm>
+            <a:off x="6450000" y="2800000"/>
+            <a:ext cx="1500000" cy="400000"/>
+          </a:xfrm>
+          <a:prstGeom prst="roundRect">
+            <a:avLst/>
+          </a:prstGeom>
+          <a:solidFill>
+            <a:srgbClr val="E8EAF6"/>
+          </a:solidFill>
+          <a:ln w="1">
+            <a:solidFill>
+              <a:srgbClr val="3949AB"/>
+            </a:solidFill>
+          </a:ln>
+        </p:spPr>
+        <p:txBody>
+          <a:bodyPr wrap="square" rtlCol="0" anchor="ctr"/>
+          <a:lstStyle/>
+          <a:p>
+            <a:pPr algn="ctr"/>
+            <a:r>
+              <a:rPr lang="en-US" sz="1800" dirty="0"/>
+              <a:t>Generate XML</a:t>
+            </a:r>
+          </a:p>
+        </p:txBody>
+      </p:sp>
+      <p:sp>
+        <p:nvSpPr>
+          <p:cNvPr id="21" name="Shape 21"/>
+          <p:cNvSpPr/>
+          <p:nvPr/>
+        </p:nvSpPr>
+        <p:spPr>
+          <a:xfrm>
+            <a:off x="3250000" y="6000000"/>
+            <a:ext cx="1500000" cy="400000"/>
+          </a:xfrm>
+          <a:prstGeom prst="roundRect">
+            <a:avLst/>
+          </a:prstGeom>
+          <a:solidFill>
+            <a:srgbClr val="E8EAF6"/>
+          </a:solidFill>
+          <a:ln w="1">
+            <a:solidFill>
+              <a:srgbClr val="3949AB"/>
+            </a:solidFill>
+          </a:ln>
+        </p:spPr>
+        <p:txBody>
+          <a:bodyPr wrap="square" rtlCol="0" anchor="ctr"/>
+          <a:lstStyle/>
+          <a:p>
+            <a:pPr algn="ctr"/>
+            <a:r>
+              <a:rPr lang="en-US" sz="1800" dirty="0"/>
+              <a:t>PPTX files</a:t>
+            </a:r>
+          </a:p>
+        </p:txBody>
+      </p:sp>
+      <p:sp>
+        <p:nvSpPr>
+          <p:cNvPr id="22" name="Shape 22"/>
+          <p:cNvSpPr/>
+          <p:nvPr/>
+        </p:nvSpPr>
+        <p:spPr>
+          <a:xfrm>
+            <a:off x="3250000" y="6000000"/>
+            <a:ext cx="1500000" cy="400000"/>
+          </a:xfrm>
+          <a:prstGeom prst="roundRect">
+            <a:avLst/>
+          </a:prstGeom>
+          <a:solidFill>
+            <a:srgbClr val="E8EAF6"/>
+          </a:solidFill>
+          <a:ln w="1">
+            <a:solidFill>
+              <a:srgbClr val="3949AB"/>
+            </a:solidFill>
+          </a:ln>
+        </p:spPr>
+        <p:txBody>
+          <a:bodyPr wrap="square" rtlCol="0" anchor="ctr"/>
+          <a:lstStyle/>
+          <a:p>
+            <a:pPr algn="ctr"/>
+            <a:r>
+              <a:rPr lang="en-US" sz="1800" dirty="0"/>
+              <a:t>Speaker notes</a:t>
+            </a:r>
+          </a:p>
+        </p:txBody>
+      </p:sp>
+      <p:sp>
+        <p:nvSpPr>
+          <p:cNvPr id="23" name="Shape 23"/>
+          <p:cNvSpPr/>
+          <p:nvPr/>
+        </p:nvSpPr>
+        <p:spPr>
+          <a:xfrm>
+            <a:off x="3250000" y="6000000"/>
+            <a:ext cx="1500000" cy="400000"/>
+          </a:xfrm>
+          <a:prstGeom prst="roundRect">
+            <a:avLst/>
+          </a:prstGeom>
+          <a:solidFill>
+            <a:srgbClr val="E8EAF6"/>
+          </a:solidFill>
+          <a:ln w="1">
+            <a:solidFill>
+              <a:srgbClr val="3949AB"/>
+            </a:solidFill>
+          </a:ln>
+        </p:spPr>
+        <p:txBody>
+          <a:bodyPr wrap="square" rtlCol="0" anchor="ctr"/>
+          <a:lstStyle/>
+          <a:p>
+            <a:pPr algn="ctr"/>
+            <a:r>
+              <a:rPr lang="en-US" sz="1800" dirty="0"/>
+              <a:t>Styled content</a:t>
+            </a:r>
+          </a:p>
+        </p:txBody>
+      </p:sp>
+      <p:sp>
+        <p:nvSpPr>
+          <p:cNvPr id="24" name="Shape 24"/>
+          <p:cNvSpPr/>
+          <p:nvPr/>
+        </p:nvSpPr>
+        <p:spPr>
+          <a:xfrm>
+            <a:off x="3250000" y="2800000"/>
+            <a:ext cx="1500000" cy="400000"/>
+          </a:xfrm>
+          <a:prstGeom prst="roundRect">
+            <a:avLst/>
+          </a:prstGeom>
+          <a:solidFill>
+            <a:srgbClr val="E8EAF6"/>
+          </a:solidFill>
+          <a:ln w="1">
+            <a:solidFill>
+              <a:srgbClr val="3949AB"/>
+            </a:solidFill>
+          </a:ln>
+        </p:spPr>
+        <p:txBody>
+          <a:bodyPr wrap="square" rtlCol="0" anchor="ctr"/>
+          <a:lstStyle/>
+          <a:p>
+            <a:pPr algn="ctr"/>
+            <a:r>
+              <a:rPr lang="en-US" sz="1800" dirty="0"/>
+              <a:t>Tables</a:t>
+            </a:r>
+          </a:p>
+        </p:txBody>
+      </p:sp>
+      <p:sp>
+        <p:nvSpPr>
+          <p:cNvPr id="25" name="Shape 25"/>
+          <p:cNvSpPr/>
+          <p:nvPr/>
+        </p:nvSpPr>
+        <p:spPr>
+          <a:xfrm>
+            <a:off x="3250000" y="2800000"/>
+            <a:ext cx="1500000" cy="400000"/>
+          </a:xfrm>
+          <a:prstGeom prst="roundRect">
+            <a:avLst/>
+          </a:prstGeom>
+          <a:solidFill>
+            <a:srgbClr val="E8EAF6"/>
+          </a:solidFill>
+          <a:ln w="1">
+            <a:solidFill>
+              <a:srgbClr val="3949AB"/>
+            </a:solidFill>
+          </a:ln>
+        </p:spPr>
+        <p:txBody>
+          <a:bodyPr wrap="square" rtlCol="0" anchor="ctr"/>
+          <a:lstStyle/>
+          <a:p>
+            <a:pPr algn="ctr"/>
+            <a:r>
+              <a:rPr lang="en-US" sz="1800" dirty="0"/>
+              <a:t>Code blocks</a:t>
+            </a:r>
+          </a:p>
+        </p:txBody>
+      </p:sp>
+      <p:sp>
+        <p:nvSpPr>
+          <p:cNvPr id="26" name="Shape 26"/>
+          <p:cNvSpPr/>
+          <p:nvPr/>
+        </p:nvSpPr>
+        <p:spPr>
+          <a:xfrm>
+            <a:off x="3250000" y="2800000"/>
+            <a:ext cx="1500000" cy="400000"/>
+          </a:xfrm>
+          <a:prstGeom prst="roundRect">
+            <a:avLst/>
+          </a:prstGeom>
+          <a:solidFill>
+            <a:srgbClr val="E8EAF6"/>
+          </a:solidFill>
+          <a:ln w="1">
+            <a:solidFill>
+              <a:srgbClr val="3949AB"/>
+            </a:solidFill>
+          </a:ln>
+        </p:spPr>
+        <p:txBody>
+          <a:bodyPr wrap="square" rtlCol="0" anchor="ctr"/>
+          <a:lstStyle/>
+          <a:p>
+            <a:pPr algn="ctr"/>
+            <a:r>
+              <a:rPr lang="en-US" sz="1800" dirty="0"/>
+              <a:t>Diagrams</a:t>
+            </a:r>
+          </a:p>
+        </p:txBody>
+      </p:sp>
+      <p:sp>
+        <p:nvSpPr>
+          <p:cNvPr id="27" name="Shape 27"/>
+          <p:cNvSpPr/>
+          <p:nvPr/>
+        </p:nvSpPr>
+        <p:spPr>
+          <a:xfrm>
+            <a:off x="3250000" y="2800000"/>
+            <a:ext cx="1500000" cy="400000"/>
+          </a:xfrm>
+          <a:prstGeom prst="roundRect">
+            <a:avLst/>
+          </a:prstGeom>
+          <a:solidFill>
+            <a:srgbClr val="E8EAF6"/>
+          </a:solidFill>
+          <a:ln w="1">
+            <a:solidFill>
+              <a:srgbClr val="3949AB"/>
+            </a:solidFill>
+          </a:ln>
+        </p:spPr>
+        <p:txBody>
+          <a:bodyPr wrap="square" rtlCol="0" anchor="ctr"/>
+          <a:lstStyle/>
+          <a:p>
+            <a:pPr algn="ctr"/>
+            <a:r>
+              <a:rPr lang="en-US" sz="1800" dirty="0"/>
+              <a:t>Formatting</a:t>
             </a:r>
           </a:p>
         </p:txBody>
@@ -1829,8 +4318,35 @@
         </p:nvSpPr>
         <p:spPr>
           <a:xfrm>
-            <a:off x="1000000" y="1600000"/>
-            <a:ext cx="7000000" cy="600000"/>
+            <a:off x="500000" y="1600000"/>
+            <a:ext cx="7500000" cy="400000"/>
+          </a:xfrm>
+          <a:prstGeom prst="rect">
+            <a:avLst/>
+          </a:prstGeom>
+        </p:spPr>
+        <p:txBody>
+          <a:bodyPr wrap="square" rtlCol="0" anchor="ctr"/>
+          <a:lstStyle/>
+          <a:p>
+            <a:pPr algn="ctr"/>
+            <a:r>
+              <a:rPr lang="en-US" sz="1800" dirty="0"/>
+              <a:t>MD2PPT Development Timeline</a:t>
+            </a:r>
+          </a:p>
+        </p:txBody>
+      </p:sp>
+      <p:sp>
+        <p:nvSpPr>
+          <p:cNvPr id="11" name="Shape 11"/>
+          <p:cNvSpPr/>
+          <p:nvPr/>
+        </p:nvSpPr>
+        <p:spPr>
+          <a:xfrm>
+            <a:off x="500000" y="2500000"/>
+            <a:ext cx="8500000" cy="30000"/>
           </a:xfrm>
           <a:prstGeom prst="rect">
             <a:avLst/>
@@ -1840,49 +4356,456 @@
           </a:solidFill>
         </p:spPr>
         <p:txBody>
-          <a:bodyPr wrap="square" rtlCol="0" anchor="ctr"/>
-          <a:lstStyle/>
-          <a:p>
-            <a:pPr algn="ctr"/>
-            <a:r>
-              <a:rPr lang="en-US" sz="1800" dirty="0"/>
-              <a:t>⏱️ Timeline</a:t>
-            </a:r>
-          </a:p>
-        </p:txBody>
-      </p:sp>
-      <p:sp>
-        <p:nvSpPr>
-          <p:cNvPr id="11" name="Shape 11"/>
-          <p:cNvSpPr/>
-          <p:nvPr/>
-        </p:nvSpPr>
-        <p:spPr>
-          <a:xfrm>
-            <a:off x="1000000" y="2200000"/>
-            <a:ext cx="7000000" cy="3600000"/>
-          </a:xfrm>
-          <a:prstGeom prst="rect">
+          <a:bodyPr/>
+          <a:lstStyle/>
+          <a:p/>
+        </p:txBody>
+      </p:sp>
+      <p:sp>
+        <p:nvSpPr>
+          <p:cNvPr id="12" name="Shape 12"/>
+          <p:cNvSpPr/>
+          <p:nvPr/>
+        </p:nvSpPr>
+        <p:spPr>
+          <a:xfrm>
+            <a:off x="1125000" y="2440000"/>
+            <a:ext cx="150000" cy="150000"/>
+          </a:xfrm>
+          <a:prstGeom prst="ellipse">
+            <a:avLst/>
+          </a:prstGeom>
+          <a:solidFill>
+            <a:srgbClr val="5D4037"/>
+          </a:solidFill>
+        </p:spPr>
+        <p:txBody>
+          <a:bodyPr/>
+          <a:lstStyle/>
+          <a:p/>
+        </p:txBody>
+      </p:sp>
+      <p:sp>
+        <p:nvSpPr>
+          <p:cNvPr id="13" name="Shape 13"/>
+          <p:cNvSpPr/>
+          <p:nvPr/>
+        </p:nvSpPr>
+        <p:spPr>
+          <a:xfrm>
+            <a:off x="500000" y="2100000"/>
+            <a:ext cx="1400000" cy="300000"/>
+          </a:xfrm>
+          <a:prstGeom prst="rect">
+            <a:avLst/>
+          </a:prstGeom>
+          <a:solidFill>
+            <a:srgbClr val="5D4037"/>
+          </a:solidFill>
+        </p:spPr>
+        <p:txBody>
+          <a:bodyPr wrap="square" rtlCol="0" anchor="ctr"/>
+          <a:lstStyle/>
+          <a:p>
+            <a:pPr algn="ctr"/>
+            <a:r>
+              <a:rPr lang="en-US" sz="1800" dirty="0"/>
+              <a:t>2024-01</a:t>
+            </a:r>
+          </a:p>
+        </p:txBody>
+      </p:sp>
+      <p:sp>
+        <p:nvSpPr>
+          <p:cNvPr id="14" name="Shape 14"/>
+          <p:cNvSpPr/>
+          <p:nvPr/>
+        </p:nvSpPr>
+        <p:spPr>
+          <a:xfrm>
+            <a:off x="500000" y="2650000"/>
+            <a:ext cx="1400000" cy="250000"/>
+          </a:xfrm>
+          <a:prstGeom prst="roundRect">
             <a:avLst/>
           </a:prstGeom>
           <a:solidFill>
             <a:srgbClr val="EFEBE9"/>
           </a:solidFill>
-        </p:spPr>
-        <p:txBody>
-          <a:bodyPr wrap="square" rtlCol="0" anchor="ctr"/>
-          <a:lstStyle/>
-          <a:p>
-            <a:pPr algn="ctr"/>
-            <a:r>
-              <a:rPr lang="en-US" sz="1800" dirty="0"/>
-              <a:t>timeline
-    title MD2PPT Development Timeline
-    2024-01 : Project started
-            : Core architecture
-    2024-02 : Basic markdown parsing
-...
-(8 more lines)</a:t>
+          <a:ln w="1">
+            <a:solidFill>
+              <a:srgbClr val="5D4037"/>
+            </a:solidFill>
+          </a:ln>
+        </p:spPr>
+        <p:txBody>
+          <a:bodyPr wrap="square" rtlCol="0" anchor="ctr"/>
+          <a:lstStyle/>
+          <a:p>
+            <a:pPr algn="ctr"/>
+            <a:r>
+              <a:rPr lang="en-US" sz="1800" dirty="0"/>
+              <a:t>Project started</a:t>
+            </a:r>
+          </a:p>
+        </p:txBody>
+      </p:sp>
+      <p:sp>
+        <p:nvSpPr>
+          <p:cNvPr id="15" name="Shape 15"/>
+          <p:cNvSpPr/>
+          <p:nvPr/>
+        </p:nvSpPr>
+        <p:spPr>
+          <a:xfrm>
+            <a:off x="2725000" y="2440000"/>
+            <a:ext cx="150000" cy="150000"/>
+          </a:xfrm>
+          <a:prstGeom prst="ellipse">
+            <a:avLst/>
+          </a:prstGeom>
+          <a:solidFill>
+            <a:srgbClr val="5D4037"/>
+          </a:solidFill>
+        </p:spPr>
+        <p:txBody>
+          <a:bodyPr/>
+          <a:lstStyle/>
+          <a:p/>
+        </p:txBody>
+      </p:sp>
+      <p:sp>
+        <p:nvSpPr>
+          <p:cNvPr id="16" name="Shape 16"/>
+          <p:cNvSpPr/>
+          <p:nvPr/>
+        </p:nvSpPr>
+        <p:spPr>
+          <a:xfrm>
+            <a:off x="2100000" y="2100000"/>
+            <a:ext cx="1400000" cy="300000"/>
+          </a:xfrm>
+          <a:prstGeom prst="rect">
+            <a:avLst/>
+          </a:prstGeom>
+          <a:solidFill>
+            <a:srgbClr val="5D4037"/>
+          </a:solidFill>
+        </p:spPr>
+        <p:txBody>
+          <a:bodyPr wrap="square" rtlCol="0" anchor="ctr"/>
+          <a:lstStyle/>
+          <a:p>
+            <a:pPr algn="ctr"/>
+            <a:r>
+              <a:rPr lang="en-US" sz="1800" dirty="0"/>
+              <a:t>2024-02</a:t>
+            </a:r>
+          </a:p>
+        </p:txBody>
+      </p:sp>
+      <p:sp>
+        <p:nvSpPr>
+          <p:cNvPr id="17" name="Shape 17"/>
+          <p:cNvSpPr/>
+          <p:nvPr/>
+        </p:nvSpPr>
+        <p:spPr>
+          <a:xfrm>
+            <a:off x="2100000" y="2650000"/>
+            <a:ext cx="1400000" cy="500000"/>
+          </a:xfrm>
+          <a:prstGeom prst="roundRect">
+            <a:avLst/>
+          </a:prstGeom>
+          <a:solidFill>
+            <a:srgbClr val="D7CCC8"/>
+          </a:solidFill>
+          <a:ln w="1">
+            <a:solidFill>
+              <a:srgbClr val="5D4037"/>
+            </a:solidFill>
+          </a:ln>
+        </p:spPr>
+        <p:txBody>
+          <a:bodyPr wrap="square" rtlCol="0" anchor="ctr"/>
+          <a:lstStyle/>
+          <a:p>
+            <a:pPr algn="ctr"/>
+            <a:r>
+              <a:rPr lang="en-US" sz="1800" dirty="0"/>
+              <a:t>Core architecture
+Basic markdown parsing</a:t>
+            </a:r>
+          </a:p>
+        </p:txBody>
+      </p:sp>
+      <p:sp>
+        <p:nvSpPr>
+          <p:cNvPr id="18" name="Shape 18"/>
+          <p:cNvSpPr/>
+          <p:nvPr/>
+        </p:nvSpPr>
+        <p:spPr>
+          <a:xfrm>
+            <a:off x="4325000" y="2440000"/>
+            <a:ext cx="150000" cy="150000"/>
+          </a:xfrm>
+          <a:prstGeom prst="ellipse">
+            <a:avLst/>
+          </a:prstGeom>
+          <a:solidFill>
+            <a:srgbClr val="5D4037"/>
+          </a:solidFill>
+        </p:spPr>
+        <p:txBody>
+          <a:bodyPr/>
+          <a:lstStyle/>
+          <a:p/>
+        </p:txBody>
+      </p:sp>
+      <p:sp>
+        <p:nvSpPr>
+          <p:cNvPr id="19" name="Shape 19"/>
+          <p:cNvSpPr/>
+          <p:nvPr/>
+        </p:nvSpPr>
+        <p:spPr>
+          <a:xfrm>
+            <a:off x="3700000" y="2100000"/>
+            <a:ext cx="1400000" cy="300000"/>
+          </a:xfrm>
+          <a:prstGeom prst="rect">
+            <a:avLst/>
+          </a:prstGeom>
+          <a:solidFill>
+            <a:srgbClr val="5D4037"/>
+          </a:solidFill>
+        </p:spPr>
+        <p:txBody>
+          <a:bodyPr wrap="square" rtlCol="0" anchor="ctr"/>
+          <a:lstStyle/>
+          <a:p>
+            <a:pPr algn="ctr"/>
+            <a:r>
+              <a:rPr lang="en-US" sz="1800" dirty="0"/>
+              <a:t>2024-03</a:t>
+            </a:r>
+          </a:p>
+        </p:txBody>
+      </p:sp>
+      <p:sp>
+        <p:nvSpPr>
+          <p:cNvPr id="20" name="Shape 20"/>
+          <p:cNvSpPr/>
+          <p:nvPr/>
+        </p:nvSpPr>
+        <p:spPr>
+          <a:xfrm>
+            <a:off x="3700000" y="2650000"/>
+            <a:ext cx="1400000" cy="500000"/>
+          </a:xfrm>
+          <a:prstGeom prst="roundRect">
+            <a:avLst/>
+          </a:prstGeom>
+          <a:solidFill>
+            <a:srgbClr val="BCAAA4"/>
+          </a:solidFill>
+          <a:ln w="1">
+            <a:solidFill>
+              <a:srgbClr val="5D4037"/>
+            </a:solidFill>
+          </a:ln>
+        </p:spPr>
+        <p:txBody>
+          <a:bodyPr wrap="square" rtlCol="0" anchor="ctr"/>
+          <a:lstStyle/>
+          <a:p>
+            <a:pPr algn="ctr"/>
+            <a:r>
+              <a:rPr lang="en-US" sz="1800" dirty="0"/>
+              <a:t>Slide generation
+Table support</a:t>
+            </a:r>
+          </a:p>
+        </p:txBody>
+      </p:sp>
+      <p:sp>
+        <p:nvSpPr>
+          <p:cNvPr id="21" name="Shape 21"/>
+          <p:cNvSpPr/>
+          <p:nvPr/>
+        </p:nvSpPr>
+        <p:spPr>
+          <a:xfrm>
+            <a:off x="5925000" y="2440000"/>
+            <a:ext cx="150000" cy="150000"/>
+          </a:xfrm>
+          <a:prstGeom prst="ellipse">
+            <a:avLst/>
+          </a:prstGeom>
+          <a:solidFill>
+            <a:srgbClr val="5D4037"/>
+          </a:solidFill>
+        </p:spPr>
+        <p:txBody>
+          <a:bodyPr/>
+          <a:lstStyle/>
+          <a:p/>
+        </p:txBody>
+      </p:sp>
+      <p:sp>
+        <p:nvSpPr>
+          <p:cNvPr id="22" name="Shape 22"/>
+          <p:cNvSpPr/>
+          <p:nvPr/>
+        </p:nvSpPr>
+        <p:spPr>
+          <a:xfrm>
+            <a:off x="5300000" y="2100000"/>
+            <a:ext cx="1400000" cy="300000"/>
+          </a:xfrm>
+          <a:prstGeom prst="rect">
+            <a:avLst/>
+          </a:prstGeom>
+          <a:solidFill>
+            <a:srgbClr val="5D4037"/>
+          </a:solidFill>
+        </p:spPr>
+        <p:txBody>
+          <a:bodyPr wrap="square" rtlCol="0" anchor="ctr"/>
+          <a:lstStyle/>
+          <a:p>
+            <a:pPr algn="ctr"/>
+            <a:r>
+              <a:rPr lang="en-US" sz="1800" dirty="0"/>
+              <a:t>2024-04</a:t>
+            </a:r>
+          </a:p>
+        </p:txBody>
+      </p:sp>
+      <p:sp>
+        <p:nvSpPr>
+          <p:cNvPr id="23" name="Shape 23"/>
+          <p:cNvSpPr/>
+          <p:nvPr/>
+        </p:nvSpPr>
+        <p:spPr>
+          <a:xfrm>
+            <a:off x="5300000" y="2650000"/>
+            <a:ext cx="1400000" cy="500000"/>
+          </a:xfrm>
+          <a:prstGeom prst="roundRect">
+            <a:avLst/>
+          </a:prstGeom>
+          <a:solidFill>
+            <a:srgbClr val="A1887F"/>
+          </a:solidFill>
+          <a:ln w="1">
+            <a:solidFill>
+              <a:srgbClr val="5D4037"/>
+            </a:solidFill>
+          </a:ln>
+        </p:spPr>
+        <p:txBody>
+          <a:bodyPr wrap="square" rtlCol="0" anchor="ctr"/>
+          <a:lstStyle/>
+          <a:p>
+            <a:pPr algn="ctr"/>
+            <a:r>
+              <a:rPr lang="en-US" sz="1800" dirty="0"/>
+              <a:t>Code blocks
+Mermaid integration</a:t>
+            </a:r>
+          </a:p>
+        </p:txBody>
+      </p:sp>
+      <p:sp>
+        <p:nvSpPr>
+          <p:cNvPr id="24" name="Shape 24"/>
+          <p:cNvSpPr/>
+          <p:nvPr/>
+        </p:nvSpPr>
+        <p:spPr>
+          <a:xfrm>
+            <a:off x="7525000" y="2440000"/>
+            <a:ext cx="150000" cy="150000"/>
+          </a:xfrm>
+          <a:prstGeom prst="ellipse">
+            <a:avLst/>
+          </a:prstGeom>
+          <a:solidFill>
+            <a:srgbClr val="5D4037"/>
+          </a:solidFill>
+        </p:spPr>
+        <p:txBody>
+          <a:bodyPr/>
+          <a:lstStyle/>
+          <a:p/>
+        </p:txBody>
+      </p:sp>
+      <p:sp>
+        <p:nvSpPr>
+          <p:cNvPr id="25" name="Shape 25"/>
+          <p:cNvSpPr/>
+          <p:nvPr/>
+        </p:nvSpPr>
+        <p:spPr>
+          <a:xfrm>
+            <a:off x="6900000" y="2100000"/>
+            <a:ext cx="1400000" cy="300000"/>
+          </a:xfrm>
+          <a:prstGeom prst="rect">
+            <a:avLst/>
+          </a:prstGeom>
+          <a:solidFill>
+            <a:srgbClr val="5D4037"/>
+          </a:solidFill>
+        </p:spPr>
+        <p:txBody>
+          <a:bodyPr wrap="square" rtlCol="0" anchor="ctr"/>
+          <a:lstStyle/>
+          <a:p>
+            <a:pPr algn="ctr"/>
+            <a:r>
+              <a:rPr lang="en-US" sz="1800" dirty="0"/>
+              <a:t>2024-05</a:t>
+            </a:r>
+          </a:p>
+        </p:txBody>
+      </p:sp>
+      <p:sp>
+        <p:nvSpPr>
+          <p:cNvPr id="26" name="Shape 26"/>
+          <p:cNvSpPr/>
+          <p:nvPr/>
+        </p:nvSpPr>
+        <p:spPr>
+          <a:xfrm>
+            <a:off x="6900000" y="2650000"/>
+            <a:ext cx="1400000" cy="500000"/>
+          </a:xfrm>
+          <a:prstGeom prst="roundRect">
+            <a:avLst/>
+          </a:prstGeom>
+          <a:solidFill>
+            <a:srgbClr val="EFEBE9"/>
+          </a:solidFill>
+          <a:ln w="1">
+            <a:solidFill>
+              <a:srgbClr val="5D4037"/>
+            </a:solidFill>
+          </a:ln>
+        </p:spPr>
+        <p:txBody>
+          <a:bodyPr wrap="square" rtlCol="0" anchor="ctr"/>
+          <a:lstStyle/>
+          <a:p>
+            <a:pPr algn="ctr"/>
+            <a:r>
+              <a:rPr lang="en-US" sz="1800" dirty="0"/>
+              <a:t>Speaker notes
+Testing &amp; polish</a:t>
             </a:r>
           </a:p>
         </p:txBody>
@@ -2767,11 +5690,11 @@
             <a:avLst/>
           </a:prstGeom>
           <a:solidFill>
-            <a:srgbClr val="F8F8F8"/>
+            <a:srgbClr val="002B36"/>
           </a:solidFill>
           <a:ln w="12700">
             <a:solidFill>
-              <a:srgbClr val="CCCCCC"/>
+              <a:srgbClr val="073642"/>
             </a:solidFill>
           </a:ln>
         </p:spPr>
@@ -2781,19 +5704,19 @@
           <a:p>
             <a:pPr algn="l"/>
             <a:r>
-              <a:rPr lang="en-US" sz="1100" dirty="0" i="1">
-                <a:latin typeface="Consolas"/>
-                <a:solidFill>
-                  <a:srgbClr val="969896"/>
+              <a:rPr lang="en-US" sz="1400" dirty="0">
+                <a:latin typeface="Consolas"/>
+                <a:solidFill>
+                  <a:srgbClr val="586E75"/>
                 </a:solidFill>
               </a:rPr>
               <a:t>//</a:t>
             </a:r>
             <a:r>
-              <a:rPr lang="en-US" sz="1100" dirty="0" i="1">
-                <a:latin typeface="Consolas"/>
-                <a:solidFill>
-                  <a:srgbClr val="969896"/>
+              <a:rPr lang="en-US" sz="1400" dirty="0">
+                <a:latin typeface="Consolas"/>
+                <a:solidFill>
+                  <a:srgbClr val="586E75"/>
                 </a:solidFill>
               </a:rPr>
               <a:t> Example usage</a:t>
@@ -2802,73 +5725,73 @@
           <a:p>
             <a:pPr algn="l"/>
             <a:r>
-              <a:rPr lang="en-US" sz="1100" dirty="0" b="1">
-                <a:latin typeface="Consolas"/>
-                <a:solidFill>
-                  <a:srgbClr val="A71D5D"/>
+              <a:rPr lang="en-US" sz="1400" dirty="0">
+                <a:latin typeface="Consolas"/>
+                <a:solidFill>
+                  <a:srgbClr val="859900"/>
                 </a:solidFill>
               </a:rPr>
               <a:t>use</a:t>
             </a:r>
             <a:r>
-              <a:rPr lang="en-US" sz="1100" dirty="0">
-                <a:latin typeface="Consolas"/>
-                <a:solidFill>
-                  <a:srgbClr val="323232"/>
+              <a:rPr lang="en-US" sz="1400" dirty="0">
+                <a:latin typeface="Consolas"/>
+                <a:solidFill>
+                  <a:srgbClr val="839496"/>
                 </a:solidFill>
               </a:rPr>
               <a:t> </a:t>
             </a:r>
             <a:r>
-              <a:rPr lang="en-US" sz="1100" dirty="0">
-                <a:latin typeface="Consolas"/>
-                <a:solidFill>
-                  <a:srgbClr val="323232"/>
+              <a:rPr lang="en-US" sz="1400" dirty="0">
+                <a:latin typeface="Consolas"/>
+                <a:solidFill>
+                  <a:srgbClr val="839496"/>
                 </a:solidFill>
               </a:rPr>
               <a:t>ppt_rs</a:t>
             </a:r>
             <a:r>
-              <a:rPr lang="en-US" sz="1100" dirty="0">
-                <a:latin typeface="Consolas"/>
-                <a:solidFill>
-                  <a:srgbClr val="323232"/>
+              <a:rPr lang="en-US" sz="1400" dirty="0">
+                <a:latin typeface="Consolas"/>
+                <a:solidFill>
+                  <a:srgbClr val="839496"/>
                 </a:solidFill>
               </a:rPr>
               <a:t>::</a:t>
             </a:r>
             <a:r>
-              <a:rPr lang="en-US" sz="1100" dirty="0">
-                <a:latin typeface="Consolas"/>
-                <a:solidFill>
-                  <a:srgbClr val="323232"/>
+              <a:rPr lang="en-US" sz="1400" dirty="0">
+                <a:latin typeface="Consolas"/>
+                <a:solidFill>
+                  <a:srgbClr val="839496"/>
                 </a:solidFill>
               </a:rPr>
               <a:t>cli</a:t>
             </a:r>
             <a:r>
-              <a:rPr lang="en-US" sz="1100" dirty="0">
-                <a:latin typeface="Consolas"/>
-                <a:solidFill>
-                  <a:srgbClr val="323232"/>
+              <a:rPr lang="en-US" sz="1400" dirty="0">
+                <a:latin typeface="Consolas"/>
+                <a:solidFill>
+                  <a:srgbClr val="839496"/>
                 </a:solidFill>
               </a:rPr>
               <a:t>::</a:t>
             </a:r>
             <a:r>
-              <a:rPr lang="en-US" sz="1100" dirty="0">
-                <a:latin typeface="Consolas"/>
-                <a:solidFill>
-                  <a:srgbClr val="323232"/>
+              <a:rPr lang="en-US" sz="1400" dirty="0">
+                <a:latin typeface="Consolas"/>
+                <a:solidFill>
+                  <a:srgbClr val="839496"/>
                 </a:solidFill>
               </a:rPr>
               <a:t>parse_markdown</a:t>
             </a:r>
             <a:r>
-              <a:rPr lang="en-US" sz="1100" dirty="0">
-                <a:latin typeface="Consolas"/>
-                <a:solidFill>
-                  <a:srgbClr val="323232"/>
+              <a:rPr lang="en-US" sz="1400" dirty="0">
+                <a:latin typeface="Consolas"/>
+                <a:solidFill>
+                  <a:srgbClr val="839496"/>
                 </a:solidFill>
               </a:rPr>
               <a:t>;</a:t>
@@ -2877,10 +5800,10 @@
           <a:p>
             <a:pPr algn="l"/>
             <a:r>
-              <a:rPr lang="en-US" sz="1100" dirty="0">
-                <a:latin typeface="Consolas"/>
-                <a:solidFill>
-                  <a:srgbClr val="333333"/>
+              <a:rPr lang="en-US" sz="1400" dirty="0">
+                <a:latin typeface="Consolas"/>
+                <a:solidFill>
+                  <a:srgbClr val="839496"/>
                 </a:solidFill>
               </a:rPr>
               <a:t> </a:t>
@@ -2889,91 +5812,91 @@
           <a:p>
             <a:pPr algn="l"/>
             <a:r>
-              <a:rPr lang="en-US" sz="1100" dirty="0" b="1">
-                <a:latin typeface="Consolas"/>
-                <a:solidFill>
-                  <a:srgbClr val="A71D5D"/>
+              <a:rPr lang="en-US" sz="1400" dirty="0">
+                <a:latin typeface="Consolas"/>
+                <a:solidFill>
+                  <a:srgbClr val="268BD2"/>
                 </a:solidFill>
               </a:rPr>
               <a:t>let</a:t>
             </a:r>
             <a:r>
-              <a:rPr lang="en-US" sz="1100" dirty="0">
-                <a:latin typeface="Consolas"/>
-                <a:solidFill>
-                  <a:srgbClr val="323232"/>
+              <a:rPr lang="en-US" sz="1400" dirty="0">
+                <a:latin typeface="Consolas"/>
+                <a:solidFill>
+                  <a:srgbClr val="839496"/>
                 </a:solidFill>
               </a:rPr>
               <a:t> slides </a:t>
             </a:r>
             <a:r>
-              <a:rPr lang="en-US" sz="1100" dirty="0" b="1">
-                <a:latin typeface="Consolas"/>
-                <a:solidFill>
-                  <a:srgbClr val="A71D5D"/>
+              <a:rPr lang="en-US" sz="1400" dirty="0">
+                <a:latin typeface="Consolas"/>
+                <a:solidFill>
+                  <a:srgbClr val="859900"/>
                 </a:solidFill>
               </a:rPr>
               <a:t>=</a:t>
             </a:r>
             <a:r>
-              <a:rPr lang="en-US" sz="1100" dirty="0">
-                <a:latin typeface="Consolas"/>
-                <a:solidFill>
-                  <a:srgbClr val="323232"/>
+              <a:rPr lang="en-US" sz="1400" dirty="0">
+                <a:latin typeface="Consolas"/>
+                <a:solidFill>
+                  <a:srgbClr val="839496"/>
                 </a:solidFill>
               </a:rPr>
               <a:t> </a:t>
             </a:r>
             <a:r>
-              <a:rPr lang="en-US" sz="1100" dirty="0">
-                <a:latin typeface="Consolas"/>
-                <a:solidFill>
-                  <a:srgbClr val="62A35C"/>
+              <a:rPr lang="en-US" sz="1400" dirty="0">
+                <a:latin typeface="Consolas"/>
+                <a:solidFill>
+                  <a:srgbClr val="859900"/>
                 </a:solidFill>
               </a:rPr>
               <a:t>parse_markdown</a:t>
             </a:r>
             <a:r>
-              <a:rPr lang="en-US" sz="1100" dirty="0">
-                <a:latin typeface="Consolas"/>
-                <a:solidFill>
-                  <a:srgbClr val="323232"/>
+              <a:rPr lang="en-US" sz="1400" dirty="0">
+                <a:latin typeface="Consolas"/>
+                <a:solidFill>
+                  <a:srgbClr val="657B83"/>
                 </a:solidFill>
               </a:rPr>
               <a:t>(</a:t>
             </a:r>
             <a:r>
-              <a:rPr lang="en-US" sz="1100" dirty="0">
-                <a:latin typeface="Consolas"/>
-                <a:solidFill>
-                  <a:srgbClr val="323232"/>
+              <a:rPr lang="en-US" sz="1400" dirty="0">
+                <a:latin typeface="Consolas"/>
+                <a:solidFill>
+                  <a:srgbClr val="839496"/>
                 </a:solidFill>
               </a:rPr>
               <a:t>content</a:t>
             </a:r>
             <a:r>
-              <a:rPr lang="en-US" sz="1100" dirty="0">
-                <a:latin typeface="Consolas"/>
-                <a:solidFill>
-                  <a:srgbClr val="323232"/>
+              <a:rPr lang="en-US" sz="1400" dirty="0">
+                <a:latin typeface="Consolas"/>
+                <a:solidFill>
+                  <a:srgbClr val="657B83"/>
                 </a:solidFill>
               </a:rPr>
               <a:t>)</a:t>
             </a:r>
             <a:r>
-              <a:rPr lang="en-US" sz="1100" dirty="0" b="1">
-                <a:latin typeface="Consolas"/>
-                <a:solidFill>
-                  <a:srgbClr val="A71D5D"/>
+              <a:rPr lang="en-US" sz="1400" dirty="0">
+                <a:latin typeface="Consolas"/>
+                <a:solidFill>
+                  <a:srgbClr val="859900"/>
                 </a:solidFill>
               </a:rPr>
               <a:t>?</a:t>
             </a:r>
             <a:r>
-              <a:rPr lang="en-US" sz="1100" dirty="0">
-                <a:latin typeface="Consolas"/>
-                <a:solidFill>
-                  <a:srgbClr val="323232"/>
+              <a:rPr lang="en-US" sz="1400" dirty="0">
+                <a:latin typeface="Consolas"/>
+                <a:solidFill>
+                  <a:srgbClr val="839496"/>
                 </a:solidFill>
               </a:rPr>
               <a:t>;</a:t>
@@ -2982,127 +5905,127 @@
           <a:p>
             <a:pPr algn="l"/>
             <a:r>
-              <a:rPr lang="en-US" sz="1100" dirty="0" b="1">
-                <a:latin typeface="Consolas"/>
-                <a:solidFill>
-                  <a:srgbClr val="A71D5D"/>
+              <a:rPr lang="en-US" sz="1400" dirty="0">
+                <a:latin typeface="Consolas"/>
+                <a:solidFill>
+                  <a:srgbClr val="268BD2"/>
                 </a:solidFill>
               </a:rPr>
               <a:t>let</a:t>
             </a:r>
             <a:r>
-              <a:rPr lang="en-US" sz="1100" dirty="0">
-                <a:latin typeface="Consolas"/>
-                <a:solidFill>
-                  <a:srgbClr val="323232"/>
+              <a:rPr lang="en-US" sz="1400" dirty="0">
+                <a:latin typeface="Consolas"/>
+                <a:solidFill>
+                  <a:srgbClr val="839496"/>
                 </a:solidFill>
               </a:rPr>
               <a:t> pptx </a:t>
             </a:r>
             <a:r>
-              <a:rPr lang="en-US" sz="1100" dirty="0" b="1">
-                <a:latin typeface="Consolas"/>
-                <a:solidFill>
-                  <a:srgbClr val="A71D5D"/>
+              <a:rPr lang="en-US" sz="1400" dirty="0">
+                <a:latin typeface="Consolas"/>
+                <a:solidFill>
+                  <a:srgbClr val="859900"/>
                 </a:solidFill>
               </a:rPr>
               <a:t>=</a:t>
             </a:r>
             <a:r>
-              <a:rPr lang="en-US" sz="1100" dirty="0">
-                <a:latin typeface="Consolas"/>
-                <a:solidFill>
-                  <a:srgbClr val="323232"/>
+              <a:rPr lang="en-US" sz="1400" dirty="0">
+                <a:latin typeface="Consolas"/>
+                <a:solidFill>
+                  <a:srgbClr val="839496"/>
                 </a:solidFill>
               </a:rPr>
               <a:t> </a:t>
             </a:r>
             <a:r>
-              <a:rPr lang="en-US" sz="1100" dirty="0">
-                <a:latin typeface="Consolas"/>
-                <a:solidFill>
-                  <a:srgbClr val="62A35C"/>
+              <a:rPr lang="en-US" sz="1400" dirty="0">
+                <a:latin typeface="Consolas"/>
+                <a:solidFill>
+                  <a:srgbClr val="859900"/>
                 </a:solidFill>
               </a:rPr>
               <a:t>create_pptx_with_content</a:t>
             </a:r>
             <a:r>
-              <a:rPr lang="en-US" sz="1100" dirty="0">
-                <a:latin typeface="Consolas"/>
-                <a:solidFill>
-                  <a:srgbClr val="323232"/>
+              <a:rPr lang="en-US" sz="1400" dirty="0">
+                <a:latin typeface="Consolas"/>
+                <a:solidFill>
+                  <a:srgbClr val="657B83"/>
                 </a:solidFill>
               </a:rPr>
               <a:t>(</a:t>
             </a:r>
             <a:r>
-              <a:rPr lang="en-US" sz="1100" dirty="0">
-                <a:latin typeface="Consolas"/>
-                <a:solidFill>
-                  <a:srgbClr val="183691"/>
+              <a:rPr lang="en-US" sz="1400" dirty="0">
+                <a:latin typeface="Consolas"/>
+                <a:solidFill>
+                  <a:srgbClr val="839496"/>
                 </a:solidFill>
               </a:rPr>
               <a:t>"</a:t>
             </a:r>
             <a:r>
-              <a:rPr lang="en-US" sz="1100" dirty="0">
-                <a:latin typeface="Consolas"/>
-                <a:solidFill>
-                  <a:srgbClr val="183691"/>
+              <a:rPr lang="en-US" sz="1400" dirty="0">
+                <a:latin typeface="Consolas"/>
+                <a:solidFill>
+                  <a:srgbClr val="2AA198"/>
                 </a:solidFill>
               </a:rPr>
               <a:t>Title</a:t>
             </a:r>
             <a:r>
-              <a:rPr lang="en-US" sz="1100" dirty="0">
-                <a:latin typeface="Consolas"/>
-                <a:solidFill>
-                  <a:srgbClr val="183691"/>
+              <a:rPr lang="en-US" sz="1400" dirty="0">
+                <a:latin typeface="Consolas"/>
+                <a:solidFill>
+                  <a:srgbClr val="839496"/>
                 </a:solidFill>
               </a:rPr>
               <a:t>"</a:t>
             </a:r>
             <a:r>
-              <a:rPr lang="en-US" sz="1100" dirty="0">
-                <a:latin typeface="Consolas"/>
-                <a:solidFill>
-                  <a:srgbClr val="323232"/>
+              <a:rPr lang="en-US" sz="1400" dirty="0">
+                <a:latin typeface="Consolas"/>
+                <a:solidFill>
+                  <a:srgbClr val="839496"/>
                 </a:solidFill>
               </a:rPr>
               <a:t>,</a:t>
             </a:r>
             <a:r>
-              <a:rPr lang="en-US" sz="1100" dirty="0">
-                <a:latin typeface="Consolas"/>
-                <a:solidFill>
-                  <a:srgbClr val="323232"/>
+              <a:rPr lang="en-US" sz="1400" dirty="0">
+                <a:latin typeface="Consolas"/>
+                <a:solidFill>
+                  <a:srgbClr val="839496"/>
                 </a:solidFill>
               </a:rPr>
               <a:t> slides</a:t>
             </a:r>
             <a:r>
-              <a:rPr lang="en-US" sz="1100" dirty="0">
-                <a:latin typeface="Consolas"/>
-                <a:solidFill>
-                  <a:srgbClr val="323232"/>
+              <a:rPr lang="en-US" sz="1400" dirty="0">
+                <a:latin typeface="Consolas"/>
+                <a:solidFill>
+                  <a:srgbClr val="657B83"/>
                 </a:solidFill>
               </a:rPr>
               <a:t>)</a:t>
             </a:r>
             <a:r>
-              <a:rPr lang="en-US" sz="1100" dirty="0" b="1">
-                <a:latin typeface="Consolas"/>
-                <a:solidFill>
-                  <a:srgbClr val="A71D5D"/>
+              <a:rPr lang="en-US" sz="1400" dirty="0">
+                <a:latin typeface="Consolas"/>
+                <a:solidFill>
+                  <a:srgbClr val="859900"/>
                 </a:solidFill>
               </a:rPr>
               <a:t>?</a:t>
             </a:r>
             <a:r>
-              <a:rPr lang="en-US" sz="1100" dirty="0">
-                <a:latin typeface="Consolas"/>
-                <a:solidFill>
-                  <a:srgbClr val="323232"/>
+              <a:rPr lang="en-US" sz="1400" dirty="0">
+                <a:latin typeface="Consolas"/>
+                <a:solidFill>
+                  <a:srgbClr val="839496"/>
                 </a:solidFill>
               </a:rPr>
               <a:t>;</a:t>
@@ -3409,11 +6332,11 @@
             <a:avLst/>
           </a:prstGeom>
           <a:solidFill>
-            <a:srgbClr val="F8F8F8"/>
+            <a:srgbClr val="002B36"/>
           </a:solidFill>
           <a:ln w="12700">
             <a:solidFill>
-              <a:srgbClr val="CCCCCC"/>
+              <a:srgbClr val="073642"/>
             </a:solidFill>
           </a:ln>
         </p:spPr>
@@ -3423,19 +6346,19 @@
           <a:p>
             <a:pPr algn="l"/>
             <a:r>
-              <a:rPr lang="en-US" sz="1100" dirty="0">
-                <a:latin typeface="Consolas"/>
-                <a:solidFill>
-                  <a:srgbClr val="323232"/>
+              <a:rPr lang="en-US" sz="1400" dirty="0">
+                <a:latin typeface="Consolas"/>
+                <a:solidFill>
+                  <a:srgbClr val="B58900"/>
                 </a:solidFill>
               </a:rPr>
               <a:t>pptcli</a:t>
             </a:r>
             <a:r>
-              <a:rPr lang="en-US" sz="1100" dirty="0">
-                <a:latin typeface="Consolas"/>
-                <a:solidFill>
-                  <a:srgbClr val="323232"/>
+              <a:rPr lang="en-US" sz="1400" dirty="0">
+                <a:latin typeface="Consolas"/>
+                <a:solidFill>
+                  <a:srgbClr val="839496"/>
                 </a:solidFill>
               </a:rPr>
               <a:t> md2ppt presentation.md output.pptx</a:t>
@@ -4407,11 +7330,11 @@
             <a:avLst/>
           </a:prstGeom>
           <a:solidFill>
-            <a:srgbClr val="F8F8F8"/>
+            <a:srgbClr val="002B36"/>
           </a:solidFill>
           <a:ln w="12700">
             <a:solidFill>
-              <a:srgbClr val="CCCCCC"/>
+              <a:srgbClr val="073642"/>
             </a:solidFill>
           </a:ln>
         </p:spPr>
@@ -4421,64 +7344,64 @@
           <a:p>
             <a:pPr algn="l"/>
             <a:r>
-              <a:rPr lang="en-US" sz="1100" dirty="0" b="1">
-                <a:latin typeface="Consolas"/>
-                <a:solidFill>
-                  <a:srgbClr val="A71D5D"/>
+              <a:rPr lang="en-US" sz="1400" dirty="0">
+                <a:latin typeface="Consolas"/>
+                <a:solidFill>
+                  <a:srgbClr val="268BD2"/>
                 </a:solidFill>
               </a:rPr>
               <a:t>fn</a:t>
             </a:r>
             <a:r>
-              <a:rPr lang="en-US" sz="1100" dirty="0">
-                <a:latin typeface="Consolas"/>
-                <a:solidFill>
-                  <a:srgbClr val="323232"/>
+              <a:rPr lang="en-US" sz="1400" dirty="0">
+                <a:latin typeface="Consolas"/>
+                <a:solidFill>
+                  <a:srgbClr val="839496"/>
                 </a:solidFill>
               </a:rPr>
               <a:t> </a:t>
             </a:r>
             <a:r>
-              <a:rPr lang="en-US" sz="1100" dirty="0" b="1">
-                <a:latin typeface="Consolas"/>
-                <a:solidFill>
-                  <a:srgbClr val="795DA3"/>
+              <a:rPr lang="en-US" sz="1400" dirty="0">
+                <a:latin typeface="Consolas"/>
+                <a:solidFill>
+                  <a:srgbClr val="B58900"/>
                 </a:solidFill>
               </a:rPr>
               <a:t>main</a:t>
             </a:r>
             <a:r>
-              <a:rPr lang="en-US" sz="1100" dirty="0">
-                <a:latin typeface="Consolas"/>
-                <a:solidFill>
-                  <a:srgbClr val="323232"/>
+              <a:rPr lang="en-US" sz="1400" dirty="0">
+                <a:latin typeface="Consolas"/>
+                <a:solidFill>
+                  <a:srgbClr val="657B83"/>
                 </a:solidFill>
               </a:rPr>
               <a:t>(</a:t>
             </a:r>
             <a:r>
-              <a:rPr lang="en-US" sz="1100" dirty="0">
-                <a:latin typeface="Consolas"/>
-                <a:solidFill>
-                  <a:srgbClr val="323232"/>
+              <a:rPr lang="en-US" sz="1400" dirty="0">
+                <a:latin typeface="Consolas"/>
+                <a:solidFill>
+                  <a:srgbClr val="657B83"/>
                 </a:solidFill>
               </a:rPr>
               <a:t>)</a:t>
             </a:r>
             <a:r>
-              <a:rPr lang="en-US" sz="1100" dirty="0">
-                <a:latin typeface="Consolas"/>
-                <a:solidFill>
-                  <a:srgbClr val="323232"/>
+              <a:rPr lang="en-US" sz="1400" dirty="0">
+                <a:latin typeface="Consolas"/>
+                <a:solidFill>
+                  <a:srgbClr val="839496"/>
                 </a:solidFill>
               </a:rPr>
               <a:t> </a:t>
             </a:r>
             <a:r>
-              <a:rPr lang="en-US" sz="1100" dirty="0">
-                <a:latin typeface="Consolas"/>
-                <a:solidFill>
-                  <a:srgbClr val="323232"/>
+              <a:rPr lang="en-US" sz="1400" dirty="0">
+                <a:latin typeface="Consolas"/>
+                <a:solidFill>
+                  <a:srgbClr val="657B83"/>
                 </a:solidFill>
               </a:rPr>
               <a:t>{</a:t>
@@ -4487,82 +7410,82 @@
           <a:p>
             <a:pPr algn="l"/>
             <a:r>
-              <a:rPr lang="en-US" sz="1100" dirty="0">
-                <a:latin typeface="Consolas"/>
-                <a:solidFill>
-                  <a:srgbClr val="323232"/>
+              <a:rPr lang="en-US" sz="1400" dirty="0">
+                <a:latin typeface="Consolas"/>
+                <a:solidFill>
+                  <a:srgbClr val="839496"/>
                 </a:solidFill>
               </a:rPr>
               <a:t>    </a:t>
             </a:r>
             <a:r>
-              <a:rPr lang="en-US" sz="1100" dirty="0" b="1">
-                <a:latin typeface="Consolas"/>
-                <a:solidFill>
-                  <a:srgbClr val="A71D5D"/>
+              <a:rPr lang="en-US" sz="1400" dirty="0">
+                <a:latin typeface="Consolas"/>
+                <a:solidFill>
+                  <a:srgbClr val="268BD2"/>
                 </a:solidFill>
               </a:rPr>
               <a:t>let</a:t>
             </a:r>
             <a:r>
-              <a:rPr lang="en-US" sz="1100" dirty="0">
-                <a:latin typeface="Consolas"/>
-                <a:solidFill>
-                  <a:srgbClr val="323232"/>
+              <a:rPr lang="en-US" sz="1400" dirty="0">
+                <a:latin typeface="Consolas"/>
+                <a:solidFill>
+                  <a:srgbClr val="839496"/>
                 </a:solidFill>
               </a:rPr>
               <a:t> message </a:t>
             </a:r>
             <a:r>
-              <a:rPr lang="en-US" sz="1100" dirty="0" b="1">
-                <a:latin typeface="Consolas"/>
-                <a:solidFill>
-                  <a:srgbClr val="A71D5D"/>
+              <a:rPr lang="en-US" sz="1400" dirty="0">
+                <a:latin typeface="Consolas"/>
+                <a:solidFill>
+                  <a:srgbClr val="859900"/>
                 </a:solidFill>
               </a:rPr>
               <a:t>=</a:t>
             </a:r>
             <a:r>
-              <a:rPr lang="en-US" sz="1100" dirty="0">
-                <a:latin typeface="Consolas"/>
-                <a:solidFill>
-                  <a:srgbClr val="323232"/>
+              <a:rPr lang="en-US" sz="1400" dirty="0">
+                <a:latin typeface="Consolas"/>
+                <a:solidFill>
+                  <a:srgbClr val="839496"/>
                 </a:solidFill>
               </a:rPr>
               <a:t> </a:t>
             </a:r>
             <a:r>
-              <a:rPr lang="en-US" sz="1100" dirty="0">
-                <a:latin typeface="Consolas"/>
-                <a:solidFill>
-                  <a:srgbClr val="183691"/>
+              <a:rPr lang="en-US" sz="1400" dirty="0">
+                <a:latin typeface="Consolas"/>
+                <a:solidFill>
+                  <a:srgbClr val="839496"/>
                 </a:solidFill>
               </a:rPr>
               <a:t>"</a:t>
             </a:r>
             <a:r>
-              <a:rPr lang="en-US" sz="1100" dirty="0">
-                <a:latin typeface="Consolas"/>
-                <a:solidFill>
-                  <a:srgbClr val="183691"/>
+              <a:rPr lang="en-US" sz="1400" dirty="0">
+                <a:latin typeface="Consolas"/>
+                <a:solidFill>
+                  <a:srgbClr val="2AA198"/>
                 </a:solidFill>
               </a:rPr>
               <a:t>Hello, PowerPoint!</a:t>
             </a:r>
             <a:r>
-              <a:rPr lang="en-US" sz="1100" dirty="0">
-                <a:latin typeface="Consolas"/>
-                <a:solidFill>
-                  <a:srgbClr val="183691"/>
+              <a:rPr lang="en-US" sz="1400" dirty="0">
+                <a:latin typeface="Consolas"/>
+                <a:solidFill>
+                  <a:srgbClr val="839496"/>
                 </a:solidFill>
               </a:rPr>
               <a:t>"</a:t>
             </a:r>
             <a:r>
-              <a:rPr lang="en-US" sz="1100" dirty="0">
-                <a:latin typeface="Consolas"/>
-                <a:solidFill>
-                  <a:srgbClr val="323232"/>
+              <a:rPr lang="en-US" sz="1400" dirty="0">
+                <a:latin typeface="Consolas"/>
+                <a:solidFill>
+                  <a:srgbClr val="839496"/>
                 </a:solidFill>
               </a:rPr>
               <a:t>;</a:t>
@@ -4571,91 +7494,91 @@
           <a:p>
             <a:pPr algn="l"/>
             <a:r>
-              <a:rPr lang="en-US" sz="1100" dirty="0">
-                <a:latin typeface="Consolas"/>
-                <a:solidFill>
-                  <a:srgbClr val="323232"/>
+              <a:rPr lang="en-US" sz="1400" dirty="0">
+                <a:latin typeface="Consolas"/>
+                <a:solidFill>
+                  <a:srgbClr val="839496"/>
                 </a:solidFill>
               </a:rPr>
               <a:t>    </a:t>
             </a:r>
             <a:r>
-              <a:rPr lang="en-US" sz="1100" dirty="0">
-                <a:latin typeface="Consolas"/>
-                <a:solidFill>
-                  <a:srgbClr val="323232"/>
+              <a:rPr lang="en-US" sz="1400" dirty="0">
+                <a:latin typeface="Consolas"/>
+                <a:solidFill>
+                  <a:srgbClr val="859900"/>
                 </a:solidFill>
               </a:rPr>
               <a:t>println!</a:t>
             </a:r>
             <a:r>
-              <a:rPr lang="en-US" sz="1100" dirty="0">
-                <a:latin typeface="Consolas"/>
-                <a:solidFill>
-                  <a:srgbClr val="323232"/>
+              <a:rPr lang="en-US" sz="1400" dirty="0">
+                <a:latin typeface="Consolas"/>
+                <a:solidFill>
+                  <a:srgbClr val="657B83"/>
                 </a:solidFill>
               </a:rPr>
               <a:t>(</a:t>
             </a:r>
             <a:r>
-              <a:rPr lang="en-US" sz="1100" dirty="0">
-                <a:latin typeface="Consolas"/>
-                <a:solidFill>
-                  <a:srgbClr val="183691"/>
+              <a:rPr lang="en-US" sz="1400" dirty="0">
+                <a:latin typeface="Consolas"/>
+                <a:solidFill>
+                  <a:srgbClr val="839496"/>
                 </a:solidFill>
               </a:rPr>
               <a:t>"</a:t>
             </a:r>
             <a:r>
-              <a:rPr lang="en-US" sz="1100" dirty="0">
-                <a:latin typeface="Consolas"/>
-                <a:solidFill>
-                  <a:srgbClr val="0086B3"/>
+              <a:rPr lang="en-US" sz="1400" dirty="0">
+                <a:latin typeface="Consolas"/>
+                <a:solidFill>
+                  <a:srgbClr val="CB4B16"/>
                 </a:solidFill>
               </a:rPr>
               <a:t>{}</a:t>
             </a:r>
             <a:r>
-              <a:rPr lang="en-US" sz="1100" dirty="0">
-                <a:latin typeface="Consolas"/>
-                <a:solidFill>
-                  <a:srgbClr val="183691"/>
+              <a:rPr lang="en-US" sz="1400" dirty="0">
+                <a:latin typeface="Consolas"/>
+                <a:solidFill>
+                  <a:srgbClr val="839496"/>
                 </a:solidFill>
               </a:rPr>
               <a:t>"</a:t>
             </a:r>
             <a:r>
-              <a:rPr lang="en-US" sz="1100" dirty="0">
-                <a:latin typeface="Consolas"/>
-                <a:solidFill>
-                  <a:srgbClr val="323232"/>
+              <a:rPr lang="en-US" sz="1400" dirty="0">
+                <a:latin typeface="Consolas"/>
+                <a:solidFill>
+                  <a:srgbClr val="839496"/>
                 </a:solidFill>
               </a:rPr>
               <a:t>,</a:t>
             </a:r>
             <a:r>
-              <a:rPr lang="en-US" sz="1100" dirty="0">
-                <a:latin typeface="Consolas"/>
-                <a:solidFill>
-                  <a:srgbClr val="323232"/>
+              <a:rPr lang="en-US" sz="1400" dirty="0">
+                <a:latin typeface="Consolas"/>
+                <a:solidFill>
+                  <a:srgbClr val="839496"/>
                 </a:solidFill>
               </a:rPr>
               <a:t> message</a:t>
             </a:r>
             <a:r>
-              <a:rPr lang="en-US" sz="1100" dirty="0">
-                <a:latin typeface="Consolas"/>
-                <a:solidFill>
-                  <a:srgbClr val="323232"/>
+              <a:rPr lang="en-US" sz="1400" dirty="0">
+                <a:latin typeface="Consolas"/>
+                <a:solidFill>
+                  <a:srgbClr val="657B83"/>
                 </a:solidFill>
               </a:rPr>
               <a:t>)</a:t>
             </a:r>
             <a:r>
-              <a:rPr lang="en-US" sz="1100" dirty="0">
-                <a:latin typeface="Consolas"/>
-                <a:solidFill>
-                  <a:srgbClr val="323232"/>
+              <a:rPr lang="en-US" sz="1400" dirty="0">
+                <a:latin typeface="Consolas"/>
+                <a:solidFill>
+                  <a:srgbClr val="839496"/>
                 </a:solidFill>
               </a:rPr>
               <a:t>;</a:t>
@@ -4664,10 +7587,10 @@
           <a:p>
             <a:pPr algn="l"/>
             <a:r>
-              <a:rPr lang="en-US" sz="1100" dirty="0">
-                <a:latin typeface="Consolas"/>
-                <a:solidFill>
-                  <a:srgbClr val="323232"/>
+              <a:rPr lang="en-US" sz="1400" dirty="0">
+                <a:latin typeface="Consolas"/>
+                <a:solidFill>
+                  <a:srgbClr val="839496"/>
                 </a:solidFill>
               </a:rPr>
               <a:t>    </a:t>
@@ -4676,100 +7599,100 @@
           <a:p>
             <a:pPr algn="l"/>
             <a:r>
-              <a:rPr lang="en-US" sz="1100" dirty="0">
-                <a:latin typeface="Consolas"/>
-                <a:solidFill>
-                  <a:srgbClr val="323232"/>
+              <a:rPr lang="en-US" sz="1400" dirty="0">
+                <a:latin typeface="Consolas"/>
+                <a:solidFill>
+                  <a:srgbClr val="839496"/>
                 </a:solidFill>
               </a:rPr>
               <a:t>    </a:t>
             </a:r>
             <a:r>
-              <a:rPr lang="en-US" sz="1100" dirty="0" b="1">
-                <a:latin typeface="Consolas"/>
-                <a:solidFill>
-                  <a:srgbClr val="A71D5D"/>
+              <a:rPr lang="en-US" sz="1400" dirty="0">
+                <a:latin typeface="Consolas"/>
+                <a:solidFill>
+                  <a:srgbClr val="859900"/>
                 </a:solidFill>
               </a:rPr>
               <a:t>for</a:t>
             </a:r>
             <a:r>
-              <a:rPr lang="en-US" sz="1100" dirty="0">
-                <a:latin typeface="Consolas"/>
-                <a:solidFill>
-                  <a:srgbClr val="323232"/>
+              <a:rPr lang="en-US" sz="1400" dirty="0">
+                <a:latin typeface="Consolas"/>
+                <a:solidFill>
+                  <a:srgbClr val="839496"/>
                 </a:solidFill>
               </a:rPr>
               <a:t> i </a:t>
             </a:r>
             <a:r>
-              <a:rPr lang="en-US" sz="1100" dirty="0" b="1">
-                <a:latin typeface="Consolas"/>
-                <a:solidFill>
-                  <a:srgbClr val="A71D5D"/>
+              <a:rPr lang="en-US" sz="1400" dirty="0">
+                <a:latin typeface="Consolas"/>
+                <a:solidFill>
+                  <a:srgbClr val="859900"/>
                 </a:solidFill>
               </a:rPr>
               <a:t>in</a:t>
             </a:r>
             <a:r>
-              <a:rPr lang="en-US" sz="1100" dirty="0">
-                <a:latin typeface="Consolas"/>
-                <a:solidFill>
-                  <a:srgbClr val="323232"/>
+              <a:rPr lang="en-US" sz="1400" dirty="0">
+                <a:latin typeface="Consolas"/>
+                <a:solidFill>
+                  <a:srgbClr val="839496"/>
                 </a:solidFill>
               </a:rPr>
               <a:t> </a:t>
             </a:r>
             <a:r>
-              <a:rPr lang="en-US" sz="1100" dirty="0">
-                <a:latin typeface="Consolas"/>
-                <a:solidFill>
-                  <a:srgbClr val="0086B3"/>
+              <a:rPr lang="en-US" sz="1400" dirty="0">
+                <a:latin typeface="Consolas"/>
+                <a:solidFill>
+                  <a:srgbClr val="6C71C4"/>
                 </a:solidFill>
               </a:rPr>
               <a:t>1</a:t>
             </a:r>
             <a:r>
-              <a:rPr lang="en-US" sz="1100" dirty="0" b="1">
-                <a:latin typeface="Consolas"/>
-                <a:solidFill>
-                  <a:srgbClr val="A71D5D"/>
+              <a:rPr lang="en-US" sz="1400" dirty="0">
+                <a:latin typeface="Consolas"/>
+                <a:solidFill>
+                  <a:srgbClr val="859900"/>
                 </a:solidFill>
               </a:rPr>
               <a:t>..</a:t>
             </a:r>
             <a:r>
-              <a:rPr lang="en-US" sz="1100" dirty="0" b="1">
-                <a:latin typeface="Consolas"/>
-                <a:solidFill>
-                  <a:srgbClr val="A71D5D"/>
+              <a:rPr lang="en-US" sz="1400" dirty="0">
+                <a:latin typeface="Consolas"/>
+                <a:solidFill>
+                  <a:srgbClr val="859900"/>
                 </a:solidFill>
               </a:rPr>
               <a:t>=</a:t>
             </a:r>
             <a:r>
-              <a:rPr lang="en-US" sz="1100" dirty="0">
-                <a:latin typeface="Consolas"/>
-                <a:solidFill>
-                  <a:srgbClr val="0086B3"/>
+              <a:rPr lang="en-US" sz="1400" dirty="0">
+                <a:latin typeface="Consolas"/>
+                <a:solidFill>
+                  <a:srgbClr val="6C71C4"/>
                 </a:solidFill>
               </a:rPr>
               <a:t>5</a:t>
             </a:r>
             <a:r>
-              <a:rPr lang="en-US" sz="1100" dirty="0">
-                <a:latin typeface="Consolas"/>
-                <a:solidFill>
-                  <a:srgbClr val="323232"/>
+              <a:rPr lang="en-US" sz="1400" dirty="0">
+                <a:latin typeface="Consolas"/>
+                <a:solidFill>
+                  <a:srgbClr val="839496"/>
                 </a:solidFill>
               </a:rPr>
               <a:t> </a:t>
             </a:r>
             <a:r>
-              <a:rPr lang="en-US" sz="1100" dirty="0">
-                <a:latin typeface="Consolas"/>
-                <a:solidFill>
-                  <a:srgbClr val="323232"/>
+              <a:rPr lang="en-US" sz="1400" dirty="0">
+                <a:latin typeface="Consolas"/>
+                <a:solidFill>
+                  <a:srgbClr val="657B83"/>
                 </a:solidFill>
               </a:rPr>
               <a:t>{</a:t>
@@ -4778,100 +7701,100 @@
           <a:p>
             <a:pPr algn="l"/>
             <a:r>
-              <a:rPr lang="en-US" sz="1100" dirty="0">
-                <a:latin typeface="Consolas"/>
-                <a:solidFill>
-                  <a:srgbClr val="323232"/>
+              <a:rPr lang="en-US" sz="1400" dirty="0">
+                <a:latin typeface="Consolas"/>
+                <a:solidFill>
+                  <a:srgbClr val="839496"/>
                 </a:solidFill>
               </a:rPr>
               <a:t>        </a:t>
             </a:r>
             <a:r>
-              <a:rPr lang="en-US" sz="1100" dirty="0">
-                <a:latin typeface="Consolas"/>
-                <a:solidFill>
-                  <a:srgbClr val="323232"/>
+              <a:rPr lang="en-US" sz="1400" dirty="0">
+                <a:latin typeface="Consolas"/>
+                <a:solidFill>
+                  <a:srgbClr val="859900"/>
                 </a:solidFill>
               </a:rPr>
               <a:t>println!</a:t>
             </a:r>
             <a:r>
-              <a:rPr lang="en-US" sz="1100" dirty="0">
-                <a:latin typeface="Consolas"/>
-                <a:solidFill>
-                  <a:srgbClr val="323232"/>
+              <a:rPr lang="en-US" sz="1400" dirty="0">
+                <a:latin typeface="Consolas"/>
+                <a:solidFill>
+                  <a:srgbClr val="657B83"/>
                 </a:solidFill>
               </a:rPr>
               <a:t>(</a:t>
             </a:r>
             <a:r>
-              <a:rPr lang="en-US" sz="1100" dirty="0">
-                <a:latin typeface="Consolas"/>
-                <a:solidFill>
-                  <a:srgbClr val="183691"/>
+              <a:rPr lang="en-US" sz="1400" dirty="0">
+                <a:latin typeface="Consolas"/>
+                <a:solidFill>
+                  <a:srgbClr val="839496"/>
                 </a:solidFill>
               </a:rPr>
               <a:t>"</a:t>
             </a:r>
             <a:r>
-              <a:rPr lang="en-US" sz="1100" dirty="0">
-                <a:latin typeface="Consolas"/>
-                <a:solidFill>
-                  <a:srgbClr val="183691"/>
+              <a:rPr lang="en-US" sz="1400" dirty="0">
+                <a:latin typeface="Consolas"/>
+                <a:solidFill>
+                  <a:srgbClr val="2AA198"/>
                 </a:solidFill>
               </a:rPr>
               <a:t>Slide </a:t>
             </a:r>
             <a:r>
-              <a:rPr lang="en-US" sz="1100" dirty="0">
-                <a:latin typeface="Consolas"/>
-                <a:solidFill>
-                  <a:srgbClr val="0086B3"/>
+              <a:rPr lang="en-US" sz="1400" dirty="0">
+                <a:latin typeface="Consolas"/>
+                <a:solidFill>
+                  <a:srgbClr val="CB4B16"/>
                 </a:solidFill>
               </a:rPr>
               <a:t>{}</a:t>
             </a:r>
             <a:r>
-              <a:rPr lang="en-US" sz="1100" dirty="0">
-                <a:latin typeface="Consolas"/>
-                <a:solidFill>
-                  <a:srgbClr val="183691"/>
+              <a:rPr lang="en-US" sz="1400" dirty="0">
+                <a:latin typeface="Consolas"/>
+                <a:solidFill>
+                  <a:srgbClr val="839496"/>
                 </a:solidFill>
               </a:rPr>
               <a:t>"</a:t>
             </a:r>
             <a:r>
-              <a:rPr lang="en-US" sz="1100" dirty="0">
-                <a:latin typeface="Consolas"/>
-                <a:solidFill>
-                  <a:srgbClr val="323232"/>
+              <a:rPr lang="en-US" sz="1400" dirty="0">
+                <a:latin typeface="Consolas"/>
+                <a:solidFill>
+                  <a:srgbClr val="839496"/>
                 </a:solidFill>
               </a:rPr>
               <a:t>,</a:t>
             </a:r>
             <a:r>
-              <a:rPr lang="en-US" sz="1100" dirty="0">
-                <a:latin typeface="Consolas"/>
-                <a:solidFill>
-                  <a:srgbClr val="323232"/>
+              <a:rPr lang="en-US" sz="1400" dirty="0">
+                <a:latin typeface="Consolas"/>
+                <a:solidFill>
+                  <a:srgbClr val="839496"/>
                 </a:solidFill>
               </a:rPr>
               <a:t> i</a:t>
             </a:r>
             <a:r>
-              <a:rPr lang="en-US" sz="1100" dirty="0">
-                <a:latin typeface="Consolas"/>
-                <a:solidFill>
-                  <a:srgbClr val="323232"/>
+              <a:rPr lang="en-US" sz="1400" dirty="0">
+                <a:latin typeface="Consolas"/>
+                <a:solidFill>
+                  <a:srgbClr val="657B83"/>
                 </a:solidFill>
               </a:rPr>
               <a:t>)</a:t>
             </a:r>
             <a:r>
-              <a:rPr lang="en-US" sz="1100" dirty="0">
-                <a:latin typeface="Consolas"/>
-                <a:solidFill>
-                  <a:srgbClr val="323232"/>
+              <a:rPr lang="en-US" sz="1400" dirty="0">
+                <a:latin typeface="Consolas"/>
+                <a:solidFill>
+                  <a:srgbClr val="839496"/>
                 </a:solidFill>
               </a:rPr>
               <a:t>;</a:t>
@@ -4880,19 +7803,19 @@
           <a:p>
             <a:pPr algn="l"/>
             <a:r>
-              <a:rPr lang="en-US" sz="1100" dirty="0">
-                <a:latin typeface="Consolas"/>
-                <a:solidFill>
-                  <a:srgbClr val="323232"/>
+              <a:rPr lang="en-US" sz="1400" dirty="0">
+                <a:latin typeface="Consolas"/>
+                <a:solidFill>
+                  <a:srgbClr val="839496"/>
                 </a:solidFill>
               </a:rPr>
               <a:t>    </a:t>
             </a:r>
             <a:r>
-              <a:rPr lang="en-US" sz="1100" dirty="0">
-                <a:latin typeface="Consolas"/>
-                <a:solidFill>
-                  <a:srgbClr val="323232"/>
+              <a:rPr lang="en-US" sz="1400" dirty="0">
+                <a:latin typeface="Consolas"/>
+                <a:solidFill>
+                  <a:srgbClr val="657B83"/>
                 </a:solidFill>
               </a:rPr>
               <a:t>}</a:t>
@@ -4901,10 +7824,10 @@
           <a:p>
             <a:pPr algn="l"/>
             <a:r>
-              <a:rPr lang="en-US" sz="1100" dirty="0">
-                <a:latin typeface="Consolas"/>
-                <a:solidFill>
-                  <a:srgbClr val="323232"/>
+              <a:rPr lang="en-US" sz="1400" dirty="0">
+                <a:latin typeface="Consolas"/>
+                <a:solidFill>
+                  <a:srgbClr val="657B83"/>
                 </a:solidFill>
               </a:rPr>
               <a:t>}</a:t>
@@ -4985,11 +7908,11 @@
             <a:avLst/>
           </a:prstGeom>
           <a:solidFill>
-            <a:srgbClr val="F8F8F8"/>
+            <a:srgbClr val="002B36"/>
           </a:solidFill>
           <a:ln w="12700">
             <a:solidFill>
-              <a:srgbClr val="CCCCCC"/>
+              <a:srgbClr val="073642"/>
             </a:solidFill>
           </a:ln>
         </p:spPr>
@@ -4999,91 +7922,91 @@
           <a:p>
             <a:pPr algn="l"/>
             <a:r>
-              <a:rPr lang="en-US" sz="1100" dirty="0" b="1">
-                <a:latin typeface="Consolas"/>
-                <a:solidFill>
-                  <a:srgbClr val="A71D5D"/>
+              <a:rPr lang="en-US" sz="1400" dirty="0">
+                <a:latin typeface="Consolas"/>
+                <a:solidFill>
+                  <a:srgbClr val="859900"/>
                 </a:solidFill>
               </a:rPr>
               <a:t>def</a:t>
             </a:r>
             <a:r>
-              <a:rPr lang="en-US" sz="1100" dirty="0">
-                <a:latin typeface="Consolas"/>
-                <a:solidFill>
-                  <a:srgbClr val="323232"/>
+              <a:rPr lang="en-US" sz="1400" dirty="0">
+                <a:latin typeface="Consolas"/>
+                <a:solidFill>
+                  <a:srgbClr val="839496"/>
                 </a:solidFill>
               </a:rPr>
               <a:t> </a:t>
             </a:r>
             <a:r>
-              <a:rPr lang="en-US" sz="1100" dirty="0" b="1">
-                <a:latin typeface="Consolas"/>
-                <a:solidFill>
-                  <a:srgbClr val="323232"/>
+              <a:rPr lang="en-US" sz="1400" dirty="0">
+                <a:latin typeface="Consolas"/>
+                <a:solidFill>
+                  <a:srgbClr val="B58900"/>
                 </a:solidFill>
               </a:rPr>
               <a:t>create_presentation</a:t>
             </a:r>
             <a:r>
-              <a:rPr lang="en-US" sz="1100" dirty="0">
-                <a:latin typeface="Consolas"/>
-                <a:solidFill>
-                  <a:srgbClr val="323232"/>
+              <a:rPr lang="en-US" sz="1400" dirty="0">
+                <a:latin typeface="Consolas"/>
+                <a:solidFill>
+                  <a:srgbClr val="657B83"/>
                 </a:solidFill>
               </a:rPr>
               <a:t>(</a:t>
             </a:r>
             <a:r>
-              <a:rPr lang="en-US" sz="1100" dirty="0">
-                <a:latin typeface="Consolas"/>
-                <a:solidFill>
-                  <a:srgbClr val="323232"/>
+              <a:rPr lang="en-US" sz="1400" dirty="0">
+                <a:latin typeface="Consolas"/>
+                <a:solidFill>
+                  <a:srgbClr val="268BD2"/>
                 </a:solidFill>
               </a:rPr>
               <a:t>title</a:t>
             </a:r>
             <a:r>
-              <a:rPr lang="en-US" sz="1100" dirty="0">
-                <a:latin typeface="Consolas"/>
-                <a:solidFill>
-                  <a:srgbClr val="323232"/>
+              <a:rPr lang="en-US" sz="1400" dirty="0">
+                <a:latin typeface="Consolas"/>
+                <a:solidFill>
+                  <a:srgbClr val="839496"/>
                 </a:solidFill>
               </a:rPr>
               <a:t>,</a:t>
             </a:r>
             <a:r>
-              <a:rPr lang="en-US" sz="1100" dirty="0">
-                <a:latin typeface="Consolas"/>
-                <a:solidFill>
-                  <a:srgbClr val="323232"/>
+              <a:rPr lang="en-US" sz="1400" dirty="0">
+                <a:latin typeface="Consolas"/>
+                <a:solidFill>
+                  <a:srgbClr val="839496"/>
                 </a:solidFill>
               </a:rPr>
               <a:t> </a:t>
             </a:r>
             <a:r>
-              <a:rPr lang="en-US" sz="1100" dirty="0">
-                <a:latin typeface="Consolas"/>
-                <a:solidFill>
-                  <a:srgbClr val="323232"/>
+              <a:rPr lang="en-US" sz="1400" dirty="0">
+                <a:latin typeface="Consolas"/>
+                <a:solidFill>
+                  <a:srgbClr val="268BD2"/>
                 </a:solidFill>
               </a:rPr>
               <a:t>slides</a:t>
             </a:r>
             <a:r>
-              <a:rPr lang="en-US" sz="1100" dirty="0">
-                <a:latin typeface="Consolas"/>
-                <a:solidFill>
-                  <a:srgbClr val="323232"/>
+              <a:rPr lang="en-US" sz="1400" dirty="0">
+                <a:latin typeface="Consolas"/>
+                <a:solidFill>
+                  <a:srgbClr val="657B83"/>
                 </a:solidFill>
               </a:rPr>
               <a:t>)</a:t>
             </a:r>
             <a:r>
-              <a:rPr lang="en-US" sz="1100" dirty="0">
-                <a:latin typeface="Consolas"/>
-                <a:solidFill>
-                  <a:srgbClr val="323232"/>
+              <a:rPr lang="en-US" sz="1400" dirty="0">
+                <a:latin typeface="Consolas"/>
+                <a:solidFill>
+                  <a:srgbClr val="657B83"/>
                 </a:solidFill>
               </a:rPr>
               <a:t>:</a:t>
@@ -5092,37 +8015,37 @@
           <a:p>
             <a:pPr algn="l"/>
             <a:r>
-              <a:rPr lang="en-US" sz="1100" dirty="0">
-                <a:latin typeface="Consolas"/>
-                <a:solidFill>
-                  <a:srgbClr val="323232"/>
+              <a:rPr lang="en-US" sz="1400" dirty="0">
+                <a:latin typeface="Consolas"/>
+                <a:solidFill>
+                  <a:srgbClr val="839496"/>
                 </a:solidFill>
               </a:rPr>
               <a:t>    </a:t>
             </a:r>
             <a:r>
-              <a:rPr lang="en-US" sz="1100" dirty="0" i="1">
-                <a:latin typeface="Consolas"/>
-                <a:solidFill>
-                  <a:srgbClr val="969896"/>
+              <a:rPr lang="en-US" sz="1400" dirty="0">
+                <a:latin typeface="Consolas"/>
+                <a:solidFill>
+                  <a:srgbClr val="586E75"/>
                 </a:solidFill>
               </a:rPr>
               <a:t>"""</a:t>
             </a:r>
             <a:r>
-              <a:rPr lang="en-US" sz="1100" dirty="0" i="1">
-                <a:latin typeface="Consolas"/>
-                <a:solidFill>
-                  <a:srgbClr val="969896"/>
+              <a:rPr lang="en-US" sz="1400" dirty="0">
+                <a:latin typeface="Consolas"/>
+                <a:solidFill>
+                  <a:srgbClr val="586E75"/>
                 </a:solidFill>
               </a:rPr>
               <a:t>Create a PowerPoint presentation.</a:t>
             </a:r>
             <a:r>
-              <a:rPr lang="en-US" sz="1100" dirty="0" i="1">
-                <a:latin typeface="Consolas"/>
-                <a:solidFill>
-                  <a:srgbClr val="969896"/>
+              <a:rPr lang="en-US" sz="1400" dirty="0">
+                <a:latin typeface="Consolas"/>
+                <a:solidFill>
+                  <a:srgbClr val="586E75"/>
                 </a:solidFill>
               </a:rPr>
               <a:t>"""</a:t>
@@ -5131,73 +8054,73 @@
           <a:p>
             <a:pPr algn="l"/>
             <a:r>
-              <a:rPr lang="en-US" sz="1100" dirty="0">
-                <a:latin typeface="Consolas"/>
-                <a:solidFill>
-                  <a:srgbClr val="323232"/>
+              <a:rPr lang="en-US" sz="1400" dirty="0">
+                <a:latin typeface="Consolas"/>
+                <a:solidFill>
+                  <a:srgbClr val="839496"/>
                 </a:solidFill>
               </a:rPr>
               <a:t>    </a:t>
             </a:r>
             <a:r>
-              <a:rPr lang="en-US" sz="1100" dirty="0">
-                <a:latin typeface="Consolas"/>
-                <a:solidFill>
-                  <a:srgbClr val="323232"/>
+              <a:rPr lang="en-US" sz="1400" dirty="0">
+                <a:latin typeface="Consolas"/>
+                <a:solidFill>
+                  <a:srgbClr val="839496"/>
                 </a:solidFill>
               </a:rPr>
               <a:t>pptx</a:t>
             </a:r>
             <a:r>
-              <a:rPr lang="en-US" sz="1100" dirty="0">
-                <a:latin typeface="Consolas"/>
-                <a:solidFill>
-                  <a:srgbClr val="323232"/>
+              <a:rPr lang="en-US" sz="1400" dirty="0">
+                <a:latin typeface="Consolas"/>
+                <a:solidFill>
+                  <a:srgbClr val="839496"/>
                 </a:solidFill>
               </a:rPr>
               <a:t> </a:t>
             </a:r>
             <a:r>
-              <a:rPr lang="en-US" sz="1100" dirty="0" b="1">
-                <a:latin typeface="Consolas"/>
-                <a:solidFill>
-                  <a:srgbClr val="A71D5D"/>
+              <a:rPr lang="en-US" sz="1400" dirty="0">
+                <a:latin typeface="Consolas"/>
+                <a:solidFill>
+                  <a:srgbClr val="657B83"/>
                 </a:solidFill>
               </a:rPr>
               <a:t>=</a:t>
             </a:r>
             <a:r>
-              <a:rPr lang="en-US" sz="1100" dirty="0">
-                <a:latin typeface="Consolas"/>
-                <a:solidFill>
-                  <a:srgbClr val="323232"/>
+              <a:rPr lang="en-US" sz="1400" dirty="0">
+                <a:latin typeface="Consolas"/>
+                <a:solidFill>
+                  <a:srgbClr val="839496"/>
                 </a:solidFill>
               </a:rPr>
               <a:t> </a:t>
             </a:r>
             <a:r>
-              <a:rPr lang="en-US" sz="1100" dirty="0">
-                <a:latin typeface="Consolas"/>
-                <a:solidFill>
-                  <a:srgbClr val="323232"/>
+              <a:rPr lang="en-US" sz="1400" dirty="0">
+                <a:latin typeface="Consolas"/>
+                <a:solidFill>
+                  <a:srgbClr val="B58900"/>
                 </a:solidFill>
               </a:rPr>
               <a:t>Presentation</a:t>
             </a:r>
             <a:r>
-              <a:rPr lang="en-US" sz="1100" dirty="0">
-                <a:latin typeface="Consolas"/>
-                <a:solidFill>
-                  <a:srgbClr val="323232"/>
+              <a:rPr lang="en-US" sz="1400" dirty="0">
+                <a:latin typeface="Consolas"/>
+                <a:solidFill>
+                  <a:srgbClr val="657B83"/>
                 </a:solidFill>
               </a:rPr>
               <a:t>(</a:t>
             </a:r>
             <a:r>
-              <a:rPr lang="en-US" sz="1100" dirty="0">
-                <a:latin typeface="Consolas"/>
-                <a:solidFill>
-                  <a:srgbClr val="323232"/>
+              <a:rPr lang="en-US" sz="1400" dirty="0">
+                <a:latin typeface="Consolas"/>
+                <a:solidFill>
+                  <a:srgbClr val="657B83"/>
                 </a:solidFill>
               </a:rPr>
               <a:t>)</a:t>
@@ -5206,10 +8129,10 @@
           <a:p>
             <a:pPr algn="l"/>
             <a:r>
-              <a:rPr lang="en-US" sz="1100" dirty="0">
-                <a:latin typeface="Consolas"/>
-                <a:solidFill>
-                  <a:srgbClr val="323232"/>
+              <a:rPr lang="en-US" sz="1400" dirty="0">
+                <a:latin typeface="Consolas"/>
+                <a:solidFill>
+                  <a:srgbClr val="839496"/>
                 </a:solidFill>
               </a:rPr>
               <a:t>    </a:t>
@@ -5218,82 +8141,82 @@
           <a:p>
             <a:pPr algn="l"/>
             <a:r>
-              <a:rPr lang="en-US" sz="1100" dirty="0">
-                <a:latin typeface="Consolas"/>
-                <a:solidFill>
-                  <a:srgbClr val="323232"/>
+              <a:rPr lang="en-US" sz="1400" dirty="0">
+                <a:latin typeface="Consolas"/>
+                <a:solidFill>
+                  <a:srgbClr val="839496"/>
                 </a:solidFill>
               </a:rPr>
               <a:t>    </a:t>
             </a:r>
             <a:r>
-              <a:rPr lang="en-US" sz="1100" dirty="0" b="1">
-                <a:latin typeface="Consolas"/>
-                <a:solidFill>
-                  <a:srgbClr val="A71D5D"/>
+              <a:rPr lang="en-US" sz="1400" dirty="0">
+                <a:latin typeface="Consolas"/>
+                <a:solidFill>
+                  <a:srgbClr val="859900"/>
                 </a:solidFill>
               </a:rPr>
               <a:t>for</a:t>
             </a:r>
             <a:r>
-              <a:rPr lang="en-US" sz="1100" dirty="0">
-                <a:latin typeface="Consolas"/>
-                <a:solidFill>
-                  <a:srgbClr val="323232"/>
+              <a:rPr lang="en-US" sz="1400" dirty="0">
+                <a:latin typeface="Consolas"/>
+                <a:solidFill>
+                  <a:srgbClr val="839496"/>
                 </a:solidFill>
               </a:rPr>
               <a:t> </a:t>
             </a:r>
             <a:r>
-              <a:rPr lang="en-US" sz="1100" dirty="0">
-                <a:latin typeface="Consolas"/>
-                <a:solidFill>
-                  <a:srgbClr val="323232"/>
+              <a:rPr lang="en-US" sz="1400" dirty="0">
+                <a:latin typeface="Consolas"/>
+                <a:solidFill>
+                  <a:srgbClr val="839496"/>
                 </a:solidFill>
               </a:rPr>
               <a:t>slide_content</a:t>
             </a:r>
             <a:r>
-              <a:rPr lang="en-US" sz="1100" dirty="0">
-                <a:latin typeface="Consolas"/>
-                <a:solidFill>
-                  <a:srgbClr val="323232"/>
+              <a:rPr lang="en-US" sz="1400" dirty="0">
+                <a:latin typeface="Consolas"/>
+                <a:solidFill>
+                  <a:srgbClr val="839496"/>
                 </a:solidFill>
               </a:rPr>
               <a:t> </a:t>
             </a:r>
             <a:r>
-              <a:rPr lang="en-US" sz="1100" dirty="0" b="1">
-                <a:latin typeface="Consolas"/>
-                <a:solidFill>
-                  <a:srgbClr val="A71D5D"/>
+              <a:rPr lang="en-US" sz="1400" dirty="0">
+                <a:latin typeface="Consolas"/>
+                <a:solidFill>
+                  <a:srgbClr val="859900"/>
                 </a:solidFill>
               </a:rPr>
               <a:t>in</a:t>
             </a:r>
             <a:r>
-              <a:rPr lang="en-US" sz="1100" dirty="0">
-                <a:latin typeface="Consolas"/>
-                <a:solidFill>
-                  <a:srgbClr val="323232"/>
+              <a:rPr lang="en-US" sz="1400" dirty="0">
+                <a:latin typeface="Consolas"/>
+                <a:solidFill>
+                  <a:srgbClr val="839496"/>
                 </a:solidFill>
               </a:rPr>
               <a:t> </a:t>
             </a:r>
             <a:r>
-              <a:rPr lang="en-US" sz="1100" dirty="0">
-                <a:latin typeface="Consolas"/>
-                <a:solidFill>
-                  <a:srgbClr val="323232"/>
+              <a:rPr lang="en-US" sz="1400" dirty="0">
+                <a:latin typeface="Consolas"/>
+                <a:solidFill>
+                  <a:srgbClr val="839496"/>
                 </a:solidFill>
               </a:rPr>
               <a:t>slides</a:t>
             </a:r>
             <a:r>
-              <a:rPr lang="en-US" sz="1100" dirty="0">
-                <a:latin typeface="Consolas"/>
-                <a:solidFill>
-                  <a:srgbClr val="323232"/>
+              <a:rPr lang="en-US" sz="1400" dirty="0">
+                <a:latin typeface="Consolas"/>
+                <a:solidFill>
+                  <a:srgbClr val="657B83"/>
                 </a:solidFill>
               </a:rPr>
               <a:t>:</a:t>
@@ -5302,91 +8225,91 @@
           <a:p>
             <a:pPr algn="l"/>
             <a:r>
-              <a:rPr lang="en-US" sz="1100" dirty="0">
-                <a:latin typeface="Consolas"/>
-                <a:solidFill>
-                  <a:srgbClr val="323232"/>
+              <a:rPr lang="en-US" sz="1400" dirty="0">
+                <a:latin typeface="Consolas"/>
+                <a:solidFill>
+                  <a:srgbClr val="839496"/>
                 </a:solidFill>
               </a:rPr>
               <a:t>        </a:t>
             </a:r>
             <a:r>
-              <a:rPr lang="en-US" sz="1100" dirty="0">
-                <a:latin typeface="Consolas"/>
-                <a:solidFill>
-                  <a:srgbClr val="323232"/>
+              <a:rPr lang="en-US" sz="1400" dirty="0">
+                <a:latin typeface="Consolas"/>
+                <a:solidFill>
+                  <a:srgbClr val="839496"/>
                 </a:solidFill>
               </a:rPr>
               <a:t>slide</a:t>
             </a:r>
             <a:r>
-              <a:rPr lang="en-US" sz="1100" dirty="0">
-                <a:latin typeface="Consolas"/>
-                <a:solidFill>
-                  <a:srgbClr val="323232"/>
+              <a:rPr lang="en-US" sz="1400" dirty="0">
+                <a:latin typeface="Consolas"/>
+                <a:solidFill>
+                  <a:srgbClr val="839496"/>
                 </a:solidFill>
               </a:rPr>
               <a:t> </a:t>
             </a:r>
             <a:r>
-              <a:rPr lang="en-US" sz="1100" dirty="0" b="1">
-                <a:latin typeface="Consolas"/>
-                <a:solidFill>
-                  <a:srgbClr val="A71D5D"/>
+              <a:rPr lang="en-US" sz="1400" dirty="0">
+                <a:latin typeface="Consolas"/>
+                <a:solidFill>
+                  <a:srgbClr val="657B83"/>
                 </a:solidFill>
               </a:rPr>
               <a:t>=</a:t>
             </a:r>
             <a:r>
-              <a:rPr lang="en-US" sz="1100" dirty="0">
-                <a:latin typeface="Consolas"/>
-                <a:solidFill>
-                  <a:srgbClr val="323232"/>
+              <a:rPr lang="en-US" sz="1400" dirty="0">
+                <a:latin typeface="Consolas"/>
+                <a:solidFill>
+                  <a:srgbClr val="839496"/>
                 </a:solidFill>
               </a:rPr>
               <a:t> </a:t>
             </a:r>
             <a:r>
-              <a:rPr lang="en-US" sz="1100" dirty="0">
-                <a:latin typeface="Consolas"/>
-                <a:solidFill>
-                  <a:srgbClr val="323232"/>
+              <a:rPr lang="en-US" sz="1400" dirty="0">
+                <a:latin typeface="Consolas"/>
+                <a:solidFill>
+                  <a:srgbClr val="839496"/>
                 </a:solidFill>
               </a:rPr>
               <a:t>pptx</a:t>
             </a:r>
             <a:r>
-              <a:rPr lang="en-US" sz="1100" dirty="0">
-                <a:latin typeface="Consolas"/>
-                <a:solidFill>
-                  <a:srgbClr val="323232"/>
+              <a:rPr lang="en-US" sz="1400" dirty="0">
+                <a:latin typeface="Consolas"/>
+                <a:solidFill>
+                  <a:srgbClr val="839496"/>
                 </a:solidFill>
               </a:rPr>
               <a:t>.</a:t>
             </a:r>
             <a:r>
-              <a:rPr lang="en-US" sz="1100" dirty="0">
-                <a:latin typeface="Consolas"/>
-                <a:solidFill>
-                  <a:srgbClr val="323232"/>
+              <a:rPr lang="en-US" sz="1400" dirty="0">
+                <a:latin typeface="Consolas"/>
+                <a:solidFill>
+                  <a:srgbClr val="B58900"/>
                 </a:solidFill>
               </a:rPr>
               <a:t>add_slide</a:t>
             </a:r>
             <a:r>
-              <a:rPr lang="en-US" sz="1100" dirty="0">
-                <a:latin typeface="Consolas"/>
-                <a:solidFill>
-                  <a:srgbClr val="323232"/>
+              <a:rPr lang="en-US" sz="1400" dirty="0">
+                <a:latin typeface="Consolas"/>
+                <a:solidFill>
+                  <a:srgbClr val="657B83"/>
                 </a:solidFill>
               </a:rPr>
               <a:t>(</a:t>
             </a:r>
             <a:r>
-              <a:rPr lang="en-US" sz="1100" dirty="0">
-                <a:latin typeface="Consolas"/>
-                <a:solidFill>
-                  <a:srgbClr val="323232"/>
+              <a:rPr lang="en-US" sz="1400" dirty="0">
+                <a:latin typeface="Consolas"/>
+                <a:solidFill>
+                  <a:srgbClr val="657B83"/>
                 </a:solidFill>
               </a:rPr>
               <a:t>)</a:t>
@@ -5395,118 +8318,118 @@
           <a:p>
             <a:pPr algn="l"/>
             <a:r>
-              <a:rPr lang="en-US" sz="1100" dirty="0">
-                <a:latin typeface="Consolas"/>
-                <a:solidFill>
-                  <a:srgbClr val="323232"/>
+              <a:rPr lang="en-US" sz="1400" dirty="0">
+                <a:latin typeface="Consolas"/>
+                <a:solidFill>
+                  <a:srgbClr val="839496"/>
                 </a:solidFill>
               </a:rPr>
               <a:t>        </a:t>
             </a:r>
             <a:r>
-              <a:rPr lang="en-US" sz="1100" dirty="0">
-                <a:latin typeface="Consolas"/>
-                <a:solidFill>
-                  <a:srgbClr val="323232"/>
+              <a:rPr lang="en-US" sz="1400" dirty="0">
+                <a:latin typeface="Consolas"/>
+                <a:solidFill>
+                  <a:srgbClr val="839496"/>
                 </a:solidFill>
               </a:rPr>
               <a:t>slide</a:t>
             </a:r>
             <a:r>
-              <a:rPr lang="en-US" sz="1100" dirty="0">
-                <a:latin typeface="Consolas"/>
-                <a:solidFill>
-                  <a:srgbClr val="323232"/>
+              <a:rPr lang="en-US" sz="1400" dirty="0">
+                <a:latin typeface="Consolas"/>
+                <a:solidFill>
+                  <a:srgbClr val="839496"/>
                 </a:solidFill>
               </a:rPr>
               <a:t>.</a:t>
             </a:r>
             <a:r>
-              <a:rPr lang="en-US" sz="1100" dirty="0">
-                <a:latin typeface="Consolas"/>
-                <a:solidFill>
-                  <a:srgbClr val="323232"/>
+              <a:rPr lang="en-US" sz="1400" dirty="0">
+                <a:latin typeface="Consolas"/>
+                <a:solidFill>
+                  <a:srgbClr val="839496"/>
                 </a:solidFill>
               </a:rPr>
               <a:t>title</a:t>
             </a:r>
             <a:r>
-              <a:rPr lang="en-US" sz="1100" dirty="0">
-                <a:latin typeface="Consolas"/>
-                <a:solidFill>
-                  <a:srgbClr val="323232"/>
+              <a:rPr lang="en-US" sz="1400" dirty="0">
+                <a:latin typeface="Consolas"/>
+                <a:solidFill>
+                  <a:srgbClr val="839496"/>
                 </a:solidFill>
               </a:rPr>
               <a:t> </a:t>
             </a:r>
             <a:r>
-              <a:rPr lang="en-US" sz="1100" dirty="0" b="1">
-                <a:latin typeface="Consolas"/>
-                <a:solidFill>
-                  <a:srgbClr val="A71D5D"/>
+              <a:rPr lang="en-US" sz="1400" dirty="0">
+                <a:latin typeface="Consolas"/>
+                <a:solidFill>
+                  <a:srgbClr val="657B83"/>
                 </a:solidFill>
               </a:rPr>
               <a:t>=</a:t>
             </a:r>
             <a:r>
-              <a:rPr lang="en-US" sz="1100" dirty="0">
-                <a:latin typeface="Consolas"/>
-                <a:solidFill>
-                  <a:srgbClr val="323232"/>
+              <a:rPr lang="en-US" sz="1400" dirty="0">
+                <a:latin typeface="Consolas"/>
+                <a:solidFill>
+                  <a:srgbClr val="839496"/>
                 </a:solidFill>
               </a:rPr>
               <a:t> </a:t>
             </a:r>
             <a:r>
-              <a:rPr lang="en-US" sz="1100" dirty="0">
-                <a:latin typeface="Consolas"/>
-                <a:solidFill>
-                  <a:srgbClr val="323232"/>
+              <a:rPr lang="en-US" sz="1400" dirty="0">
+                <a:latin typeface="Consolas"/>
+                <a:solidFill>
+                  <a:srgbClr val="839496"/>
                 </a:solidFill>
               </a:rPr>
               <a:t>slide_content</a:t>
             </a:r>
             <a:r>
-              <a:rPr lang="en-US" sz="1100" dirty="0">
-                <a:latin typeface="Consolas"/>
-                <a:solidFill>
-                  <a:srgbClr val="323232"/>
+              <a:rPr lang="en-US" sz="1400" dirty="0">
+                <a:latin typeface="Consolas"/>
+                <a:solidFill>
+                  <a:srgbClr val="268BD2"/>
                 </a:solidFill>
               </a:rPr>
               <a:t>[</a:t>
             </a:r>
             <a:r>
-              <a:rPr lang="en-US" sz="1100" dirty="0">
-                <a:latin typeface="Consolas"/>
-                <a:solidFill>
-                  <a:srgbClr val="183691"/>
+              <a:rPr lang="en-US" sz="1400" dirty="0">
+                <a:latin typeface="Consolas"/>
+                <a:solidFill>
+                  <a:srgbClr val="839496"/>
                 </a:solidFill>
               </a:rPr>
               <a:t>'</a:t>
             </a:r>
             <a:r>
-              <a:rPr lang="en-US" sz="1100" dirty="0">
-                <a:latin typeface="Consolas"/>
-                <a:solidFill>
-                  <a:srgbClr val="183691"/>
+              <a:rPr lang="en-US" sz="1400" dirty="0">
+                <a:latin typeface="Consolas"/>
+                <a:solidFill>
+                  <a:srgbClr val="2AA198"/>
                 </a:solidFill>
               </a:rPr>
               <a:t>title</a:t>
             </a:r>
             <a:r>
-              <a:rPr lang="en-US" sz="1100" dirty="0">
-                <a:latin typeface="Consolas"/>
-                <a:solidFill>
-                  <a:srgbClr val="183691"/>
+              <a:rPr lang="en-US" sz="1400" dirty="0">
+                <a:latin typeface="Consolas"/>
+                <a:solidFill>
+                  <a:srgbClr val="839496"/>
                 </a:solidFill>
               </a:rPr>
               <a:t>'</a:t>
             </a:r>
             <a:r>
-              <a:rPr lang="en-US" sz="1100" dirty="0">
-                <a:latin typeface="Consolas"/>
-                <a:solidFill>
-                  <a:srgbClr val="323232"/>
+              <a:rPr lang="en-US" sz="1400" dirty="0">
+                <a:latin typeface="Consolas"/>
+                <a:solidFill>
+                  <a:srgbClr val="268BD2"/>
                 </a:solidFill>
               </a:rPr>
               <a:t>]</a:t>
@@ -5515,10 +8438,10 @@
           <a:p>
             <a:pPr algn="l"/>
             <a:r>
-              <a:rPr lang="en-US" sz="1100" dirty="0">
-                <a:latin typeface="Consolas"/>
-                <a:solidFill>
-                  <a:srgbClr val="323232"/>
+              <a:rPr lang="en-US" sz="1400" dirty="0">
+                <a:latin typeface="Consolas"/>
+                <a:solidFill>
+                  <a:srgbClr val="839496"/>
                 </a:solidFill>
               </a:rPr>
               <a:t>        </a:t>
@@ -5527,37 +8450,37 @@
           <a:p>
             <a:pPr algn="l"/>
             <a:r>
-              <a:rPr lang="en-US" sz="1100" dirty="0">
-                <a:latin typeface="Consolas"/>
-                <a:solidFill>
-                  <a:srgbClr val="323232"/>
+              <a:rPr lang="en-US" sz="1400" dirty="0">
+                <a:latin typeface="Consolas"/>
+                <a:solidFill>
+                  <a:srgbClr val="839496"/>
                 </a:solidFill>
               </a:rPr>
               <a:t>    </a:t>
             </a:r>
             <a:r>
-              <a:rPr lang="en-US" sz="1100" dirty="0" b="1">
-                <a:latin typeface="Consolas"/>
-                <a:solidFill>
-                  <a:srgbClr val="A71D5D"/>
+              <a:rPr lang="en-US" sz="1400" dirty="0">
+                <a:latin typeface="Consolas"/>
+                <a:solidFill>
+                  <a:srgbClr val="859900"/>
                 </a:solidFill>
               </a:rPr>
               <a:t>return</a:t>
             </a:r>
             <a:r>
-              <a:rPr lang="en-US" sz="1100" dirty="0">
-                <a:latin typeface="Consolas"/>
-                <a:solidFill>
-                  <a:srgbClr val="323232"/>
+              <a:rPr lang="en-US" sz="1400" dirty="0">
+                <a:latin typeface="Consolas"/>
+                <a:solidFill>
+                  <a:srgbClr val="839496"/>
                 </a:solidFill>
               </a:rPr>
               <a:t> </a:t>
             </a:r>
             <a:r>
-              <a:rPr lang="en-US" sz="1100" dirty="0">
-                <a:latin typeface="Consolas"/>
-                <a:solidFill>
-                  <a:srgbClr val="323232"/>
+              <a:rPr lang="en-US" sz="1400" dirty="0">
+                <a:latin typeface="Consolas"/>
+                <a:solidFill>
+                  <a:srgbClr val="839496"/>
                 </a:solidFill>
               </a:rPr>
               <a:t>pptx</a:t>
@@ -5566,10 +8489,10 @@
           <a:p>
             <a:pPr algn="l"/>
             <a:r>
-              <a:rPr lang="en-US" sz="1100" dirty="0">
-                <a:latin typeface="Consolas"/>
-                <a:solidFill>
-                  <a:srgbClr val="333333"/>
+              <a:rPr lang="en-US" sz="1400" dirty="0">
+                <a:latin typeface="Consolas"/>
+                <a:solidFill>
+                  <a:srgbClr val="839496"/>
                 </a:solidFill>
               </a:rPr>
               <a:t> </a:t>
@@ -5578,19 +8501,19 @@
           <a:p>
             <a:pPr algn="l"/>
             <a:r>
-              <a:rPr lang="en-US" sz="1100" dirty="0" i="1">
-                <a:latin typeface="Consolas"/>
-                <a:solidFill>
-                  <a:srgbClr val="969896"/>
+              <a:rPr lang="en-US" sz="1400" dirty="0">
+                <a:latin typeface="Consolas"/>
+                <a:solidFill>
+                  <a:srgbClr val="586E75"/>
                 </a:solidFill>
               </a:rPr>
               <a:t>#</a:t>
             </a:r>
             <a:r>
-              <a:rPr lang="en-US" sz="1100" dirty="0" i="1">
-                <a:latin typeface="Consolas"/>
-                <a:solidFill>
-                  <a:srgbClr val="969896"/>
+              <a:rPr lang="en-US" sz="1400" dirty="0">
+                <a:latin typeface="Consolas"/>
+                <a:solidFill>
+                  <a:srgbClr val="586E75"/>
                 </a:solidFill>
               </a:rPr>
               <a:t> Usage</a:t>
@@ -5599,10 +8522,10 @@
           <a:p>
             <a:pPr algn="l"/>
             <a:r>
-              <a:rPr lang="en-US" sz="1100" dirty="0" i="1">
-                <a:latin typeface="Consolas"/>
-                <a:solidFill>
-                  <a:srgbClr val="969896"/>
+              <a:rPr lang="en-US" sz="1400" dirty="0">
+                <a:latin typeface="Consolas"/>
+                <a:solidFill>
+                  <a:srgbClr val="586E75"/>
                 </a:solidFill>
               </a:rPr>
               <a:t>slides = [</a:t>
@@ -5611,10 +8534,10 @@
           <a:p>
             <a:pPr algn="l"/>
             <a:r>
-              <a:rPr lang="en-US" sz="1100" dirty="0" i="1">
-                <a:latin typeface="Consolas"/>
-                <a:solidFill>
-                  <a:srgbClr val="969896"/>
+              <a:rPr lang="en-US" sz="1400" dirty="0">
+                <a:latin typeface="Consolas"/>
+                <a:solidFill>
+                  <a:srgbClr val="586E75"/>
                 </a:solidFill>
               </a:rPr>
               <a:t>    {'title': 'Introduction'},</a:t>
@@ -5623,10 +8546,10 @@
           <a:p>
             <a:pPr algn="l"/>
             <a:r>
-              <a:rPr lang="en-US" sz="1100" dirty="0" i="1">
-                <a:latin typeface="Consolas"/>
-                <a:solidFill>
-                  <a:srgbClr val="969896"/>
+              <a:rPr lang="en-US" sz="1400" dirty="0">
+                <a:latin typeface="Consolas"/>
+                <a:solidFill>
+                  <a:srgbClr val="586E75"/>
                 </a:solidFill>
               </a:rPr>
               <a:t>    {'title': 'Main Content'},</a:t>
@@ -5635,10 +8558,10 @@
           <a:p>
             <a:pPr algn="l"/>
             <a:r>
-              <a:rPr lang="en-US" sz="1100" dirty="0" i="1">
-                <a:latin typeface="Consolas"/>
-                <a:solidFill>
-                  <a:srgbClr val="969896"/>
+              <a:rPr lang="en-US" sz="1400" dirty="0">
+                <a:latin typeface="Consolas"/>
+                <a:solidFill>
+                  <a:srgbClr val="586E75"/>
                 </a:solidFill>
               </a:rPr>
               <a:t>    {'title': 'Conclusion'}</a:t>
@@ -5647,10 +8570,10 @@
           <a:p>
             <a:pPr algn="l"/>
             <a:r>
-              <a:rPr lang="en-US" sz="1100" dirty="0" i="1">
-                <a:latin typeface="Consolas"/>
-                <a:solidFill>
-                  <a:srgbClr val="969896"/>
+              <a:rPr lang="en-US" sz="1400" dirty="0">
+                <a:latin typeface="Consolas"/>
+                <a:solidFill>
+                  <a:srgbClr val="586E75"/>
                 </a:solidFill>
               </a:rPr>
               <a:t>]</a:t>
@@ -5659,10 +8582,10 @@
           <a:p>
             <a:pPr algn="l"/>
             <a:r>
-              <a:rPr lang="en-US" sz="1100" dirty="0" i="1">
-                <a:latin typeface="Consolas"/>
-                <a:solidFill>
-                  <a:srgbClr val="969896"/>
+              <a:rPr lang="en-US" sz="1400" dirty="0">
+                <a:latin typeface="Consolas"/>
+                <a:solidFill>
+                  <a:srgbClr val="586E75"/>
                 </a:solidFill>
               </a:rPr>
               <a:t>create_presentation("Demo", slides)</a:t>
@@ -5736,24 +8659,29 @@
         </p:nvSpPr>
         <p:spPr>
           <a:xfrm>
-            <a:off x="1000000" y="1600000"/>
-            <a:ext cx="7000000" cy="600000"/>
-          </a:xfrm>
-          <a:prstGeom prst="rect">
-            <a:avLst/>
-          </a:prstGeom>
-          <a:solidFill>
-            <a:srgbClr val="1565C0"/>
-          </a:solidFill>
-        </p:spPr>
-        <p:txBody>
-          <a:bodyPr wrap="square" rtlCol="0" anchor="ctr"/>
-          <a:lstStyle/>
-          <a:p>
-            <a:pPr algn="ctr"/>
-            <a:r>
-              <a:rPr lang="en-US" sz="1800" dirty="0"/>
-              <a:t>🔀 Flowchart</a:t>
+            <a:off x="500000" y="1600000"/>
+            <a:ext cx="1800000" cy="2200000"/>
+          </a:xfrm>
+          <a:prstGeom prst="roundRect">
+            <a:avLst/>
+          </a:prstGeom>
+          <a:solidFill>
+            <a:srgbClr val="E3F2FD"/>
+          </a:solidFill>
+          <a:ln w="1">
+            <a:solidFill>
+              <a:srgbClr val="757575"/>
+            </a:solidFill>
+          </a:ln>
+        </p:spPr>
+        <p:txBody>
+          <a:bodyPr wrap="square" rtlCol="0" anchor="ctr"/>
+          <a:lstStyle/>
+          <a:p>
+            <a:pPr algn="ctr"/>
+            <a:r>
+              <a:rPr lang="en-US" sz="1800" dirty="0"/>
+              <a:t>Client</a:t>
             </a:r>
           </a:p>
         </p:txBody>
@@ -5766,29 +8694,481 @@
         </p:nvSpPr>
         <p:spPr>
           <a:xfrm>
-            <a:off x="1000000" y="2200000"/>
-            <a:ext cx="7000000" cy="3600000"/>
-          </a:xfrm>
-          <a:prstGeom prst="rect">
-            <a:avLst/>
-          </a:prstGeom>
-          <a:solidFill>
-            <a:srgbClr val="E3F2FD"/>
-          </a:solidFill>
-        </p:spPr>
-        <p:txBody>
-          <a:bodyPr wrap="square" rtlCol="0" anchor="ctr"/>
-          <a:lstStyle/>
-          <a:p>
-            <a:pPr algn="ctr"/>
-            <a:r>
-              <a:rPr lang="en-US" sz="1800" dirty="0"/>
-              <a:t>Nodes: Web Browser → Mobile App → API Gateway → Auth Service → Data Service → (PostgreSQL)
-Connections: 7</a:t>
-            </a:r>
-          </a:p>
-        </p:txBody>
-      </p:sp>
+            <a:off x="700000" y="1900000"/>
+            <a:ext cx="1400000" cy="500000"/>
+          </a:xfrm>
+          <a:prstGeom prst="rect">
+            <a:avLst/>
+          </a:prstGeom>
+          <a:solidFill>
+            <a:srgbClr val="FFFFFF"/>
+          </a:solidFill>
+          <a:ln w="2">
+            <a:solidFill>
+              <a:srgbClr val="1565C0"/>
+            </a:solidFill>
+          </a:ln>
+        </p:spPr>
+        <p:txBody>
+          <a:bodyPr wrap="square" rtlCol="0" anchor="ctr"/>
+          <a:lstStyle/>
+          <a:p>
+            <a:pPr algn="ctr"/>
+            <a:r>
+              <a:rPr lang="en-US" sz="1800" dirty="0"/>
+              <a:t>Web Browser</a:t>
+            </a:r>
+          </a:p>
+        </p:txBody>
+      </p:sp>
+      <p:sp>
+        <p:nvSpPr>
+          <p:cNvPr id="12" name="Shape 12"/>
+          <p:cNvSpPr/>
+          <p:nvPr/>
+        </p:nvSpPr>
+        <p:spPr>
+          <a:xfrm>
+            <a:off x="700000" y="2800000"/>
+            <a:ext cx="1400000" cy="500000"/>
+          </a:xfrm>
+          <a:prstGeom prst="rect">
+            <a:avLst/>
+          </a:prstGeom>
+          <a:solidFill>
+            <a:srgbClr val="FFFFFF"/>
+          </a:solidFill>
+          <a:ln w="2">
+            <a:solidFill>
+              <a:srgbClr val="1565C0"/>
+            </a:solidFill>
+          </a:ln>
+        </p:spPr>
+        <p:txBody>
+          <a:bodyPr wrap="square" rtlCol="0" anchor="ctr"/>
+          <a:lstStyle/>
+          <a:p>
+            <a:pPr algn="ctr"/>
+            <a:r>
+              <a:rPr lang="en-US" sz="1800" dirty="0"/>
+              <a:t>Mobile App</a:t>
+            </a:r>
+          </a:p>
+        </p:txBody>
+      </p:sp>
+      <p:sp>
+        <p:nvSpPr>
+          <p:cNvPr id="13" name="Shape 13"/>
+          <p:cNvSpPr/>
+          <p:nvPr/>
+        </p:nvSpPr>
+        <p:spPr>
+          <a:xfrm>
+            <a:off x="2900000" y="1600000"/>
+            <a:ext cx="1800000" cy="3100000"/>
+          </a:xfrm>
+          <a:prstGeom prst="roundRect">
+            <a:avLst/>
+          </a:prstGeom>
+          <a:solidFill>
+            <a:srgbClr val="F3E5F5"/>
+          </a:solidFill>
+          <a:ln w="1">
+            <a:solidFill>
+              <a:srgbClr val="757575"/>
+            </a:solidFill>
+          </a:ln>
+        </p:spPr>
+        <p:txBody>
+          <a:bodyPr wrap="square" rtlCol="0" anchor="ctr"/>
+          <a:lstStyle/>
+          <a:p>
+            <a:pPr algn="ctr"/>
+            <a:r>
+              <a:rPr lang="en-US" sz="1800" dirty="0"/>
+              <a:t>Backend</a:t>
+            </a:r>
+          </a:p>
+        </p:txBody>
+      </p:sp>
+      <p:sp>
+        <p:nvSpPr>
+          <p:cNvPr id="14" name="Shape 14"/>
+          <p:cNvSpPr/>
+          <p:nvPr/>
+        </p:nvSpPr>
+        <p:spPr>
+          <a:xfrm>
+            <a:off x="3100000" y="1900000"/>
+            <a:ext cx="1400000" cy="500000"/>
+          </a:xfrm>
+          <a:prstGeom prst="rect">
+            <a:avLst/>
+          </a:prstGeom>
+          <a:solidFill>
+            <a:srgbClr val="FFFFFF"/>
+          </a:solidFill>
+          <a:ln w="2">
+            <a:solidFill>
+              <a:srgbClr val="1565C0"/>
+            </a:solidFill>
+          </a:ln>
+        </p:spPr>
+        <p:txBody>
+          <a:bodyPr wrap="square" rtlCol="0" anchor="ctr"/>
+          <a:lstStyle/>
+          <a:p>
+            <a:pPr algn="ctr"/>
+            <a:r>
+              <a:rPr lang="en-US" sz="1800" dirty="0"/>
+              <a:t>API Gateway</a:t>
+            </a:r>
+          </a:p>
+        </p:txBody>
+      </p:sp>
+      <p:sp>
+        <p:nvSpPr>
+          <p:cNvPr id="15" name="Shape 15"/>
+          <p:cNvSpPr/>
+          <p:nvPr/>
+        </p:nvSpPr>
+        <p:spPr>
+          <a:xfrm>
+            <a:off x="3100000" y="2800000"/>
+            <a:ext cx="1400000" cy="500000"/>
+          </a:xfrm>
+          <a:prstGeom prst="rect">
+            <a:avLst/>
+          </a:prstGeom>
+          <a:solidFill>
+            <a:srgbClr val="FFFFFF"/>
+          </a:solidFill>
+          <a:ln w="2">
+            <a:solidFill>
+              <a:srgbClr val="1565C0"/>
+            </a:solidFill>
+          </a:ln>
+        </p:spPr>
+        <p:txBody>
+          <a:bodyPr wrap="square" rtlCol="0" anchor="ctr"/>
+          <a:lstStyle/>
+          <a:p>
+            <a:pPr algn="ctr"/>
+            <a:r>
+              <a:rPr lang="en-US" sz="1800" dirty="0"/>
+              <a:t>Auth Service</a:t>
+            </a:r>
+          </a:p>
+        </p:txBody>
+      </p:sp>
+      <p:sp>
+        <p:nvSpPr>
+          <p:cNvPr id="16" name="Shape 16"/>
+          <p:cNvSpPr/>
+          <p:nvPr/>
+        </p:nvSpPr>
+        <p:spPr>
+          <a:xfrm>
+            <a:off x="3100000" y="3700000"/>
+            <a:ext cx="1400000" cy="500000"/>
+          </a:xfrm>
+          <a:prstGeom prst="rect">
+            <a:avLst/>
+          </a:prstGeom>
+          <a:solidFill>
+            <a:srgbClr val="FFFFFF"/>
+          </a:solidFill>
+          <a:ln w="2">
+            <a:solidFill>
+              <a:srgbClr val="1565C0"/>
+            </a:solidFill>
+          </a:ln>
+        </p:spPr>
+        <p:txBody>
+          <a:bodyPr wrap="square" rtlCol="0" anchor="ctr"/>
+          <a:lstStyle/>
+          <a:p>
+            <a:pPr algn="ctr"/>
+            <a:r>
+              <a:rPr lang="en-US" sz="1800" dirty="0"/>
+              <a:t>Data Service</a:t>
+            </a:r>
+          </a:p>
+        </p:txBody>
+      </p:sp>
+      <p:sp>
+        <p:nvSpPr>
+          <p:cNvPr id="17" name="Shape 17"/>
+          <p:cNvSpPr/>
+          <p:nvPr/>
+        </p:nvSpPr>
+        <p:spPr>
+          <a:xfrm>
+            <a:off x="5300000" y="1600000"/>
+            <a:ext cx="1800000" cy="2200000"/>
+          </a:xfrm>
+          <a:prstGeom prst="roundRect">
+            <a:avLst/>
+          </a:prstGeom>
+          <a:solidFill>
+            <a:srgbClr val="E8F5E9"/>
+          </a:solidFill>
+          <a:ln w="1">
+            <a:solidFill>
+              <a:srgbClr val="757575"/>
+            </a:solidFill>
+          </a:ln>
+        </p:spPr>
+        <p:txBody>
+          <a:bodyPr wrap="square" rtlCol="0" anchor="ctr"/>
+          <a:lstStyle/>
+          <a:p>
+            <a:pPr algn="ctr"/>
+            <a:r>
+              <a:rPr lang="en-US" sz="1800" dirty="0"/>
+              <a:t>Storage</a:t>
+            </a:r>
+          </a:p>
+        </p:txBody>
+      </p:sp>
+      <p:sp>
+        <p:nvSpPr>
+          <p:cNvPr id="18" name="Shape 18"/>
+          <p:cNvSpPr/>
+          <p:nvPr/>
+        </p:nvSpPr>
+        <p:spPr>
+          <a:xfrm>
+            <a:off x="5500000" y="1900000"/>
+            <a:ext cx="1400000" cy="500000"/>
+          </a:xfrm>
+          <a:prstGeom prst="rect">
+            <a:avLst/>
+          </a:prstGeom>
+          <a:solidFill>
+            <a:srgbClr val="FFFFFF"/>
+          </a:solidFill>
+          <a:ln w="2">
+            <a:solidFill>
+              <a:srgbClr val="1565C0"/>
+            </a:solidFill>
+          </a:ln>
+        </p:spPr>
+        <p:txBody>
+          <a:bodyPr wrap="square" rtlCol="0" anchor="ctr"/>
+          <a:lstStyle/>
+          <a:p>
+            <a:pPr algn="ctr"/>
+            <a:r>
+              <a:rPr lang="en-US" sz="1800" dirty="0"/>
+              <a:t>(PostgreSQL)</a:t>
+            </a:r>
+          </a:p>
+        </p:txBody>
+      </p:sp>
+      <p:sp>
+        <p:nvSpPr>
+          <p:cNvPr id="19" name="Shape 19"/>
+          <p:cNvSpPr/>
+          <p:nvPr/>
+        </p:nvSpPr>
+        <p:spPr>
+          <a:xfrm>
+            <a:off x="5500000" y="2800000"/>
+            <a:ext cx="1400000" cy="500000"/>
+          </a:xfrm>
+          <a:prstGeom prst="rect">
+            <a:avLst/>
+          </a:prstGeom>
+          <a:solidFill>
+            <a:srgbClr val="FFFFFF"/>
+          </a:solidFill>
+          <a:ln w="2">
+            <a:solidFill>
+              <a:srgbClr val="1565C0"/>
+            </a:solidFill>
+          </a:ln>
+        </p:spPr>
+        <p:txBody>
+          <a:bodyPr wrap="square" rtlCol="0" anchor="ctr"/>
+          <a:lstStyle/>
+          <a:p>
+            <a:pPr algn="ctr"/>
+            <a:r>
+              <a:rPr lang="en-US" sz="1800" dirty="0"/>
+              <a:t>(Redis Cache)</a:t>
+            </a:r>
+          </a:p>
+        </p:txBody>
+      </p:sp>
+      <p:cxnSp>
+        <p:nvCxnSpPr>
+          <p:cNvPr id="60" name="Connector 60"/>
+          <p:cNvCxnSpPr>
+</p:cNvCxnSpPr>
+          <p:nvPr/>
+        </p:nvCxnSpPr>
+        <p:spPr>
+          <a:xfrm flipV="1">
+            <a:off x="1400000" y="1900000"/>
+            <a:ext cx="2400000" cy="500000"/>
+          </a:xfrm>
+          <a:prstGeom prst="bentConnector3">
+            <a:avLst/>
+          </a:prstGeom>
+          <a:ln w="19050">
+            <a:solidFill>
+              <a:srgbClr val="1565C0"/>
+            </a:solidFill>
+            <a:prstDash val="solid"/>
+            <a:tailEnd type="triangle" w="med" len="med"/>
+          </a:ln>
+        </p:spPr>
+      </p:cxnSp>
+      <p:cxnSp>
+        <p:nvCxnSpPr>
+          <p:cNvPr id="61" name="Connector 61"/>
+          <p:cNvCxnSpPr>
+</p:cNvCxnSpPr>
+          <p:nvPr/>
+        </p:nvCxnSpPr>
+        <p:spPr>
+          <a:xfrm flipV="1">
+            <a:off x="1400000" y="1900000"/>
+            <a:ext cx="2400000" cy="1400000"/>
+          </a:xfrm>
+          <a:prstGeom prst="bentConnector3">
+            <a:avLst/>
+          </a:prstGeom>
+          <a:ln w="19050">
+            <a:solidFill>
+              <a:srgbClr val="1565C0"/>
+            </a:solidFill>
+            <a:prstDash val="solid"/>
+            <a:tailEnd type="triangle" w="med" len="med"/>
+          </a:ln>
+        </p:spPr>
+      </p:cxnSp>
+      <p:cxnSp>
+        <p:nvCxnSpPr>
+          <p:cNvPr id="62" name="Connector 62"/>
+          <p:cNvCxnSpPr>
+</p:cNvCxnSpPr>
+          <p:nvPr/>
+        </p:nvCxnSpPr>
+        <p:spPr>
+          <a:xfrm>
+            <a:off x="3800000" y="2400000"/>
+            <a:ext cx="0" cy="400000"/>
+          </a:xfrm>
+          <a:prstGeom prst="straightConnector1">
+            <a:avLst/>
+          </a:prstGeom>
+          <a:ln w="19050">
+            <a:solidFill>
+              <a:srgbClr val="1565C0"/>
+            </a:solidFill>
+            <a:prstDash val="solid"/>
+            <a:tailEnd type="triangle" w="med" len="med"/>
+          </a:ln>
+        </p:spPr>
+      </p:cxnSp>
+      <p:cxnSp>
+        <p:nvCxnSpPr>
+          <p:cNvPr id="63" name="Connector 63"/>
+          <p:cNvCxnSpPr>
+</p:cNvCxnSpPr>
+          <p:nvPr/>
+        </p:nvCxnSpPr>
+        <p:spPr>
+          <a:xfrm>
+            <a:off x="3800000" y="2400000"/>
+            <a:ext cx="0" cy="1300000"/>
+          </a:xfrm>
+          <a:prstGeom prst="straightConnector1">
+            <a:avLst/>
+          </a:prstGeom>
+          <a:ln w="19050">
+            <a:solidFill>
+              <a:srgbClr val="1565C0"/>
+            </a:solidFill>
+            <a:prstDash val="solid"/>
+            <a:tailEnd type="triangle" w="med" len="med"/>
+          </a:ln>
+        </p:spPr>
+      </p:cxnSp>
+      <p:cxnSp>
+        <p:nvCxnSpPr>
+          <p:cNvPr id="64" name="Connector 64"/>
+          <p:cNvCxnSpPr>
+</p:cNvCxnSpPr>
+          <p:nvPr/>
+        </p:nvCxnSpPr>
+        <p:spPr>
+          <a:xfrm flipV="1">
+            <a:off x="3800000" y="1900000"/>
+            <a:ext cx="2400000" cy="1400000"/>
+          </a:xfrm>
+          <a:prstGeom prst="bentConnector3">
+            <a:avLst/>
+          </a:prstGeom>
+          <a:ln w="19050">
+            <a:solidFill>
+              <a:srgbClr val="1565C0"/>
+            </a:solidFill>
+            <a:prstDash val="solid"/>
+            <a:tailEnd type="triangle" w="med" len="med"/>
+          </a:ln>
+        </p:spPr>
+      </p:cxnSp>
+      <p:cxnSp>
+        <p:nvCxnSpPr>
+          <p:cNvPr id="65" name="Connector 65"/>
+          <p:cNvCxnSpPr>
+</p:cNvCxnSpPr>
+          <p:nvPr/>
+        </p:nvCxnSpPr>
+        <p:spPr>
+          <a:xfrm flipV="1">
+            <a:off x="3800000" y="1900000"/>
+            <a:ext cx="2400000" cy="2300000"/>
+          </a:xfrm>
+          <a:prstGeom prst="bentConnector3">
+            <a:avLst/>
+          </a:prstGeom>
+          <a:ln w="19050">
+            <a:solidFill>
+              <a:srgbClr val="1565C0"/>
+            </a:solidFill>
+            <a:prstDash val="solid"/>
+            <a:tailEnd type="triangle" w="med" len="med"/>
+          </a:ln>
+        </p:spPr>
+      </p:cxnSp>
+      <p:cxnSp>
+        <p:nvCxnSpPr>
+          <p:cNvPr id="66" name="Connector 66"/>
+          <p:cNvCxnSpPr>
+</p:cNvCxnSpPr>
+          <p:nvPr/>
+        </p:nvCxnSpPr>
+        <p:spPr>
+          <a:xfrm flipV="1">
+            <a:off x="3800000" y="2800000"/>
+            <a:ext cx="2400000" cy="1400000"/>
+          </a:xfrm>
+          <a:prstGeom prst="bentConnector3">
+            <a:avLst/>
+          </a:prstGeom>
+          <a:ln w="19050">
+            <a:solidFill>
+              <a:srgbClr val="1565C0"/>
+            </a:solidFill>
+            <a:prstDash val="solid"/>
+            <a:tailEnd type="triangle" w="med" len="med"/>
+          </a:ln>
+        </p:spPr>
+      </p:cxnSp>
     </p:spTree>
   </p:cSld>
   <p:clrMapOvr>
@@ -5855,24 +9235,29 @@
         </p:nvSpPr>
         <p:spPr>
           <a:xfrm>
-            <a:off x="1000000" y="1600000"/>
-            <a:ext cx="7000000" cy="600000"/>
-          </a:xfrm>
-          <a:prstGeom prst="rect">
-            <a:avLst/>
-          </a:prstGeom>
-          <a:solidFill>
-            <a:srgbClr val="7B1FA2"/>
-          </a:solidFill>
-        </p:spPr>
-        <p:txBody>
-          <a:bodyPr wrap="square" rtlCol="0" anchor="ctr"/>
-          <a:lstStyle/>
-          <a:p>
-            <a:pPr algn="ctr"/>
-            <a:r>
-              <a:rPr lang="en-US" sz="1800" dirty="0"/>
-              <a:t>↔️ Sequence Diagram</a:t>
+            <a:off x="500000" y="1600000"/>
+            <a:ext cx="1400000" cy="400000"/>
+          </a:xfrm>
+          <a:prstGeom prst="rect">
+            <a:avLst/>
+          </a:prstGeom>
+          <a:solidFill>
+            <a:srgbClr val="E3F2FD"/>
+          </a:solidFill>
+          <a:ln w="2">
+            <a:solidFill>
+              <a:srgbClr val="1565C0"/>
+            </a:solidFill>
+          </a:ln>
+        </p:spPr>
+        <p:txBody>
+          <a:bodyPr wrap="square" rtlCol="0" anchor="ctr"/>
+          <a:lstStyle/>
+          <a:p>
+            <a:pPr algn="ctr"/>
+            <a:r>
+              <a:rPr lang="en-US" sz="1800" dirty="0"/>
+              <a:t>User</a:t>
             </a:r>
           </a:p>
         </p:txBody>
@@ -5885,25 +9270,641 @@
         </p:nvSpPr>
         <p:spPr>
           <a:xfrm>
-            <a:off x="1000000" y="2200000"/>
-            <a:ext cx="7000000" cy="3600000"/>
-          </a:xfrm>
-          <a:prstGeom prst="rect">
-            <a:avLst/>
-          </a:prstGeom>
-          <a:solidFill>
-            <a:srgbClr val="F3E5F5"/>
-          </a:solidFill>
-        </p:spPr>
-        <p:txBody>
-          <a:bodyPr wrap="square" rtlCol="0" anchor="ctr"/>
-          <a:lstStyle/>
-          <a:p>
-            <a:pPr algn="ctr"/>
-            <a:r>
-              <a:rPr lang="en-US" sz="1800" dirty="0"/>
-              <a:t>Participants: U, C, A, D
-Messages: 6</a:t>
+            <a:off x="1190000" y="2000000"/>
+            <a:ext cx="20000" cy="3000000"/>
+          </a:xfrm>
+          <a:prstGeom prst="rect">
+            <a:avLst/>
+          </a:prstGeom>
+          <a:solidFill>
+            <a:srgbClr val="757575"/>
+          </a:solidFill>
+        </p:spPr>
+        <p:txBody>
+          <a:bodyPr/>
+          <a:lstStyle/>
+          <a:p/>
+        </p:txBody>
+      </p:sp>
+      <p:sp>
+        <p:nvSpPr>
+          <p:cNvPr id="12" name="Shape 12"/>
+          <p:cNvSpPr/>
+          <p:nvPr/>
+        </p:nvSpPr>
+        <p:spPr>
+          <a:xfrm>
+            <a:off x="500000" y="5000000"/>
+            <a:ext cx="1400000" cy="400000"/>
+          </a:xfrm>
+          <a:prstGeom prst="rect">
+            <a:avLst/>
+          </a:prstGeom>
+          <a:solidFill>
+            <a:srgbClr val="E3F2FD"/>
+          </a:solidFill>
+          <a:ln w="2">
+            <a:solidFill>
+              <a:srgbClr val="1565C0"/>
+            </a:solidFill>
+          </a:ln>
+        </p:spPr>
+        <p:txBody>
+          <a:bodyPr wrap="square" rtlCol="0" anchor="ctr"/>
+          <a:lstStyle/>
+          <a:p>
+            <a:pPr algn="ctr"/>
+            <a:r>
+              <a:rPr lang="en-US" sz="1800" dirty="0"/>
+              <a:t>User</a:t>
+            </a:r>
+          </a:p>
+        </p:txBody>
+      </p:sp>
+      <p:sp>
+        <p:nvSpPr>
+          <p:cNvPr id="13" name="Shape 13"/>
+          <p:cNvSpPr/>
+          <p:nvPr/>
+        </p:nvSpPr>
+        <p:spPr>
+          <a:xfrm>
+            <a:off x="2300000" y="1600000"/>
+            <a:ext cx="1400000" cy="400000"/>
+          </a:xfrm>
+          <a:prstGeom prst="rect">
+            <a:avLst/>
+          </a:prstGeom>
+          <a:solidFill>
+            <a:srgbClr val="E3F2FD"/>
+          </a:solidFill>
+          <a:ln w="2">
+            <a:solidFill>
+              <a:srgbClr val="1565C0"/>
+            </a:solidFill>
+          </a:ln>
+        </p:spPr>
+        <p:txBody>
+          <a:bodyPr wrap="square" rtlCol="0" anchor="ctr"/>
+          <a:lstStyle/>
+          <a:p>
+            <a:pPr algn="ctr"/>
+            <a:r>
+              <a:rPr lang="en-US" sz="1800" dirty="0"/>
+              <a:t>Client</a:t>
+            </a:r>
+          </a:p>
+        </p:txBody>
+      </p:sp>
+      <p:sp>
+        <p:nvSpPr>
+          <p:cNvPr id="14" name="Shape 14"/>
+          <p:cNvSpPr/>
+          <p:nvPr/>
+        </p:nvSpPr>
+        <p:spPr>
+          <a:xfrm>
+            <a:off x="2990000" y="2000000"/>
+            <a:ext cx="20000" cy="3000000"/>
+          </a:xfrm>
+          <a:prstGeom prst="rect">
+            <a:avLst/>
+          </a:prstGeom>
+          <a:solidFill>
+            <a:srgbClr val="757575"/>
+          </a:solidFill>
+        </p:spPr>
+        <p:txBody>
+          <a:bodyPr/>
+          <a:lstStyle/>
+          <a:p/>
+        </p:txBody>
+      </p:sp>
+      <p:sp>
+        <p:nvSpPr>
+          <p:cNvPr id="15" name="Shape 15"/>
+          <p:cNvSpPr/>
+          <p:nvPr/>
+        </p:nvSpPr>
+        <p:spPr>
+          <a:xfrm>
+            <a:off x="2300000" y="5000000"/>
+            <a:ext cx="1400000" cy="400000"/>
+          </a:xfrm>
+          <a:prstGeom prst="rect">
+            <a:avLst/>
+          </a:prstGeom>
+          <a:solidFill>
+            <a:srgbClr val="E3F2FD"/>
+          </a:solidFill>
+          <a:ln w="2">
+            <a:solidFill>
+              <a:srgbClr val="1565C0"/>
+            </a:solidFill>
+          </a:ln>
+        </p:spPr>
+        <p:txBody>
+          <a:bodyPr wrap="square" rtlCol="0" anchor="ctr"/>
+          <a:lstStyle/>
+          <a:p>
+            <a:pPr algn="ctr"/>
+            <a:r>
+              <a:rPr lang="en-US" sz="1800" dirty="0"/>
+              <a:t>Client</a:t>
+            </a:r>
+          </a:p>
+        </p:txBody>
+      </p:sp>
+      <p:sp>
+        <p:nvSpPr>
+          <p:cNvPr id="16" name="Shape 16"/>
+          <p:cNvSpPr/>
+          <p:nvPr/>
+        </p:nvSpPr>
+        <p:spPr>
+          <a:xfrm>
+            <a:off x="4100000" y="1600000"/>
+            <a:ext cx="1400000" cy="400000"/>
+          </a:xfrm>
+          <a:prstGeom prst="rect">
+            <a:avLst/>
+          </a:prstGeom>
+          <a:solidFill>
+            <a:srgbClr val="E3F2FD"/>
+          </a:solidFill>
+          <a:ln w="2">
+            <a:solidFill>
+              <a:srgbClr val="1565C0"/>
+            </a:solidFill>
+          </a:ln>
+        </p:spPr>
+        <p:txBody>
+          <a:bodyPr wrap="square" rtlCol="0" anchor="ctr"/>
+          <a:lstStyle/>
+          <a:p>
+            <a:pPr algn="ctr"/>
+            <a:r>
+              <a:rPr lang="en-US" sz="1800" dirty="0"/>
+              <a:t>Auth Server</a:t>
+            </a:r>
+          </a:p>
+        </p:txBody>
+      </p:sp>
+      <p:sp>
+        <p:nvSpPr>
+          <p:cNvPr id="17" name="Shape 17"/>
+          <p:cNvSpPr/>
+          <p:nvPr/>
+        </p:nvSpPr>
+        <p:spPr>
+          <a:xfrm>
+            <a:off x="4790000" y="2000000"/>
+            <a:ext cx="20000" cy="3000000"/>
+          </a:xfrm>
+          <a:prstGeom prst="rect">
+            <a:avLst/>
+          </a:prstGeom>
+          <a:solidFill>
+            <a:srgbClr val="757575"/>
+          </a:solidFill>
+        </p:spPr>
+        <p:txBody>
+          <a:bodyPr/>
+          <a:lstStyle/>
+          <a:p/>
+        </p:txBody>
+      </p:sp>
+      <p:sp>
+        <p:nvSpPr>
+          <p:cNvPr id="18" name="Shape 18"/>
+          <p:cNvSpPr/>
+          <p:nvPr/>
+        </p:nvSpPr>
+        <p:spPr>
+          <a:xfrm>
+            <a:off x="4100000" y="5000000"/>
+            <a:ext cx="1400000" cy="400000"/>
+          </a:xfrm>
+          <a:prstGeom prst="rect">
+            <a:avLst/>
+          </a:prstGeom>
+          <a:solidFill>
+            <a:srgbClr val="E3F2FD"/>
+          </a:solidFill>
+          <a:ln w="2">
+            <a:solidFill>
+              <a:srgbClr val="1565C0"/>
+            </a:solidFill>
+          </a:ln>
+        </p:spPr>
+        <p:txBody>
+          <a:bodyPr wrap="square" rtlCol="0" anchor="ctr"/>
+          <a:lstStyle/>
+          <a:p>
+            <a:pPr algn="ctr"/>
+            <a:r>
+              <a:rPr lang="en-US" sz="1800" dirty="0"/>
+              <a:t>Auth Server</a:t>
+            </a:r>
+          </a:p>
+        </p:txBody>
+      </p:sp>
+      <p:sp>
+        <p:nvSpPr>
+          <p:cNvPr id="19" name="Shape 19"/>
+          <p:cNvSpPr/>
+          <p:nvPr/>
+        </p:nvSpPr>
+        <p:spPr>
+          <a:xfrm>
+            <a:off x="5900000" y="1600000"/>
+            <a:ext cx="1400000" cy="400000"/>
+          </a:xfrm>
+          <a:prstGeom prst="rect">
+            <a:avLst/>
+          </a:prstGeom>
+          <a:solidFill>
+            <a:srgbClr val="E3F2FD"/>
+          </a:solidFill>
+          <a:ln w="2">
+            <a:solidFill>
+              <a:srgbClr val="1565C0"/>
+            </a:solidFill>
+          </a:ln>
+        </p:spPr>
+        <p:txBody>
+          <a:bodyPr wrap="square" rtlCol="0" anchor="ctr"/>
+          <a:lstStyle/>
+          <a:p>
+            <a:pPr algn="ctr"/>
+            <a:r>
+              <a:rPr lang="en-US" sz="1800" dirty="0"/>
+              <a:t>Database</a:t>
+            </a:r>
+          </a:p>
+        </p:txBody>
+      </p:sp>
+      <p:sp>
+        <p:nvSpPr>
+          <p:cNvPr id="20" name="Shape 20"/>
+          <p:cNvSpPr/>
+          <p:nvPr/>
+        </p:nvSpPr>
+        <p:spPr>
+          <a:xfrm>
+            <a:off x="6590000" y="2000000"/>
+            <a:ext cx="20000" cy="3000000"/>
+          </a:xfrm>
+          <a:prstGeom prst="rect">
+            <a:avLst/>
+          </a:prstGeom>
+          <a:solidFill>
+            <a:srgbClr val="757575"/>
+          </a:solidFill>
+        </p:spPr>
+        <p:txBody>
+          <a:bodyPr/>
+          <a:lstStyle/>
+          <a:p/>
+        </p:txBody>
+      </p:sp>
+      <p:sp>
+        <p:nvSpPr>
+          <p:cNvPr id="21" name="Shape 21"/>
+          <p:cNvSpPr/>
+          <p:nvPr/>
+        </p:nvSpPr>
+        <p:spPr>
+          <a:xfrm>
+            <a:off x="5900000" y="5000000"/>
+            <a:ext cx="1400000" cy="400000"/>
+          </a:xfrm>
+          <a:prstGeom prst="rect">
+            <a:avLst/>
+          </a:prstGeom>
+          <a:solidFill>
+            <a:srgbClr val="E3F2FD"/>
+          </a:solidFill>
+          <a:ln w="2">
+            <a:solidFill>
+              <a:srgbClr val="1565C0"/>
+            </a:solidFill>
+          </a:ln>
+        </p:spPr>
+        <p:txBody>
+          <a:bodyPr wrap="square" rtlCol="0" anchor="ctr"/>
+          <a:lstStyle/>
+          <a:p>
+            <a:pPr algn="ctr"/>
+            <a:r>
+              <a:rPr lang="en-US" sz="1800" dirty="0"/>
+              <a:t>Database</a:t>
+            </a:r>
+          </a:p>
+        </p:txBody>
+      </p:sp>
+      <p:sp>
+        <p:nvSpPr>
+          <p:cNvPr id="22" name="Shape 22"/>
+          <p:cNvSpPr/>
+          <p:nvPr/>
+        </p:nvSpPr>
+        <p:spPr>
+          <a:xfrm>
+            <a:off x="1200000" y="2200000"/>
+            <a:ext cx="1800000" cy="120000"/>
+          </a:xfrm>
+          <a:prstGeom prst="rightArrow">
+            <a:avLst/>
+          </a:prstGeom>
+          <a:solidFill>
+            <a:srgbClr val="1565C0"/>
+          </a:solidFill>
+        </p:spPr>
+        <p:txBody>
+          <a:bodyPr/>
+          <a:lstStyle/>
+          <a:p/>
+        </p:txBody>
+      </p:sp>
+      <p:sp>
+        <p:nvSpPr>
+          <p:cNvPr id="23" name="Shape 23"/>
+          <p:cNvSpPr/>
+          <p:nvPr/>
+        </p:nvSpPr>
+        <p:spPr>
+          <a:xfrm>
+            <a:off x="1200000" y="2020000"/>
+            <a:ext cx="1800000" cy="160000"/>
+          </a:xfrm>
+          <a:prstGeom prst="rect">
+            <a:avLst/>
+          </a:prstGeom>
+        </p:spPr>
+        <p:txBody>
+          <a:bodyPr wrap="square" rtlCol="0" anchor="ctr"/>
+          <a:lstStyle/>
+          <a:p>
+            <a:pPr algn="ctr"/>
+            <a:r>
+              <a:rPr lang="en-US" sz="1800" dirty="0"/>
+              <a:t>Enter credentials</a:t>
+            </a:r>
+          </a:p>
+        </p:txBody>
+      </p:sp>
+      <p:sp>
+        <p:nvSpPr>
+          <p:cNvPr id="24" name="Shape 24"/>
+          <p:cNvSpPr/>
+          <p:nvPr/>
+        </p:nvSpPr>
+        <p:spPr>
+          <a:xfrm>
+            <a:off x="3000000" y="2650000"/>
+            <a:ext cx="1800000" cy="120000"/>
+          </a:xfrm>
+          <a:prstGeom prst="rightArrow">
+            <a:avLst/>
+          </a:prstGeom>
+          <a:solidFill>
+            <a:srgbClr val="1565C0"/>
+          </a:solidFill>
+        </p:spPr>
+        <p:txBody>
+          <a:bodyPr/>
+          <a:lstStyle/>
+          <a:p/>
+        </p:txBody>
+      </p:sp>
+      <p:sp>
+        <p:nvSpPr>
+          <p:cNvPr id="25" name="Shape 25"/>
+          <p:cNvSpPr/>
+          <p:nvPr/>
+        </p:nvSpPr>
+        <p:spPr>
+          <a:xfrm>
+            <a:off x="3000000" y="2470000"/>
+            <a:ext cx="1800000" cy="160000"/>
+          </a:xfrm>
+          <a:prstGeom prst="rect">
+            <a:avLst/>
+          </a:prstGeom>
+        </p:spPr>
+        <p:txBody>
+          <a:bodyPr wrap="square" rtlCol="0" anchor="ctr"/>
+          <a:lstStyle/>
+          <a:p>
+            <a:pPr algn="ctr"/>
+            <a:r>
+              <a:rPr lang="en-US" sz="1800" dirty="0"/>
+              <a:t>POST /login</a:t>
+            </a:r>
+          </a:p>
+        </p:txBody>
+      </p:sp>
+      <p:sp>
+        <p:nvSpPr>
+          <p:cNvPr id="26" name="Shape 26"/>
+          <p:cNvSpPr/>
+          <p:nvPr/>
+        </p:nvSpPr>
+        <p:spPr>
+          <a:xfrm>
+            <a:off x="4800000" y="3100000"/>
+            <a:ext cx="1800000" cy="120000"/>
+          </a:xfrm>
+          <a:prstGeom prst="rightArrow">
+            <a:avLst/>
+          </a:prstGeom>
+          <a:solidFill>
+            <a:srgbClr val="1565C0"/>
+          </a:solidFill>
+        </p:spPr>
+        <p:txBody>
+          <a:bodyPr/>
+          <a:lstStyle/>
+          <a:p/>
+        </p:txBody>
+      </p:sp>
+      <p:sp>
+        <p:nvSpPr>
+          <p:cNvPr id="27" name="Shape 27"/>
+          <p:cNvSpPr/>
+          <p:nvPr/>
+        </p:nvSpPr>
+        <p:spPr>
+          <a:xfrm>
+            <a:off x="4800000" y="2920000"/>
+            <a:ext cx="1800000" cy="160000"/>
+          </a:xfrm>
+          <a:prstGeom prst="rect">
+            <a:avLst/>
+          </a:prstGeom>
+        </p:spPr>
+        <p:txBody>
+          <a:bodyPr wrap="square" rtlCol="0" anchor="ctr"/>
+          <a:lstStyle/>
+          <a:p>
+            <a:pPr algn="ctr"/>
+            <a:r>
+              <a:rPr lang="en-US" sz="1800" dirty="0"/>
+              <a:t>Validate user</a:t>
+            </a:r>
+          </a:p>
+        </p:txBody>
+      </p:sp>
+      <p:sp>
+        <p:nvSpPr>
+          <p:cNvPr id="28" name="Shape 28"/>
+          <p:cNvSpPr/>
+          <p:nvPr/>
+        </p:nvSpPr>
+        <p:spPr>
+          <a:xfrm>
+            <a:off x="4800000" y="3550000"/>
+            <a:ext cx="1800000" cy="120000"/>
+          </a:xfrm>
+          <a:prstGeom prst="leftArrow">
+            <a:avLst/>
+          </a:prstGeom>
+          <a:solidFill>
+            <a:srgbClr val="1565C0"/>
+          </a:solidFill>
+        </p:spPr>
+        <p:txBody>
+          <a:bodyPr/>
+          <a:lstStyle/>
+          <a:p/>
+        </p:txBody>
+      </p:sp>
+      <p:sp>
+        <p:nvSpPr>
+          <p:cNvPr id="29" name="Shape 29"/>
+          <p:cNvSpPr/>
+          <p:nvPr/>
+        </p:nvSpPr>
+        <p:spPr>
+          <a:xfrm>
+            <a:off x="4800000" y="3370000"/>
+            <a:ext cx="1800000" cy="160000"/>
+          </a:xfrm>
+          <a:prstGeom prst="rect">
+            <a:avLst/>
+          </a:prstGeom>
+        </p:spPr>
+        <p:txBody>
+          <a:bodyPr wrap="square" rtlCol="0" anchor="ctr"/>
+          <a:lstStyle/>
+          <a:p>
+            <a:pPr algn="ctr"/>
+            <a:r>
+              <a:rPr lang="en-US" sz="1800" dirty="0"/>
+              <a:t>User data</a:t>
+            </a:r>
+          </a:p>
+        </p:txBody>
+      </p:sp>
+      <p:sp>
+        <p:nvSpPr>
+          <p:cNvPr id="30" name="Shape 30"/>
+          <p:cNvSpPr/>
+          <p:nvPr/>
+        </p:nvSpPr>
+        <p:spPr>
+          <a:xfrm>
+            <a:off x="3000000" y="4000000"/>
+            <a:ext cx="1800000" cy="120000"/>
+          </a:xfrm>
+          <a:prstGeom prst="leftArrow">
+            <a:avLst/>
+          </a:prstGeom>
+          <a:solidFill>
+            <a:srgbClr val="1565C0"/>
+          </a:solidFill>
+        </p:spPr>
+        <p:txBody>
+          <a:bodyPr/>
+          <a:lstStyle/>
+          <a:p/>
+        </p:txBody>
+      </p:sp>
+      <p:sp>
+        <p:nvSpPr>
+          <p:cNvPr id="31" name="Shape 31"/>
+          <p:cNvSpPr/>
+          <p:nvPr/>
+        </p:nvSpPr>
+        <p:spPr>
+          <a:xfrm>
+            <a:off x="3000000" y="3820000"/>
+            <a:ext cx="1800000" cy="160000"/>
+          </a:xfrm>
+          <a:prstGeom prst="rect">
+            <a:avLst/>
+          </a:prstGeom>
+        </p:spPr>
+        <p:txBody>
+          <a:bodyPr wrap="square" rtlCol="0" anchor="ctr"/>
+          <a:lstStyle/>
+          <a:p>
+            <a:pPr algn="ctr"/>
+            <a:r>
+              <a:rPr lang="en-US" sz="1800" dirty="0"/>
+              <a:t>JWT Token</a:t>
+            </a:r>
+          </a:p>
+        </p:txBody>
+      </p:sp>
+      <p:sp>
+        <p:nvSpPr>
+          <p:cNvPr id="32" name="Shape 32"/>
+          <p:cNvSpPr/>
+          <p:nvPr/>
+        </p:nvSpPr>
+        <p:spPr>
+          <a:xfrm>
+            <a:off x="1200000" y="4450000"/>
+            <a:ext cx="1800000" cy="120000"/>
+          </a:xfrm>
+          <a:prstGeom prst="leftArrow">
+            <a:avLst/>
+          </a:prstGeom>
+          <a:solidFill>
+            <a:srgbClr val="1565C0"/>
+          </a:solidFill>
+        </p:spPr>
+        <p:txBody>
+          <a:bodyPr/>
+          <a:lstStyle/>
+          <a:p/>
+        </p:txBody>
+      </p:sp>
+      <p:sp>
+        <p:nvSpPr>
+          <p:cNvPr id="33" name="Shape 33"/>
+          <p:cNvSpPr/>
+          <p:nvPr/>
+        </p:nvSpPr>
+        <p:spPr>
+          <a:xfrm>
+            <a:off x="1200000" y="4270000"/>
+            <a:ext cx="1800000" cy="160000"/>
+          </a:xfrm>
+          <a:prstGeom prst="rect">
+            <a:avLst/>
+          </a:prstGeom>
+        </p:spPr>
+        <p:txBody>
+          <a:bodyPr wrap="square" rtlCol="0" anchor="ctr"/>
+          <a:lstStyle/>
+          <a:p>
+            <a:pPr algn="ctr"/>
+            <a:r>
+              <a:rPr lang="en-US" sz="1800" dirty="0"/>
+              <a:t>Login success</a:t>
             </a:r>
           </a:p>
         </p:txBody>

--- a/examples/md2ppt_demo.pptx
+++ b/examples/md2ppt_demo.pptx
@@ -724,7 +724,7 @@
         </p:nvSpPr>
         <p:spPr>
           <a:xfrm>
-            <a:off x="500000" y="1600000"/>
+            <a:off x="1072000" y="1974000"/>
             <a:ext cx="7000000" cy="400000"/>
           </a:xfrm>
           <a:prstGeom prst="rect">
@@ -757,7 +757,7 @@
         </p:nvSpPr>
         <p:spPr>
           <a:xfrm>
-            <a:off x="500000" y="2100000"/>
+            <a:off x="1072000" y="2474000"/>
             <a:ext cx="7000000" cy="300000"/>
           </a:xfrm>
           <a:prstGeom prst="rect">
@@ -793,7 +793,7 @@
         </p:nvSpPr>
         <p:spPr>
           <a:xfrm>
-            <a:off x="500000" y="2450000"/>
+            <a:off x="1072000" y="2824000"/>
             <a:ext cx="2000000" cy="250000"/>
           </a:xfrm>
           <a:prstGeom prst="rect">
@@ -826,7 +826,7 @@
         </p:nvSpPr>
         <p:spPr>
           <a:xfrm>
-            <a:off x="2600000" y="2450000"/>
+            <a:off x="3172000" y="2824000"/>
             <a:ext cx="1800000" cy="250000"/>
           </a:xfrm>
           <a:prstGeom prst="roundRect">
@@ -850,7 +850,7 @@
         </p:nvSpPr>
         <p:spPr>
           <a:xfrm>
-            <a:off x="500000" y="2730000"/>
+            <a:off x="1072000" y="3104000"/>
             <a:ext cx="2000000" cy="250000"/>
           </a:xfrm>
           <a:prstGeom prst="rect">
@@ -883,7 +883,7 @@
         </p:nvSpPr>
         <p:spPr>
           <a:xfrm>
-            <a:off x="2800000" y="2730000"/>
+            <a:off x="3372000" y="3104000"/>
             <a:ext cx="1800000" cy="250000"/>
           </a:xfrm>
           <a:prstGeom prst="roundRect">
@@ -907,7 +907,7 @@
         </p:nvSpPr>
         <p:spPr>
           <a:xfrm>
-            <a:off x="500000" y="3010000"/>
+            <a:off x="1072000" y="3384000"/>
             <a:ext cx="7000000" cy="300000"/>
           </a:xfrm>
           <a:prstGeom prst="rect">
@@ -943,7 +943,7 @@
         </p:nvSpPr>
         <p:spPr>
           <a:xfrm>
-            <a:off x="500000" y="3360000"/>
+            <a:off x="1072000" y="3734000"/>
             <a:ext cx="2000000" cy="250000"/>
           </a:xfrm>
           <a:prstGeom prst="rect">
@@ -976,7 +976,7 @@
         </p:nvSpPr>
         <p:spPr>
           <a:xfrm>
-            <a:off x="2600000" y="3360000"/>
+            <a:off x="3172000" y="3734000"/>
             <a:ext cx="1800000" cy="250000"/>
           </a:xfrm>
           <a:prstGeom prst="roundRect">
@@ -1000,7 +1000,7 @@
         </p:nvSpPr>
         <p:spPr>
           <a:xfrm>
-            <a:off x="500000" y="3640000"/>
+            <a:off x="1072000" y="4014000"/>
             <a:ext cx="2000000" cy="250000"/>
           </a:xfrm>
           <a:prstGeom prst="rect">
@@ -1033,7 +1033,7 @@
         </p:nvSpPr>
         <p:spPr>
           <a:xfrm>
-            <a:off x="2800000" y="3640000"/>
+            <a:off x="3372000" y="4014000"/>
             <a:ext cx="1800000" cy="250000"/>
           </a:xfrm>
           <a:prstGeom prst="roundRect">
@@ -1057,7 +1057,7 @@
         </p:nvSpPr>
         <p:spPr>
           <a:xfrm>
-            <a:off x="500000" y="3920000"/>
+            <a:off x="1072000" y="4294000"/>
             <a:ext cx="2000000" cy="250000"/>
           </a:xfrm>
           <a:prstGeom prst="rect">
@@ -1090,7 +1090,7 @@
         </p:nvSpPr>
         <p:spPr>
           <a:xfrm>
-            <a:off x="3000000" y="3920000"/>
+            <a:off x="3572000" y="4294000"/>
             <a:ext cx="1800000" cy="250000"/>
           </a:xfrm>
           <a:prstGeom prst="roundRect">
@@ -1114,7 +1114,7 @@
         </p:nvSpPr>
         <p:spPr>
           <a:xfrm>
-            <a:off x="500000" y="4200000"/>
+            <a:off x="1072000" y="4574000"/>
             <a:ext cx="7000000" cy="300000"/>
           </a:xfrm>
           <a:prstGeom prst="rect">
@@ -1150,7 +1150,7 @@
         </p:nvSpPr>
         <p:spPr>
           <a:xfrm>
-            <a:off x="500000" y="4550000"/>
+            <a:off x="1072000" y="4924000"/>
             <a:ext cx="2000000" cy="250000"/>
           </a:xfrm>
           <a:prstGeom prst="rect">
@@ -1183,7 +1183,7 @@
         </p:nvSpPr>
         <p:spPr>
           <a:xfrm>
-            <a:off x="2600000" y="4550000"/>
+            <a:off x="3172000" y="4924000"/>
             <a:ext cx="1800000" cy="250000"/>
           </a:xfrm>
           <a:prstGeom prst="roundRect">
@@ -1207,7 +1207,7 @@
         </p:nvSpPr>
         <p:spPr>
           <a:xfrm>
-            <a:off x="500000" y="4830000"/>
+            <a:off x="1072000" y="5204000"/>
             <a:ext cx="2000000" cy="250000"/>
           </a:xfrm>
           <a:prstGeom prst="rect">
@@ -1240,7 +1240,7 @@
         </p:nvSpPr>
         <p:spPr>
           <a:xfrm>
-            <a:off x="2800000" y="4830000"/>
+            <a:off x="3372000" y="5204000"/>
             <a:ext cx="1800000" cy="250000"/>
           </a:xfrm>
           <a:prstGeom prst="roundRect">
@@ -1264,7 +1264,7 @@
         </p:nvSpPr>
         <p:spPr>
           <a:xfrm>
-            <a:off x="500000" y="5110000"/>
+            <a:off x="1072000" y="5484000"/>
             <a:ext cx="7000000" cy="300000"/>
           </a:xfrm>
           <a:prstGeom prst="rect">
@@ -1300,7 +1300,7 @@
         </p:nvSpPr>
         <p:spPr>
           <a:xfrm>
-            <a:off x="500000" y="5460000"/>
+            <a:off x="1072000" y="5834000"/>
             <a:ext cx="2000000" cy="250000"/>
           </a:xfrm>
           <a:prstGeom prst="rect">
@@ -1333,7 +1333,7 @@
         </p:nvSpPr>
         <p:spPr>
           <a:xfrm>
-            <a:off x="2600000" y="5460000"/>
+            <a:off x="3172000" y="5834000"/>
             <a:ext cx="1800000" cy="250000"/>
           </a:xfrm>
           <a:prstGeom prst="roundRect">
@@ -1415,7 +1415,7 @@
         </p:nvSpPr>
         <p:spPr>
           <a:xfrm>
-            <a:off x="500000" y="1600000"/>
+            <a:off x="672000" y="2019000"/>
             <a:ext cx="2200000" cy="400000"/>
           </a:xfrm>
           <a:prstGeom prst="rect">
@@ -1443,7 +1443,7 @@
                   <a:srgbClr val="FFFFFF"/>
                 </a:solidFill>
               </a:rPr>
-              <a:t>rdered in"</a:t>
+              <a:t>LINE_ITEM</a:t>
             </a:r>
           </a:p>
         </p:txBody>
@@ -1456,8 +1456,8 @@
         </p:nvSpPr>
         <p:spPr>
           <a:xfrm>
-            <a:off x="500000" y="2000000"/>
-            <a:ext cx="2200000" cy="280000"/>
+            <a:off x="672000" y="2419000"/>
+            <a:ext cx="2200000" cy="1120000"/>
           </a:xfrm>
           <a:prstGeom prst="rect">
             <a:avLst/>
@@ -1472,19 +1472,22 @@
           </a:ln>
         </p:spPr>
         <p:txBody>
-          <a:bodyPr wrap="square" rtlCol="0" anchor="ctr">
-            <a:normAutofit/>
-          </a:bodyPr>
-          <a:lstStyle/>
-          <a:p>
-            <a:pPr algn="ctr"/>
+          <a:bodyPr wrap="square" rtlCol="0" anchor="t">
+            <a:normAutofit/>
+          </a:bodyPr>
+          <a:lstStyle/>
+          <a:p>
+            <a:pPr algn="l"/>
             <a:r>
               <a:rPr lang="en-US" sz="1763" dirty="0">
                 <a:solidFill>
                   <a:srgbClr val="000000"/>
                 </a:solidFill>
               </a:rPr>
-              <a:t/>
+              <a:t>int id PK
+int order_id FK
+int product_id FK
+int quantity</a:t>
             </a:r>
           </a:p>
         </p:txBody>
@@ -1497,7 +1500,7 @@
         </p:nvSpPr>
         <p:spPr>
           <a:xfrm>
-            <a:off x="3300000" y="1600000"/>
+            <a:off x="3472000" y="2019000"/>
             <a:ext cx="2200000" cy="400000"/>
           </a:xfrm>
           <a:prstGeom prst="rect">
@@ -1525,7 +1528,7 @@
                   <a:srgbClr val="FFFFFF"/>
                 </a:solidFill>
               </a:rPr>
-              <a:t>LINE_ITEM</a:t>
+              <a:t>ORDER</a:t>
             </a:r>
           </a:p>
         </p:txBody>
@@ -1538,7 +1541,7 @@
         </p:nvSpPr>
         <p:spPr>
           <a:xfrm>
-            <a:off x="3300000" y="2000000"/>
+            <a:off x="3472000" y="2419000"/>
             <a:ext cx="2200000" cy="1120000"/>
           </a:xfrm>
           <a:prstGeom prst="rect">
@@ -1554,12 +1557,12 @@
           </a:ln>
         </p:spPr>
         <p:txBody>
-          <a:bodyPr wrap="square" rtlCol="0" anchor="ctr">
-            <a:normAutofit/>
-          </a:bodyPr>
-          <a:lstStyle/>
-          <a:p>
-            <a:pPr algn="ctr"/>
+          <a:bodyPr wrap="square" rtlCol="0" anchor="t">
+            <a:normAutofit/>
+          </a:bodyPr>
+          <a:lstStyle/>
+          <a:p>
+            <a:pPr algn="l"/>
             <a:r>
               <a:rPr lang="en-US" sz="1763" dirty="0">
                 <a:solidFill>
@@ -1567,9 +1570,9 @@
                 </a:solidFill>
               </a:rPr>
               <a:t>int id PK
-int order_id FK
-int product_id FK
-int quantity</a:t>
+int user_id FK
+date order_date
+decimal total</a:t>
             </a:r>
           </a:p>
         </p:txBody>
@@ -1582,7 +1585,7 @@
         </p:nvSpPr>
         <p:spPr>
           <a:xfrm>
-            <a:off x="6100000" y="1600000"/>
+            <a:off x="6272000" y="2019000"/>
             <a:ext cx="2200000" cy="400000"/>
           </a:xfrm>
           <a:prstGeom prst="rect">
@@ -1610,7 +1613,7 @@
                   <a:srgbClr val="FFFFFF"/>
                 </a:solidFill>
               </a:rPr>
-              <a:t>ORDER</a:t>
+              <a:t>PRODUCT</a:t>
             </a:r>
           </a:p>
         </p:txBody>
@@ -1623,7 +1626,7 @@
         </p:nvSpPr>
         <p:spPr>
           <a:xfrm>
-            <a:off x="6100000" y="2000000"/>
+            <a:off x="6272000" y="2419000"/>
             <a:ext cx="2200000" cy="1120000"/>
           </a:xfrm>
           <a:prstGeom prst="rect">
@@ -1639,12 +1642,12 @@
           </a:ln>
         </p:spPr>
         <p:txBody>
-          <a:bodyPr wrap="square" rtlCol="0" anchor="ctr">
-            <a:normAutofit/>
-          </a:bodyPr>
-          <a:lstStyle/>
-          <a:p>
-            <a:pPr algn="ctr"/>
+          <a:bodyPr wrap="square" rtlCol="0" anchor="t">
+            <a:normAutofit/>
+          </a:bodyPr>
+          <a:lstStyle/>
+          <a:p>
+            <a:pPr algn="l"/>
             <a:r>
               <a:rPr lang="en-US" sz="1763" dirty="0">
                 <a:solidFill>
@@ -1652,9 +1655,9 @@
                 </a:solidFill>
               </a:rPr>
               <a:t>int id PK
-int user_id FK
-date order_date
-decimal total</a:t>
+string name
+decimal price
+int stock</a:t>
             </a:r>
           </a:p>
         </p:txBody>
@@ -1667,7 +1670,7 @@
         </p:nvSpPr>
         <p:spPr>
           <a:xfrm>
-            <a:off x="500000" y="4100000"/>
+            <a:off x="672000" y="4519000"/>
             <a:ext cx="2200000" cy="400000"/>
           </a:xfrm>
           <a:prstGeom prst="rect">
@@ -1708,7 +1711,7 @@
         </p:nvSpPr>
         <p:spPr>
           <a:xfrm>
-            <a:off x="500000" y="4500000"/>
+            <a:off x="672000" y="4919000"/>
             <a:ext cx="2200000" cy="1120000"/>
           </a:xfrm>
           <a:prstGeom prst="rect">
@@ -1724,12 +1727,12 @@
           </a:ln>
         </p:spPr>
         <p:txBody>
-          <a:bodyPr wrap="square" rtlCol="0" anchor="ctr">
-            <a:normAutofit/>
-          </a:bodyPr>
-          <a:lstStyle/>
-          <a:p>
-            <a:pPr algn="ctr"/>
+          <a:bodyPr wrap="square" rtlCol="0" anchor="t">
+            <a:normAutofit/>
+          </a:bodyPr>
+          <a:lstStyle/>
+          <a:p>
+            <a:pPr algn="l"/>
             <a:r>
               <a:rPr lang="en-US" sz="1763" dirty="0">
                 <a:solidFill>
@@ -1752,55 +1755,14 @@
         </p:nvSpPr>
         <p:spPr>
           <a:xfrm>
-            <a:off x="3300000" y="4100000"/>
-            <a:ext cx="2200000" cy="400000"/>
-          </a:xfrm>
-          <a:prstGeom prst="rect">
-            <a:avLst/>
-          </a:prstGeom>
-          <a:solidFill>
-            <a:srgbClr val="C2185B"/>
-          </a:solidFill>
-          <a:ln w="2">
-            <a:solidFill>
-              <a:srgbClr val="880E4F"/>
-            </a:solidFill>
-          </a:ln>
-        </p:spPr>
-        <p:txBody>
-          <a:bodyPr wrap="square" rtlCol="0" anchor="ctr">
-            <a:normAutofit/>
-          </a:bodyPr>
-          <a:lstStyle/>
-          <a:p>
-            <a:pPr algn="ctr"/>
-            <a:r>
-              <a:rPr lang="en-US" sz="2519" dirty="0">
-                <a:solidFill>
-                  <a:srgbClr val="FFFFFF"/>
-                </a:solidFill>
-              </a:rPr>
-              <a:t>ntains</a:t>
-            </a:r>
-          </a:p>
-        </p:txBody>
-      </p:sp>
-      <p:sp>
-        <p:nvSpPr>
-          <p:cNvPr id="19" name="Shape 19"/>
-          <p:cNvSpPr/>
-          <p:nvPr/>
-        </p:nvSpPr>
-        <p:spPr>
-          <a:xfrm>
-            <a:off x="3300000" y="4500000"/>
-            <a:ext cx="2200000" cy="280000"/>
-          </a:xfrm>
-          <a:prstGeom prst="rect">
-            <a:avLst/>
-          </a:prstGeom>
-          <a:solidFill>
-            <a:srgbClr val="FCE4EC"/>
+            <a:off x="2672000" y="3344000"/>
+            <a:ext cx="1000000" cy="250000"/>
+          </a:xfrm>
+          <a:prstGeom prst="roundRect">
+            <a:avLst/>
+          </a:prstGeom>
+          <a:solidFill>
+            <a:srgbClr val="FFFFFF"/>
           </a:solidFill>
           <a:ln w="1">
             <a:solidFill>
@@ -1816,73 +1778,32 @@
           <a:p>
             <a:pPr algn="ctr"/>
             <a:r>
-              <a:rPr lang="en-US" sz="1763" dirty="0">
+              <a:rPr lang="en-US" sz="1574" dirty="0">
                 <a:solidFill>
                   <a:srgbClr val="000000"/>
                 </a:solidFill>
               </a:rPr>
-              <a:t/>
-            </a:r>
-          </a:p>
-        </p:txBody>
-      </p:sp>
-      <p:sp>
-        <p:nvSpPr>
-          <p:cNvPr id="20" name="Shape 20"/>
-          <p:cNvSpPr/>
-          <p:nvPr/>
-        </p:nvSpPr>
-        <p:spPr>
-          <a:xfrm>
-            <a:off x="6100000" y="4100000"/>
-            <a:ext cx="2200000" cy="400000"/>
-          </a:xfrm>
-          <a:prstGeom prst="rect">
-            <a:avLst/>
-          </a:prstGeom>
-          <a:solidFill>
-            <a:srgbClr val="C2185B"/>
-          </a:solidFill>
-          <a:ln w="2">
-            <a:solidFill>
-              <a:srgbClr val="880E4F"/>
-            </a:solidFill>
-          </a:ln>
-        </p:spPr>
-        <p:txBody>
-          <a:bodyPr wrap="square" rtlCol="0" anchor="ctr">
-            <a:normAutofit/>
-          </a:bodyPr>
-          <a:lstStyle/>
-          <a:p>
-            <a:pPr algn="ctr"/>
-            <a:r>
-              <a:rPr lang="en-US" sz="2519" dirty="0">
-                <a:solidFill>
-                  <a:srgbClr val="FFFFFF"/>
-                </a:solidFill>
-              </a:rPr>
-              <a:t>PRODUCT</a:t>
-            </a:r>
-          </a:p>
-        </p:txBody>
-      </p:sp>
-      <p:sp>
-        <p:nvSpPr>
-          <p:cNvPr id="21" name="Shape 21"/>
-          <p:cNvSpPr/>
-          <p:nvPr/>
-        </p:nvSpPr>
-        <p:spPr>
-          <a:xfrm>
-            <a:off x="6100000" y="4500000"/>
-            <a:ext cx="2200000" cy="1120000"/>
-          </a:xfrm>
-          <a:prstGeom prst="rect">
-            <a:avLst/>
-          </a:prstGeom>
-          <a:solidFill>
-            <a:srgbClr val="FCE4EC"/>
+              <a:t>places</a:t>
+            </a:r>
+          </a:p>
+        </p:txBody>
+      </p:sp>
+      <p:sp>
+        <p:nvSpPr>
+          <p:cNvPr id="19" name="Shape 19"/>
+          <p:cNvSpPr/>
+          <p:nvPr/>
+        </p:nvSpPr>
+        <p:spPr>
+          <a:xfrm>
+            <a:off x="2672000" y="2094000"/>
+            <a:ext cx="1000000" cy="250000"/>
+          </a:xfrm>
+          <a:prstGeom prst="roundRect">
+            <a:avLst/>
+          </a:prstGeom>
+          <a:solidFill>
+            <a:srgbClr val="FFFFFF"/>
           </a:solidFill>
           <a:ln w="1">
             <a:solidFill>
@@ -1898,30 +1819,70 @@
           <a:p>
             <a:pPr algn="ctr"/>
             <a:r>
-              <a:rPr lang="en-US" sz="1763" dirty="0">
+              <a:rPr lang="en-US" sz="1574" dirty="0">
                 <a:solidFill>
                   <a:srgbClr val="000000"/>
                 </a:solidFill>
               </a:rPr>
-              <a:t>int id PK
-string name
-decimal price
-int stock</a:t>
+              <a:t>contains</a:t>
+            </a:r>
+          </a:p>
+        </p:txBody>
+      </p:sp>
+      <p:sp>
+        <p:nvSpPr>
+          <p:cNvPr id="20" name="Shape 20"/>
+          <p:cNvSpPr/>
+          <p:nvPr/>
+        </p:nvSpPr>
+        <p:spPr>
+          <a:xfrm>
+            <a:off x="4072000" y="2094000"/>
+            <a:ext cx="1000000" cy="250000"/>
+          </a:xfrm>
+          <a:prstGeom prst="roundRect">
+            <a:avLst/>
+          </a:prstGeom>
+          <a:solidFill>
+            <a:srgbClr val="FFFFFF"/>
+          </a:solidFill>
+          <a:ln w="1">
+            <a:solidFill>
+              <a:srgbClr val="880E4F"/>
+            </a:solidFill>
+          </a:ln>
+        </p:spPr>
+        <p:txBody>
+          <a:bodyPr wrap="square" rtlCol="0" anchor="ctr">
+            <a:normAutofit/>
+          </a:bodyPr>
+          <a:lstStyle/>
+          <a:p>
+            <a:pPr algn="ctr"/>
+            <a:r>
+              <a:rPr lang="en-US" sz="1574" dirty="0">
+                <a:solidFill>
+                  <a:srgbClr val="000000"/>
+                </a:solidFill>
+              </a:rPr>
+              <a:t>ordered in</a:t>
             </a:r>
           </a:p>
         </p:txBody>
       </p:sp>
       <p:cxnSp>
         <p:nvCxnSpPr>
-          <p:cNvPr id="62" name="Connector 62"/>
+          <p:cNvPr id="61" name="Connector 61"/>
           <p:cNvCxnSpPr>
-</p:cNvCxnSpPr>
+            <a:stCxn id="16" idx="1"/>
+            <a:endCxn id="12" idx="3"/>
+          </p:cNvCxnSpPr>
           <p:nvPr/>
         </p:nvCxnSpPr>
         <p:spPr>
-          <a:xfrm flipH="1">
-            <a:off x="3300000" y="1800000"/>
-            <a:ext cx="5000000" cy="2500000"/>
+          <a:xfrm flipV="1">
+            <a:off x="2872000" y="2219000"/>
+            <a:ext cx="600000" cy="2500000"/>
           </a:xfrm>
           <a:prstGeom prst="bentConnector3">
             <a:avLst/>
@@ -1937,15 +1898,43 @@
       </p:cxnSp>
       <p:cxnSp>
         <p:nvCxnSpPr>
+          <p:cNvPr id="62" name="Connector 62"/>
+          <p:cNvCxnSpPr>
+            <a:stCxn id="12" idx="3"/>
+            <a:endCxn id="10" idx="1"/>
+          </p:cNvCxnSpPr>
+          <p:nvPr/>
+        </p:nvCxnSpPr>
+        <p:spPr>
+          <a:xfrm flipH="1">
+            <a:off x="672000" y="2219000"/>
+            <a:ext cx="5000000" cy="0"/>
+          </a:xfrm>
+          <a:prstGeom prst="bentConnector3">
+            <a:avLst/>
+          </a:prstGeom>
+          <a:ln w="19050">
+            <a:solidFill>
+              <a:srgbClr val="880E4F"/>
+            </a:solidFill>
+            <a:prstDash val="solid"/>
+            <a:tailEnd type="diamond" w="med" len="med"/>
+          </a:ln>
+        </p:spPr>
+      </p:cxnSp>
+      <p:cxnSp>
+        <p:nvCxnSpPr>
           <p:cNvPr id="63" name="Connector 63"/>
           <p:cNvCxnSpPr>
-</p:cNvCxnSpPr>
+            <a:stCxn id="14" idx="3"/>
+            <a:endCxn id="10" idx="1"/>
+          </p:cNvCxnSpPr>
           <p:nvPr/>
         </p:nvCxnSpPr>
         <p:spPr>
-          <a:xfrm flipH="1" flipV="1">
-            <a:off x="500000" y="1800000"/>
-            <a:ext cx="7800000" cy="2500000"/>
+          <a:xfrm flipH="1">
+            <a:off x="672000" y="2219000"/>
+            <a:ext cx="7800000" cy="0"/>
           </a:xfrm>
           <a:prstGeom prst="bentConnector3">
             <a:avLst/>
@@ -2025,7 +2014,7 @@
         </p:nvSpPr>
         <p:spPr>
           <a:xfrm>
-            <a:off x="1000000" y="1800000"/>
+            <a:off x="1622000" y="3179000"/>
             <a:ext cx="1500000" cy="500000"/>
           </a:xfrm>
           <a:prstGeom prst="ellipse">
@@ -2066,7 +2055,7 @@
         </p:nvSpPr>
         <p:spPr>
           <a:xfrm>
-            <a:off x="3200000" y="1800000"/>
+            <a:off x="3822000" y="3179000"/>
             <a:ext cx="1500000" cy="500000"/>
           </a:xfrm>
           <a:prstGeom prst="roundRect">
@@ -2107,7 +2096,7 @@
         </p:nvSpPr>
         <p:spPr>
           <a:xfrm>
-            <a:off x="5400000" y="1800000"/>
+            <a:off x="6022000" y="3179000"/>
             <a:ext cx="1500000" cy="500000"/>
           </a:xfrm>
           <a:prstGeom prst="roundRect">
@@ -2148,7 +2137,7 @@
         </p:nvSpPr>
         <p:spPr>
           <a:xfrm>
-            <a:off x="1000000" y="3000000"/>
+            <a:off x="1622000" y="4379000"/>
             <a:ext cx="1500000" cy="500000"/>
           </a:xfrm>
           <a:prstGeom prst="roundRect">
@@ -2189,7 +2178,7 @@
         </p:nvSpPr>
         <p:spPr>
           <a:xfrm>
-            <a:off x="3200000" y="3000000"/>
+            <a:off x="3822000" y="4379000"/>
             <a:ext cx="1500000" cy="500000"/>
           </a:xfrm>
           <a:prstGeom prst="roundRect">
@@ -2230,7 +2219,7 @@
         </p:nvSpPr>
         <p:spPr>
           <a:xfrm>
-            <a:off x="5400000" y="3000000"/>
+            <a:off x="6022000" y="4379000"/>
             <a:ext cx="1500000" cy="500000"/>
           </a:xfrm>
           <a:prstGeom prst="ellipse">
@@ -2263,16 +2252,264 @@
           </a:p>
         </p:txBody>
       </p:sp>
+      <p:sp>
+        <p:nvSpPr>
+          <p:cNvPr id="16" name="Shape 16"/>
+          <p:cNvSpPr/>
+          <p:nvPr/>
+        </p:nvSpPr>
+        <p:spPr>
+          <a:xfrm>
+            <a:off x="5272000" y="3304000"/>
+            <a:ext cx="800000" cy="250000"/>
+          </a:xfrm>
+          <a:prstGeom prst="roundRect">
+            <a:avLst/>
+          </a:prstGeom>
+          <a:solidFill>
+            <a:srgbClr val="FFFDE7"/>
+          </a:solidFill>
+          <a:ln w="1">
+            <a:solidFill>
+              <a:srgbClr val="00838F"/>
+            </a:solidFill>
+          </a:ln>
+        </p:spPr>
+        <p:txBody>
+          <a:bodyPr wrap="square" rtlCol="0" anchor="ctr">
+            <a:normAutofit/>
+          </a:bodyPr>
+          <a:lstStyle/>
+          <a:p>
+            <a:pPr algn="ctr"/>
+            <a:r>
+              <a:rPr lang="en-US" sz="1259" dirty="0">
+                <a:solidFill>
+                  <a:srgbClr val="000000"/>
+                </a:solidFill>
+              </a:rPr>
+              <a:t>fetch data</a:t>
+            </a:r>
+          </a:p>
+        </p:txBody>
+      </p:sp>
+      <p:sp>
+        <p:nvSpPr>
+          <p:cNvPr id="17" name="Shape 17"/>
+          <p:cNvSpPr/>
+          <p:nvPr/>
+        </p:nvSpPr>
+        <p:spPr>
+          <a:xfrm>
+            <a:off x="4172000" y="3904000"/>
+            <a:ext cx="800000" cy="250000"/>
+          </a:xfrm>
+          <a:prstGeom prst="roundRect">
+            <a:avLst/>
+          </a:prstGeom>
+          <a:solidFill>
+            <a:srgbClr val="FFFDE7"/>
+          </a:solidFill>
+          <a:ln w="1">
+            <a:solidFill>
+              <a:srgbClr val="00838F"/>
+            </a:solidFill>
+          </a:ln>
+        </p:spPr>
+        <p:txBody>
+          <a:bodyPr wrap="square" rtlCol="0" anchor="ctr">
+            <a:normAutofit/>
+          </a:bodyPr>
+          <a:lstStyle/>
+          <a:p>
+            <a:pPr algn="ctr"/>
+            <a:r>
+              <a:rPr lang="en-US" sz="969" dirty="0">
+                <a:solidFill>
+                  <a:srgbClr val="000000"/>
+                </a:solidFill>
+              </a:rPr>
+              <a:t>data received</a:t>
+            </a:r>
+          </a:p>
+        </p:txBody>
+      </p:sp>
+      <p:sp>
+        <p:nvSpPr>
+          <p:cNvPr id="18" name="Shape 18"/>
+          <p:cNvSpPr/>
+          <p:nvPr/>
+        </p:nvSpPr>
+        <p:spPr>
+          <a:xfrm>
+            <a:off x="5272000" y="3904000"/>
+            <a:ext cx="800000" cy="250000"/>
+          </a:xfrm>
+          <a:prstGeom prst="roundRect">
+            <a:avLst/>
+          </a:prstGeom>
+          <a:solidFill>
+            <a:srgbClr val="FFFDE7"/>
+          </a:solidFill>
+          <a:ln w="1">
+            <a:solidFill>
+              <a:srgbClr val="00838F"/>
+            </a:solidFill>
+          </a:ln>
+        </p:spPr>
+        <p:txBody>
+          <a:bodyPr wrap="square" rtlCol="0" anchor="ctr">
+            <a:normAutofit/>
+          </a:bodyPr>
+          <a:lstStyle/>
+          <a:p>
+            <a:pPr algn="ctr"/>
+            <a:r>
+              <a:rPr lang="en-US" sz="899" dirty="0">
+                <a:solidFill>
+                  <a:srgbClr val="000000"/>
+                </a:solidFill>
+              </a:rPr>
+              <a:t>request failed</a:t>
+            </a:r>
+          </a:p>
+        </p:txBody>
+      </p:sp>
+      <p:sp>
+        <p:nvSpPr>
+          <p:cNvPr id="19" name="Shape 19"/>
+          <p:cNvSpPr/>
+          <p:nvPr/>
+        </p:nvSpPr>
+        <p:spPr>
+          <a:xfrm>
+            <a:off x="3072000" y="3904000"/>
+            <a:ext cx="800000" cy="250000"/>
+          </a:xfrm>
+          <a:prstGeom prst="roundRect">
+            <a:avLst/>
+          </a:prstGeom>
+          <a:solidFill>
+            <a:srgbClr val="FFFDE7"/>
+          </a:solidFill>
+          <a:ln w="1">
+            <a:solidFill>
+              <a:srgbClr val="00838F"/>
+            </a:solidFill>
+          </a:ln>
+        </p:spPr>
+        <p:txBody>
+          <a:bodyPr wrap="square" rtlCol="0" anchor="ctr">
+            <a:normAutofit/>
+          </a:bodyPr>
+          <a:lstStyle/>
+          <a:p>
+            <a:pPr algn="ctr"/>
+            <a:r>
+              <a:rPr lang="en-US" sz="1574" dirty="0">
+                <a:solidFill>
+                  <a:srgbClr val="000000"/>
+                </a:solidFill>
+              </a:rPr>
+              <a:t>reset</a:t>
+            </a:r>
+          </a:p>
+        </p:txBody>
+      </p:sp>
+      <p:sp>
+        <p:nvSpPr>
+          <p:cNvPr id="20" name="Shape 20"/>
+          <p:cNvSpPr/>
+          <p:nvPr/>
+        </p:nvSpPr>
+        <p:spPr>
+          <a:xfrm>
+            <a:off x="5272000" y="3904000"/>
+            <a:ext cx="800000" cy="250000"/>
+          </a:xfrm>
+          <a:prstGeom prst="roundRect">
+            <a:avLst/>
+          </a:prstGeom>
+          <a:solidFill>
+            <a:srgbClr val="FFFDE7"/>
+          </a:solidFill>
+          <a:ln w="1">
+            <a:solidFill>
+              <a:srgbClr val="00838F"/>
+            </a:solidFill>
+          </a:ln>
+        </p:spPr>
+        <p:txBody>
+          <a:bodyPr wrap="square" rtlCol="0" anchor="ctr">
+            <a:normAutofit/>
+          </a:bodyPr>
+          <a:lstStyle/>
+          <a:p>
+            <a:pPr algn="ctr"/>
+            <a:r>
+              <a:rPr lang="en-US" sz="1574" dirty="0">
+                <a:solidFill>
+                  <a:srgbClr val="000000"/>
+                </a:solidFill>
+              </a:rPr>
+              <a:t>retry</a:t>
+            </a:r>
+          </a:p>
+        </p:txBody>
+      </p:sp>
+      <p:sp>
+        <p:nvSpPr>
+          <p:cNvPr id="21" name="Shape 21"/>
+          <p:cNvSpPr/>
+          <p:nvPr/>
+        </p:nvSpPr>
+        <p:spPr>
+          <a:xfrm>
+            <a:off x="4172000" y="3904000"/>
+            <a:ext cx="800000" cy="250000"/>
+          </a:xfrm>
+          <a:prstGeom prst="roundRect">
+            <a:avLst/>
+          </a:prstGeom>
+          <a:solidFill>
+            <a:srgbClr val="FFFDE7"/>
+          </a:solidFill>
+          <a:ln w="1">
+            <a:solidFill>
+              <a:srgbClr val="00838F"/>
+            </a:solidFill>
+          </a:ln>
+        </p:spPr>
+        <p:txBody>
+          <a:bodyPr wrap="square" rtlCol="0" anchor="ctr">
+            <a:normAutofit/>
+          </a:bodyPr>
+          <a:lstStyle/>
+          <a:p>
+            <a:pPr algn="ctr"/>
+            <a:r>
+              <a:rPr lang="en-US" sz="1574" dirty="0">
+                <a:solidFill>
+                  <a:srgbClr val="000000"/>
+                </a:solidFill>
+              </a:rPr>
+              <a:t>cancel</a:t>
+            </a:r>
+          </a:p>
+        </p:txBody>
+      </p:sp>
       <p:cxnSp>
         <p:nvCxnSpPr>
-          <p:cNvPr id="56" name="Connector 56"/>
+          <p:cNvPr id="62" name="Connector 62"/>
           <p:cNvCxnSpPr>
-</p:cNvCxnSpPr>
+            <a:stCxn id="10" idx="1"/>
+            <a:endCxn id="11" idx="3"/>
+          </p:cNvCxnSpPr>
           <p:nvPr/>
         </p:nvCxnSpPr>
         <p:spPr>
           <a:xfrm>
-            <a:off x="2500000" y="2050000"/>
+            <a:off x="3122000" y="3429000"/>
             <a:ext cx="700000" cy="0"/>
           </a:xfrm>
           <a:prstGeom prst="bentConnector3">
@@ -2289,14 +2526,16 @@
       </p:cxnSp>
       <p:cxnSp>
         <p:nvCxnSpPr>
-          <p:cNvPr id="57" name="Connector 57"/>
+          <p:cNvPr id="63" name="Connector 63"/>
           <p:cNvCxnSpPr>
-</p:cNvCxnSpPr>
+            <a:stCxn id="11" idx="1"/>
+            <a:endCxn id="12" idx="3"/>
+          </p:cNvCxnSpPr>
           <p:nvPr/>
         </p:nvCxnSpPr>
         <p:spPr>
           <a:xfrm>
-            <a:off x="4700000" y="2050000"/>
+            <a:off x="5322000" y="3429000"/>
             <a:ext cx="700000" cy="0"/>
           </a:xfrm>
           <a:prstGeom prst="bentConnector3">
@@ -2310,27 +2549,19 @@
             <a:tailEnd type="triangle" w="med" len="med"/>
           </a:ln>
         </p:spPr>
-        <p:txBody>
-          <a:bodyPr/>
-          <a:lstStyle/>
-          <a:p>
-            <a:r>
-              <a:rPr lang="en-US" sz="1000"/>
-              <a:t>fetch data</a:t>
-            </a:r>
-          </a:p>
-        </p:txBody>
       </p:cxnSp>
       <p:cxnSp>
         <p:nvCxnSpPr>
-          <p:cNvPr id="58" name="Connector 58"/>
+          <p:cNvPr id="64" name="Connector 64"/>
           <p:cNvCxnSpPr>
-</p:cNvCxnSpPr>
+            <a:stCxn id="12" idx="3"/>
+            <a:endCxn id="13" idx="1"/>
+          </p:cNvCxnSpPr>
           <p:nvPr/>
         </p:nvCxnSpPr>
         <p:spPr>
           <a:xfrm flipH="1">
-            <a:off x="1000000" y="2050000"/>
+            <a:off x="1622000" y="3429000"/>
             <a:ext cx="5900000" cy="1200000"/>
           </a:xfrm>
           <a:prstGeom prst="bentConnector3">
@@ -2344,27 +2575,19 @@
             <a:tailEnd type="triangle" w="med" len="med"/>
           </a:ln>
         </p:spPr>
-        <p:txBody>
-          <a:bodyPr/>
-          <a:lstStyle/>
-          <a:p>
-            <a:r>
-              <a:rPr lang="en-US" sz="1000"/>
-              <a:t>data received</a:t>
-            </a:r>
-          </a:p>
-        </p:txBody>
       </p:cxnSp>
       <p:cxnSp>
         <p:nvCxnSpPr>
-          <p:cNvPr id="59" name="Connector 59"/>
+          <p:cNvPr id="65" name="Connector 65"/>
           <p:cNvCxnSpPr>
-</p:cNvCxnSpPr>
+            <a:stCxn id="12" idx="3"/>
+            <a:endCxn id="14" idx="1"/>
+          </p:cNvCxnSpPr>
           <p:nvPr/>
         </p:nvCxnSpPr>
         <p:spPr>
           <a:xfrm flipH="1">
-            <a:off x="3200000" y="2050000"/>
+            <a:off x="3822000" y="3429000"/>
             <a:ext cx="3700000" cy="1200000"/>
           </a:xfrm>
           <a:prstGeom prst="bentConnector3">
@@ -2378,27 +2601,19 @@
             <a:tailEnd type="triangle" w="med" len="med"/>
           </a:ln>
         </p:spPr>
-        <p:txBody>
-          <a:bodyPr/>
-          <a:lstStyle/>
-          <a:p>
-            <a:r>
-              <a:rPr lang="en-US" sz="1000"/>
-              <a:t>request failed</a:t>
-            </a:r>
-          </a:p>
-        </p:txBody>
       </p:cxnSp>
       <p:cxnSp>
         <p:nvCxnSpPr>
-          <p:cNvPr id="60" name="Connector 60"/>
+          <p:cNvPr id="66" name="Connector 66"/>
           <p:cNvCxnSpPr>
-</p:cNvCxnSpPr>
+            <a:stCxn id="13" idx="1"/>
+            <a:endCxn id="11" idx="3"/>
+          </p:cNvCxnSpPr>
           <p:nvPr/>
         </p:nvCxnSpPr>
         <p:spPr>
           <a:xfrm flipV="1">
-            <a:off x="2500000" y="2050000"/>
+            <a:off x="3122000" y="3429000"/>
             <a:ext cx="700000" cy="1200000"/>
           </a:xfrm>
           <a:prstGeom prst="bentConnector3">
@@ -2412,27 +2627,19 @@
             <a:tailEnd type="triangle" w="med" len="med"/>
           </a:ln>
         </p:spPr>
-        <p:txBody>
-          <a:bodyPr/>
-          <a:lstStyle/>
-          <a:p>
-            <a:r>
-              <a:rPr lang="en-US" sz="1000"/>
-              <a:t>reset</a:t>
-            </a:r>
-          </a:p>
-        </p:txBody>
       </p:cxnSp>
       <p:cxnSp>
         <p:nvCxnSpPr>
-          <p:cNvPr id="61" name="Connector 61"/>
+          <p:cNvPr id="67" name="Connector 67"/>
           <p:cNvCxnSpPr>
-</p:cNvCxnSpPr>
+            <a:stCxn id="14" idx="1"/>
+            <a:endCxn id="12" idx="3"/>
+          </p:cNvCxnSpPr>
           <p:nvPr/>
         </p:nvCxnSpPr>
         <p:spPr>
           <a:xfrm flipV="1">
-            <a:off x="4700000" y="2050000"/>
+            <a:off x="5322000" y="3429000"/>
             <a:ext cx="700000" cy="1200000"/>
           </a:xfrm>
           <a:prstGeom prst="bentConnector3">
@@ -2446,27 +2653,19 @@
             <a:tailEnd type="triangle" w="med" len="med"/>
           </a:ln>
         </p:spPr>
-        <p:txBody>
-          <a:bodyPr/>
-          <a:lstStyle/>
-          <a:p>
-            <a:r>
-              <a:rPr lang="en-US" sz="1000"/>
-              <a:t>retry</a:t>
-            </a:r>
-          </a:p>
-        </p:txBody>
       </p:cxnSp>
       <p:cxnSp>
         <p:nvCxnSpPr>
-          <p:cNvPr id="62" name="Connector 62"/>
+          <p:cNvPr id="68" name="Connector 68"/>
           <p:cNvCxnSpPr>
-</p:cNvCxnSpPr>
+            <a:stCxn id="14" idx="0"/>
+            <a:endCxn id="11" idx="2"/>
+          </p:cNvCxnSpPr>
           <p:nvPr/>
         </p:nvCxnSpPr>
         <p:spPr>
           <a:xfrm flipH="1" flipV="1">
-            <a:off x="3200000" y="2050000"/>
+            <a:off x="3822000" y="3429000"/>
             <a:ext cx="1500000" cy="1200000"/>
           </a:xfrm>
           <a:prstGeom prst="bentConnector3">
@@ -2480,27 +2679,19 @@
             <a:tailEnd type="triangle" w="med" len="med"/>
           </a:ln>
         </p:spPr>
-        <p:txBody>
-          <a:bodyPr/>
-          <a:lstStyle/>
-          <a:p>
-            <a:r>
-              <a:rPr lang="en-US" sz="1000"/>
-              <a:t>cancel</a:t>
-            </a:r>
-          </a:p>
-        </p:txBody>
       </p:cxnSp>
       <p:cxnSp>
         <p:nvCxnSpPr>
-          <p:cNvPr id="63" name="Connector 63"/>
+          <p:cNvPr id="69" name="Connector 69"/>
           <p:cNvCxnSpPr>
-</p:cNvCxnSpPr>
+            <a:stCxn id="13" idx="1"/>
+            <a:endCxn id="15" idx="3"/>
+          </p:cNvCxnSpPr>
           <p:nvPr/>
         </p:nvCxnSpPr>
         <p:spPr>
           <a:xfrm>
-            <a:off x="2500000" y="3250000"/>
+            <a:off x="3122000" y="4629000"/>
             <a:ext cx="2900000" cy="0"/>
           </a:xfrm>
           <a:prstGeom prst="bentConnector3">
@@ -2581,7 +2772,7 @@
         </p:nvSpPr>
         <p:spPr>
           <a:xfrm>
-            <a:off x="500000" y="1600000"/>
+            <a:off x="1072000" y="2604000"/>
             <a:ext cx="2000000" cy="350000"/>
           </a:xfrm>
           <a:prstGeom prst="rect">
@@ -2622,7 +2813,7 @@
         </p:nvSpPr>
         <p:spPr>
           <a:xfrm>
-            <a:off x="500000" y="1950000"/>
+            <a:off x="1072000" y="2954000"/>
             <a:ext cx="2000000" cy="500000"/>
           </a:xfrm>
           <a:prstGeom prst="rect">
@@ -2638,12 +2829,12 @@
           </a:ln>
         </p:spPr>
         <p:txBody>
-          <a:bodyPr wrap="square" rtlCol="0" anchor="ctr">
-            <a:normAutofit/>
-          </a:bodyPr>
-          <a:lstStyle/>
-          <a:p>
-            <a:pPr algn="ctr"/>
+          <a:bodyPr wrap="square" rtlCol="0" anchor="t">
+            <a:normAutofit/>
+          </a:bodyPr>
+          <a:lstStyle/>
+          <a:p>
+            <a:pPr algn="l"/>
             <a:r>
               <a:rPr lang="en-US" sz="1574" dirty="0">
                 <a:solidFill>
@@ -2664,7 +2855,7 @@
         </p:nvSpPr>
         <p:spPr>
           <a:xfrm>
-            <a:off x="500000" y="2450000"/>
+            <a:off x="1072000" y="3454000"/>
             <a:ext cx="2000000" cy="500000"/>
           </a:xfrm>
           <a:prstGeom prst="rect">
@@ -2680,12 +2871,12 @@
           </a:ln>
         </p:spPr>
         <p:txBody>
-          <a:bodyPr wrap="square" rtlCol="0" anchor="ctr">
-            <a:normAutofit/>
-          </a:bodyPr>
-          <a:lstStyle/>
-          <a:p>
-            <a:pPr algn="ctr"/>
+          <a:bodyPr wrap="square" rtlCol="0" anchor="t">
+            <a:normAutofit/>
+          </a:bodyPr>
+          <a:lstStyle/>
+          <a:p>
+            <a:pPr algn="l"/>
             <a:r>
               <a:rPr lang="en-US" sz="1574" dirty="0">
                 <a:solidFill>
@@ -2706,7 +2897,7 @@
         </p:nvSpPr>
         <p:spPr>
           <a:xfrm>
-            <a:off x="3000000" y="1600000"/>
+            <a:off x="3572000" y="2604000"/>
             <a:ext cx="2000000" cy="350000"/>
           </a:xfrm>
           <a:prstGeom prst="rect">
@@ -2747,7 +2938,7 @@
         </p:nvSpPr>
         <p:spPr>
           <a:xfrm>
-            <a:off x="3000000" y="1950000"/>
+            <a:off x="3572000" y="2954000"/>
             <a:ext cx="2000000" cy="500000"/>
           </a:xfrm>
           <a:prstGeom prst="rect">
@@ -2763,12 +2954,12 @@
           </a:ln>
         </p:spPr>
         <p:txBody>
-          <a:bodyPr wrap="square" rtlCol="0" anchor="ctr">
-            <a:normAutofit/>
-          </a:bodyPr>
-          <a:lstStyle/>
-          <a:p>
-            <a:pPr algn="ctr"/>
+          <a:bodyPr wrap="square" rtlCol="0" anchor="t">
+            <a:normAutofit/>
+          </a:bodyPr>
+          <a:lstStyle/>
+          <a:p>
+            <a:pPr algn="l"/>
             <a:r>
               <a:rPr lang="en-US" sz="1369" dirty="0">
                 <a:solidFill>
@@ -2789,7 +2980,7 @@
         </p:nvSpPr>
         <p:spPr>
           <a:xfrm>
-            <a:off x="3000000" y="2450000"/>
+            <a:off x="3572000" y="3454000"/>
             <a:ext cx="2000000" cy="250000"/>
           </a:xfrm>
           <a:prstGeom prst="rect">
@@ -2830,7 +3021,7 @@
         </p:nvSpPr>
         <p:spPr>
           <a:xfrm>
-            <a:off x="5500000" y="1600000"/>
+            <a:off x="6072000" y="2604000"/>
             <a:ext cx="2000000" cy="350000"/>
           </a:xfrm>
           <a:prstGeom prst="rect">
@@ -2871,7 +3062,7 @@
         </p:nvSpPr>
         <p:spPr>
           <a:xfrm>
-            <a:off x="5500000" y="1950000"/>
+            <a:off x="6072000" y="2954000"/>
             <a:ext cx="2000000" cy="250000"/>
           </a:xfrm>
           <a:prstGeom prst="rect">
@@ -2912,7 +3103,7 @@
         </p:nvSpPr>
         <p:spPr>
           <a:xfrm>
-            <a:off x="5500000" y="2200000"/>
+            <a:off x="6072000" y="3204000"/>
             <a:ext cx="2000000" cy="250000"/>
           </a:xfrm>
           <a:prstGeom prst="rect">
@@ -2953,7 +3144,7 @@
         </p:nvSpPr>
         <p:spPr>
           <a:xfrm>
-            <a:off x="500000" y="3600000"/>
+            <a:off x="1072000" y="4604000"/>
             <a:ext cx="2000000" cy="350000"/>
           </a:xfrm>
           <a:prstGeom prst="rect">
@@ -2994,7 +3185,7 @@
         </p:nvSpPr>
         <p:spPr>
           <a:xfrm>
-            <a:off x="500000" y="3950000"/>
+            <a:off x="1072000" y="4954000"/>
             <a:ext cx="2000000" cy="250000"/>
           </a:xfrm>
           <a:prstGeom prst="rect">
@@ -3035,7 +3226,7 @@
         </p:nvSpPr>
         <p:spPr>
           <a:xfrm>
-            <a:off x="500000" y="4200000"/>
+            <a:off x="1072000" y="5204000"/>
             <a:ext cx="2000000" cy="250000"/>
           </a:xfrm>
           <a:prstGeom prst="rect">
@@ -3076,7 +3267,7 @@
         </p:nvSpPr>
         <p:spPr>
           <a:xfrm>
-            <a:off x="3000000" y="3600000"/>
+            <a:off x="3572000" y="4604000"/>
             <a:ext cx="2000000" cy="350000"/>
           </a:xfrm>
           <a:prstGeom prst="rect">
@@ -3117,7 +3308,7 @@
         </p:nvSpPr>
         <p:spPr>
           <a:xfrm>
-            <a:off x="3000000" y="3950000"/>
+            <a:off x="3572000" y="4954000"/>
             <a:ext cx="2000000" cy="250000"/>
           </a:xfrm>
           <a:prstGeom prst="rect">
@@ -3158,7 +3349,7 @@
         </p:nvSpPr>
         <p:spPr>
           <a:xfrm>
-            <a:off x="3000000" y="4200000"/>
+            <a:off x="3572000" y="5204000"/>
             <a:ext cx="2000000" cy="250000"/>
           </a:xfrm>
           <a:prstGeom prst="rect">
@@ -3195,12 +3386,14 @@
         <p:nvCxnSpPr>
           <p:cNvPr id="65" name="Connector 65"/>
           <p:cNvCxnSpPr>
-</p:cNvCxnSpPr>
+            <a:stCxn id="16" idx="2"/>
+            <a:endCxn id="19" idx="0"/>
+          </p:cNvCxnSpPr>
           <p:nvPr/>
         </p:nvCxnSpPr>
         <p:spPr>
           <a:xfrm flipH="1">
-            <a:off x="1500000" y="1600000"/>
+            <a:off x="2072000" y="2604000"/>
             <a:ext cx="5000000" cy="2500000"/>
           </a:xfrm>
           <a:prstGeom prst="bentConnector3">
@@ -3219,12 +3412,14 @@
         <p:nvCxnSpPr>
           <p:cNvPr id="66" name="Connector 66"/>
           <p:cNvCxnSpPr>
-</p:cNvCxnSpPr>
+            <a:stCxn id="16" idx="2"/>
+            <a:endCxn id="22" idx="0"/>
+          </p:cNvCxnSpPr>
           <p:nvPr/>
         </p:nvCxnSpPr>
         <p:spPr>
           <a:xfrm flipH="1">
-            <a:off x="4000000" y="1600000"/>
+            <a:off x="4572000" y="2604000"/>
             <a:ext cx="2500000" cy="2500000"/>
           </a:xfrm>
           <a:prstGeom prst="bentConnector3">
@@ -3305,7 +3500,7 @@
         </p:nvSpPr>
         <p:spPr>
           <a:xfrm>
-            <a:off x="500000" y="1800000"/>
+            <a:off x="1372000" y="3254000"/>
             <a:ext cx="2000000" cy="350000"/>
           </a:xfrm>
           <a:prstGeom prst="rect">
@@ -3341,7 +3536,7 @@
         </p:nvSpPr>
         <p:spPr>
           <a:xfrm>
-            <a:off x="550000" y="2200000"/>
+            <a:off x="1422000" y="3654000"/>
             <a:ext cx="1900000" cy="350000"/>
           </a:xfrm>
           <a:prstGeom prst="roundRect">
@@ -3382,7 +3577,7 @@
         </p:nvSpPr>
         <p:spPr>
           <a:xfrm>
-            <a:off x="550000" y="2600000"/>
+            <a:off x="1422000" y="4054000"/>
             <a:ext cx="1900000" cy="350000"/>
           </a:xfrm>
           <a:prstGeom prst="roundRect">
@@ -3423,7 +3618,7 @@
         </p:nvSpPr>
         <p:spPr>
           <a:xfrm>
-            <a:off x="550000" y="3000000"/>
+            <a:off x="1422000" y="4454000"/>
             <a:ext cx="1900000" cy="350000"/>
           </a:xfrm>
           <a:prstGeom prst="roundRect">
@@ -3464,7 +3659,7 @@
         </p:nvSpPr>
         <p:spPr>
           <a:xfrm>
-            <a:off x="2700000" y="1800000"/>
+            <a:off x="3572000" y="3254000"/>
             <a:ext cx="2000000" cy="350000"/>
           </a:xfrm>
           <a:prstGeom prst="rect">
@@ -3500,7 +3695,7 @@
         </p:nvSpPr>
         <p:spPr>
           <a:xfrm>
-            <a:off x="2750000" y="2200000"/>
+            <a:off x="3622000" y="3654000"/>
             <a:ext cx="1900000" cy="350000"/>
           </a:xfrm>
           <a:prstGeom prst="roundRect">
@@ -3541,7 +3736,7 @@
         </p:nvSpPr>
         <p:spPr>
           <a:xfrm>
-            <a:off x="2750000" y="2600000"/>
+            <a:off x="3622000" y="4054000"/>
             <a:ext cx="1900000" cy="350000"/>
           </a:xfrm>
           <a:prstGeom prst="roundRect">
@@ -3582,7 +3777,7 @@
         </p:nvSpPr>
         <p:spPr>
           <a:xfrm>
-            <a:off x="2750000" y="3000000"/>
+            <a:off x="3622000" y="4454000"/>
             <a:ext cx="1900000" cy="350000"/>
           </a:xfrm>
           <a:prstGeom prst="roundRect">
@@ -3623,7 +3818,7 @@
         </p:nvSpPr>
         <p:spPr>
           <a:xfrm>
-            <a:off x="4900000" y="1800000"/>
+            <a:off x="5772000" y="3254000"/>
             <a:ext cx="2000000" cy="350000"/>
           </a:xfrm>
           <a:prstGeom prst="rect">
@@ -3659,7 +3854,7 @@
         </p:nvSpPr>
         <p:spPr>
           <a:xfrm>
-            <a:off x="4950000" y="2200000"/>
+            <a:off x="5822000" y="3654000"/>
             <a:ext cx="1900000" cy="350000"/>
           </a:xfrm>
           <a:prstGeom prst="roundRect">
@@ -3700,7 +3895,7 @@
         </p:nvSpPr>
         <p:spPr>
           <a:xfrm>
-            <a:off x="4950000" y="2600000"/>
+            <a:off x="5822000" y="4054000"/>
             <a:ext cx="1900000" cy="350000"/>
           </a:xfrm>
           <a:prstGeom prst="roundRect">
@@ -3741,7 +3936,7 @@
         </p:nvSpPr>
         <p:spPr>
           <a:xfrm>
-            <a:off x="4950000" y="3000000"/>
+            <a:off x="5822000" y="4454000"/>
             <a:ext cx="1900000" cy="350000"/>
           </a:xfrm>
           <a:prstGeom prst="roundRect">
@@ -3840,7 +4035,7 @@
         </p:nvSpPr>
         <p:spPr>
           <a:xfrm>
-            <a:off x="1000000" y="1500000"/>
+            <a:off x="1172000" y="2529000"/>
             <a:ext cx="3000000" cy="3000000"/>
           </a:xfrm>
           <a:prstGeom prst="ellipse">
@@ -3869,7 +4064,7 @@
         </p:nvSpPr>
         <p:spPr>
           <a:xfrm>
-            <a:off x="5000000" y="2000000"/>
+            <a:off x="5172000" y="3029000"/>
             <a:ext cx="200000" cy="200000"/>
           </a:xfrm>
           <a:prstGeom prst="rect">
@@ -3893,7 +4088,7 @@
         </p:nvSpPr>
         <p:spPr>
           <a:xfrm>
-            <a:off x="5300000" y="2000000"/>
+            <a:off x="5472000" y="3029000"/>
             <a:ext cx="2500000" cy="200000"/>
           </a:xfrm>
           <a:prstGeom prst="rect">
@@ -3926,7 +4121,7 @@
         </p:nvSpPr>
         <p:spPr>
           <a:xfrm>
-            <a:off x="5000000" y="2350000"/>
+            <a:off x="5172000" y="3379000"/>
             <a:ext cx="200000" cy="200000"/>
           </a:xfrm>
           <a:prstGeom prst="rect">
@@ -3950,7 +4145,7 @@
         </p:nvSpPr>
         <p:spPr>
           <a:xfrm>
-            <a:off x="5300000" y="2350000"/>
+            <a:off x="5472000" y="3379000"/>
             <a:ext cx="2500000" cy="200000"/>
           </a:xfrm>
           <a:prstGeom prst="rect">
@@ -3983,7 +4178,7 @@
         </p:nvSpPr>
         <p:spPr>
           <a:xfrm>
-            <a:off x="5000000" y="2700000"/>
+            <a:off x="5172000" y="3729000"/>
             <a:ext cx="200000" cy="200000"/>
           </a:xfrm>
           <a:prstGeom prst="rect">
@@ -4007,7 +4202,7 @@
         </p:nvSpPr>
         <p:spPr>
           <a:xfrm>
-            <a:off x="5300000" y="2700000"/>
+            <a:off x="5472000" y="3729000"/>
             <a:ext cx="2500000" cy="200000"/>
           </a:xfrm>
           <a:prstGeom prst="rect">
@@ -4040,7 +4235,7 @@
         </p:nvSpPr>
         <p:spPr>
           <a:xfrm>
-            <a:off x="5000000" y="3050000"/>
+            <a:off x="5172000" y="4079000"/>
             <a:ext cx="200000" cy="200000"/>
           </a:xfrm>
           <a:prstGeom prst="rect">
@@ -4064,7 +4259,7 @@
         </p:nvSpPr>
         <p:spPr>
           <a:xfrm>
-            <a:off x="5300000" y="3050000"/>
+            <a:off x="5472000" y="4079000"/>
             <a:ext cx="2500000" cy="200000"/>
           </a:xfrm>
           <a:prstGeom prst="rect">
@@ -4097,7 +4292,7 @@
         </p:nvSpPr>
         <p:spPr>
           <a:xfrm>
-            <a:off x="5000000" y="3400000"/>
+            <a:off x="5172000" y="4429000"/>
             <a:ext cx="200000" cy="200000"/>
           </a:xfrm>
           <a:prstGeom prst="rect">
@@ -4121,7 +4316,7 @@
         </p:nvSpPr>
         <p:spPr>
           <a:xfrm>
-            <a:off x="5300000" y="3400000"/>
+            <a:off x="5472000" y="4429000"/>
             <a:ext cx="2500000" cy="200000"/>
           </a:xfrm>
           <a:prstGeom prst="rect">
@@ -4212,7 +4407,7 @@
         </p:nvSpPr>
         <p:spPr>
           <a:xfrm>
-            <a:off x="4000000" y="1800000"/>
+            <a:off x="4272000" y="2029000"/>
             <a:ext cx="3000000" cy="2000000"/>
           </a:xfrm>
           <a:prstGeom prst="rect">
@@ -4241,7 +4436,7 @@
         </p:nvSpPr>
         <p:spPr>
           <a:xfrm>
-            <a:off x="1000000" y="1800000"/>
+            <a:off x="1272000" y="2029000"/>
             <a:ext cx="3000000" cy="2000000"/>
           </a:xfrm>
           <a:prstGeom prst="rect">
@@ -4270,7 +4465,7 @@
         </p:nvSpPr>
         <p:spPr>
           <a:xfrm>
-            <a:off x="1000000" y="3800000"/>
+            <a:off x="1272000" y="4029000"/>
             <a:ext cx="3000000" cy="2000000"/>
           </a:xfrm>
           <a:prstGeom prst="rect">
@@ -4299,7 +4494,7 @@
         </p:nvSpPr>
         <p:spPr>
           <a:xfrm>
-            <a:off x="4000000" y="3800000"/>
+            <a:off x="4272000" y="4029000"/>
             <a:ext cx="3000000" cy="2000000"/>
           </a:xfrm>
           <a:prstGeom prst="rect">
@@ -4328,7 +4523,7 @@
         </p:nvSpPr>
         <p:spPr>
           <a:xfrm>
-            <a:off x="2050000" y="2050000"/>
+            <a:off x="2322000" y="2279000"/>
             <a:ext cx="300000" cy="300000"/>
           </a:xfrm>
           <a:prstGeom prst="ellipse">
@@ -4339,6 +4534,27 @@
           </a:solidFill>
         </p:spPr>
         <p:txBody>
+          <a:bodyPr/>
+          <a:lstStyle/>
+          <a:p/>
+        </p:txBody>
+      </p:sp>
+      <p:sp>
+        <p:nvSpPr>
+          <p:cNvPr id="15" name="Shape 15"/>
+          <p:cNvSpPr/>
+          <p:nvPr/>
+        </p:nvSpPr>
+        <p:spPr>
+          <a:xfrm>
+            <a:off x="2672000" y="2329000"/>
+            <a:ext cx="1000000" cy="200000"/>
+          </a:xfrm>
+          <a:prstGeom prst="rect">
+            <a:avLst/>
+          </a:prstGeom>
+        </p:spPr>
+        <p:txBody>
           <a:bodyPr wrap="square" rtlCol="0" anchor="ctr">
             <a:normAutofit/>
           </a:bodyPr>
@@ -4346,9 +4562,9 @@
           <a:p>
             <a:pPr algn="ctr"/>
             <a:r>
-              <a:rPr lang="en-US" sz="800" dirty="0">
-                <a:solidFill>
-                  <a:srgbClr val="FFFFFF"/>
+              <a:rPr lang="en-US" sz="1259" dirty="0">
+                <a:solidFill>
+                  <a:srgbClr val="000000"/>
                 </a:solidFill>
               </a:rPr>
               <a:t>Tables:</a:t>
@@ -4358,13 +4574,13 @@
       </p:sp>
       <p:sp>
         <p:nvSpPr>
-          <p:cNvPr id="15" name="Shape 15"/>
-          <p:cNvSpPr/>
-          <p:nvPr/>
-        </p:nvSpPr>
-        <p:spPr>
-          <a:xfrm>
-            <a:off x="4450000" y="2249999"/>
+          <p:cNvPr id="16" name="Shape 16"/>
+          <p:cNvSpPr/>
+          <p:nvPr/>
+        </p:nvSpPr>
+        <p:spPr>
+          <a:xfrm>
+            <a:off x="4722000" y="2478999"/>
             <a:ext cx="300000" cy="300000"/>
           </a:xfrm>
           <a:prstGeom prst="ellipse">
@@ -4375,6 +4591,27 @@
           </a:solidFill>
         </p:spPr>
         <p:txBody>
+          <a:bodyPr/>
+          <a:lstStyle/>
+          <a:p/>
+        </p:txBody>
+      </p:sp>
+      <p:sp>
+        <p:nvSpPr>
+          <p:cNvPr id="17" name="Shape 17"/>
+          <p:cNvSpPr/>
+          <p:nvPr/>
+        </p:nvSpPr>
+        <p:spPr>
+          <a:xfrm>
+            <a:off x="5072000" y="2528999"/>
+            <a:ext cx="1000000" cy="200000"/>
+          </a:xfrm>
+          <a:prstGeom prst="rect">
+            <a:avLst/>
+          </a:prstGeom>
+        </p:spPr>
+        <p:txBody>
           <a:bodyPr wrap="square" rtlCol="0" anchor="ctr">
             <a:normAutofit/>
           </a:bodyPr>
@@ -4382,9 +4619,9 @@
           <a:p>
             <a:pPr algn="ctr"/>
             <a:r>
-              <a:rPr lang="en-US" sz="800" dirty="0">
-                <a:solidFill>
-                  <a:srgbClr val="FFFFFF"/>
+              <a:rPr lang="en-US" sz="1259" dirty="0">
+                <a:solidFill>
+                  <a:srgbClr val="000000"/>
                 </a:solidFill>
               </a:rPr>
               <a:t>Mermaid:</a:t>
@@ -4394,13 +4631,13 @@
       </p:sp>
       <p:sp>
         <p:nvSpPr>
-          <p:cNvPr id="16" name="Shape 16"/>
-          <p:cNvSpPr/>
-          <p:nvPr/>
-        </p:nvSpPr>
-        <p:spPr>
-          <a:xfrm>
-            <a:off x="5650000" y="4050000"/>
+          <p:cNvPr id="18" name="Shape 18"/>
+          <p:cNvSpPr/>
+          <p:nvPr/>
+        </p:nvSpPr>
+        <p:spPr>
+          <a:xfrm>
+            <a:off x="5922000" y="4279000"/>
             <a:ext cx="300000" cy="300000"/>
           </a:xfrm>
           <a:prstGeom prst="ellipse">
@@ -4411,6 +4648,27 @@
           </a:solidFill>
         </p:spPr>
         <p:txBody>
+          <a:bodyPr/>
+          <a:lstStyle/>
+          <a:p/>
+        </p:txBody>
+      </p:sp>
+      <p:sp>
+        <p:nvSpPr>
+          <p:cNvPr id="19" name="Shape 19"/>
+          <p:cNvSpPr/>
+          <p:nvPr/>
+        </p:nvSpPr>
+        <p:spPr>
+          <a:xfrm>
+            <a:off x="6272000" y="4329000"/>
+            <a:ext cx="1000000" cy="200000"/>
+          </a:xfrm>
+          <a:prstGeom prst="rect">
+            <a:avLst/>
+          </a:prstGeom>
+        </p:spPr>
+        <p:txBody>
           <a:bodyPr wrap="square" rtlCol="0" anchor="ctr">
             <a:normAutofit/>
           </a:bodyPr>
@@ -4418,9 +4676,9 @@
           <a:p>
             <a:pPr algn="ctr"/>
             <a:r>
-              <a:rPr lang="en-US" sz="800" dirty="0">
-                <a:solidFill>
-                  <a:srgbClr val="FFFFFF"/>
+              <a:rPr lang="en-US" sz="1259" dirty="0">
+                <a:solidFill>
+                  <a:srgbClr val="000000"/>
                 </a:solidFill>
               </a:rPr>
               <a:t>Animations:</a:t>
@@ -4430,13 +4688,13 @@
       </p:sp>
       <p:sp>
         <p:nvSpPr>
-          <p:cNvPr id="17" name="Shape 17"/>
-          <p:cNvSpPr/>
-          <p:nvPr/>
-        </p:nvSpPr>
-        <p:spPr>
-          <a:xfrm>
-            <a:off x="2650000" y="3650000"/>
+          <p:cNvPr id="20" name="Shape 20"/>
+          <p:cNvSpPr/>
+          <p:nvPr/>
+        </p:nvSpPr>
+        <p:spPr>
+          <a:xfrm>
+            <a:off x="2922000" y="3879000"/>
             <a:ext cx="300000" cy="300000"/>
           </a:xfrm>
           <a:prstGeom prst="ellipse">
@@ -4447,6 +4705,27 @@
           </a:solidFill>
         </p:spPr>
         <p:txBody>
+          <a:bodyPr/>
+          <a:lstStyle/>
+          <a:p/>
+        </p:txBody>
+      </p:sp>
+      <p:sp>
+        <p:nvSpPr>
+          <p:cNvPr id="21" name="Shape 21"/>
+          <p:cNvSpPr/>
+          <p:nvPr/>
+        </p:nvSpPr>
+        <p:spPr>
+          <a:xfrm>
+            <a:off x="3272000" y="3929000"/>
+            <a:ext cx="1000000" cy="200000"/>
+          </a:xfrm>
+          <a:prstGeom prst="rect">
+            <a:avLst/>
+          </a:prstGeom>
+        </p:spPr>
+        <p:txBody>
           <a:bodyPr wrap="square" rtlCol="0" anchor="ctr">
             <a:normAutofit/>
           </a:bodyPr>
@@ -4454,9 +4733,9 @@
           <a:p>
             <a:pPr algn="ctr"/>
             <a:r>
-              <a:rPr lang="en-US" sz="800" dirty="0">
-                <a:solidFill>
-                  <a:srgbClr val="FFFFFF"/>
+              <a:rPr lang="en-US" sz="1259" dirty="0">
+                <a:solidFill>
+                  <a:srgbClr val="000000"/>
                 </a:solidFill>
               </a:rPr>
               <a:t>Themes:</a:t>
@@ -4466,13 +4745,13 @@
       </p:sp>
       <p:sp>
         <p:nvSpPr>
-          <p:cNvPr id="18" name="Shape 18"/>
-          <p:cNvSpPr/>
-          <p:nvPr/>
-        </p:nvSpPr>
-        <p:spPr>
-          <a:xfrm>
-            <a:off x="3250000" y="2850000"/>
+          <p:cNvPr id="22" name="Shape 22"/>
+          <p:cNvSpPr/>
+          <p:nvPr/>
+        </p:nvSpPr>
+        <p:spPr>
+          <a:xfrm>
+            <a:off x="3522000" y="3079000"/>
             <a:ext cx="300000" cy="300000"/>
           </a:xfrm>
           <a:prstGeom prst="ellipse">
@@ -4483,6 +4762,27 @@
           </a:solidFill>
         </p:spPr>
         <p:txBody>
+          <a:bodyPr/>
+          <a:lstStyle/>
+          <a:p/>
+        </p:txBody>
+      </p:sp>
+      <p:sp>
+        <p:nvSpPr>
+          <p:cNvPr id="23" name="Shape 23"/>
+          <p:cNvSpPr/>
+          <p:nvPr/>
+        </p:nvSpPr>
+        <p:spPr>
+          <a:xfrm>
+            <a:off x="3872000" y="3129000"/>
+            <a:ext cx="1000000" cy="200000"/>
+          </a:xfrm>
+          <a:prstGeom prst="rect">
+            <a:avLst/>
+          </a:prstGeom>
+        </p:spPr>
+        <p:txBody>
           <a:bodyPr wrap="square" rtlCol="0" anchor="ctr">
             <a:normAutofit/>
           </a:bodyPr>
@@ -4490,9 +4790,9 @@
           <a:p>
             <a:pPr algn="ctr"/>
             <a:r>
-              <a:rPr lang="en-US" sz="800" dirty="0">
-                <a:solidFill>
-                  <a:srgbClr val="FFFFFF"/>
+              <a:rPr lang="en-US" sz="1259" dirty="0">
+                <a:solidFill>
+                  <a:srgbClr val="000000"/>
                 </a:solidFill>
               </a:rPr>
               <a:t>Export PDF:</a:t>
@@ -4502,13 +4802,13 @@
       </p:sp>
       <p:sp>
         <p:nvSpPr>
-          <p:cNvPr id="19" name="Shape 19"/>
-          <p:cNvSpPr/>
-          <p:nvPr/>
-        </p:nvSpPr>
-        <p:spPr>
-          <a:xfrm>
-            <a:off x="6250000" y="4450000"/>
+          <p:cNvPr id="24" name="Shape 24"/>
+          <p:cNvSpPr/>
+          <p:nvPr/>
+        </p:nvSpPr>
+        <p:spPr>
+          <a:xfrm>
+            <a:off x="6522000" y="4679000"/>
             <a:ext cx="300000" cy="300000"/>
           </a:xfrm>
           <a:prstGeom prst="ellipse">
@@ -4519,6 +4819,27 @@
           </a:solidFill>
         </p:spPr>
         <p:txBody>
+          <a:bodyPr/>
+          <a:lstStyle/>
+          <a:p/>
+        </p:txBody>
+      </p:sp>
+      <p:sp>
+        <p:nvSpPr>
+          <p:cNvPr id="25" name="Shape 25"/>
+          <p:cNvSpPr/>
+          <p:nvPr/>
+        </p:nvSpPr>
+        <p:spPr>
+          <a:xfrm>
+            <a:off x="6872000" y="4729000"/>
+            <a:ext cx="1000000" cy="200000"/>
+          </a:xfrm>
+          <a:prstGeom prst="rect">
+            <a:avLst/>
+          </a:prstGeom>
+        </p:spPr>
+        <p:txBody>
           <a:bodyPr wrap="square" rtlCol="0" anchor="ctr">
             <a:normAutofit/>
           </a:bodyPr>
@@ -4526,9 +4847,9 @@
           <a:p>
             <a:pPr algn="ctr"/>
             <a:r>
-              <a:rPr lang="en-US" sz="800" dirty="0">
-                <a:solidFill>
-                  <a:srgbClr val="FFFFFF"/>
+              <a:rPr lang="en-US" sz="1259" dirty="0">
+                <a:solidFill>
+                  <a:srgbClr val="000000"/>
                 </a:solidFill>
               </a:rPr>
               <a:t>3D Models:</a:t>
@@ -4602,7 +4923,7 @@
         </p:nvSpPr>
         <p:spPr>
           <a:xfrm>
-            <a:off x="200000" y="1900000"/>
+            <a:off x="872000" y="3479000"/>
             <a:ext cx="700000" cy="200000"/>
           </a:xfrm>
           <a:prstGeom prst="roundRect">
@@ -4638,7 +4959,7 @@
         </p:nvSpPr>
         <p:spPr>
           <a:xfrm>
-            <a:off x="1000000" y="1975000"/>
+            <a:off x="1672000" y="3554000"/>
             <a:ext cx="6600000" cy="50000"/>
           </a:xfrm>
           <a:prstGeom prst="rect">
@@ -4662,7 +4983,7 @@
         </p:nvSpPr>
         <p:spPr>
           <a:xfrm>
-            <a:off x="200000" y="2500000"/>
+            <a:off x="872000" y="4079000"/>
             <a:ext cx="700000" cy="200000"/>
           </a:xfrm>
           <a:prstGeom prst="roundRect">
@@ -4698,7 +5019,7 @@
         </p:nvSpPr>
         <p:spPr>
           <a:xfrm>
-            <a:off x="1000000" y="2575000"/>
+            <a:off x="1672000" y="4154000"/>
             <a:ext cx="6600000" cy="50000"/>
           </a:xfrm>
           <a:prstGeom prst="rect">
@@ -4722,7 +5043,7 @@
         </p:nvSpPr>
         <p:spPr>
           <a:xfrm>
-            <a:off x="200000" y="3100000"/>
+            <a:off x="872000" y="4679000"/>
             <a:ext cx="700000" cy="200000"/>
           </a:xfrm>
           <a:prstGeom prst="roundRect">
@@ -4758,7 +5079,7 @@
         </p:nvSpPr>
         <p:spPr>
           <a:xfrm>
-            <a:off x="1000000" y="3175000"/>
+            <a:off x="1672000" y="4754000"/>
             <a:ext cx="6600000" cy="50000"/>
           </a:xfrm>
           <a:prstGeom prst="rect">
@@ -4782,7 +5103,7 @@
         </p:nvSpPr>
         <p:spPr>
           <a:xfrm>
-            <a:off x="1000000" y="1850000"/>
+            <a:off x="1672000" y="3429000"/>
             <a:ext cx="300000" cy="300000"/>
           </a:xfrm>
           <a:prstGeom prst="ellipse">
@@ -4798,6 +5119,27 @@
           </a:ln>
         </p:spPr>
         <p:txBody>
+          <a:bodyPr/>
+          <a:lstStyle/>
+          <a:p/>
+        </p:txBody>
+      </p:sp>
+      <p:sp>
+        <p:nvSpPr>
+          <p:cNvPr id="17" name="Shape 17"/>
+          <p:cNvSpPr/>
+          <p:nvPr/>
+        </p:nvSpPr>
+        <p:spPr>
+          <a:xfrm>
+            <a:off x="1422000" y="3179000"/>
+            <a:ext cx="800000" cy="200000"/>
+          </a:xfrm>
+          <a:prstGeom prst="rect">
+            <a:avLst/>
+          </a:prstGeom>
+        </p:spPr>
+        <p:txBody>
           <a:bodyPr wrap="square" rtlCol="0" anchor="ctr">
             <a:normAutofit/>
           </a:bodyPr>
@@ -4805,7 +5147,7 @@
           <a:p>
             <a:pPr algn="ctr"/>
             <a:r>
-              <a:rPr lang="en-US" sz="800" dirty="0">
+              <a:rPr lang="en-US" sz="1259" dirty="0">
                 <a:solidFill>
                   <a:srgbClr val="000000"/>
                 </a:solidFill>
@@ -4817,13 +5159,13 @@
       </p:sp>
       <p:sp>
         <p:nvSpPr>
-          <p:cNvPr id="17" name="Shape 17"/>
-          <p:cNvSpPr/>
-          <p:nvPr/>
-        </p:nvSpPr>
-        <p:spPr>
-          <a:xfrm>
-            <a:off x="1800000" y="1850000"/>
+          <p:cNvPr id="18" name="Shape 18"/>
+          <p:cNvSpPr/>
+          <p:nvPr/>
+        </p:nvSpPr>
+        <p:spPr>
+          <a:xfrm>
+            <a:off x="2472000" y="3429000"/>
             <a:ext cx="300000" cy="300000"/>
           </a:xfrm>
           <a:prstGeom prst="ellipse">
@@ -4839,6 +5181,27 @@
           </a:ln>
         </p:spPr>
         <p:txBody>
+          <a:bodyPr/>
+          <a:lstStyle/>
+          <a:p/>
+        </p:txBody>
+      </p:sp>
+      <p:sp>
+        <p:nvSpPr>
+          <p:cNvPr id="19" name="Shape 19"/>
+          <p:cNvSpPr/>
+          <p:nvPr/>
+        </p:nvSpPr>
+        <p:spPr>
+          <a:xfrm>
+            <a:off x="2222000" y="3179000"/>
+            <a:ext cx="800000" cy="200000"/>
+          </a:xfrm>
+          <a:prstGeom prst="rect">
+            <a:avLst/>
+          </a:prstGeom>
+        </p:spPr>
+        <p:txBody>
           <a:bodyPr wrap="square" rtlCol="0" anchor="ctr">
             <a:normAutofit/>
           </a:bodyPr>
@@ -4846,7 +5209,7 @@
           <a:p>
             <a:pPr algn="ctr"/>
             <a:r>
-              <a:rPr lang="en-US" sz="800" dirty="0">
+              <a:rPr lang="en-US" sz="1259" dirty="0">
                 <a:solidFill>
                   <a:srgbClr val="000000"/>
                 </a:solidFill>
@@ -4858,13 +5221,13 @@
       </p:sp>
       <p:sp>
         <p:nvSpPr>
-          <p:cNvPr id="18" name="Shape 18"/>
-          <p:cNvSpPr/>
-          <p:nvPr/>
-        </p:nvSpPr>
-        <p:spPr>
-          <a:xfrm>
-            <a:off x="2600000" y="1850000"/>
+          <p:cNvPr id="20" name="Shape 20"/>
+          <p:cNvSpPr/>
+          <p:nvPr/>
+        </p:nvSpPr>
+        <p:spPr>
+          <a:xfrm>
+            <a:off x="3272000" y="3429000"/>
             <a:ext cx="300000" cy="300000"/>
           </a:xfrm>
           <a:prstGeom prst="ellipse">
@@ -4880,6 +5243,27 @@
           </a:ln>
         </p:spPr>
         <p:txBody>
+          <a:bodyPr/>
+          <a:lstStyle/>
+          <a:p/>
+        </p:txBody>
+      </p:sp>
+      <p:sp>
+        <p:nvSpPr>
+          <p:cNvPr id="21" name="Shape 21"/>
+          <p:cNvSpPr/>
+          <p:nvPr/>
+        </p:nvSpPr>
+        <p:spPr>
+          <a:xfrm>
+            <a:off x="3022000" y="3179000"/>
+            <a:ext cx="800000" cy="200000"/>
+          </a:xfrm>
+          <a:prstGeom prst="rect">
+            <a:avLst/>
+          </a:prstGeom>
+        </p:spPr>
+        <p:txBody>
           <a:bodyPr wrap="square" rtlCol="0" anchor="ctr">
             <a:normAutofit/>
           </a:bodyPr>
@@ -4887,7 +5271,7 @@
           <a:p>
             <a:pPr algn="ctr"/>
             <a:r>
-              <a:rPr lang="en-US" sz="800" dirty="0">
+              <a:rPr lang="en-US" sz="1259" dirty="0">
                 <a:solidFill>
                   <a:srgbClr val="000000"/>
                 </a:solidFill>
@@ -4899,13 +5283,13 @@
       </p:sp>
       <p:sp>
         <p:nvSpPr>
-          <p:cNvPr id="19" name="Shape 19"/>
-          <p:cNvSpPr/>
-          <p:nvPr/>
-        </p:nvSpPr>
-        <p:spPr>
-          <a:xfrm>
-            <a:off x="3400000" y="1850000"/>
+          <p:cNvPr id="22" name="Shape 22"/>
+          <p:cNvSpPr/>
+          <p:nvPr/>
+        </p:nvSpPr>
+        <p:spPr>
+          <a:xfrm>
+            <a:off x="4072000" y="3429000"/>
             <a:ext cx="300000" cy="300000"/>
           </a:xfrm>
           <a:prstGeom prst="ellipse">
@@ -4921,6 +5305,27 @@
           </a:ln>
         </p:spPr>
         <p:txBody>
+          <a:bodyPr/>
+          <a:lstStyle/>
+          <a:p/>
+        </p:txBody>
+      </p:sp>
+      <p:sp>
+        <p:nvSpPr>
+          <p:cNvPr id="23" name="Shape 23"/>
+          <p:cNvSpPr/>
+          <p:nvPr/>
+        </p:nvSpPr>
+        <p:spPr>
+          <a:xfrm>
+            <a:off x="3822000" y="3179000"/>
+            <a:ext cx="800000" cy="200000"/>
+          </a:xfrm>
+          <a:prstGeom prst="rect">
+            <a:avLst/>
+          </a:prstGeom>
+        </p:spPr>
+        <p:txBody>
           <a:bodyPr wrap="square" rtlCol="0" anchor="ctr">
             <a:normAutofit/>
           </a:bodyPr>
@@ -4928,7 +5333,7 @@
           <a:p>
             <a:pPr algn="ctr"/>
             <a:r>
-              <a:rPr lang="en-US" sz="800" dirty="0">
+              <a:rPr lang="en-US" sz="1049" dirty="0">
                 <a:solidFill>
                   <a:srgbClr val="000000"/>
                 </a:solidFill>
@@ -4940,13 +5345,13 @@
       </p:sp>
       <p:sp>
         <p:nvSpPr>
-          <p:cNvPr id="20" name="Shape 20"/>
-          <p:cNvSpPr/>
-          <p:nvPr/>
-        </p:nvSpPr>
-        <p:spPr>
-          <a:xfrm>
-            <a:off x="4200000" y="1850000"/>
+          <p:cNvPr id="24" name="Shape 24"/>
+          <p:cNvSpPr/>
+          <p:nvPr/>
+        </p:nvSpPr>
+        <p:spPr>
+          <a:xfrm>
+            <a:off x="4872000" y="3429000"/>
             <a:ext cx="300000" cy="300000"/>
           </a:xfrm>
           <a:prstGeom prst="ellipse">
@@ -4962,6 +5367,27 @@
           </a:ln>
         </p:spPr>
         <p:txBody>
+          <a:bodyPr/>
+          <a:lstStyle/>
+          <a:p/>
+        </p:txBody>
+      </p:sp>
+      <p:sp>
+        <p:nvSpPr>
+          <p:cNvPr id="25" name="Shape 25"/>
+          <p:cNvSpPr/>
+          <p:nvPr/>
+        </p:nvSpPr>
+        <p:spPr>
+          <a:xfrm>
+            <a:off x="4622000" y="3179000"/>
+            <a:ext cx="800000" cy="200000"/>
+          </a:xfrm>
+          <a:prstGeom prst="rect">
+            <a:avLst/>
+          </a:prstGeom>
+        </p:spPr>
+        <p:txBody>
           <a:bodyPr wrap="square" rtlCol="0" anchor="ctr">
             <a:normAutofit/>
           </a:bodyPr>
@@ -4981,13 +5407,13 @@
       </p:sp>
       <p:sp>
         <p:nvSpPr>
-          <p:cNvPr id="21" name="Shape 21"/>
-          <p:cNvSpPr/>
-          <p:nvPr/>
-        </p:nvSpPr>
-        <p:spPr>
-          <a:xfrm>
-            <a:off x="5000000" y="1850000"/>
+          <p:cNvPr id="26" name="Shape 26"/>
+          <p:cNvSpPr/>
+          <p:nvPr/>
+        </p:nvSpPr>
+        <p:spPr>
+          <a:xfrm>
+            <a:off x="5672000" y="3429000"/>
             <a:ext cx="300000" cy="300000"/>
           </a:xfrm>
           <a:prstGeom prst="ellipse">
@@ -5003,6 +5429,27 @@
           </a:ln>
         </p:spPr>
         <p:txBody>
+          <a:bodyPr/>
+          <a:lstStyle/>
+          <a:p/>
+        </p:txBody>
+      </p:sp>
+      <p:sp>
+        <p:nvSpPr>
+          <p:cNvPr id="27" name="Shape 27"/>
+          <p:cNvSpPr/>
+          <p:nvPr/>
+        </p:nvSpPr>
+        <p:spPr>
+          <a:xfrm>
+            <a:off x="5422000" y="3179000"/>
+            <a:ext cx="800000" cy="200000"/>
+          </a:xfrm>
+          <a:prstGeom prst="rect">
+            <a:avLst/>
+          </a:prstGeom>
+        </p:spPr>
+        <p:txBody>
           <a:bodyPr wrap="square" rtlCol="0" anchor="ctr">
             <a:normAutofit/>
           </a:bodyPr>
@@ -5010,7 +5457,7 @@
           <a:p>
             <a:pPr algn="ctr"/>
             <a:r>
-              <a:rPr lang="en-US" sz="800" dirty="0">
+              <a:rPr lang="en-US" sz="1145" dirty="0">
                 <a:solidFill>
                   <a:srgbClr val="000000"/>
                 </a:solidFill>
@@ -5022,13 +5469,13 @@
       </p:sp>
       <p:sp>
         <p:nvSpPr>
-          <p:cNvPr id="22" name="Shape 22"/>
-          <p:cNvSpPr/>
-          <p:nvPr/>
-        </p:nvSpPr>
-        <p:spPr>
-          <a:xfrm>
-            <a:off x="5800000" y="1850000"/>
+          <p:cNvPr id="28" name="Shape 28"/>
+          <p:cNvSpPr/>
+          <p:nvPr/>
+        </p:nvSpPr>
+        <p:spPr>
+          <a:xfrm>
+            <a:off x="6472000" y="3429000"/>
             <a:ext cx="300000" cy="300000"/>
           </a:xfrm>
           <a:prstGeom prst="ellipse">
@@ -5044,6 +5491,27 @@
           </a:ln>
         </p:spPr>
         <p:txBody>
+          <a:bodyPr/>
+          <a:lstStyle/>
+          <a:p/>
+        </p:txBody>
+      </p:sp>
+      <p:sp>
+        <p:nvSpPr>
+          <p:cNvPr id="29" name="Shape 29"/>
+          <p:cNvSpPr/>
+          <p:nvPr/>
+        </p:nvSpPr>
+        <p:spPr>
+          <a:xfrm>
+            <a:off x="6222000" y="3179000"/>
+            <a:ext cx="800000" cy="200000"/>
+          </a:xfrm>
+          <a:prstGeom prst="rect">
+            <a:avLst/>
+          </a:prstGeom>
+        </p:spPr>
+        <p:txBody>
           <a:bodyPr wrap="square" rtlCol="0" anchor="ctr">
             <a:normAutofit/>
           </a:bodyPr>
@@ -5063,13 +5531,13 @@
       </p:sp>
       <p:sp>
         <p:nvSpPr>
-          <p:cNvPr id="23" name="Shape 23"/>
-          <p:cNvSpPr/>
-          <p:nvPr/>
-        </p:nvSpPr>
-        <p:spPr>
-          <a:xfrm>
-            <a:off x="6600000" y="1850000"/>
+          <p:cNvPr id="30" name="Shape 30"/>
+          <p:cNvSpPr/>
+          <p:nvPr/>
+        </p:nvSpPr>
+        <p:spPr>
+          <a:xfrm>
+            <a:off x="7272000" y="3429000"/>
             <a:ext cx="300000" cy="300000"/>
           </a:xfrm>
           <a:prstGeom prst="ellipse">
@@ -5085,6 +5553,27 @@
           </a:ln>
         </p:spPr>
         <p:txBody>
+          <a:bodyPr/>
+          <a:lstStyle/>
+          <a:p/>
+        </p:txBody>
+      </p:sp>
+      <p:sp>
+        <p:nvSpPr>
+          <p:cNvPr id="31" name="Shape 31"/>
+          <p:cNvSpPr/>
+          <p:nvPr/>
+        </p:nvSpPr>
+        <p:spPr>
+          <a:xfrm>
+            <a:off x="7022000" y="3179000"/>
+            <a:ext cx="800000" cy="200000"/>
+          </a:xfrm>
+          <a:prstGeom prst="rect">
+            <a:avLst/>
+          </a:prstGeom>
+        </p:spPr>
+        <p:txBody>
           <a:bodyPr wrap="square" rtlCol="0" anchor="ctr">
             <a:normAutofit/>
           </a:bodyPr>
@@ -5092,7 +5581,7 @@
           <a:p>
             <a:pPr algn="ctr"/>
             <a:r>
-              <a:rPr lang="en-US" sz="800" dirty="0">
+              <a:rPr lang="en-US" sz="1049" dirty="0">
                 <a:solidFill>
                   <a:srgbClr val="000000"/>
                 </a:solidFill>
@@ -5184,6 +5673,27 @@
           </a:ln>
         </p:spPr>
         <p:txBody>
+          <a:bodyPr/>
+          <a:lstStyle/>
+          <a:p/>
+        </p:txBody>
+      </p:sp>
+      <p:sp>
+        <p:nvSpPr>
+          <p:cNvPr id="11" name="Shape 11"/>
+          <p:cNvSpPr/>
+          <p:nvPr/>
+        </p:nvSpPr>
+        <p:spPr>
+          <a:xfrm>
+            <a:off x="3100000" y="2850000"/>
+            <a:ext cx="1800000" cy="300000"/>
+          </a:xfrm>
+          <a:prstGeom prst="rect">
+            <a:avLst/>
+          </a:prstGeom>
+        </p:spPr>
+        <p:txBody>
           <a:bodyPr wrap="square" rtlCol="0" anchor="ctr">
             <a:normAutofit/>
           </a:bodyPr>
@@ -5191,9 +5701,9 @@
           <a:p>
             <a:pPr algn="ctr"/>
             <a:r>
-              <a:rPr lang="en-US" sz="2624" dirty="0">
-                <a:solidFill>
-                  <a:srgbClr val="FFFFFF"/>
+              <a:rPr lang="en-US" sz="1889" dirty="0">
+                <a:solidFill>
+                  <a:srgbClr val="000000"/>
                 </a:solidFill>
               </a:rPr>
               <a:t>root((MD2PPT</a:t>
@@ -5203,7 +5713,7 @@
       </p:sp>
       <p:sp>
         <p:nvSpPr>
-          <p:cNvPr id="11" name="Shape 11"/>
+          <p:cNvPr id="12" name="Shape 12"/>
           <p:cNvSpPr/>
           <p:nvPr/>
         </p:nvSpPr>
@@ -5220,6 +5730,27 @@
           </a:solidFill>
         </p:spPr>
         <p:txBody>
+          <a:bodyPr/>
+          <a:lstStyle/>
+          <a:p/>
+        </p:txBody>
+      </p:sp>
+      <p:sp>
+        <p:nvSpPr>
+          <p:cNvPr id="13" name="Shape 13"/>
+          <p:cNvSpPr/>
+          <p:nvPr/>
+        </p:nvSpPr>
+        <p:spPr>
+          <a:xfrm>
+            <a:off x="3300000" y="2850000"/>
+            <a:ext cx="1400000" cy="300000"/>
+          </a:xfrm>
+          <a:prstGeom prst="rect">
+            <a:avLst/>
+          </a:prstGeom>
+        </p:spPr>
+        <p:txBody>
           <a:bodyPr wrap="square" rtlCol="0" anchor="ctr">
             <a:normAutofit/>
           </a:bodyPr>
@@ -5227,9 +5758,9 @@
           <a:p>
             <a:pPr algn="ctr"/>
             <a:r>
-              <a:rPr lang="en-US" sz="2519" dirty="0">
-                <a:solidFill>
-                  <a:srgbClr val="FFFFFF"/>
+              <a:rPr lang="en-US" sz="1889" dirty="0">
+                <a:solidFill>
+                  <a:srgbClr val="000000"/>
                 </a:solidFill>
               </a:rPr>
               <a:t>Input</a:t>
@@ -5239,7 +5770,7 @@
       </p:sp>
       <p:sp>
         <p:nvSpPr>
-          <p:cNvPr id="12" name="Shape 12"/>
+          <p:cNvPr id="14" name="Shape 14"/>
           <p:cNvSpPr/>
           <p:nvPr/>
         </p:nvSpPr>
@@ -5256,6 +5787,27 @@
           </a:solidFill>
         </p:spPr>
         <p:txBody>
+          <a:bodyPr/>
+          <a:lstStyle/>
+          <a:p/>
+        </p:txBody>
+      </p:sp>
+      <p:sp>
+        <p:nvSpPr>
+          <p:cNvPr id="15" name="Shape 15"/>
+          <p:cNvSpPr/>
+          <p:nvPr/>
+        </p:nvSpPr>
+        <p:spPr>
+          <a:xfrm>
+            <a:off x="5300000" y="2850000"/>
+            <a:ext cx="1400000" cy="300000"/>
+          </a:xfrm>
+          <a:prstGeom prst="rect">
+            <a:avLst/>
+          </a:prstGeom>
+        </p:spPr>
+        <p:txBody>
           <a:bodyPr wrap="square" rtlCol="0" anchor="ctr">
             <a:normAutofit/>
           </a:bodyPr>
@@ -5263,7 +5815,7 @@
           <a:p>
             <a:pPr algn="ctr"/>
             <a:r>
-              <a:rPr lang="en-US" sz="2362" dirty="0">
+              <a:rPr lang="en-US" sz="1889" dirty="0">
                 <a:solidFill>
                   <a:srgbClr val="000000"/>
                 </a:solidFill>
@@ -5275,7 +5827,7 @@
       </p:sp>
       <p:sp>
         <p:nvSpPr>
-          <p:cNvPr id="13" name="Shape 13"/>
+          <p:cNvPr id="16" name="Shape 16"/>
           <p:cNvSpPr/>
           <p:nvPr/>
         </p:nvSpPr>
@@ -5292,6 +5844,27 @@
           </a:solidFill>
         </p:spPr>
         <p:txBody>
+          <a:bodyPr/>
+          <a:lstStyle/>
+          <a:p/>
+        </p:txBody>
+      </p:sp>
+      <p:sp>
+        <p:nvSpPr>
+          <p:cNvPr id="17" name="Shape 17"/>
+          <p:cNvSpPr/>
+          <p:nvPr/>
+        </p:nvSpPr>
+        <p:spPr>
+          <a:xfrm>
+            <a:off x="3300000" y="4850000"/>
+            <a:ext cx="1400000" cy="300000"/>
+          </a:xfrm>
+          <a:prstGeom prst="rect">
+            <a:avLst/>
+          </a:prstGeom>
+        </p:spPr>
+        <p:txBody>
           <a:bodyPr wrap="square" rtlCol="0" anchor="ctr">
             <a:normAutofit/>
           </a:bodyPr>
@@ -5299,7 +5872,7 @@
           <a:p>
             <a:pPr algn="ctr"/>
             <a:r>
-              <a:rPr lang="en-US" sz="2519" dirty="0">
+              <a:rPr lang="en-US" sz="1889" dirty="0">
                 <a:solidFill>
                   <a:srgbClr val="000000"/>
                 </a:solidFill>
@@ -5311,7 +5884,7 @@
       </p:sp>
       <p:sp>
         <p:nvSpPr>
-          <p:cNvPr id="14" name="Shape 14"/>
+          <p:cNvPr id="18" name="Shape 18"/>
           <p:cNvSpPr/>
           <p:nvPr/>
         </p:nvSpPr>
@@ -5328,6 +5901,27 @@
           </a:solidFill>
         </p:spPr>
         <p:txBody>
+          <a:bodyPr/>
+          <a:lstStyle/>
+          <a:p/>
+        </p:txBody>
+      </p:sp>
+      <p:sp>
+        <p:nvSpPr>
+          <p:cNvPr id="19" name="Shape 19"/>
+          <p:cNvSpPr/>
+          <p:nvPr/>
+        </p:nvSpPr>
+        <p:spPr>
+          <a:xfrm>
+            <a:off x="3300000" y="2850000"/>
+            <a:ext cx="1400000" cy="300000"/>
+          </a:xfrm>
+          <a:prstGeom prst="rect">
+            <a:avLst/>
+          </a:prstGeom>
+        </p:spPr>
+        <p:txBody>
           <a:bodyPr wrap="square" rtlCol="0" anchor="ctr">
             <a:normAutofit/>
           </a:bodyPr>
@@ -5335,7 +5929,7 @@
           <a:p>
             <a:pPr algn="ctr"/>
             <a:r>
-              <a:rPr lang="en-US" sz="2519" dirty="0">
+              <a:rPr lang="en-US" sz="1889" dirty="0">
                 <a:solidFill>
                   <a:srgbClr val="000000"/>
                 </a:solidFill>
@@ -5347,7 +5941,7 @@
       </p:sp>
       <p:sp>
         <p:nvSpPr>
-          <p:cNvPr id="15" name="Shape 15"/>
+          <p:cNvPr id="20" name="Shape 20"/>
           <p:cNvSpPr/>
           <p:nvPr/>
         </p:nvSpPr>
@@ -5369,6 +5963,27 @@
           </a:ln>
         </p:spPr>
         <p:txBody>
+          <a:bodyPr/>
+          <a:lstStyle/>
+          <a:p/>
+        </p:txBody>
+      </p:sp>
+      <p:sp>
+        <p:nvSpPr>
+          <p:cNvPr id="21" name="Shape 21"/>
+          <p:cNvSpPr/>
+          <p:nvPr/>
+        </p:nvSpPr>
+        <p:spPr>
+          <a:xfrm>
+            <a:off x="3300000" y="2850000"/>
+            <a:ext cx="1400000" cy="300000"/>
+          </a:xfrm>
+          <a:prstGeom prst="rect">
+            <a:avLst/>
+          </a:prstGeom>
+        </p:spPr>
+        <p:txBody>
           <a:bodyPr wrap="square" rtlCol="0" anchor="ctr">
             <a:normAutofit/>
           </a:bodyPr>
@@ -5376,7 +5991,7 @@
           <a:p>
             <a:pPr algn="ctr"/>
             <a:r>
-              <a:rPr lang="en-US" sz="1687" dirty="0">
+              <a:rPr lang="en-US" sz="1574" dirty="0">
                 <a:solidFill>
                   <a:srgbClr val="000000"/>
                 </a:solidFill>
@@ -5388,7 +6003,7 @@
       </p:sp>
       <p:sp>
         <p:nvSpPr>
-          <p:cNvPr id="16" name="Shape 16"/>
+          <p:cNvPr id="22" name="Shape 22"/>
           <p:cNvSpPr/>
           <p:nvPr/>
         </p:nvSpPr>
@@ -5410,6 +6025,27 @@
           </a:ln>
         </p:spPr>
         <p:txBody>
+          <a:bodyPr/>
+          <a:lstStyle/>
+          <a:p/>
+        </p:txBody>
+      </p:sp>
+      <p:sp>
+        <p:nvSpPr>
+          <p:cNvPr id="23" name="Shape 23"/>
+          <p:cNvSpPr/>
+          <p:nvPr/>
+        </p:nvSpPr>
+        <p:spPr>
+          <a:xfrm>
+            <a:off x="3300000" y="2850000"/>
+            <a:ext cx="1400000" cy="300000"/>
+          </a:xfrm>
+          <a:prstGeom prst="rect">
+            <a:avLst/>
+          </a:prstGeom>
+        </p:spPr>
+        <p:txBody>
           <a:bodyPr wrap="square" rtlCol="0" anchor="ctr">
             <a:normAutofit/>
           </a:bodyPr>
@@ -5417,7 +6053,7 @@
           <a:p>
             <a:pPr algn="ctr"/>
             <a:r>
-              <a:rPr lang="en-US" sz="2362" dirty="0">
+              <a:rPr lang="en-US" sz="1889" dirty="0">
                 <a:solidFill>
                   <a:srgbClr val="000000"/>
                 </a:solidFill>
@@ -5429,7 +6065,7 @@
       </p:sp>
       <p:sp>
         <p:nvSpPr>
-          <p:cNvPr id="17" name="Shape 17"/>
+          <p:cNvPr id="24" name="Shape 24"/>
           <p:cNvSpPr/>
           <p:nvPr/>
         </p:nvSpPr>
@@ -5451,6 +6087,27 @@
           </a:ln>
         </p:spPr>
         <p:txBody>
+          <a:bodyPr/>
+          <a:lstStyle/>
+          <a:p/>
+        </p:txBody>
+      </p:sp>
+      <p:sp>
+        <p:nvSpPr>
+          <p:cNvPr id="25" name="Shape 25"/>
+          <p:cNvSpPr/>
+          <p:nvPr/>
+        </p:nvSpPr>
+        <p:spPr>
+          <a:xfrm>
+            <a:off x="3300000" y="2850000"/>
+            <a:ext cx="1400000" cy="300000"/>
+          </a:xfrm>
+          <a:prstGeom prst="rect">
+            <a:avLst/>
+          </a:prstGeom>
+        </p:spPr>
+        <p:txBody>
           <a:bodyPr wrap="square" rtlCol="0" anchor="ctr">
             <a:normAutofit/>
           </a:bodyPr>
@@ -5458,7 +6115,7 @@
           <a:p>
             <a:pPr algn="ctr"/>
             <a:r>
-              <a:rPr lang="en-US" sz="1476" dirty="0">
+              <a:rPr lang="en-US" sz="1377" dirty="0">
                 <a:solidFill>
                   <a:srgbClr val="000000"/>
                 </a:solidFill>
@@ -5470,7 +6127,7 @@
       </p:sp>
       <p:sp>
         <p:nvSpPr>
-          <p:cNvPr id="18" name="Shape 18"/>
+          <p:cNvPr id="26" name="Shape 26"/>
           <p:cNvSpPr/>
           <p:nvPr/>
         </p:nvSpPr>
@@ -5492,6 +6149,27 @@
           </a:ln>
         </p:spPr>
         <p:txBody>
+          <a:bodyPr/>
+          <a:lstStyle/>
+          <a:p/>
+        </p:txBody>
+      </p:sp>
+      <p:sp>
+        <p:nvSpPr>
+          <p:cNvPr id="27" name="Shape 27"/>
+          <p:cNvSpPr/>
+          <p:nvPr/>
+        </p:nvSpPr>
+        <p:spPr>
+          <a:xfrm>
+            <a:off x="6500000" y="2850000"/>
+            <a:ext cx="1400000" cy="300000"/>
+          </a:xfrm>
+          <a:prstGeom prst="rect">
+            <a:avLst/>
+          </a:prstGeom>
+        </p:spPr>
+        <p:txBody>
           <a:bodyPr wrap="square" rtlCol="0" anchor="ctr">
             <a:normAutofit/>
           </a:bodyPr>
@@ -5499,7 +6177,7 @@
           <a:p>
             <a:pPr algn="ctr"/>
             <a:r>
-              <a:rPr lang="en-US" sz="1687" dirty="0">
+              <a:rPr lang="en-US" sz="1574" dirty="0">
                 <a:solidFill>
                   <a:srgbClr val="000000"/>
                 </a:solidFill>
@@ -5511,7 +6189,7 @@
       </p:sp>
       <p:sp>
         <p:nvSpPr>
-          <p:cNvPr id="19" name="Shape 19"/>
+          <p:cNvPr id="28" name="Shape 28"/>
           <p:cNvSpPr/>
           <p:nvPr/>
         </p:nvSpPr>
@@ -5533,6 +6211,27 @@
           </a:ln>
         </p:spPr>
         <p:txBody>
+          <a:bodyPr/>
+          <a:lstStyle/>
+          <a:p/>
+        </p:txBody>
+      </p:sp>
+      <p:sp>
+        <p:nvSpPr>
+          <p:cNvPr id="29" name="Shape 29"/>
+          <p:cNvSpPr/>
+          <p:nvPr/>
+        </p:nvSpPr>
+        <p:spPr>
+          <a:xfrm>
+            <a:off x="6500000" y="2850000"/>
+            <a:ext cx="1400000" cy="300000"/>
+          </a:xfrm>
+          <a:prstGeom prst="rect">
+            <a:avLst/>
+          </a:prstGeom>
+        </p:spPr>
+        <p:txBody>
           <a:bodyPr wrap="square" rtlCol="0" anchor="ctr">
             <a:normAutofit/>
           </a:bodyPr>
@@ -5540,7 +6239,7 @@
           <a:p>
             <a:pPr algn="ctr"/>
             <a:r>
-              <a:rPr lang="en-US" sz="1476" dirty="0">
+              <a:rPr lang="en-US" sz="1377" dirty="0">
                 <a:solidFill>
                   <a:srgbClr val="000000"/>
                 </a:solidFill>
@@ -5552,7 +6251,7 @@
       </p:sp>
       <p:sp>
         <p:nvSpPr>
-          <p:cNvPr id="20" name="Shape 20"/>
+          <p:cNvPr id="30" name="Shape 30"/>
           <p:cNvSpPr/>
           <p:nvPr/>
         </p:nvSpPr>
@@ -5574,6 +6273,27 @@
           </a:ln>
         </p:spPr>
         <p:txBody>
+          <a:bodyPr/>
+          <a:lstStyle/>
+          <a:p/>
+        </p:txBody>
+      </p:sp>
+      <p:sp>
+        <p:nvSpPr>
+          <p:cNvPr id="31" name="Shape 31"/>
+          <p:cNvSpPr/>
+          <p:nvPr/>
+        </p:nvSpPr>
+        <p:spPr>
+          <a:xfrm>
+            <a:off x="6500000" y="2850000"/>
+            <a:ext cx="1400000" cy="300000"/>
+          </a:xfrm>
+          <a:prstGeom prst="rect">
+            <a:avLst/>
+          </a:prstGeom>
+        </p:spPr>
+        <p:txBody>
           <a:bodyPr wrap="square" rtlCol="0" anchor="ctr">
             <a:normAutofit/>
           </a:bodyPr>
@@ -5581,7 +6301,7 @@
           <a:p>
             <a:pPr algn="ctr"/>
             <a:r>
-              <a:rPr lang="en-US" sz="1968" dirty="0">
+              <a:rPr lang="en-US" sz="1837" dirty="0">
                 <a:solidFill>
                   <a:srgbClr val="000000"/>
                 </a:solidFill>
@@ -5593,7 +6313,7 @@
       </p:sp>
       <p:sp>
         <p:nvSpPr>
-          <p:cNvPr id="21" name="Shape 21"/>
+          <p:cNvPr id="32" name="Shape 32"/>
           <p:cNvSpPr/>
           <p:nvPr/>
         </p:nvSpPr>
@@ -5615,6 +6335,27 @@
           </a:ln>
         </p:spPr>
         <p:txBody>
+          <a:bodyPr/>
+          <a:lstStyle/>
+          <a:p/>
+        </p:txBody>
+      </p:sp>
+      <p:sp>
+        <p:nvSpPr>
+          <p:cNvPr id="33" name="Shape 33"/>
+          <p:cNvSpPr/>
+          <p:nvPr/>
+        </p:nvSpPr>
+        <p:spPr>
+          <a:xfrm>
+            <a:off x="3300000" y="6050000"/>
+            <a:ext cx="1400000" cy="300000"/>
+          </a:xfrm>
+          <a:prstGeom prst="rect">
+            <a:avLst/>
+          </a:prstGeom>
+        </p:spPr>
+        <p:txBody>
           <a:bodyPr wrap="square" rtlCol="0" anchor="ctr">
             <a:normAutofit/>
           </a:bodyPr>
@@ -5622,7 +6363,7 @@
           <a:p>
             <a:pPr algn="ctr"/>
             <a:r>
-              <a:rPr lang="en-US" sz="2362" dirty="0">
+              <a:rPr lang="en-US" sz="1889" dirty="0">
                 <a:solidFill>
                   <a:srgbClr val="000000"/>
                 </a:solidFill>
@@ -5634,7 +6375,7 @@
       </p:sp>
       <p:sp>
         <p:nvSpPr>
-          <p:cNvPr id="22" name="Shape 22"/>
+          <p:cNvPr id="34" name="Shape 34"/>
           <p:cNvSpPr/>
           <p:nvPr/>
         </p:nvSpPr>
@@ -5656,6 +6397,27 @@
           </a:ln>
         </p:spPr>
         <p:txBody>
+          <a:bodyPr/>
+          <a:lstStyle/>
+          <a:p/>
+        </p:txBody>
+      </p:sp>
+      <p:sp>
+        <p:nvSpPr>
+          <p:cNvPr id="35" name="Shape 35"/>
+          <p:cNvSpPr/>
+          <p:nvPr/>
+        </p:nvSpPr>
+        <p:spPr>
+          <a:xfrm>
+            <a:off x="3300000" y="6050000"/>
+            <a:ext cx="1400000" cy="300000"/>
+          </a:xfrm>
+          <a:prstGeom prst="rect">
+            <a:avLst/>
+          </a:prstGeom>
+        </p:spPr>
+        <p:txBody>
           <a:bodyPr wrap="square" rtlCol="0" anchor="ctr">
             <a:normAutofit/>
           </a:bodyPr>
@@ -5663,7 +6425,7 @@
           <a:p>
             <a:pPr algn="ctr"/>
             <a:r>
-              <a:rPr lang="en-US" sz="1817" dirty="0">
+              <a:rPr lang="en-US" sz="1695" dirty="0">
                 <a:solidFill>
                   <a:srgbClr val="000000"/>
                 </a:solidFill>
@@ -5675,7 +6437,7 @@
       </p:sp>
       <p:sp>
         <p:nvSpPr>
-          <p:cNvPr id="23" name="Shape 23"/>
+          <p:cNvPr id="36" name="Shape 36"/>
           <p:cNvSpPr/>
           <p:nvPr/>
         </p:nvSpPr>
@@ -5697,6 +6459,27 @@
           </a:ln>
         </p:spPr>
         <p:txBody>
+          <a:bodyPr/>
+          <a:lstStyle/>
+          <a:p/>
+        </p:txBody>
+      </p:sp>
+      <p:sp>
+        <p:nvSpPr>
+          <p:cNvPr id="37" name="Shape 37"/>
+          <p:cNvSpPr/>
+          <p:nvPr/>
+        </p:nvSpPr>
+        <p:spPr>
+          <a:xfrm>
+            <a:off x="3300000" y="6050000"/>
+            <a:ext cx="1400000" cy="300000"/>
+          </a:xfrm>
+          <a:prstGeom prst="rect">
+            <a:avLst/>
+          </a:prstGeom>
+        </p:spPr>
+        <p:txBody>
           <a:bodyPr wrap="square" rtlCol="0" anchor="ctr">
             <a:normAutofit/>
           </a:bodyPr>
@@ -5704,7 +6487,7 @@
           <a:p>
             <a:pPr algn="ctr"/>
             <a:r>
-              <a:rPr lang="en-US" sz="1687" dirty="0">
+              <a:rPr lang="en-US" sz="1574" dirty="0">
                 <a:solidFill>
                   <a:srgbClr val="000000"/>
                 </a:solidFill>
@@ -5716,7 +6499,7 @@
       </p:sp>
       <p:sp>
         <p:nvSpPr>
-          <p:cNvPr id="24" name="Shape 24"/>
+          <p:cNvPr id="38" name="Shape 38"/>
           <p:cNvSpPr/>
           <p:nvPr/>
         </p:nvSpPr>
@@ -5738,6 +6521,27 @@
           </a:ln>
         </p:spPr>
         <p:txBody>
+          <a:bodyPr/>
+          <a:lstStyle/>
+          <a:p/>
+        </p:txBody>
+      </p:sp>
+      <p:sp>
+        <p:nvSpPr>
+          <p:cNvPr id="39" name="Shape 39"/>
+          <p:cNvSpPr/>
+          <p:nvPr/>
+        </p:nvSpPr>
+        <p:spPr>
+          <a:xfrm>
+            <a:off x="3300000" y="2850000"/>
+            <a:ext cx="1400000" cy="300000"/>
+          </a:xfrm>
+          <a:prstGeom prst="rect">
+            <a:avLst/>
+          </a:prstGeom>
+        </p:spPr>
+        <p:txBody>
           <a:bodyPr wrap="square" rtlCol="0" anchor="ctr">
             <a:normAutofit/>
           </a:bodyPr>
@@ -5745,7 +6549,7 @@
           <a:p>
             <a:pPr algn="ctr"/>
             <a:r>
-              <a:rPr lang="en-US" sz="2519" dirty="0">
+              <a:rPr lang="en-US" sz="1889" dirty="0">
                 <a:solidFill>
                   <a:srgbClr val="000000"/>
                 </a:solidFill>
@@ -5757,7 +6561,7 @@
       </p:sp>
       <p:sp>
         <p:nvSpPr>
-          <p:cNvPr id="25" name="Shape 25"/>
+          <p:cNvPr id="40" name="Shape 40"/>
           <p:cNvSpPr/>
           <p:nvPr/>
         </p:nvSpPr>
@@ -5779,6 +6583,27 @@
           </a:ln>
         </p:spPr>
         <p:txBody>
+          <a:bodyPr/>
+          <a:lstStyle/>
+          <a:p/>
+        </p:txBody>
+      </p:sp>
+      <p:sp>
+        <p:nvSpPr>
+          <p:cNvPr id="41" name="Shape 41"/>
+          <p:cNvSpPr/>
+          <p:nvPr/>
+        </p:nvSpPr>
+        <p:spPr>
+          <a:xfrm>
+            <a:off x="3300000" y="2850000"/>
+            <a:ext cx="1400000" cy="300000"/>
+          </a:xfrm>
+          <a:prstGeom prst="rect">
+            <a:avLst/>
+          </a:prstGeom>
+        </p:spPr>
+        <p:txBody>
           <a:bodyPr wrap="square" rtlCol="0" anchor="ctr">
             <a:normAutofit/>
           </a:bodyPr>
@@ -5786,7 +6611,7 @@
           <a:p>
             <a:pPr algn="ctr"/>
             <a:r>
-              <a:rPr lang="en-US" sz="2147" dirty="0">
+              <a:rPr lang="en-US" sz="1889" dirty="0">
                 <a:solidFill>
                   <a:srgbClr val="000000"/>
                 </a:solidFill>
@@ -5798,7 +6623,7 @@
       </p:sp>
       <p:sp>
         <p:nvSpPr>
-          <p:cNvPr id="26" name="Shape 26"/>
+          <p:cNvPr id="42" name="Shape 42"/>
           <p:cNvSpPr/>
           <p:nvPr/>
         </p:nvSpPr>
@@ -5820,6 +6645,27 @@
           </a:ln>
         </p:spPr>
         <p:txBody>
+          <a:bodyPr/>
+          <a:lstStyle/>
+          <a:p/>
+        </p:txBody>
+      </p:sp>
+      <p:sp>
+        <p:nvSpPr>
+          <p:cNvPr id="43" name="Shape 43"/>
+          <p:cNvSpPr/>
+          <p:nvPr/>
+        </p:nvSpPr>
+        <p:spPr>
+          <a:xfrm>
+            <a:off x="3300000" y="2850000"/>
+            <a:ext cx="1400000" cy="300000"/>
+          </a:xfrm>
+          <a:prstGeom prst="rect">
+            <a:avLst/>
+          </a:prstGeom>
+        </p:spPr>
+        <p:txBody>
           <a:bodyPr wrap="square" rtlCol="0" anchor="ctr">
             <a:normAutofit/>
           </a:bodyPr>
@@ -5827,7 +6673,7 @@
           <a:p>
             <a:pPr algn="ctr"/>
             <a:r>
-              <a:rPr lang="en-US" sz="2519" dirty="0">
+              <a:rPr lang="en-US" sz="1889" dirty="0">
                 <a:solidFill>
                   <a:srgbClr val="000000"/>
                 </a:solidFill>
@@ -5839,7 +6685,7 @@
       </p:sp>
       <p:sp>
         <p:nvSpPr>
-          <p:cNvPr id="27" name="Shape 27"/>
+          <p:cNvPr id="44" name="Shape 44"/>
           <p:cNvSpPr/>
           <p:nvPr/>
         </p:nvSpPr>
@@ -5861,6 +6707,27 @@
           </a:ln>
         </p:spPr>
         <p:txBody>
+          <a:bodyPr/>
+          <a:lstStyle/>
+          <a:p/>
+        </p:txBody>
+      </p:sp>
+      <p:sp>
+        <p:nvSpPr>
+          <p:cNvPr id="45" name="Shape 45"/>
+          <p:cNvSpPr/>
+          <p:nvPr/>
+        </p:nvSpPr>
+        <p:spPr>
+          <a:xfrm>
+            <a:off x="3300000" y="2850000"/>
+            <a:ext cx="1400000" cy="300000"/>
+          </a:xfrm>
+          <a:prstGeom prst="rect">
+            <a:avLst/>
+          </a:prstGeom>
+        </p:spPr>
+        <p:txBody>
           <a:bodyPr wrap="square" rtlCol="0" anchor="ctr">
             <a:normAutofit/>
           </a:bodyPr>
@@ -5868,7 +6735,7 @@
           <a:p>
             <a:pPr algn="ctr"/>
             <a:r>
-              <a:rPr lang="en-US" sz="2362" dirty="0">
+              <a:rPr lang="en-US" sz="1889" dirty="0">
                 <a:solidFill>
                   <a:srgbClr val="000000"/>
                 </a:solidFill>
@@ -5944,7 +6811,7 @@
         </p:nvSpPr>
         <p:spPr>
           <a:xfrm>
-            <a:off x="500000" y="1600000"/>
+            <a:off x="500000" y="3254000"/>
             <a:ext cx="7500000" cy="400000"/>
           </a:xfrm>
           <a:prstGeom prst="rect">
@@ -5977,7 +6844,7 @@
         </p:nvSpPr>
         <p:spPr>
           <a:xfrm>
-            <a:off x="500000" y="2500000"/>
+            <a:off x="500000" y="4154000"/>
             <a:ext cx="8500000" cy="30000"/>
           </a:xfrm>
           <a:prstGeom prst="rect">
@@ -6001,7 +6868,7 @@
         </p:nvSpPr>
         <p:spPr>
           <a:xfrm>
-            <a:off x="1125000" y="2440000"/>
+            <a:off x="1125000" y="4094000"/>
             <a:ext cx="150000" cy="150000"/>
           </a:xfrm>
           <a:prstGeom prst="ellipse">
@@ -6025,7 +6892,7 @@
         </p:nvSpPr>
         <p:spPr>
           <a:xfrm>
-            <a:off x="500000" y="2100000"/>
+            <a:off x="500000" y="3754000"/>
             <a:ext cx="1400000" cy="300000"/>
           </a:xfrm>
           <a:prstGeom prst="rect">
@@ -6061,7 +6928,7 @@
         </p:nvSpPr>
         <p:spPr>
           <a:xfrm>
-            <a:off x="500000" y="2650000"/>
+            <a:off x="500000" y="4304000"/>
             <a:ext cx="1400000" cy="250000"/>
           </a:xfrm>
           <a:prstGeom prst="roundRect">
@@ -6102,7 +6969,7 @@
         </p:nvSpPr>
         <p:spPr>
           <a:xfrm>
-            <a:off x="2725000" y="2440000"/>
+            <a:off x="2725000" y="4094000"/>
             <a:ext cx="150000" cy="150000"/>
           </a:xfrm>
           <a:prstGeom prst="ellipse">
@@ -6126,7 +6993,7 @@
         </p:nvSpPr>
         <p:spPr>
           <a:xfrm>
-            <a:off x="2100000" y="2100000"/>
+            <a:off x="2100000" y="3754000"/>
             <a:ext cx="1400000" cy="300000"/>
           </a:xfrm>
           <a:prstGeom prst="rect">
@@ -6162,7 +7029,7 @@
         </p:nvSpPr>
         <p:spPr>
           <a:xfrm>
-            <a:off x="2100000" y="2650000"/>
+            <a:off x="2100000" y="4304000"/>
             <a:ext cx="1400000" cy="500000"/>
           </a:xfrm>
           <a:prstGeom prst="roundRect">
@@ -6178,12 +7045,12 @@
           </a:ln>
         </p:spPr>
         <p:txBody>
-          <a:bodyPr wrap="square" rtlCol="0" anchor="ctr">
-            <a:normAutofit/>
-          </a:bodyPr>
-          <a:lstStyle/>
-          <a:p>
-            <a:pPr algn="ctr"/>
+          <a:bodyPr wrap="square" rtlCol="0" anchor="t">
+            <a:normAutofit/>
+          </a:bodyPr>
+          <a:lstStyle/>
+          <a:p>
+            <a:pPr algn="l"/>
             <a:r>
               <a:rPr lang="en-US" sz="1002" dirty="0">
                 <a:solidFill>
@@ -6204,7 +7071,7 @@
         </p:nvSpPr>
         <p:spPr>
           <a:xfrm>
-            <a:off x="4325000" y="2440000"/>
+            <a:off x="4325000" y="4094000"/>
             <a:ext cx="150000" cy="150000"/>
           </a:xfrm>
           <a:prstGeom prst="ellipse">
@@ -6228,7 +7095,7 @@
         </p:nvSpPr>
         <p:spPr>
           <a:xfrm>
-            <a:off x="3700000" y="2100000"/>
+            <a:off x="3700000" y="3754000"/>
             <a:ext cx="1400000" cy="300000"/>
           </a:xfrm>
           <a:prstGeom prst="rect">
@@ -6264,7 +7131,7 @@
         </p:nvSpPr>
         <p:spPr>
           <a:xfrm>
-            <a:off x="3700000" y="2650000"/>
+            <a:off x="3700000" y="4304000"/>
             <a:ext cx="1400000" cy="500000"/>
           </a:xfrm>
           <a:prstGeom prst="roundRect">
@@ -6280,12 +7147,12 @@
           </a:ln>
         </p:spPr>
         <p:txBody>
-          <a:bodyPr wrap="square" rtlCol="0" anchor="ctr">
-            <a:normAutofit/>
-          </a:bodyPr>
-          <a:lstStyle/>
-          <a:p>
-            <a:pPr algn="ctr"/>
+          <a:bodyPr wrap="square" rtlCol="0" anchor="t">
+            <a:normAutofit/>
+          </a:bodyPr>
+          <a:lstStyle/>
+          <a:p>
+            <a:pPr algn="l"/>
             <a:r>
               <a:rPr lang="en-US" sz="1377" dirty="0">
                 <a:solidFill>
@@ -6306,7 +7173,7 @@
         </p:nvSpPr>
         <p:spPr>
           <a:xfrm>
-            <a:off x="5925000" y="2440000"/>
+            <a:off x="5925000" y="4094000"/>
             <a:ext cx="150000" cy="150000"/>
           </a:xfrm>
           <a:prstGeom prst="ellipse">
@@ -6330,7 +7197,7 @@
         </p:nvSpPr>
         <p:spPr>
           <a:xfrm>
-            <a:off x="5300000" y="2100000"/>
+            <a:off x="5300000" y="3754000"/>
             <a:ext cx="1400000" cy="300000"/>
           </a:xfrm>
           <a:prstGeom prst="rect">
@@ -6366,7 +7233,7 @@
         </p:nvSpPr>
         <p:spPr>
           <a:xfrm>
-            <a:off x="5300000" y="2650000"/>
+            <a:off x="5300000" y="4304000"/>
             <a:ext cx="1400000" cy="500000"/>
           </a:xfrm>
           <a:prstGeom prst="roundRect">
@@ -6382,12 +7249,12 @@
           </a:ln>
         </p:spPr>
         <p:txBody>
-          <a:bodyPr wrap="square" rtlCol="0" anchor="ctr">
-            <a:normAutofit/>
-          </a:bodyPr>
-          <a:lstStyle/>
-          <a:p>
-            <a:pPr algn="ctr"/>
+          <a:bodyPr wrap="square" rtlCol="0" anchor="t">
+            <a:normAutofit/>
+          </a:bodyPr>
+          <a:lstStyle/>
+          <a:p>
+            <a:pPr algn="l"/>
             <a:r>
               <a:rPr lang="en-US" sz="1160" dirty="0">
                 <a:solidFill>
@@ -6408,7 +7275,7 @@
         </p:nvSpPr>
         <p:spPr>
           <a:xfrm>
-            <a:off x="7525000" y="2440000"/>
+            <a:off x="7525000" y="4094000"/>
             <a:ext cx="150000" cy="150000"/>
           </a:xfrm>
           <a:prstGeom prst="ellipse">
@@ -6432,7 +7299,7 @@
         </p:nvSpPr>
         <p:spPr>
           <a:xfrm>
-            <a:off x="6900000" y="2100000"/>
+            <a:off x="6900000" y="3754000"/>
             <a:ext cx="1400000" cy="300000"/>
           </a:xfrm>
           <a:prstGeom prst="rect">
@@ -6468,7 +7335,7 @@
         </p:nvSpPr>
         <p:spPr>
           <a:xfrm>
-            <a:off x="6900000" y="2650000"/>
+            <a:off x="6900000" y="4304000"/>
             <a:ext cx="1400000" cy="500000"/>
           </a:xfrm>
           <a:prstGeom prst="roundRect">
@@ -6484,12 +7351,12 @@
           </a:ln>
         </p:spPr>
         <p:txBody>
-          <a:bodyPr wrap="square" rtlCol="0" anchor="ctr">
-            <a:normAutofit/>
-          </a:bodyPr>
-          <a:lstStyle/>
-          <a:p>
-            <a:pPr algn="ctr"/>
+          <a:bodyPr wrap="square" rtlCol="0" anchor="t">
+            <a:normAutofit/>
+          </a:bodyPr>
+          <a:lstStyle/>
+          <a:p>
+            <a:pPr algn="l"/>
             <a:r>
               <a:rPr lang="en-US" sz="1377" dirty="0">
                 <a:solidFill>
@@ -10351,8 +11218,8 @@
         </p:nvSpPr>
         <p:spPr>
           <a:xfrm>
-            <a:off x="500000" y="1600000"/>
-            <a:ext cx="1800000" cy="2200000"/>
+            <a:off x="1272000" y="2354000"/>
+            <a:ext cx="1800000" cy="2450000"/>
           </a:xfrm>
           <a:prstGeom prst="roundRect">
             <a:avLst/>
@@ -10367,6 +11234,27 @@
           </a:ln>
         </p:spPr>
         <p:txBody>
+          <a:bodyPr/>
+          <a:lstStyle/>
+          <a:p/>
+        </p:txBody>
+      </p:sp>
+      <p:sp>
+        <p:nvSpPr>
+          <p:cNvPr id="10" name="Shape 10"/>
+          <p:cNvSpPr/>
+          <p:nvPr/>
+        </p:nvSpPr>
+        <p:spPr>
+          <a:xfrm>
+            <a:off x="1322000" y="2404000"/>
+            <a:ext cx="1700000" cy="250000"/>
+          </a:xfrm>
+          <a:prstGeom prst="rect">
+            <a:avLst/>
+          </a:prstGeom>
+        </p:spPr>
+        <p:txBody>
           <a:bodyPr wrap="square" rtlCol="0" anchor="ctr">
             <a:normAutofit/>
           </a:bodyPr>
@@ -10374,7 +11262,7 @@
           <a:p>
             <a:pPr algn="ctr"/>
             <a:r>
-              <a:rPr lang="en-US" sz="4400" dirty="0">
+              <a:rPr lang="en-US" sz="1574" dirty="0">
                 <a:solidFill>
                   <a:srgbClr val="000000"/>
                 </a:solidFill>
@@ -10386,13 +11274,13 @@
       </p:sp>
       <p:sp>
         <p:nvSpPr>
-          <p:cNvPr id="10" name="Shape 10"/>
-          <p:cNvSpPr/>
-          <p:nvPr/>
-        </p:nvSpPr>
-        <p:spPr>
-          <a:xfrm>
-            <a:off x="700000" y="1900000"/>
+          <p:cNvPr id="11" name="Shape 11"/>
+          <p:cNvSpPr/>
+          <p:nvPr/>
+        </p:nvSpPr>
+        <p:spPr>
+          <a:xfrm>
+            <a:off x="1472000" y="2804000"/>
             <a:ext cx="1400000" cy="500000"/>
           </a:xfrm>
           <a:prstGeom prst="rect">
@@ -10427,13 +11315,13 @@
       </p:sp>
       <p:sp>
         <p:nvSpPr>
-          <p:cNvPr id="11" name="Shape 11"/>
-          <p:cNvSpPr/>
-          <p:nvPr/>
-        </p:nvSpPr>
-        <p:spPr>
-          <a:xfrm>
-            <a:off x="700000" y="2800000"/>
+          <p:cNvPr id="12" name="Shape 12"/>
+          <p:cNvSpPr/>
+          <p:nvPr/>
+        </p:nvSpPr>
+        <p:spPr>
+          <a:xfrm>
+            <a:off x="1472000" y="3704000"/>
             <a:ext cx="1400000" cy="500000"/>
           </a:xfrm>
           <a:prstGeom prst="rect">
@@ -10468,14 +11356,14 @@
       </p:sp>
       <p:sp>
         <p:nvSpPr>
-          <p:cNvPr id="13" name="Shape 13"/>
-          <p:cNvSpPr/>
-          <p:nvPr/>
-        </p:nvSpPr>
-        <p:spPr>
-          <a:xfrm>
-            <a:off x="2900000" y="1600000"/>
-            <a:ext cx="1800000" cy="3100000"/>
+          <p:cNvPr id="14" name="Shape 14"/>
+          <p:cNvSpPr/>
+          <p:nvPr/>
+        </p:nvSpPr>
+        <p:spPr>
+          <a:xfrm>
+            <a:off x="3672000" y="2354000"/>
+            <a:ext cx="1800000" cy="3350000"/>
           </a:xfrm>
           <a:prstGeom prst="roundRect">
             <a:avLst/>
@@ -10490,6 +11378,27 @@
           </a:ln>
         </p:spPr>
         <p:txBody>
+          <a:bodyPr/>
+          <a:lstStyle/>
+          <a:p/>
+        </p:txBody>
+      </p:sp>
+      <p:sp>
+        <p:nvSpPr>
+          <p:cNvPr id="13" name="Shape 13"/>
+          <p:cNvSpPr/>
+          <p:nvPr/>
+        </p:nvSpPr>
+        <p:spPr>
+          <a:xfrm>
+            <a:off x="3722000" y="2404000"/>
+            <a:ext cx="1700000" cy="250000"/>
+          </a:xfrm>
+          <a:prstGeom prst="rect">
+            <a:avLst/>
+          </a:prstGeom>
+        </p:spPr>
+        <p:txBody>
           <a:bodyPr wrap="square" rtlCol="0" anchor="ctr">
             <a:normAutofit/>
           </a:bodyPr>
@@ -10497,7 +11406,7 @@
           <a:p>
             <a:pPr algn="ctr"/>
             <a:r>
-              <a:rPr lang="en-US" sz="4049" dirty="0">
+              <a:rPr lang="en-US" sz="1574" dirty="0">
                 <a:solidFill>
                   <a:srgbClr val="000000"/>
                 </a:solidFill>
@@ -10509,13 +11418,13 @@
       </p:sp>
       <p:sp>
         <p:nvSpPr>
-          <p:cNvPr id="12" name="Shape 12"/>
-          <p:cNvSpPr/>
-          <p:nvPr/>
-        </p:nvSpPr>
-        <p:spPr>
-          <a:xfrm>
-            <a:off x="3100000" y="1900000"/>
+          <p:cNvPr id="14" name="Shape 14"/>
+          <p:cNvSpPr/>
+          <p:nvPr/>
+        </p:nvSpPr>
+        <p:spPr>
+          <a:xfrm>
+            <a:off x="3872000" y="2804000"/>
             <a:ext cx="1400000" cy="500000"/>
           </a:xfrm>
           <a:prstGeom prst="rect">
@@ -10550,13 +11459,13 @@
       </p:sp>
       <p:sp>
         <p:nvSpPr>
-          <p:cNvPr id="13" name="Shape 13"/>
-          <p:cNvSpPr/>
-          <p:nvPr/>
-        </p:nvSpPr>
-        <p:spPr>
-          <a:xfrm>
-            <a:off x="3100000" y="2800000"/>
+          <p:cNvPr id="15" name="Shape 15"/>
+          <p:cNvSpPr/>
+          <p:nvPr/>
+        </p:nvSpPr>
+        <p:spPr>
+          <a:xfrm>
+            <a:off x="3872000" y="3704000"/>
             <a:ext cx="1400000" cy="500000"/>
           </a:xfrm>
           <a:prstGeom prst="rect">
@@ -10591,13 +11500,13 @@
       </p:sp>
       <p:sp>
         <p:nvSpPr>
-          <p:cNvPr id="14" name="Shape 14"/>
-          <p:cNvSpPr/>
-          <p:nvPr/>
-        </p:nvSpPr>
-        <p:spPr>
-          <a:xfrm>
-            <a:off x="3100000" y="3700000"/>
+          <p:cNvPr id="16" name="Shape 16"/>
+          <p:cNvSpPr/>
+          <p:nvPr/>
+        </p:nvSpPr>
+        <p:spPr>
+          <a:xfrm>
+            <a:off x="3872000" y="4604000"/>
             <a:ext cx="1400000" cy="500000"/>
           </a:xfrm>
           <a:prstGeom prst="rect">
@@ -10632,14 +11541,14 @@
       </p:sp>
       <p:sp>
         <p:nvSpPr>
-          <p:cNvPr id="17" name="Shape 17"/>
-          <p:cNvSpPr/>
-          <p:nvPr/>
-        </p:nvSpPr>
-        <p:spPr>
-          <a:xfrm>
-            <a:off x="5300000" y="1600000"/>
-            <a:ext cx="1800000" cy="2200000"/>
+          <p:cNvPr id="19" name="Shape 19"/>
+          <p:cNvSpPr/>
+          <p:nvPr/>
+        </p:nvSpPr>
+        <p:spPr>
+          <a:xfrm>
+            <a:off x="6072000" y="2354000"/>
+            <a:ext cx="1800000" cy="2450000"/>
           </a:xfrm>
           <a:prstGeom prst="roundRect">
             <a:avLst/>
@@ -10654,6 +11563,27 @@
           </a:ln>
         </p:spPr>
         <p:txBody>
+          <a:bodyPr/>
+          <a:lstStyle/>
+          <a:p/>
+        </p:txBody>
+      </p:sp>
+      <p:sp>
+        <p:nvSpPr>
+          <p:cNvPr id="17" name="Shape 17"/>
+          <p:cNvSpPr/>
+          <p:nvPr/>
+        </p:nvSpPr>
+        <p:spPr>
+          <a:xfrm>
+            <a:off x="6122000" y="2404000"/>
+            <a:ext cx="1700000" cy="250000"/>
+          </a:xfrm>
+          <a:prstGeom prst="rect">
+            <a:avLst/>
+          </a:prstGeom>
+        </p:spPr>
+        <p:txBody>
           <a:bodyPr wrap="square" rtlCol="0" anchor="ctr">
             <a:normAutofit/>
           </a:bodyPr>
@@ -10661,7 +11591,7 @@
           <a:p>
             <a:pPr algn="ctr"/>
             <a:r>
-              <a:rPr lang="en-US" sz="4049" dirty="0">
+              <a:rPr lang="en-US" sz="1574" dirty="0">
                 <a:solidFill>
                   <a:srgbClr val="000000"/>
                 </a:solidFill>
@@ -10673,13 +11603,13 @@
       </p:sp>
       <p:sp>
         <p:nvSpPr>
-          <p:cNvPr id="15" name="Shape 15"/>
-          <p:cNvSpPr/>
-          <p:nvPr/>
-        </p:nvSpPr>
-        <p:spPr>
-          <a:xfrm>
-            <a:off x="5500000" y="1900000"/>
+          <p:cNvPr id="18" name="Shape 18"/>
+          <p:cNvSpPr/>
+          <p:nvPr/>
+        </p:nvSpPr>
+        <p:spPr>
+          <a:xfrm>
+            <a:off x="6272000" y="2804000"/>
             <a:ext cx="1400000" cy="500000"/>
           </a:xfrm>
           <a:prstGeom prst="rect">
@@ -10714,13 +11644,13 @@
       </p:sp>
       <p:sp>
         <p:nvSpPr>
-          <p:cNvPr id="16" name="Shape 16"/>
-          <p:cNvSpPr/>
-          <p:nvPr/>
-        </p:nvSpPr>
-        <p:spPr>
-          <a:xfrm>
-            <a:off x="5500000" y="2800000"/>
+          <p:cNvPr id="19" name="Shape 19"/>
+          <p:cNvSpPr/>
+          <p:nvPr/>
+        </p:nvSpPr>
+        <p:spPr>
+          <a:xfrm>
+            <a:off x="6272000" y="3704000"/>
             <a:ext cx="1400000" cy="500000"/>
           </a:xfrm>
           <a:prstGeom prst="rect">
@@ -10755,16 +11685,16 @@
       </p:sp>
       <p:cxnSp>
         <p:nvCxnSpPr>
-          <p:cNvPr id="60" name="Connector 60"/>
+          <p:cNvPr id="63" name="Connector 63"/>
           <p:cNvCxnSpPr>
-            <a:stCxn id="10" idx="2"/>
-            <a:endCxn id="12" idx="0"/>
+            <a:stCxn id="11" idx="2"/>
+            <a:endCxn id="14" idx="0"/>
           </p:cNvCxnSpPr>
           <p:nvPr/>
         </p:nvCxnSpPr>
         <p:spPr>
           <a:xfrm flipV="1">
-            <a:off x="1400000" y="1900000"/>
+            <a:off x="2172000" y="2804000"/>
             <a:ext cx="2400000" cy="500000"/>
           </a:xfrm>
           <a:prstGeom prst="bentConnector3">
@@ -10781,59 +11711,7 @@
       </p:cxnSp>
       <p:cxnSp>
         <p:nvCxnSpPr>
-          <p:cNvPr id="61" name="Connector 61"/>
-          <p:cNvCxnSpPr>
-            <a:stCxn id="11" idx="2"/>
-            <a:endCxn id="12" idx="0"/>
-          </p:cNvCxnSpPr>
-          <p:nvPr/>
-        </p:nvCxnSpPr>
-        <p:spPr>
-          <a:xfrm flipV="1">
-            <a:off x="1400000" y="1900000"/>
-            <a:ext cx="2400000" cy="1400000"/>
-          </a:xfrm>
-          <a:prstGeom prst="bentConnector3">
-            <a:avLst/>
-          </a:prstGeom>
-          <a:ln w="19050">
-            <a:solidFill>
-              <a:srgbClr val="1565C0"/>
-            </a:solidFill>
-            <a:prstDash val="solid"/>
-            <a:tailEnd type="triangle" w="med" len="med"/>
-          </a:ln>
-        </p:spPr>
-      </p:cxnSp>
-      <p:cxnSp>
-        <p:nvCxnSpPr>
-          <p:cNvPr id="62" name="Connector 62"/>
-          <p:cNvCxnSpPr>
-            <a:stCxn id="12" idx="2"/>
-            <a:endCxn id="13" idx="0"/>
-          </p:cNvCxnSpPr>
-          <p:nvPr/>
-        </p:nvCxnSpPr>
-        <p:spPr>
-          <a:xfrm>
-            <a:off x="3800000" y="2400000"/>
-            <a:ext cx="0" cy="400000"/>
-          </a:xfrm>
-          <a:prstGeom prst="straightConnector1">
-            <a:avLst/>
-          </a:prstGeom>
-          <a:ln w="19050">
-            <a:solidFill>
-              <a:srgbClr val="1565C0"/>
-            </a:solidFill>
-            <a:prstDash val="solid"/>
-            <a:tailEnd type="triangle" w="med" len="med"/>
-          </a:ln>
-        </p:spPr>
-      </p:cxnSp>
-      <p:cxnSp>
-        <p:nvCxnSpPr>
-          <p:cNvPr id="63" name="Connector 63"/>
+          <p:cNvPr id="64" name="Connector 64"/>
           <p:cNvCxnSpPr>
             <a:stCxn id="12" idx="2"/>
             <a:endCxn id="14" idx="0"/>
@@ -10841,34 +11719,8 @@
           <p:nvPr/>
         </p:nvCxnSpPr>
         <p:spPr>
-          <a:xfrm>
-            <a:off x="3800000" y="2400000"/>
-            <a:ext cx="0" cy="1300000"/>
-          </a:xfrm>
-          <a:prstGeom prst="straightConnector1">
-            <a:avLst/>
-          </a:prstGeom>
-          <a:ln w="19050">
-            <a:solidFill>
-              <a:srgbClr val="1565C0"/>
-            </a:solidFill>
-            <a:prstDash val="solid"/>
-            <a:tailEnd type="triangle" w="med" len="med"/>
-          </a:ln>
-        </p:spPr>
-      </p:cxnSp>
-      <p:cxnSp>
-        <p:nvCxnSpPr>
-          <p:cNvPr id="64" name="Connector 64"/>
-          <p:cNvCxnSpPr>
-            <a:stCxn id="13" idx="2"/>
-            <a:endCxn id="15" idx="0"/>
-          </p:cNvCxnSpPr>
-          <p:nvPr/>
-        </p:nvCxnSpPr>
-        <p:spPr>
           <a:xfrm flipV="1">
-            <a:off x="3800000" y="1900000"/>
+            <a:off x="2172000" y="2804000"/>
             <a:ext cx="2400000" cy="1400000"/>
           </a:xfrm>
           <a:prstGeom prst="bentConnector3">
@@ -10893,11 +11745,11 @@
           <p:nvPr/>
         </p:nvCxnSpPr>
         <p:spPr>
-          <a:xfrm flipV="1">
-            <a:off x="3800000" y="1900000"/>
-            <a:ext cx="2400000" cy="2300000"/>
-          </a:xfrm>
-          <a:prstGeom prst="bentConnector3">
+          <a:xfrm>
+            <a:off x="4572000" y="3304000"/>
+            <a:ext cx="0" cy="400000"/>
+          </a:xfrm>
+          <a:prstGeom prst="straightConnector1">
             <a:avLst/>
           </a:prstGeom>
           <a:ln w="19050">
@@ -10919,8 +11771,86 @@
           <p:nvPr/>
         </p:nvCxnSpPr>
         <p:spPr>
+          <a:xfrm>
+            <a:off x="4572000" y="3304000"/>
+            <a:ext cx="0" cy="1300000"/>
+          </a:xfrm>
+          <a:prstGeom prst="straightConnector1">
+            <a:avLst/>
+          </a:prstGeom>
+          <a:ln w="19050">
+            <a:solidFill>
+              <a:srgbClr val="1565C0"/>
+            </a:solidFill>
+            <a:prstDash val="solid"/>
+            <a:tailEnd type="triangle" w="med" len="med"/>
+          </a:ln>
+        </p:spPr>
+      </p:cxnSp>
+      <p:cxnSp>
+        <p:nvCxnSpPr>
+          <p:cNvPr id="67" name="Connector 67"/>
+          <p:cNvCxnSpPr>
+            <a:stCxn id="15" idx="2"/>
+            <a:endCxn id="18" idx="0"/>
+          </p:cNvCxnSpPr>
+          <p:nvPr/>
+        </p:nvCxnSpPr>
+        <p:spPr>
           <a:xfrm flipV="1">
-            <a:off x="3800000" y="2800000"/>
+            <a:off x="4572000" y="2804000"/>
+            <a:ext cx="2400000" cy="1400000"/>
+          </a:xfrm>
+          <a:prstGeom prst="bentConnector3">
+            <a:avLst/>
+          </a:prstGeom>
+          <a:ln w="19050">
+            <a:solidFill>
+              <a:srgbClr val="1565C0"/>
+            </a:solidFill>
+            <a:prstDash val="solid"/>
+            <a:tailEnd type="triangle" w="med" len="med"/>
+          </a:ln>
+        </p:spPr>
+      </p:cxnSp>
+      <p:cxnSp>
+        <p:nvCxnSpPr>
+          <p:cNvPr id="68" name="Connector 68"/>
+          <p:cNvCxnSpPr>
+            <a:stCxn id="16" idx="2"/>
+            <a:endCxn id="18" idx="0"/>
+          </p:cNvCxnSpPr>
+          <p:nvPr/>
+        </p:nvCxnSpPr>
+        <p:spPr>
+          <a:xfrm flipV="1">
+            <a:off x="4572000" y="2804000"/>
+            <a:ext cx="2400000" cy="2300000"/>
+          </a:xfrm>
+          <a:prstGeom prst="bentConnector3">
+            <a:avLst/>
+          </a:prstGeom>
+          <a:ln w="19050">
+            <a:solidFill>
+              <a:srgbClr val="1565C0"/>
+            </a:solidFill>
+            <a:prstDash val="solid"/>
+            <a:tailEnd type="triangle" w="med" len="med"/>
+          </a:ln>
+        </p:spPr>
+      </p:cxnSp>
+      <p:cxnSp>
+        <p:nvCxnSpPr>
+          <p:cNvPr id="69" name="Connector 69"/>
+          <p:cNvCxnSpPr>
+            <a:stCxn id="16" idx="2"/>
+            <a:endCxn id="19" idx="0"/>
+          </p:cNvCxnSpPr>
+          <p:nvPr/>
+        </p:nvCxnSpPr>
+        <p:spPr>
+          <a:xfrm flipV="1">
+            <a:off x="4572000" y="3704000"/>
             <a:ext cx="2400000" cy="1400000"/>
           </a:xfrm>
           <a:prstGeom prst="bentConnector3">
@@ -11001,7 +11931,7 @@
         </p:nvSpPr>
         <p:spPr>
           <a:xfrm>
-            <a:off x="500000" y="1600000"/>
+            <a:off x="1172000" y="2129000"/>
             <a:ext cx="1400000" cy="400000"/>
           </a:xfrm>
           <a:prstGeom prst="rect">
@@ -11042,7 +11972,7 @@
         </p:nvSpPr>
         <p:spPr>
           <a:xfrm>
-            <a:off x="1190000" y="2000000"/>
+            <a:off x="1862000" y="2529000"/>
             <a:ext cx="20000" cy="3000000"/>
           </a:xfrm>
           <a:prstGeom prst="rect">
@@ -11066,7 +11996,7 @@
         </p:nvSpPr>
         <p:spPr>
           <a:xfrm>
-            <a:off x="500000" y="5000000"/>
+            <a:off x="1172000" y="5529000"/>
             <a:ext cx="1400000" cy="400000"/>
           </a:xfrm>
           <a:prstGeom prst="rect">
@@ -11107,7 +12037,7 @@
         </p:nvSpPr>
         <p:spPr>
           <a:xfrm>
-            <a:off x="2300000" y="1600000"/>
+            <a:off x="2972000" y="2129000"/>
             <a:ext cx="1400000" cy="400000"/>
           </a:xfrm>
           <a:prstGeom prst="rect">
@@ -11148,7 +12078,7 @@
         </p:nvSpPr>
         <p:spPr>
           <a:xfrm>
-            <a:off x="2990000" y="2000000"/>
+            <a:off x="3662000" y="2529000"/>
             <a:ext cx="20000" cy="3000000"/>
           </a:xfrm>
           <a:prstGeom prst="rect">
@@ -11172,7 +12102,7 @@
         </p:nvSpPr>
         <p:spPr>
           <a:xfrm>
-            <a:off x="2300000" y="5000000"/>
+            <a:off x="2972000" y="5529000"/>
             <a:ext cx="1400000" cy="400000"/>
           </a:xfrm>
           <a:prstGeom prst="rect">
@@ -11213,7 +12143,7 @@
         </p:nvSpPr>
         <p:spPr>
           <a:xfrm>
-            <a:off x="4100000" y="1600000"/>
+            <a:off x="4772000" y="2129000"/>
             <a:ext cx="1400000" cy="400000"/>
           </a:xfrm>
           <a:prstGeom prst="rect">
@@ -11254,7 +12184,7 @@
         </p:nvSpPr>
         <p:spPr>
           <a:xfrm>
-            <a:off x="4790000" y="2000000"/>
+            <a:off x="5462000" y="2529000"/>
             <a:ext cx="20000" cy="3000000"/>
           </a:xfrm>
           <a:prstGeom prst="rect">
@@ -11278,7 +12208,7 @@
         </p:nvSpPr>
         <p:spPr>
           <a:xfrm>
-            <a:off x="4100000" y="5000000"/>
+            <a:off x="4772000" y="5529000"/>
             <a:ext cx="1400000" cy="400000"/>
           </a:xfrm>
           <a:prstGeom prst="rect">
@@ -11319,7 +12249,7 @@
         </p:nvSpPr>
         <p:spPr>
           <a:xfrm>
-            <a:off x="5900000" y="1600000"/>
+            <a:off x="6572000" y="2129000"/>
             <a:ext cx="1400000" cy="400000"/>
           </a:xfrm>
           <a:prstGeom prst="rect">
@@ -11360,7 +12290,7 @@
         </p:nvSpPr>
         <p:spPr>
           <a:xfrm>
-            <a:off x="6590000" y="2000000"/>
+            <a:off x="7262000" y="2529000"/>
             <a:ext cx="20000" cy="3000000"/>
           </a:xfrm>
           <a:prstGeom prst="rect">
@@ -11384,7 +12314,7 @@
         </p:nvSpPr>
         <p:spPr>
           <a:xfrm>
-            <a:off x="5900000" y="5000000"/>
+            <a:off x="6572000" y="5529000"/>
             <a:ext cx="1400000" cy="400000"/>
           </a:xfrm>
           <a:prstGeom prst="rect">
@@ -11425,7 +12355,7 @@
         </p:nvSpPr>
         <p:spPr>
           <a:xfrm>
-            <a:off x="1200000" y="2200000"/>
+            <a:off x="1872000" y="2729000"/>
             <a:ext cx="1800000" cy="120000"/>
           </a:xfrm>
           <a:prstGeom prst="rightArrow">
@@ -11449,7 +12379,7 @@
         </p:nvSpPr>
         <p:spPr>
           <a:xfrm>
-            <a:off x="1200000" y="2020000"/>
+            <a:off x="1872000" y="2549000"/>
             <a:ext cx="1800000" cy="160000"/>
           </a:xfrm>
           <a:prstGeom prst="rect">
@@ -11482,7 +12412,7 @@
         </p:nvSpPr>
         <p:spPr>
           <a:xfrm>
-            <a:off x="3000000" y="2650000"/>
+            <a:off x="3672000" y="3179000"/>
             <a:ext cx="1800000" cy="120000"/>
           </a:xfrm>
           <a:prstGeom prst="rightArrow">
@@ -11506,7 +12436,7 @@
         </p:nvSpPr>
         <p:spPr>
           <a:xfrm>
-            <a:off x="3000000" y="2470000"/>
+            <a:off x="3672000" y="2999000"/>
             <a:ext cx="1800000" cy="160000"/>
           </a:xfrm>
           <a:prstGeom prst="rect">
@@ -11539,7 +12469,7 @@
         </p:nvSpPr>
         <p:spPr>
           <a:xfrm>
-            <a:off x="4800000" y="3100000"/>
+            <a:off x="5472000" y="3629000"/>
             <a:ext cx="1800000" cy="120000"/>
           </a:xfrm>
           <a:prstGeom prst="rightArrow">
@@ -11563,7 +12493,7 @@
         </p:nvSpPr>
         <p:spPr>
           <a:xfrm>
-            <a:off x="4800000" y="2920000"/>
+            <a:off x="5472000" y="3449000"/>
             <a:ext cx="1800000" cy="160000"/>
           </a:xfrm>
           <a:prstGeom prst="rect">
@@ -11596,7 +12526,7 @@
         </p:nvSpPr>
         <p:spPr>
           <a:xfrm>
-            <a:off x="4800000" y="3550000"/>
+            <a:off x="5472000" y="4079000"/>
             <a:ext cx="1800000" cy="120000"/>
           </a:xfrm>
           <a:prstGeom prst="leftArrow">
@@ -11620,7 +12550,7 @@
         </p:nvSpPr>
         <p:spPr>
           <a:xfrm>
-            <a:off x="4800000" y="3370000"/>
+            <a:off x="5472000" y="3899000"/>
             <a:ext cx="1800000" cy="160000"/>
           </a:xfrm>
           <a:prstGeom prst="rect">
@@ -11653,7 +12583,7 @@
         </p:nvSpPr>
         <p:spPr>
           <a:xfrm>
-            <a:off x="3000000" y="4000000"/>
+            <a:off x="3672000" y="4529000"/>
             <a:ext cx="1800000" cy="120000"/>
           </a:xfrm>
           <a:prstGeom prst="leftArrow">
@@ -11677,7 +12607,7 @@
         </p:nvSpPr>
         <p:spPr>
           <a:xfrm>
-            <a:off x="3000000" y="3820000"/>
+            <a:off x="3672000" y="4349000"/>
             <a:ext cx="1800000" cy="160000"/>
           </a:xfrm>
           <a:prstGeom prst="rect">
@@ -11710,7 +12640,7 @@
         </p:nvSpPr>
         <p:spPr>
           <a:xfrm>
-            <a:off x="1200000" y="4450000"/>
+            <a:off x="1872000" y="4979000"/>
             <a:ext cx="1800000" cy="120000"/>
           </a:xfrm>
           <a:prstGeom prst="leftArrow">
@@ -11734,7 +12664,7 @@
         </p:nvSpPr>
         <p:spPr>
           <a:xfrm>
-            <a:off x="1200000" y="4270000"/>
+            <a:off x="1872000" y="4799000"/>
             <a:ext cx="1800000" cy="160000"/>
           </a:xfrm>
           <a:prstGeom prst="rect">
